--- a/luan_van.pptx
+++ b/luan_van.pptx
@@ -5,7 +5,7 @@
     <p:sldMasterId id="2147483648" r:id="rId1"/>
   </p:sldMasterIdLst>
   <p:notesMasterIdLst>
-    <p:notesMasterId r:id="rId22"/>
+    <p:notesMasterId r:id="rId24"/>
   </p:notesMasterIdLst>
   <p:sldIdLst>
     <p:sldId id="256" r:id="rId2"/>
@@ -20,14 +20,16 @@
     <p:sldId id="282" r:id="rId11"/>
     <p:sldId id="316" r:id="rId12"/>
     <p:sldId id="274" r:id="rId13"/>
-    <p:sldId id="289" r:id="rId14"/>
-    <p:sldId id="317" r:id="rId15"/>
-    <p:sldId id="292" r:id="rId16"/>
-    <p:sldId id="318" r:id="rId17"/>
-    <p:sldId id="319" r:id="rId18"/>
-    <p:sldId id="296" r:id="rId19"/>
-    <p:sldId id="275" r:id="rId20"/>
-    <p:sldId id="262" r:id="rId21"/>
+    <p:sldId id="320" r:id="rId14"/>
+    <p:sldId id="321" r:id="rId15"/>
+    <p:sldId id="289" r:id="rId16"/>
+    <p:sldId id="317" r:id="rId17"/>
+    <p:sldId id="292" r:id="rId18"/>
+    <p:sldId id="318" r:id="rId19"/>
+    <p:sldId id="319" r:id="rId20"/>
+    <p:sldId id="296" r:id="rId21"/>
+    <p:sldId id="275" r:id="rId22"/>
+    <p:sldId id="262" r:id="rId23"/>
   </p:sldIdLst>
   <p:sldSz cx="9144000" cy="6858000" type="screen4x3"/>
   <p:notesSz cx="6858000" cy="9144000"/>
@@ -850,7 +852,7 @@
     </p:spTree>
     <p:extLst>
       <p:ext uri="{BB962C8B-B14F-4D97-AF65-F5344CB8AC3E}">
-        <p14:creationId xmlns:p14="http://schemas.microsoft.com/office/powerpoint/2010/main" val="734123033"/>
+        <p14:creationId xmlns:p14="http://schemas.microsoft.com/office/powerpoint/2010/main" val="1378319880"/>
       </p:ext>
     </p:extLst>
   </p:cSld>
@@ -934,7 +936,7 @@
     </p:spTree>
     <p:extLst>
       <p:ext uri="{BB962C8B-B14F-4D97-AF65-F5344CB8AC3E}">
-        <p14:creationId xmlns:p14="http://schemas.microsoft.com/office/powerpoint/2010/main" val="3537381700"/>
+        <p14:creationId xmlns:p14="http://schemas.microsoft.com/office/powerpoint/2010/main" val="332327994"/>
       </p:ext>
     </p:extLst>
   </p:cSld>
@@ -1018,7 +1020,7 @@
     </p:spTree>
     <p:extLst>
       <p:ext uri="{BB962C8B-B14F-4D97-AF65-F5344CB8AC3E}">
-        <p14:creationId xmlns:p14="http://schemas.microsoft.com/office/powerpoint/2010/main" val="4025123039"/>
+        <p14:creationId xmlns:p14="http://schemas.microsoft.com/office/powerpoint/2010/main" val="734123033"/>
       </p:ext>
     </p:extLst>
   </p:cSld>
@@ -1102,7 +1104,7 @@
     </p:spTree>
     <p:extLst>
       <p:ext uri="{BB962C8B-B14F-4D97-AF65-F5344CB8AC3E}">
-        <p14:creationId xmlns:p14="http://schemas.microsoft.com/office/powerpoint/2010/main" val="2155150916"/>
+        <p14:creationId xmlns:p14="http://schemas.microsoft.com/office/powerpoint/2010/main" val="3537381700"/>
       </p:ext>
     </p:extLst>
   </p:cSld>
@@ -1186,7 +1188,7 @@
     </p:spTree>
     <p:extLst>
       <p:ext uri="{BB962C8B-B14F-4D97-AF65-F5344CB8AC3E}">
-        <p14:creationId xmlns:p14="http://schemas.microsoft.com/office/powerpoint/2010/main" val="338427885"/>
+        <p14:creationId xmlns:p14="http://schemas.microsoft.com/office/powerpoint/2010/main" val="4025123039"/>
       </p:ext>
     </p:extLst>
   </p:cSld>
@@ -1270,7 +1272,7 @@
     </p:spTree>
     <p:extLst>
       <p:ext uri="{BB962C8B-B14F-4D97-AF65-F5344CB8AC3E}">
-        <p14:creationId xmlns:p14="http://schemas.microsoft.com/office/powerpoint/2010/main" val="385804527"/>
+        <p14:creationId xmlns:p14="http://schemas.microsoft.com/office/powerpoint/2010/main" val="2155150916"/>
       </p:ext>
     </p:extLst>
   </p:cSld>
@@ -1354,7 +1356,91 @@
     </p:spTree>
     <p:extLst>
       <p:ext uri="{BB962C8B-B14F-4D97-AF65-F5344CB8AC3E}">
-        <p14:creationId xmlns:p14="http://schemas.microsoft.com/office/powerpoint/2010/main" val="1595376712"/>
+        <p14:creationId xmlns:p14="http://schemas.microsoft.com/office/powerpoint/2010/main" val="338427885"/>
+      </p:ext>
+    </p:extLst>
+  </p:cSld>
+  <p:clrMapOvr>
+    <a:masterClrMapping/>
+  </p:clrMapOvr>
+</p:notes>
+</file>
+
+<file path=ppt/notesSlides/notesSlide19.xml><?xml version="1.0" encoding="utf-8"?>
+<p:notes xmlns:a="http://schemas.openxmlformats.org/drawingml/2006/main" xmlns:r="http://schemas.openxmlformats.org/officeDocument/2006/relationships" xmlns:p="http://schemas.openxmlformats.org/presentationml/2006/main">
+  <p:cSld>
+    <p:spTree>
+      <p:nvGrpSpPr>
+        <p:cNvPr id="1" name=""/>
+        <p:cNvGrpSpPr/>
+        <p:nvPr/>
+      </p:nvGrpSpPr>
+      <p:grpSpPr>
+        <a:xfrm>
+          <a:off x="0" y="0"/>
+          <a:ext cx="0" cy="0"/>
+          <a:chOff x="0" y="0"/>
+          <a:chExt cx="0" cy="0"/>
+        </a:xfrm>
+      </p:grpSpPr>
+      <p:sp>
+        <p:nvSpPr>
+          <p:cNvPr id="2" name="Slide Image Placeholder 1"/>
+          <p:cNvSpPr>
+            <a:spLocks noGrp="1" noRot="1" noChangeAspect="1"/>
+          </p:cNvSpPr>
+          <p:nvPr>
+            <p:ph type="sldImg"/>
+          </p:nvPr>
+        </p:nvSpPr>
+        <p:spPr/>
+      </p:sp>
+      <p:sp>
+        <p:nvSpPr>
+          <p:cNvPr id="3" name="Notes Placeholder 2"/>
+          <p:cNvSpPr>
+            <a:spLocks noGrp="1"/>
+          </p:cNvSpPr>
+          <p:nvPr>
+            <p:ph type="body" idx="1"/>
+          </p:nvPr>
+        </p:nvSpPr>
+        <p:spPr/>
+        <p:txBody>
+          <a:bodyPr/>
+          <a:lstStyle/>
+          <a:p>
+            <a:endParaRPr lang="en-US"/>
+          </a:p>
+        </p:txBody>
+      </p:sp>
+      <p:sp>
+        <p:nvSpPr>
+          <p:cNvPr id="4" name="Slide Number Placeholder 3"/>
+          <p:cNvSpPr>
+            <a:spLocks noGrp="1"/>
+          </p:cNvSpPr>
+          <p:nvPr>
+            <p:ph type="sldNum" sz="quarter" idx="5"/>
+          </p:nvPr>
+        </p:nvSpPr>
+        <p:spPr/>
+        <p:txBody>
+          <a:bodyPr/>
+          <a:lstStyle/>
+          <a:p>
+            <a:fld id="{6FB5670C-BF9F-4EF4-94A5-8CC70CC45FC8}" type="slidenum">
+              <a:rPr lang="en-US" smtClean="0"/>
+              <a:t>20</a:t>
+            </a:fld>
+            <a:endParaRPr lang="en-US"/>
+          </a:p>
+        </p:txBody>
+      </p:sp>
+    </p:spTree>
+    <p:extLst>
+      <p:ext uri="{BB962C8B-B14F-4D97-AF65-F5344CB8AC3E}">
+        <p14:creationId xmlns:p14="http://schemas.microsoft.com/office/powerpoint/2010/main" val="385804527"/>
       </p:ext>
     </p:extLst>
   </p:cSld>
@@ -1439,6 +1525,90 @@
     <p:extLst>
       <p:ext uri="{BB962C8B-B14F-4D97-AF65-F5344CB8AC3E}">
         <p14:creationId xmlns:p14="http://schemas.microsoft.com/office/powerpoint/2010/main" val="3797128609"/>
+      </p:ext>
+    </p:extLst>
+  </p:cSld>
+  <p:clrMapOvr>
+    <a:masterClrMapping/>
+  </p:clrMapOvr>
+</p:notes>
+</file>
+
+<file path=ppt/notesSlides/notesSlide20.xml><?xml version="1.0" encoding="utf-8"?>
+<p:notes xmlns:a="http://schemas.openxmlformats.org/drawingml/2006/main" xmlns:r="http://schemas.openxmlformats.org/officeDocument/2006/relationships" xmlns:p="http://schemas.openxmlformats.org/presentationml/2006/main">
+  <p:cSld>
+    <p:spTree>
+      <p:nvGrpSpPr>
+        <p:cNvPr id="1" name=""/>
+        <p:cNvGrpSpPr/>
+        <p:nvPr/>
+      </p:nvGrpSpPr>
+      <p:grpSpPr>
+        <a:xfrm>
+          <a:off x="0" y="0"/>
+          <a:ext cx="0" cy="0"/>
+          <a:chOff x="0" y="0"/>
+          <a:chExt cx="0" cy="0"/>
+        </a:xfrm>
+      </p:grpSpPr>
+      <p:sp>
+        <p:nvSpPr>
+          <p:cNvPr id="2" name="Slide Image Placeholder 1"/>
+          <p:cNvSpPr>
+            <a:spLocks noGrp="1" noRot="1" noChangeAspect="1"/>
+          </p:cNvSpPr>
+          <p:nvPr>
+            <p:ph type="sldImg"/>
+          </p:nvPr>
+        </p:nvSpPr>
+        <p:spPr/>
+      </p:sp>
+      <p:sp>
+        <p:nvSpPr>
+          <p:cNvPr id="3" name="Notes Placeholder 2"/>
+          <p:cNvSpPr>
+            <a:spLocks noGrp="1"/>
+          </p:cNvSpPr>
+          <p:nvPr>
+            <p:ph type="body" idx="1"/>
+          </p:nvPr>
+        </p:nvSpPr>
+        <p:spPr/>
+        <p:txBody>
+          <a:bodyPr/>
+          <a:lstStyle/>
+          <a:p>
+            <a:endParaRPr lang="en-US"/>
+          </a:p>
+        </p:txBody>
+      </p:sp>
+      <p:sp>
+        <p:nvSpPr>
+          <p:cNvPr id="4" name="Slide Number Placeholder 3"/>
+          <p:cNvSpPr>
+            <a:spLocks noGrp="1"/>
+          </p:cNvSpPr>
+          <p:nvPr>
+            <p:ph type="sldNum" sz="quarter" idx="5"/>
+          </p:nvPr>
+        </p:nvSpPr>
+        <p:spPr/>
+        <p:txBody>
+          <a:bodyPr/>
+          <a:lstStyle/>
+          <a:p>
+            <a:fld id="{6FB5670C-BF9F-4EF4-94A5-8CC70CC45FC8}" type="slidenum">
+              <a:rPr lang="en-US" smtClean="0"/>
+              <a:t>21</a:t>
+            </a:fld>
+            <a:endParaRPr lang="en-US"/>
+          </a:p>
+        </p:txBody>
+      </p:sp>
+    </p:spTree>
+    <p:extLst>
+      <p:ext uri="{BB962C8B-B14F-4D97-AF65-F5344CB8AC3E}">
+        <p14:creationId xmlns:p14="http://schemas.microsoft.com/office/powerpoint/2010/main" val="1595376712"/>
       </p:ext>
     </p:extLst>
   </p:cSld>
@@ -6653,6 +6823,1467 @@
           </a:bodyPr>
           <a:lstStyle/>
           <a:p>
+            <a:pPr marL="0" indent="0">
+              <a:buNone/>
+            </a:pPr>
+            <a:r>
+              <a:rPr lang="en-US" b="1"/>
+              <a:t>3.5 </a:t>
+            </a:r>
+            <a:r>
+              <a:rPr lang="en-US" sz="2900" b="1">
+                <a:solidFill>
+                  <a:schemeClr val="tx1"/>
+                </a:solidFill>
+              </a:rPr>
+              <a:t>Lưu thông tin VBCC trong Cơ sở dữ liệu</a:t>
+            </a:r>
+          </a:p>
+        </p:txBody>
+      </p:sp>
+      <p:sp>
+        <p:nvSpPr>
+          <p:cNvPr id="6" name="Slide Number Placeholder 5">
+            <a:extLst>
+              <a:ext uri="{FF2B5EF4-FFF2-40B4-BE49-F238E27FC236}">
+                <a16:creationId xmlns:a16="http://schemas.microsoft.com/office/drawing/2014/main" id="{6809C103-EE3A-49AA-AD83-BC96E24FE1B3}"/>
+              </a:ext>
+            </a:extLst>
+          </p:cNvPr>
+          <p:cNvSpPr>
+            <a:spLocks noGrp="1"/>
+          </p:cNvSpPr>
+          <p:nvPr>
+            <p:ph type="sldNum" sz="quarter" idx="12"/>
+          </p:nvPr>
+        </p:nvSpPr>
+        <p:spPr/>
+        <p:txBody>
+          <a:bodyPr/>
+          <a:lstStyle/>
+          <a:p>
+            <a:fld id="{37A4A606-66C4-4A6B-9750-DDC5E8BB73A2}" type="slidenum">
+              <a:rPr lang="en-US" smtClean="0"/>
+              <a:t>13</a:t>
+            </a:fld>
+            <a:endParaRPr lang="en-US"/>
+          </a:p>
+        </p:txBody>
+      </p:sp>
+      <p:graphicFrame>
+        <p:nvGraphicFramePr>
+          <p:cNvPr id="4" name="Table 4">
+            <a:extLst>
+              <a:ext uri="{FF2B5EF4-FFF2-40B4-BE49-F238E27FC236}">
+                <a16:creationId xmlns:a16="http://schemas.microsoft.com/office/drawing/2014/main" id="{FBB0F600-EC2A-4070-62A6-884117914D53}"/>
+              </a:ext>
+            </a:extLst>
+          </p:cNvPr>
+          <p:cNvGraphicFramePr>
+            <a:graphicFrameLocks noGrp="1"/>
+          </p:cNvGraphicFramePr>
+          <p:nvPr>
+            <p:extLst>
+              <p:ext uri="{D42A27DB-BD31-4B8C-83A1-F6EECF244321}">
+                <p14:modId xmlns:p14="http://schemas.microsoft.com/office/powerpoint/2010/main" val="960418412"/>
+              </p:ext>
+            </p:extLst>
+          </p:nvPr>
+        </p:nvGraphicFramePr>
+        <p:xfrm>
+          <a:off x="761998" y="2292378"/>
+          <a:ext cx="7848601" cy="3765440"/>
+        </p:xfrm>
+        <a:graphic>
+          <a:graphicData uri="http://schemas.openxmlformats.org/drawingml/2006/table">
+            <a:tbl>
+              <a:tblPr firstRow="1" bandRow="1">
+                <a:tableStyleId>{5940675A-B579-460E-94D1-54222C63F5DA}</a:tableStyleId>
+              </a:tblPr>
+              <a:tblGrid>
+                <a:gridCol w="685802">
+                  <a:extLst>
+                    <a:ext uri="{9D8B030D-6E8A-4147-A177-3AD203B41FA5}">
+                      <a16:colId xmlns:a16="http://schemas.microsoft.com/office/drawing/2014/main" val="3559340536"/>
+                    </a:ext>
+                  </a:extLst>
+                </a:gridCol>
+                <a:gridCol w="2286000">
+                  <a:extLst>
+                    <a:ext uri="{9D8B030D-6E8A-4147-A177-3AD203B41FA5}">
+                      <a16:colId xmlns:a16="http://schemas.microsoft.com/office/drawing/2014/main" val="3224071748"/>
+                    </a:ext>
+                  </a:extLst>
+                </a:gridCol>
+                <a:gridCol w="4876799">
+                  <a:extLst>
+                    <a:ext uri="{9D8B030D-6E8A-4147-A177-3AD203B41FA5}">
+                      <a16:colId xmlns:a16="http://schemas.microsoft.com/office/drawing/2014/main" val="3108891727"/>
+                    </a:ext>
+                  </a:extLst>
+                </a:gridCol>
+              </a:tblGrid>
+              <a:tr h="419020">
+                <a:tc>
+                  <a:txBody>
+                    <a:bodyPr/>
+                    <a:lstStyle/>
+                    <a:p>
+                      <a:pPr algn="ctr"/>
+                      <a:r>
+                        <a:rPr lang="en-US" sz="2000"/>
+                        <a:t>STT</a:t>
+                      </a:r>
+                      <a:endParaRPr lang="en-001" sz="2000"/>
+                    </a:p>
+                  </a:txBody>
+                  <a:tcPr/>
+                </a:tc>
+                <a:tc>
+                  <a:txBody>
+                    <a:bodyPr/>
+                    <a:lstStyle/>
+                    <a:p>
+                      <a:pPr algn="ctr"/>
+                      <a:r>
+                        <a:rPr lang="en-US" sz="2000"/>
+                        <a:t>Tên trường</a:t>
+                      </a:r>
+                      <a:endParaRPr lang="en-001" sz="2000"/>
+                    </a:p>
+                  </a:txBody>
+                  <a:tcPr/>
+                </a:tc>
+                <a:tc>
+                  <a:txBody>
+                    <a:bodyPr/>
+                    <a:lstStyle/>
+                    <a:p>
+                      <a:pPr algn="ctr"/>
+                      <a:r>
+                        <a:rPr lang="en-US" sz="2000"/>
+                        <a:t>Diễn giải</a:t>
+                      </a:r>
+                      <a:endParaRPr lang="en-001" sz="2000"/>
+                    </a:p>
+                  </a:txBody>
+                  <a:tcPr/>
+                </a:tc>
+                <a:extLst>
+                  <a:ext uri="{0D108BD9-81ED-4DB2-BD59-A6C34878D82A}">
+                    <a16:rowId xmlns:a16="http://schemas.microsoft.com/office/drawing/2014/main" val="790301797"/>
+                  </a:ext>
+                </a:extLst>
+              </a:tr>
+              <a:tr h="419020">
+                <a:tc>
+                  <a:txBody>
+                    <a:bodyPr/>
+                    <a:lstStyle/>
+                    <a:p>
+                      <a:pPr algn="ctr"/>
+                      <a:r>
+                        <a:rPr lang="en-US" sz="2000"/>
+                        <a:t>1</a:t>
+                      </a:r>
+                      <a:endParaRPr lang="en-001" sz="2000"/>
+                    </a:p>
+                  </a:txBody>
+                  <a:tcPr/>
+                </a:tc>
+                <a:tc>
+                  <a:txBody>
+                    <a:bodyPr/>
+                    <a:lstStyle/>
+                    <a:p>
+                      <a:r>
+                        <a:rPr lang="en-US" sz="2000"/>
+                        <a:t>studentName</a:t>
+                      </a:r>
+                      <a:endParaRPr lang="en-001" sz="2000"/>
+                    </a:p>
+                  </a:txBody>
+                  <a:tcPr/>
+                </a:tc>
+                <a:tc>
+                  <a:txBody>
+                    <a:bodyPr/>
+                    <a:lstStyle/>
+                    <a:p>
+                      <a:r>
+                        <a:rPr lang="en-US" sz="2000" kern="1200">
+                          <a:solidFill>
+                            <a:schemeClr val="tx1"/>
+                          </a:solidFill>
+                          <a:latin typeface="Calibri" panose="020F0502020204030204" pitchFamily="34" charset="0"/>
+                          <a:ea typeface="+mn-ea"/>
+                          <a:cs typeface="Calibri" panose="020F0502020204030204" pitchFamily="34" charset="0"/>
+                        </a:rPr>
+                        <a:t>Họ tên người được cấp VBCC</a:t>
+                      </a:r>
+                      <a:endParaRPr lang="en-001" sz="2000" kern="1200">
+                        <a:solidFill>
+                          <a:schemeClr val="tx1"/>
+                        </a:solidFill>
+                        <a:latin typeface="Calibri" panose="020F0502020204030204" pitchFamily="34" charset="0"/>
+                        <a:ea typeface="+mn-ea"/>
+                        <a:cs typeface="Calibri" panose="020F0502020204030204" pitchFamily="34" charset="0"/>
+                      </a:endParaRPr>
+                    </a:p>
+                  </a:txBody>
+                  <a:tcPr/>
+                </a:tc>
+                <a:extLst>
+                  <a:ext uri="{0D108BD9-81ED-4DB2-BD59-A6C34878D82A}">
+                    <a16:rowId xmlns:a16="http://schemas.microsoft.com/office/drawing/2014/main" val="1124536117"/>
+                  </a:ext>
+                </a:extLst>
+              </a:tr>
+              <a:tr h="419020">
+                <a:tc>
+                  <a:txBody>
+                    <a:bodyPr/>
+                    <a:lstStyle/>
+                    <a:p>
+                      <a:pPr algn="ctr"/>
+                      <a:r>
+                        <a:rPr lang="en-US" sz="2000"/>
+                        <a:t>2</a:t>
+                      </a:r>
+                      <a:endParaRPr lang="en-001" sz="2000"/>
+                    </a:p>
+                  </a:txBody>
+                  <a:tcPr/>
+                </a:tc>
+                <a:tc>
+                  <a:txBody>
+                    <a:bodyPr/>
+                    <a:lstStyle/>
+                    <a:p>
+                      <a:r>
+                        <a:rPr lang="en-US" sz="2000"/>
+                        <a:t>studentEmail</a:t>
+                      </a:r>
+                      <a:endParaRPr lang="en-001" sz="2000"/>
+                    </a:p>
+                  </a:txBody>
+                  <a:tcPr/>
+                </a:tc>
+                <a:tc>
+                  <a:txBody>
+                    <a:bodyPr/>
+                    <a:lstStyle/>
+                    <a:p>
+                      <a:r>
+                        <a:rPr lang="en-US" sz="2000"/>
+                        <a:t>Email</a:t>
+                      </a:r>
+                      <a:endParaRPr lang="en-001" sz="2000"/>
+                    </a:p>
+                  </a:txBody>
+                  <a:tcPr/>
+                </a:tc>
+                <a:extLst>
+                  <a:ext uri="{0D108BD9-81ED-4DB2-BD59-A6C34878D82A}">
+                    <a16:rowId xmlns:a16="http://schemas.microsoft.com/office/drawing/2014/main" val="506301560"/>
+                  </a:ext>
+                </a:extLst>
+              </a:tr>
+              <a:tr h="413280">
+                <a:tc>
+                  <a:txBody>
+                    <a:bodyPr/>
+                    <a:lstStyle/>
+                    <a:p>
+                      <a:pPr algn="ctr"/>
+                      <a:r>
+                        <a:rPr lang="en-US" sz="2000"/>
+                        <a:t>3</a:t>
+                      </a:r>
+                      <a:endParaRPr lang="en-001" sz="2000"/>
+                    </a:p>
+                  </a:txBody>
+                  <a:tcPr/>
+                </a:tc>
+                <a:tc>
+                  <a:txBody>
+                    <a:bodyPr/>
+                    <a:lstStyle/>
+                    <a:p>
+                      <a:r>
+                        <a:rPr lang="en-US" sz="2000"/>
+                        <a:t>studentID</a:t>
+                      </a:r>
+                      <a:endParaRPr lang="en-001" sz="2000"/>
+                    </a:p>
+                  </a:txBody>
+                  <a:tcPr/>
+                </a:tc>
+                <a:tc>
+                  <a:txBody>
+                    <a:bodyPr/>
+                    <a:lstStyle/>
+                    <a:p>
+                      <a:pPr marL="0" marR="0" lvl="0" indent="0" algn="l" defTabSz="914400" rtl="0" eaLnBrk="1" fontAlgn="auto" latinLnBrk="0" hangingPunct="1">
+                        <a:lnSpc>
+                          <a:spcPct val="100000"/>
+                        </a:lnSpc>
+                        <a:spcBef>
+                          <a:spcPts val="0"/>
+                        </a:spcBef>
+                        <a:spcAft>
+                          <a:spcPts val="0"/>
+                        </a:spcAft>
+                        <a:buClrTx/>
+                        <a:buSzTx/>
+                        <a:buFontTx/>
+                        <a:buNone/>
+                        <a:tabLst/>
+                        <a:defRPr/>
+                      </a:pPr>
+                      <a:r>
+                        <a:rPr lang="en-US" sz="2000"/>
+                        <a:t>Mã số</a:t>
+                      </a:r>
+                      <a:endParaRPr lang="en-001" sz="2000"/>
+                    </a:p>
+                  </a:txBody>
+                  <a:tcPr/>
+                </a:tc>
+                <a:extLst>
+                  <a:ext uri="{0D108BD9-81ED-4DB2-BD59-A6C34878D82A}">
+                    <a16:rowId xmlns:a16="http://schemas.microsoft.com/office/drawing/2014/main" val="1200163065"/>
+                  </a:ext>
+                </a:extLst>
+              </a:tr>
+              <a:tr h="419020">
+                <a:tc>
+                  <a:txBody>
+                    <a:bodyPr/>
+                    <a:lstStyle/>
+                    <a:p>
+                      <a:pPr algn="ctr"/>
+                      <a:r>
+                        <a:rPr lang="en-US" sz="2000"/>
+                        <a:t>4</a:t>
+                      </a:r>
+                      <a:endParaRPr lang="en-001" sz="2000"/>
+                    </a:p>
+                  </a:txBody>
+                  <a:tcPr/>
+                </a:tc>
+                <a:tc>
+                  <a:txBody>
+                    <a:bodyPr/>
+                    <a:lstStyle/>
+                    <a:p>
+                      <a:r>
+                        <a:rPr lang="en-US" sz="2000"/>
+                        <a:t>birthday</a:t>
+                      </a:r>
+                      <a:endParaRPr lang="en-001" sz="2000"/>
+                    </a:p>
+                  </a:txBody>
+                  <a:tcPr/>
+                </a:tc>
+                <a:tc>
+                  <a:txBody>
+                    <a:bodyPr/>
+                    <a:lstStyle/>
+                    <a:p>
+                      <a:r>
+                        <a:rPr lang="en-US" sz="2000"/>
+                        <a:t>Ngày sinh</a:t>
+                      </a:r>
+                      <a:endParaRPr lang="en-001" sz="2000"/>
+                    </a:p>
+                  </a:txBody>
+                  <a:tcPr/>
+                </a:tc>
+                <a:extLst>
+                  <a:ext uri="{0D108BD9-81ED-4DB2-BD59-A6C34878D82A}">
+                    <a16:rowId xmlns:a16="http://schemas.microsoft.com/office/drawing/2014/main" val="691366785"/>
+                  </a:ext>
+                </a:extLst>
+              </a:tr>
+              <a:tr h="419020">
+                <a:tc>
+                  <a:txBody>
+                    <a:bodyPr/>
+                    <a:lstStyle/>
+                    <a:p>
+                      <a:pPr algn="ctr"/>
+                      <a:r>
+                        <a:rPr lang="en-US" sz="2000"/>
+                        <a:t>5</a:t>
+                      </a:r>
+                      <a:endParaRPr lang="en-001" sz="2000"/>
+                    </a:p>
+                  </a:txBody>
+                  <a:tcPr/>
+                </a:tc>
+                <a:tc>
+                  <a:txBody>
+                    <a:bodyPr/>
+                    <a:lstStyle/>
+                    <a:p>
+                      <a:r>
+                        <a:rPr lang="en-US" sz="2000"/>
+                        <a:t>place</a:t>
+                      </a:r>
+                      <a:endParaRPr lang="en-001" sz="2000"/>
+                    </a:p>
+                  </a:txBody>
+                  <a:tcPr/>
+                </a:tc>
+                <a:tc>
+                  <a:txBody>
+                    <a:bodyPr/>
+                    <a:lstStyle/>
+                    <a:p>
+                      <a:r>
+                        <a:rPr lang="en-US" sz="2000"/>
+                        <a:t>Nơi sinh</a:t>
+                      </a:r>
+                      <a:endParaRPr lang="en-001" sz="2000"/>
+                    </a:p>
+                  </a:txBody>
+                  <a:tcPr/>
+                </a:tc>
+                <a:extLst>
+                  <a:ext uri="{0D108BD9-81ED-4DB2-BD59-A6C34878D82A}">
+                    <a16:rowId xmlns:a16="http://schemas.microsoft.com/office/drawing/2014/main" val="924585243"/>
+                  </a:ext>
+                </a:extLst>
+              </a:tr>
+              <a:tr h="419020">
+                <a:tc>
+                  <a:txBody>
+                    <a:bodyPr/>
+                    <a:lstStyle/>
+                    <a:p>
+                      <a:pPr algn="ctr"/>
+                      <a:r>
+                        <a:rPr lang="en-US" sz="2000"/>
+                        <a:t>6</a:t>
+                      </a:r>
+                      <a:endParaRPr lang="en-001" sz="2000"/>
+                    </a:p>
+                  </a:txBody>
+                  <a:tcPr/>
+                </a:tc>
+                <a:tc>
+                  <a:txBody>
+                    <a:bodyPr/>
+                    <a:lstStyle/>
+                    <a:p>
+                      <a:r>
+                        <a:rPr lang="en-US" sz="2000"/>
+                        <a:t>gender</a:t>
+                      </a:r>
+                      <a:endParaRPr lang="en-001" sz="2000"/>
+                    </a:p>
+                  </a:txBody>
+                  <a:tcPr/>
+                </a:tc>
+                <a:tc>
+                  <a:txBody>
+                    <a:bodyPr/>
+                    <a:lstStyle/>
+                    <a:p>
+                      <a:r>
+                        <a:rPr lang="en-US" sz="2000"/>
+                        <a:t>Giới tính</a:t>
+                      </a:r>
+                      <a:endParaRPr lang="en-001" sz="2000"/>
+                    </a:p>
+                  </a:txBody>
+                  <a:tcPr/>
+                </a:tc>
+                <a:extLst>
+                  <a:ext uri="{0D108BD9-81ED-4DB2-BD59-A6C34878D82A}">
+                    <a16:rowId xmlns:a16="http://schemas.microsoft.com/office/drawing/2014/main" val="1903351629"/>
+                  </a:ext>
+                </a:extLst>
+              </a:tr>
+              <a:tr h="419020">
+                <a:tc>
+                  <a:txBody>
+                    <a:bodyPr/>
+                    <a:lstStyle/>
+                    <a:p>
+                      <a:pPr algn="ctr"/>
+                      <a:r>
+                        <a:rPr lang="en-US" sz="2000"/>
+                        <a:t>7</a:t>
+                      </a:r>
+                      <a:endParaRPr lang="en-001" sz="2000"/>
+                    </a:p>
+                  </a:txBody>
+                  <a:tcPr/>
+                </a:tc>
+                <a:tc>
+                  <a:txBody>
+                    <a:bodyPr/>
+                    <a:lstStyle/>
+                    <a:p>
+                      <a:r>
+                        <a:rPr lang="en-US" sz="2000"/>
+                        <a:t>ethnic</a:t>
+                      </a:r>
+                      <a:endParaRPr lang="en-001" sz="2000"/>
+                    </a:p>
+                  </a:txBody>
+                  <a:tcPr/>
+                </a:tc>
+                <a:tc>
+                  <a:txBody>
+                    <a:bodyPr/>
+                    <a:lstStyle/>
+                    <a:p>
+                      <a:r>
+                        <a:rPr lang="en-US" sz="2000"/>
+                        <a:t>Dân tộc</a:t>
+                      </a:r>
+                      <a:endParaRPr lang="en-001" sz="2000"/>
+                    </a:p>
+                  </a:txBody>
+                  <a:tcPr/>
+                </a:tc>
+                <a:extLst>
+                  <a:ext uri="{0D108BD9-81ED-4DB2-BD59-A6C34878D82A}">
+                    <a16:rowId xmlns:a16="http://schemas.microsoft.com/office/drawing/2014/main" val="2769136045"/>
+                  </a:ext>
+                </a:extLst>
+              </a:tr>
+              <a:tr h="419020">
+                <a:tc>
+                  <a:txBody>
+                    <a:bodyPr/>
+                    <a:lstStyle/>
+                    <a:p>
+                      <a:pPr algn="ctr"/>
+                      <a:r>
+                        <a:rPr lang="en-US" sz="2000"/>
+                        <a:t>8</a:t>
+                      </a:r>
+                      <a:endParaRPr lang="en-001" sz="2000"/>
+                    </a:p>
+                  </a:txBody>
+                  <a:tcPr/>
+                </a:tc>
+                <a:tc>
+                  <a:txBody>
+                    <a:bodyPr/>
+                    <a:lstStyle/>
+                    <a:p>
+                      <a:r>
+                        <a:rPr lang="en-US" sz="2000"/>
+                        <a:t>universityName</a:t>
+                      </a:r>
+                      <a:endParaRPr lang="en-001" sz="2000"/>
+                    </a:p>
+                  </a:txBody>
+                  <a:tcPr/>
+                </a:tc>
+                <a:tc>
+                  <a:txBody>
+                    <a:bodyPr/>
+                    <a:lstStyle/>
+                    <a:p>
+                      <a:r>
+                        <a:rPr lang="vi-VN" sz="2000" kern="1200">
+                          <a:solidFill>
+                            <a:schemeClr val="tx1"/>
+                          </a:solidFill>
+                          <a:latin typeface="Calibri" panose="020F0502020204030204" pitchFamily="34" charset="0"/>
+                          <a:ea typeface="+mn-ea"/>
+                          <a:cs typeface="Calibri" panose="020F0502020204030204" pitchFamily="34" charset="0"/>
+                        </a:rPr>
+                        <a:t>Tên trường cấp VBCC</a:t>
+                      </a:r>
+                      <a:endParaRPr lang="en-001" sz="2000" kern="1200">
+                        <a:solidFill>
+                          <a:schemeClr val="tx1"/>
+                        </a:solidFill>
+                        <a:latin typeface="Calibri" panose="020F0502020204030204" pitchFamily="34" charset="0"/>
+                        <a:ea typeface="+mn-ea"/>
+                        <a:cs typeface="Calibri" panose="020F0502020204030204" pitchFamily="34" charset="0"/>
+                      </a:endParaRPr>
+                    </a:p>
+                  </a:txBody>
+                  <a:tcPr/>
+                </a:tc>
+                <a:extLst>
+                  <a:ext uri="{0D108BD9-81ED-4DB2-BD59-A6C34878D82A}">
+                    <a16:rowId xmlns:a16="http://schemas.microsoft.com/office/drawing/2014/main" val="2800431844"/>
+                  </a:ext>
+                </a:extLst>
+              </a:tr>
+            </a:tbl>
+          </a:graphicData>
+        </a:graphic>
+      </p:graphicFrame>
+    </p:spTree>
+    <p:extLst>
+      <p:ext uri="{BB962C8B-B14F-4D97-AF65-F5344CB8AC3E}">
+        <p14:creationId xmlns:p14="http://schemas.microsoft.com/office/powerpoint/2010/main" val="303869620"/>
+      </p:ext>
+    </p:extLst>
+  </p:cSld>
+  <p:clrMapOvr>
+    <a:masterClrMapping/>
+  </p:clrMapOvr>
+</p:sld>
+</file>
+
+<file path=ppt/slides/slide14.xml><?xml version="1.0" encoding="utf-8"?>
+<p:sld xmlns:a="http://schemas.openxmlformats.org/drawingml/2006/main" xmlns:r="http://schemas.openxmlformats.org/officeDocument/2006/relationships" xmlns:p="http://schemas.openxmlformats.org/presentationml/2006/main">
+  <p:cSld>
+    <p:spTree>
+      <p:nvGrpSpPr>
+        <p:cNvPr id="1" name=""/>
+        <p:cNvGrpSpPr/>
+        <p:nvPr/>
+      </p:nvGrpSpPr>
+      <p:grpSpPr>
+        <a:xfrm>
+          <a:off x="0" y="0"/>
+          <a:ext cx="0" cy="0"/>
+          <a:chOff x="0" y="0"/>
+          <a:chExt cx="0" cy="0"/>
+        </a:xfrm>
+      </p:grpSpPr>
+      <p:sp>
+        <p:nvSpPr>
+          <p:cNvPr id="2" name="Title 1">
+            <a:extLst>
+              <a:ext uri="{FF2B5EF4-FFF2-40B4-BE49-F238E27FC236}">
+                <a16:creationId xmlns:a16="http://schemas.microsoft.com/office/drawing/2014/main" id="{70B474FB-8BDA-4F94-86DC-2B797B33C1DA}"/>
+              </a:ext>
+            </a:extLst>
+          </p:cNvPr>
+          <p:cNvSpPr>
+            <a:spLocks noGrp="1"/>
+          </p:cNvSpPr>
+          <p:nvPr>
+            <p:ph type="title"/>
+          </p:nvPr>
+        </p:nvSpPr>
+        <p:spPr/>
+        <p:txBody>
+          <a:bodyPr/>
+          <a:lstStyle/>
+          <a:p>
+            <a:r>
+              <a:rPr lang="en-US"/>
+              <a:t> 3. </a:t>
+            </a:r>
+            <a:r>
+              <a:rPr lang="en-US" err="1"/>
+              <a:t>Phương</a:t>
+            </a:r>
+            <a:r>
+              <a:rPr lang="en-US"/>
+              <a:t> </a:t>
+            </a:r>
+            <a:r>
+              <a:rPr lang="en-US" err="1"/>
+              <a:t>pháp</a:t>
+            </a:r>
+            <a:r>
+              <a:rPr lang="en-US"/>
+              <a:t> </a:t>
+            </a:r>
+            <a:r>
+              <a:rPr lang="en-US" err="1"/>
+              <a:t>thực</a:t>
+            </a:r>
+            <a:r>
+              <a:rPr lang="en-US"/>
+              <a:t> </a:t>
+            </a:r>
+            <a:r>
+              <a:rPr lang="en-US" err="1"/>
+              <a:t>hiện</a:t>
+            </a:r>
+            <a:endParaRPr lang="en-US"/>
+          </a:p>
+        </p:txBody>
+      </p:sp>
+      <p:sp>
+        <p:nvSpPr>
+          <p:cNvPr id="3" name="Content Placeholder 2">
+            <a:extLst>
+              <a:ext uri="{FF2B5EF4-FFF2-40B4-BE49-F238E27FC236}">
+                <a16:creationId xmlns:a16="http://schemas.microsoft.com/office/drawing/2014/main" id="{938E8B90-BB10-417C-BB3B-436BE0A3F89D}"/>
+              </a:ext>
+            </a:extLst>
+          </p:cNvPr>
+          <p:cNvSpPr>
+            <a:spLocks noGrp="1"/>
+          </p:cNvSpPr>
+          <p:nvPr>
+            <p:ph idx="1"/>
+          </p:nvPr>
+        </p:nvSpPr>
+        <p:spPr/>
+        <p:txBody>
+          <a:bodyPr>
+            <a:normAutofit/>
+          </a:bodyPr>
+          <a:lstStyle/>
+          <a:p>
+            <a:pPr marL="0" indent="0">
+              <a:buNone/>
+            </a:pPr>
+            <a:r>
+              <a:rPr lang="en-US" b="1"/>
+              <a:t>3.5 </a:t>
+            </a:r>
+            <a:r>
+              <a:rPr lang="en-US" sz="2900" b="1">
+                <a:solidFill>
+                  <a:schemeClr val="tx1"/>
+                </a:solidFill>
+              </a:rPr>
+              <a:t>Lưu thông tin VBCC trong Cơ sở dữ liệu</a:t>
+            </a:r>
+          </a:p>
+        </p:txBody>
+      </p:sp>
+      <p:sp>
+        <p:nvSpPr>
+          <p:cNvPr id="6" name="Slide Number Placeholder 5">
+            <a:extLst>
+              <a:ext uri="{FF2B5EF4-FFF2-40B4-BE49-F238E27FC236}">
+                <a16:creationId xmlns:a16="http://schemas.microsoft.com/office/drawing/2014/main" id="{6809C103-EE3A-49AA-AD83-BC96E24FE1B3}"/>
+              </a:ext>
+            </a:extLst>
+          </p:cNvPr>
+          <p:cNvSpPr>
+            <a:spLocks noGrp="1"/>
+          </p:cNvSpPr>
+          <p:nvPr>
+            <p:ph type="sldNum" sz="quarter" idx="12"/>
+          </p:nvPr>
+        </p:nvSpPr>
+        <p:spPr/>
+        <p:txBody>
+          <a:bodyPr/>
+          <a:lstStyle/>
+          <a:p>
+            <a:fld id="{37A4A606-66C4-4A6B-9750-DDC5E8BB73A2}" type="slidenum">
+              <a:rPr lang="en-US" smtClean="0"/>
+              <a:t>14</a:t>
+            </a:fld>
+            <a:endParaRPr lang="en-US"/>
+          </a:p>
+        </p:txBody>
+      </p:sp>
+      <p:graphicFrame>
+        <p:nvGraphicFramePr>
+          <p:cNvPr id="4" name="Table 4">
+            <a:extLst>
+              <a:ext uri="{FF2B5EF4-FFF2-40B4-BE49-F238E27FC236}">
+                <a16:creationId xmlns:a16="http://schemas.microsoft.com/office/drawing/2014/main" id="{FBB0F600-EC2A-4070-62A6-884117914D53}"/>
+              </a:ext>
+            </a:extLst>
+          </p:cNvPr>
+          <p:cNvGraphicFramePr>
+            <a:graphicFrameLocks noGrp="1"/>
+          </p:cNvGraphicFramePr>
+          <p:nvPr>
+            <p:extLst>
+              <p:ext uri="{D42A27DB-BD31-4B8C-83A1-F6EECF244321}">
+                <p14:modId xmlns:p14="http://schemas.microsoft.com/office/powerpoint/2010/main" val="3892008092"/>
+              </p:ext>
+            </p:extLst>
+          </p:nvPr>
+        </p:nvGraphicFramePr>
+        <p:xfrm>
+          <a:off x="761998" y="2292378"/>
+          <a:ext cx="7848601" cy="3765440"/>
+        </p:xfrm>
+        <a:graphic>
+          <a:graphicData uri="http://schemas.openxmlformats.org/drawingml/2006/table">
+            <a:tbl>
+              <a:tblPr firstRow="1" bandRow="1">
+                <a:tableStyleId>{5940675A-B579-460E-94D1-54222C63F5DA}</a:tableStyleId>
+              </a:tblPr>
+              <a:tblGrid>
+                <a:gridCol w="685802">
+                  <a:extLst>
+                    <a:ext uri="{9D8B030D-6E8A-4147-A177-3AD203B41FA5}">
+                      <a16:colId xmlns:a16="http://schemas.microsoft.com/office/drawing/2014/main" val="3559340536"/>
+                    </a:ext>
+                  </a:extLst>
+                </a:gridCol>
+                <a:gridCol w="2286000">
+                  <a:extLst>
+                    <a:ext uri="{9D8B030D-6E8A-4147-A177-3AD203B41FA5}">
+                      <a16:colId xmlns:a16="http://schemas.microsoft.com/office/drawing/2014/main" val="3224071748"/>
+                    </a:ext>
+                  </a:extLst>
+                </a:gridCol>
+                <a:gridCol w="4876799">
+                  <a:extLst>
+                    <a:ext uri="{9D8B030D-6E8A-4147-A177-3AD203B41FA5}">
+                      <a16:colId xmlns:a16="http://schemas.microsoft.com/office/drawing/2014/main" val="3108891727"/>
+                    </a:ext>
+                  </a:extLst>
+                </a:gridCol>
+              </a:tblGrid>
+              <a:tr h="419020">
+                <a:tc>
+                  <a:txBody>
+                    <a:bodyPr/>
+                    <a:lstStyle/>
+                    <a:p>
+                      <a:pPr algn="ctr"/>
+                      <a:r>
+                        <a:rPr lang="en-US" sz="2000"/>
+                        <a:t>STT</a:t>
+                      </a:r>
+                      <a:endParaRPr lang="en-001" sz="2000"/>
+                    </a:p>
+                  </a:txBody>
+                  <a:tcPr/>
+                </a:tc>
+                <a:tc>
+                  <a:txBody>
+                    <a:bodyPr/>
+                    <a:lstStyle/>
+                    <a:p>
+                      <a:pPr algn="ctr"/>
+                      <a:r>
+                        <a:rPr lang="en-US" sz="2000"/>
+                        <a:t>Tên trường</a:t>
+                      </a:r>
+                      <a:endParaRPr lang="en-001" sz="2000"/>
+                    </a:p>
+                  </a:txBody>
+                  <a:tcPr/>
+                </a:tc>
+                <a:tc>
+                  <a:txBody>
+                    <a:bodyPr/>
+                    <a:lstStyle/>
+                    <a:p>
+                      <a:pPr algn="ctr"/>
+                      <a:r>
+                        <a:rPr lang="en-US" sz="2000"/>
+                        <a:t>Diễn giải</a:t>
+                      </a:r>
+                      <a:endParaRPr lang="en-001" sz="2000"/>
+                    </a:p>
+                  </a:txBody>
+                  <a:tcPr/>
+                </a:tc>
+                <a:extLst>
+                  <a:ext uri="{0D108BD9-81ED-4DB2-BD59-A6C34878D82A}">
+                    <a16:rowId xmlns:a16="http://schemas.microsoft.com/office/drawing/2014/main" val="790301797"/>
+                  </a:ext>
+                </a:extLst>
+              </a:tr>
+              <a:tr h="419020">
+                <a:tc>
+                  <a:txBody>
+                    <a:bodyPr/>
+                    <a:lstStyle/>
+                    <a:p>
+                      <a:pPr algn="ctr"/>
+                      <a:r>
+                        <a:rPr lang="en-US" sz="2000"/>
+                        <a:t>9</a:t>
+                      </a:r>
+                      <a:endParaRPr lang="en-001" sz="2000"/>
+                    </a:p>
+                  </a:txBody>
+                  <a:tcPr/>
+                </a:tc>
+                <a:tc>
+                  <a:txBody>
+                    <a:bodyPr/>
+                    <a:lstStyle/>
+                    <a:p>
+                      <a:r>
+                        <a:rPr lang="en-US" sz="2000"/>
+                        <a:t>universityEmail</a:t>
+                      </a:r>
+                      <a:endParaRPr lang="en-001" sz="2000"/>
+                    </a:p>
+                  </a:txBody>
+                  <a:tcPr/>
+                </a:tc>
+                <a:tc>
+                  <a:txBody>
+                    <a:bodyPr/>
+                    <a:lstStyle/>
+                    <a:p>
+                      <a:r>
+                        <a:rPr lang="vi-VN" sz="2000" kern="1200">
+                          <a:solidFill>
+                            <a:schemeClr val="tx1"/>
+                          </a:solidFill>
+                          <a:latin typeface="Calibri" panose="020F0502020204030204" pitchFamily="34" charset="0"/>
+                          <a:ea typeface="+mn-ea"/>
+                          <a:cs typeface="Calibri" panose="020F0502020204030204" pitchFamily="34" charset="0"/>
+                        </a:rPr>
+                        <a:t>Email</a:t>
+                      </a:r>
+                      <a:r>
+                        <a:rPr lang="en-US" sz="2000" kern="1200">
+                          <a:solidFill>
+                            <a:schemeClr val="tx1"/>
+                          </a:solidFill>
+                          <a:latin typeface="Calibri" panose="020F0502020204030204" pitchFamily="34" charset="0"/>
+                          <a:ea typeface="+mn-ea"/>
+                          <a:cs typeface="Calibri" panose="020F0502020204030204" pitchFamily="34" charset="0"/>
+                        </a:rPr>
+                        <a:t> của</a:t>
+                      </a:r>
+                      <a:r>
+                        <a:rPr lang="vi-VN" sz="2000" kern="1200">
+                          <a:solidFill>
+                            <a:schemeClr val="tx1"/>
+                          </a:solidFill>
+                          <a:latin typeface="Calibri" panose="020F0502020204030204" pitchFamily="34" charset="0"/>
+                          <a:ea typeface="+mn-ea"/>
+                          <a:cs typeface="Calibri" panose="020F0502020204030204" pitchFamily="34" charset="0"/>
+                        </a:rPr>
+                        <a:t> trường cấp VBCC</a:t>
+                      </a:r>
+                      <a:endParaRPr lang="en-001" sz="2000" kern="1200">
+                        <a:solidFill>
+                          <a:schemeClr val="tx1"/>
+                        </a:solidFill>
+                        <a:latin typeface="Calibri" panose="020F0502020204030204" pitchFamily="34" charset="0"/>
+                        <a:ea typeface="+mn-ea"/>
+                        <a:cs typeface="Calibri" panose="020F0502020204030204" pitchFamily="34" charset="0"/>
+                      </a:endParaRPr>
+                    </a:p>
+                  </a:txBody>
+                  <a:tcPr/>
+                </a:tc>
+                <a:extLst>
+                  <a:ext uri="{0D108BD9-81ED-4DB2-BD59-A6C34878D82A}">
+                    <a16:rowId xmlns:a16="http://schemas.microsoft.com/office/drawing/2014/main" val="1124536117"/>
+                  </a:ext>
+                </a:extLst>
+              </a:tr>
+              <a:tr h="419020">
+                <a:tc>
+                  <a:txBody>
+                    <a:bodyPr/>
+                    <a:lstStyle/>
+                    <a:p>
+                      <a:pPr algn="ctr"/>
+                      <a:r>
+                        <a:rPr lang="en-US" sz="2000"/>
+                        <a:t>10</a:t>
+                      </a:r>
+                      <a:endParaRPr lang="en-001" sz="2000"/>
+                    </a:p>
+                  </a:txBody>
+                  <a:tcPr/>
+                </a:tc>
+                <a:tc>
+                  <a:txBody>
+                    <a:bodyPr/>
+                    <a:lstStyle/>
+                    <a:p>
+                      <a:r>
+                        <a:rPr lang="en-US" sz="2000"/>
+                        <a:t>major</a:t>
+                      </a:r>
+                      <a:endParaRPr lang="en-001" sz="2000"/>
+                    </a:p>
+                  </a:txBody>
+                  <a:tcPr/>
+                </a:tc>
+                <a:tc>
+                  <a:txBody>
+                    <a:bodyPr/>
+                    <a:lstStyle/>
+                    <a:p>
+                      <a:r>
+                        <a:rPr lang="en-US" sz="2000"/>
+                        <a:t>Tên chứng chỉ</a:t>
+                      </a:r>
+                      <a:endParaRPr lang="en-001" sz="2000"/>
+                    </a:p>
+                  </a:txBody>
+                  <a:tcPr/>
+                </a:tc>
+                <a:extLst>
+                  <a:ext uri="{0D108BD9-81ED-4DB2-BD59-A6C34878D82A}">
+                    <a16:rowId xmlns:a16="http://schemas.microsoft.com/office/drawing/2014/main" val="506301560"/>
+                  </a:ext>
+                </a:extLst>
+              </a:tr>
+              <a:tr h="413280">
+                <a:tc>
+                  <a:txBody>
+                    <a:bodyPr/>
+                    <a:lstStyle/>
+                    <a:p>
+                      <a:pPr algn="ctr"/>
+                      <a:r>
+                        <a:rPr lang="en-US" sz="2000"/>
+                        <a:t>11</a:t>
+                      </a:r>
+                      <a:endParaRPr lang="en-001" sz="2000"/>
+                    </a:p>
+                  </a:txBody>
+                  <a:tcPr/>
+                </a:tc>
+                <a:tc>
+                  <a:txBody>
+                    <a:bodyPr/>
+                    <a:lstStyle/>
+                    <a:p>
+                      <a:r>
+                        <a:rPr lang="en-US" sz="2000"/>
+                        <a:t>number</a:t>
+                      </a:r>
+                      <a:endParaRPr lang="en-001" sz="2000"/>
+                    </a:p>
+                  </a:txBody>
+                  <a:tcPr/>
+                </a:tc>
+                <a:tc>
+                  <a:txBody>
+                    <a:bodyPr/>
+                    <a:lstStyle/>
+                    <a:p>
+                      <a:pPr marL="0" marR="0" lvl="0" indent="0" algn="l" defTabSz="914400" rtl="0" eaLnBrk="1" fontAlgn="auto" latinLnBrk="0" hangingPunct="1">
+                        <a:lnSpc>
+                          <a:spcPct val="100000"/>
+                        </a:lnSpc>
+                        <a:spcBef>
+                          <a:spcPts val="0"/>
+                        </a:spcBef>
+                        <a:spcAft>
+                          <a:spcPts val="0"/>
+                        </a:spcAft>
+                        <a:buClrTx/>
+                        <a:buSzTx/>
+                        <a:buFontTx/>
+                        <a:buNone/>
+                        <a:tabLst/>
+                        <a:defRPr/>
+                      </a:pPr>
+                      <a:r>
+                        <a:rPr lang="en-US" sz="2000"/>
+                        <a:t>Số hiệu VBCC</a:t>
+                      </a:r>
+                      <a:endParaRPr lang="en-001" sz="2000"/>
+                    </a:p>
+                  </a:txBody>
+                  <a:tcPr/>
+                </a:tc>
+                <a:extLst>
+                  <a:ext uri="{0D108BD9-81ED-4DB2-BD59-A6C34878D82A}">
+                    <a16:rowId xmlns:a16="http://schemas.microsoft.com/office/drawing/2014/main" val="1200163065"/>
+                  </a:ext>
+                </a:extLst>
+              </a:tr>
+              <a:tr h="419020">
+                <a:tc>
+                  <a:txBody>
+                    <a:bodyPr/>
+                    <a:lstStyle/>
+                    <a:p>
+                      <a:pPr algn="ctr"/>
+                      <a:r>
+                        <a:rPr lang="en-US" sz="2000"/>
+                        <a:t>12</a:t>
+                      </a:r>
+                      <a:endParaRPr lang="en-001" sz="2000"/>
+                    </a:p>
+                  </a:txBody>
+                  <a:tcPr/>
+                </a:tc>
+                <a:tc>
+                  <a:txBody>
+                    <a:bodyPr/>
+                    <a:lstStyle/>
+                    <a:p>
+                      <a:r>
+                        <a:rPr lang="en-US" sz="2000"/>
+                        <a:t>regNo</a:t>
+                      </a:r>
+                      <a:endParaRPr lang="en-001" sz="2000"/>
+                    </a:p>
+                  </a:txBody>
+                  <a:tcPr/>
+                </a:tc>
+                <a:tc>
+                  <a:txBody>
+                    <a:bodyPr/>
+                    <a:lstStyle/>
+                    <a:p>
+                      <a:r>
+                        <a:rPr lang="en-US" sz="2000"/>
+                        <a:t>Số vào sổ gốc</a:t>
+                      </a:r>
+                      <a:endParaRPr lang="en-001" sz="2000"/>
+                    </a:p>
+                  </a:txBody>
+                  <a:tcPr/>
+                </a:tc>
+                <a:extLst>
+                  <a:ext uri="{0D108BD9-81ED-4DB2-BD59-A6C34878D82A}">
+                    <a16:rowId xmlns:a16="http://schemas.microsoft.com/office/drawing/2014/main" val="691366785"/>
+                  </a:ext>
+                </a:extLst>
+              </a:tr>
+              <a:tr h="419020">
+                <a:tc>
+                  <a:txBody>
+                    <a:bodyPr/>
+                    <a:lstStyle/>
+                    <a:p>
+                      <a:pPr algn="ctr"/>
+                      <a:r>
+                        <a:rPr lang="en-US" sz="2000"/>
+                        <a:t>13</a:t>
+                      </a:r>
+                      <a:endParaRPr lang="en-001" sz="2000"/>
+                    </a:p>
+                  </a:txBody>
+                  <a:tcPr/>
+                </a:tc>
+                <a:tc>
+                  <a:txBody>
+                    <a:bodyPr/>
+                    <a:lstStyle/>
+                    <a:p>
+                      <a:r>
+                        <a:rPr lang="en-US" sz="2000"/>
+                        <a:t>departmentName</a:t>
+                      </a:r>
+                      <a:endParaRPr lang="en-001" sz="2000"/>
+                    </a:p>
+                  </a:txBody>
+                  <a:tcPr/>
+                </a:tc>
+                <a:tc>
+                  <a:txBody>
+                    <a:bodyPr/>
+                    <a:lstStyle/>
+                    <a:p>
+                      <a:r>
+                        <a:rPr lang="en-US" sz="2000"/>
+                        <a:t>Tên khoa</a:t>
+                      </a:r>
+                      <a:endParaRPr lang="en-001" sz="2000"/>
+                    </a:p>
+                  </a:txBody>
+                  <a:tcPr/>
+                </a:tc>
+                <a:extLst>
+                  <a:ext uri="{0D108BD9-81ED-4DB2-BD59-A6C34878D82A}">
+                    <a16:rowId xmlns:a16="http://schemas.microsoft.com/office/drawing/2014/main" val="924585243"/>
+                  </a:ext>
+                </a:extLst>
+              </a:tr>
+              <a:tr h="419020">
+                <a:tc>
+                  <a:txBody>
+                    <a:bodyPr/>
+                    <a:lstStyle/>
+                    <a:p>
+                      <a:pPr algn="ctr"/>
+                      <a:r>
+                        <a:rPr lang="en-US" sz="2000"/>
+                        <a:t>14</a:t>
+                      </a:r>
+                      <a:endParaRPr lang="en-001" sz="2000"/>
+                    </a:p>
+                  </a:txBody>
+                  <a:tcPr/>
+                </a:tc>
+                <a:tc>
+                  <a:txBody>
+                    <a:bodyPr/>
+                    <a:lstStyle/>
+                    <a:p>
+                      <a:r>
+                        <a:rPr lang="en-US" sz="2000"/>
+                        <a:t>markLT</a:t>
+                      </a:r>
+                      <a:endParaRPr lang="en-001" sz="2000"/>
+                    </a:p>
+                  </a:txBody>
+                  <a:tcPr/>
+                </a:tc>
+                <a:tc>
+                  <a:txBody>
+                    <a:bodyPr/>
+                    <a:lstStyle/>
+                    <a:p>
+                      <a:r>
+                        <a:rPr lang="en-US" sz="2000"/>
+                        <a:t>Điểm thi lý thuyết</a:t>
+                      </a:r>
+                      <a:endParaRPr lang="en-001" sz="2000"/>
+                    </a:p>
+                  </a:txBody>
+                  <a:tcPr/>
+                </a:tc>
+                <a:extLst>
+                  <a:ext uri="{0D108BD9-81ED-4DB2-BD59-A6C34878D82A}">
+                    <a16:rowId xmlns:a16="http://schemas.microsoft.com/office/drawing/2014/main" val="1903351629"/>
+                  </a:ext>
+                </a:extLst>
+              </a:tr>
+              <a:tr h="419020">
+                <a:tc>
+                  <a:txBody>
+                    <a:bodyPr/>
+                    <a:lstStyle/>
+                    <a:p>
+                      <a:pPr algn="ctr"/>
+                      <a:r>
+                        <a:rPr lang="en-US" sz="2000"/>
+                        <a:t>15</a:t>
+                      </a:r>
+                      <a:endParaRPr lang="en-001" sz="2000"/>
+                    </a:p>
+                  </a:txBody>
+                  <a:tcPr/>
+                </a:tc>
+                <a:tc>
+                  <a:txBody>
+                    <a:bodyPr/>
+                    <a:lstStyle/>
+                    <a:p>
+                      <a:r>
+                        <a:rPr lang="en-US" sz="2000"/>
+                        <a:t>markTH</a:t>
+                      </a:r>
+                      <a:endParaRPr lang="en-001" sz="2000"/>
+                    </a:p>
+                  </a:txBody>
+                  <a:tcPr/>
+                </a:tc>
+                <a:tc>
+                  <a:txBody>
+                    <a:bodyPr/>
+                    <a:lstStyle/>
+                    <a:p>
+                      <a:pPr marL="0" marR="0" lvl="0" indent="0" algn="l" defTabSz="914400" rtl="0" eaLnBrk="1" fontAlgn="auto" latinLnBrk="0" hangingPunct="1">
+                        <a:lnSpc>
+                          <a:spcPct val="100000"/>
+                        </a:lnSpc>
+                        <a:spcBef>
+                          <a:spcPts val="0"/>
+                        </a:spcBef>
+                        <a:spcAft>
+                          <a:spcPts val="0"/>
+                        </a:spcAft>
+                        <a:buClrTx/>
+                        <a:buSzTx/>
+                        <a:buFontTx/>
+                        <a:buNone/>
+                        <a:tabLst/>
+                        <a:defRPr/>
+                      </a:pPr>
+                      <a:r>
+                        <a:rPr lang="en-US" sz="2000"/>
+                        <a:t>Điểm thi thực hành</a:t>
+                      </a:r>
+                      <a:endParaRPr lang="en-001" sz="2000"/>
+                    </a:p>
+                  </a:txBody>
+                  <a:tcPr/>
+                </a:tc>
+                <a:extLst>
+                  <a:ext uri="{0D108BD9-81ED-4DB2-BD59-A6C34878D82A}">
+                    <a16:rowId xmlns:a16="http://schemas.microsoft.com/office/drawing/2014/main" val="2769136045"/>
+                  </a:ext>
+                </a:extLst>
+              </a:tr>
+              <a:tr h="419020">
+                <a:tc>
+                  <a:txBody>
+                    <a:bodyPr/>
+                    <a:lstStyle/>
+                    <a:p>
+                      <a:pPr algn="ctr"/>
+                      <a:r>
+                        <a:rPr lang="en-US" sz="2000"/>
+                        <a:t>16</a:t>
+                      </a:r>
+                      <a:endParaRPr lang="en-001" sz="2000"/>
+                    </a:p>
+                  </a:txBody>
+                  <a:tcPr/>
+                </a:tc>
+                <a:tc>
+                  <a:txBody>
+                    <a:bodyPr/>
+                    <a:lstStyle/>
+                    <a:p>
+                      <a:r>
+                        <a:rPr lang="en-US" sz="2000"/>
+                        <a:t>dateOfIssuing</a:t>
+                      </a:r>
+                      <a:endParaRPr lang="en-001" sz="2000"/>
+                    </a:p>
+                  </a:txBody>
+                  <a:tcPr/>
+                </a:tc>
+                <a:tc>
+                  <a:txBody>
+                    <a:bodyPr/>
+                    <a:lstStyle/>
+                    <a:p>
+                      <a:r>
+                        <a:rPr lang="en-US" sz="2000" kern="1200">
+                          <a:solidFill>
+                            <a:schemeClr val="tx1"/>
+                          </a:solidFill>
+                          <a:latin typeface="Calibri" panose="020F0502020204030204" pitchFamily="34" charset="0"/>
+                          <a:ea typeface="+mn-ea"/>
+                          <a:cs typeface="Calibri" panose="020F0502020204030204" pitchFamily="34" charset="0"/>
+                        </a:rPr>
+                        <a:t>Ngày cấp</a:t>
+                      </a:r>
+                      <a:endParaRPr lang="en-001" sz="2000" kern="1200">
+                        <a:solidFill>
+                          <a:schemeClr val="tx1"/>
+                        </a:solidFill>
+                        <a:latin typeface="Calibri" panose="020F0502020204030204" pitchFamily="34" charset="0"/>
+                        <a:ea typeface="+mn-ea"/>
+                        <a:cs typeface="Calibri" panose="020F0502020204030204" pitchFamily="34" charset="0"/>
+                      </a:endParaRPr>
+                    </a:p>
+                  </a:txBody>
+                  <a:tcPr/>
+                </a:tc>
+                <a:extLst>
+                  <a:ext uri="{0D108BD9-81ED-4DB2-BD59-A6C34878D82A}">
+                    <a16:rowId xmlns:a16="http://schemas.microsoft.com/office/drawing/2014/main" val="2800431844"/>
+                  </a:ext>
+                </a:extLst>
+              </a:tr>
+            </a:tbl>
+          </a:graphicData>
+        </a:graphic>
+      </p:graphicFrame>
+    </p:spTree>
+    <p:extLst>
+      <p:ext uri="{BB962C8B-B14F-4D97-AF65-F5344CB8AC3E}">
+        <p14:creationId xmlns:p14="http://schemas.microsoft.com/office/powerpoint/2010/main" val="2254848349"/>
+      </p:ext>
+    </p:extLst>
+  </p:cSld>
+  <p:clrMapOvr>
+    <a:masterClrMapping/>
+  </p:clrMapOvr>
+</p:sld>
+</file>
+
+<file path=ppt/slides/slide15.xml><?xml version="1.0" encoding="utf-8"?>
+<p:sld xmlns:a="http://schemas.openxmlformats.org/drawingml/2006/main" xmlns:r="http://schemas.openxmlformats.org/officeDocument/2006/relationships" xmlns:p="http://schemas.openxmlformats.org/presentationml/2006/main">
+  <p:cSld>
+    <p:spTree>
+      <p:nvGrpSpPr>
+        <p:cNvPr id="1" name=""/>
+        <p:cNvGrpSpPr/>
+        <p:nvPr/>
+      </p:nvGrpSpPr>
+      <p:grpSpPr>
+        <a:xfrm>
+          <a:off x="0" y="0"/>
+          <a:ext cx="0" cy="0"/>
+          <a:chOff x="0" y="0"/>
+          <a:chExt cx="0" cy="0"/>
+        </a:xfrm>
+      </p:grpSpPr>
+      <p:sp>
+        <p:nvSpPr>
+          <p:cNvPr id="2" name="Title 1">
+            <a:extLst>
+              <a:ext uri="{FF2B5EF4-FFF2-40B4-BE49-F238E27FC236}">
+                <a16:creationId xmlns:a16="http://schemas.microsoft.com/office/drawing/2014/main" id="{70B474FB-8BDA-4F94-86DC-2B797B33C1DA}"/>
+              </a:ext>
+            </a:extLst>
+          </p:cNvPr>
+          <p:cNvSpPr>
+            <a:spLocks noGrp="1"/>
+          </p:cNvSpPr>
+          <p:nvPr>
+            <p:ph type="title"/>
+          </p:nvPr>
+        </p:nvSpPr>
+        <p:spPr/>
+        <p:txBody>
+          <a:bodyPr/>
+          <a:lstStyle/>
+          <a:p>
+            <a:r>
+              <a:rPr lang="en-US"/>
+              <a:t> 3. </a:t>
+            </a:r>
+            <a:r>
+              <a:rPr lang="en-US" err="1"/>
+              <a:t>Phương</a:t>
+            </a:r>
+            <a:r>
+              <a:rPr lang="en-US"/>
+              <a:t> </a:t>
+            </a:r>
+            <a:r>
+              <a:rPr lang="en-US" err="1"/>
+              <a:t>pháp</a:t>
+            </a:r>
+            <a:r>
+              <a:rPr lang="en-US"/>
+              <a:t> </a:t>
+            </a:r>
+            <a:r>
+              <a:rPr lang="en-US" err="1"/>
+              <a:t>thực</a:t>
+            </a:r>
+            <a:r>
+              <a:rPr lang="en-US"/>
+              <a:t> </a:t>
+            </a:r>
+            <a:r>
+              <a:rPr lang="en-US" err="1"/>
+              <a:t>hiện</a:t>
+            </a:r>
+            <a:endParaRPr lang="en-US"/>
+          </a:p>
+        </p:txBody>
+      </p:sp>
+      <p:sp>
+        <p:nvSpPr>
+          <p:cNvPr id="3" name="Content Placeholder 2">
+            <a:extLst>
+              <a:ext uri="{FF2B5EF4-FFF2-40B4-BE49-F238E27FC236}">
+                <a16:creationId xmlns:a16="http://schemas.microsoft.com/office/drawing/2014/main" id="{938E8B90-BB10-417C-BB3B-436BE0A3F89D}"/>
+              </a:ext>
+            </a:extLst>
+          </p:cNvPr>
+          <p:cNvSpPr>
+            <a:spLocks noGrp="1"/>
+          </p:cNvSpPr>
+          <p:nvPr>
+            <p:ph idx="1"/>
+          </p:nvPr>
+        </p:nvSpPr>
+        <p:spPr/>
+        <p:txBody>
+          <a:bodyPr>
+            <a:normAutofit/>
+          </a:bodyPr>
+          <a:lstStyle/>
+          <a:p>
             <a:pPr marL="0" marR="89535" lvl="3" indent="0" algn="just">
               <a:lnSpc>
                 <a:spcPct val="120000"/>
@@ -6668,7 +8299,7 @@
                   <a:schemeClr val="tx1"/>
                 </a:solidFill>
               </a:rPr>
-              <a:t>3.5 </a:t>
+              <a:t>3.6 </a:t>
             </a:r>
             <a:r>
               <a:rPr lang="en-US" sz="2900" b="1">
@@ -6755,7 +8386,7 @@
           <a:p>
             <a:fld id="{37A4A606-66C4-4A6B-9750-DDC5E8BB73A2}" type="slidenum">
               <a:rPr lang="en-US" smtClean="0"/>
-              <a:t>13</a:t>
+              <a:t>15</a:t>
             </a:fld>
             <a:endParaRPr lang="en-US"/>
           </a:p>
@@ -6776,7 +8407,7 @@
           <p:nvPr>
             <p:extLst>
               <p:ext uri="{D42A27DB-BD31-4B8C-83A1-F6EECF244321}">
-                <p14:modId xmlns:p14="http://schemas.microsoft.com/office/powerpoint/2010/main" val="2675611635"/>
+                <p14:modId xmlns:p14="http://schemas.microsoft.com/office/powerpoint/2010/main" val="2795997686"/>
               </p:ext>
             </p:extLst>
           </p:nvPr>
@@ -7031,7 +8662,7 @@
                           <a:ea typeface="+mn-ea"/>
                           <a:cs typeface="Calibri" panose="020F0502020204030204" pitchFamily="34" charset="0"/>
                         </a:rPr>
-                        <a:t>cgpa, dateOfIssuing</a:t>
+                        <a:t>dateOfIssuing</a:t>
                       </a:r>
                       <a:endParaRPr lang="en-001" sz="2000" kern="1200">
                         <a:solidFill>
@@ -7235,7 +8866,7 @@
 </p:sld>
 </file>
 
-<file path=ppt/slides/slide14.xml><?xml version="1.0" encoding="utf-8"?>
+<file path=ppt/slides/slide16.xml><?xml version="1.0" encoding="utf-8"?>
 <p:sld xmlns:a="http://schemas.openxmlformats.org/drawingml/2006/main" xmlns:r="http://schemas.openxmlformats.org/officeDocument/2006/relationships" xmlns:p="http://schemas.openxmlformats.org/presentationml/2006/main">
   <p:cSld>
     <p:spTree>
@@ -7347,7 +8978,7 @@
                   <a:schemeClr val="tx1"/>
                 </a:solidFill>
               </a:rPr>
-              <a:t>3.5 </a:t>
+              <a:t>3.6 </a:t>
             </a:r>
             <a:r>
               <a:rPr lang="en-US" sz="2900" b="1">
@@ -7434,7 +9065,7 @@
           <a:p>
             <a:fld id="{37A4A606-66C4-4A6B-9750-DDC5E8BB73A2}" type="slidenum">
               <a:rPr lang="en-US" smtClean="0"/>
-              <a:t>14</a:t>
+              <a:t>16</a:t>
             </a:fld>
             <a:endParaRPr lang="en-US"/>
           </a:p>
@@ -7455,14 +9086,14 @@
           <p:nvPr>
             <p:extLst>
               <p:ext uri="{D42A27DB-BD31-4B8C-83A1-F6EECF244321}">
-                <p14:modId xmlns:p14="http://schemas.microsoft.com/office/powerpoint/2010/main" val="3394468479"/>
+                <p14:modId xmlns:p14="http://schemas.microsoft.com/office/powerpoint/2010/main" val="857450383"/>
               </p:ext>
             </p:extLst>
           </p:nvPr>
         </p:nvGraphicFramePr>
         <p:xfrm>
           <a:off x="761998" y="2292378"/>
-          <a:ext cx="7848601" cy="2927400"/>
+          <a:ext cx="7848601" cy="2508380"/>
         </p:xfrm>
         <a:graphic>
           <a:graphicData uri="http://schemas.openxmlformats.org/drawingml/2006/table">
@@ -7676,7 +9307,7 @@
                   </a:ext>
                 </a:extLst>
               </a:tr>
-              <a:tr h="419020">
+              <a:tr h="413280">
                 <a:tc>
                   <a:txBody>
                     <a:bodyPr/>
@@ -7686,60 +9317,6 @@
                       <a:r>
                         <a:rPr lang="en-US" sz="2000"/>
                         <a:t>7</a:t>
-                      </a:r>
-                      <a:endParaRPr lang="en-001" sz="2000"/>
-                    </a:p>
-                  </a:txBody>
-                  <a:tcPr/>
-                </a:tc>
-                <a:tc>
-                  <a:txBody>
-                    <a:bodyPr/>
-                    <a:lstStyle/>
-                    <a:p>
-                      <a:r>
-                        <a:rPr lang="en-US" sz="2000"/>
-                        <a:t>certNumber</a:t>
-                      </a:r>
-                      <a:endParaRPr lang="en-001" sz="2000"/>
-                    </a:p>
-                  </a:txBody>
-                  <a:tcPr/>
-                </a:tc>
-                <a:tc>
-                  <a:txBody>
-                    <a:bodyPr/>
-                    <a:lstStyle/>
-                    <a:p>
-                      <a:r>
-                        <a:rPr lang="en-US" sz="2000">
-                          <a:latin typeface="+mn-lt"/>
-                        </a:rPr>
-                        <a:t>Số hiệu VBCC</a:t>
-                      </a:r>
-                      <a:endParaRPr lang="en-001" sz="2000">
-                        <a:latin typeface="+mn-lt"/>
-                      </a:endParaRPr>
-                    </a:p>
-                  </a:txBody>
-                  <a:tcPr/>
-                </a:tc>
-                <a:extLst>
-                  <a:ext uri="{0D108BD9-81ED-4DB2-BD59-A6C34878D82A}">
-                    <a16:rowId xmlns:a16="http://schemas.microsoft.com/office/drawing/2014/main" val="506301560"/>
-                  </a:ext>
-                </a:extLst>
-              </a:tr>
-              <a:tr h="413280">
-                <a:tc>
-                  <a:txBody>
-                    <a:bodyPr/>
-                    <a:lstStyle/>
-                    <a:p>
-                      <a:pPr algn="ctr"/>
-                      <a:r>
-                        <a:rPr lang="en-US" sz="2000"/>
-                        <a:t>8</a:t>
                       </a:r>
                       <a:endParaRPr lang="en-001" sz="2000"/>
                     </a:p>
@@ -7793,7 +9370,7 @@
                       <a:pPr algn="ctr"/>
                       <a:r>
                         <a:rPr lang="en-US" sz="2000"/>
-                        <a:t>9</a:t>
+                        <a:t>8</a:t>
                       </a:r>
                       <a:endParaRPr lang="en-001" sz="2000"/>
                     </a:p>
@@ -7847,7 +9424,7 @@
                       <a:pPr algn="ctr"/>
                       <a:r>
                         <a:rPr lang="en-US" sz="2000"/>
-                        <a:t>10</a:t>
+                        <a:t>9</a:t>
                       </a:r>
                       <a:endParaRPr lang="en-001" sz="2000"/>
                     </a:p>
@@ -7909,7 +9486,7 @@
 </p:sld>
 </file>
 
-<file path=ppt/slides/slide15.xml><?xml version="1.0" encoding="utf-8"?>
+<file path=ppt/slides/slide17.xml><?xml version="1.0" encoding="utf-8"?>
 <p:sld xmlns:a="http://schemas.openxmlformats.org/drawingml/2006/main" xmlns:r="http://schemas.openxmlformats.org/officeDocument/2006/relationships" xmlns:p="http://schemas.openxmlformats.org/presentationml/2006/main">
   <p:cSld>
     <p:spTree>
@@ -8072,7 +9649,7 @@
           <a:p>
             <a:fld id="{37A4A606-66C4-4A6B-9750-DDC5E8BB73A2}" type="slidenum">
               <a:rPr lang="en-US" smtClean="0"/>
-              <a:t>15</a:t>
+              <a:t>17</a:t>
             </a:fld>
             <a:endParaRPr lang="en-US"/>
           </a:p>
@@ -8199,7 +9776,7 @@
 </p:sld>
 </file>
 
-<file path=ppt/slides/slide16.xml><?xml version="1.0" encoding="utf-8"?>
+<file path=ppt/slides/slide18.xml><?xml version="1.0" encoding="utf-8"?>
 <p:sld xmlns:a="http://schemas.openxmlformats.org/drawingml/2006/main" xmlns:r="http://schemas.openxmlformats.org/officeDocument/2006/relationships" xmlns:p="http://schemas.openxmlformats.org/presentationml/2006/main">
   <p:cSld>
     <p:spTree>
@@ -8362,7 +9939,7 @@
           <a:p>
             <a:fld id="{37A4A606-66C4-4A6B-9750-DDC5E8BB73A2}" type="slidenum">
               <a:rPr lang="en-US" smtClean="0"/>
-              <a:t>16</a:t>
+              <a:t>18</a:t>
             </a:fld>
             <a:endParaRPr lang="en-US"/>
           </a:p>
@@ -8459,7 +10036,7 @@
 </p:sld>
 </file>
 
-<file path=ppt/slides/slide17.xml><?xml version="1.0" encoding="utf-8"?>
+<file path=ppt/slides/slide19.xml><?xml version="1.0" encoding="utf-8"?>
 <p:sld xmlns:a="http://schemas.openxmlformats.org/drawingml/2006/main" xmlns:r="http://schemas.openxmlformats.org/officeDocument/2006/relationships" xmlns:p="http://schemas.openxmlformats.org/presentationml/2006/main">
   <p:cSld>
     <p:spTree>
@@ -8622,7 +10199,7 @@
           <a:p>
             <a:fld id="{37A4A606-66C4-4A6B-9750-DDC5E8BB73A2}" type="slidenum">
               <a:rPr lang="en-US" smtClean="0"/>
-              <a:t>17</a:t>
+              <a:t>19</a:t>
             </a:fld>
             <a:endParaRPr lang="en-US"/>
           </a:p>
@@ -8719,887 +10296,6 @@
 </p:sld>
 </file>
 
-<file path=ppt/slides/slide18.xml><?xml version="1.0" encoding="utf-8"?>
-<p:sld xmlns:a="http://schemas.openxmlformats.org/drawingml/2006/main" xmlns:r="http://schemas.openxmlformats.org/officeDocument/2006/relationships" xmlns:p="http://schemas.openxmlformats.org/presentationml/2006/main">
-  <p:cSld>
-    <p:spTree>
-      <p:nvGrpSpPr>
-        <p:cNvPr id="1" name=""/>
-        <p:cNvGrpSpPr/>
-        <p:nvPr/>
-      </p:nvGrpSpPr>
-      <p:grpSpPr>
-        <a:xfrm>
-          <a:off x="0" y="0"/>
-          <a:ext cx="0" cy="0"/>
-          <a:chOff x="0" y="0"/>
-          <a:chExt cx="0" cy="0"/>
-        </a:xfrm>
-      </p:grpSpPr>
-      <p:sp>
-        <p:nvSpPr>
-          <p:cNvPr id="2" name="Title 1">
-            <a:extLst>
-              <a:ext uri="{FF2B5EF4-FFF2-40B4-BE49-F238E27FC236}">
-                <a16:creationId xmlns:a16="http://schemas.microsoft.com/office/drawing/2014/main" id="{70B474FB-8BDA-4F94-86DC-2B797B33C1DA}"/>
-              </a:ext>
-            </a:extLst>
-          </p:cNvPr>
-          <p:cNvSpPr>
-            <a:spLocks noGrp="1"/>
-          </p:cNvSpPr>
-          <p:nvPr>
-            <p:ph type="title"/>
-          </p:nvPr>
-        </p:nvSpPr>
-        <p:spPr/>
-        <p:txBody>
-          <a:bodyPr/>
-          <a:lstStyle/>
-          <a:p>
-            <a:r>
-              <a:rPr lang="en-US"/>
-              <a:t> 4. </a:t>
-            </a:r>
-            <a:r>
-              <a:rPr lang="en-US" err="1"/>
-              <a:t>Kết</a:t>
-            </a:r>
-            <a:r>
-              <a:rPr lang="en-US"/>
-              <a:t> </a:t>
-            </a:r>
-            <a:r>
-              <a:rPr lang="en-US" err="1"/>
-              <a:t>quả</a:t>
-            </a:r>
-            <a:r>
-              <a:rPr lang="en-US"/>
-              <a:t> </a:t>
-            </a:r>
-            <a:r>
-              <a:rPr lang="en-US" err="1"/>
-              <a:t>thực</a:t>
-            </a:r>
-            <a:r>
-              <a:rPr lang="en-US"/>
-              <a:t> </a:t>
-            </a:r>
-            <a:r>
-              <a:rPr lang="en-US" err="1"/>
-              <a:t>nghiệm</a:t>
-            </a:r>
-            <a:endParaRPr lang="en-US"/>
-          </a:p>
-        </p:txBody>
-      </p:sp>
-      <p:sp>
-        <p:nvSpPr>
-          <p:cNvPr id="3" name="Content Placeholder 2">
-            <a:extLst>
-              <a:ext uri="{FF2B5EF4-FFF2-40B4-BE49-F238E27FC236}">
-                <a16:creationId xmlns:a16="http://schemas.microsoft.com/office/drawing/2014/main" id="{938E8B90-BB10-417C-BB3B-436BE0A3F89D}"/>
-              </a:ext>
-            </a:extLst>
-          </p:cNvPr>
-          <p:cNvSpPr>
-            <a:spLocks noGrp="1"/>
-          </p:cNvSpPr>
-          <p:nvPr>
-            <p:ph idx="1"/>
-          </p:nvPr>
-        </p:nvSpPr>
-        <p:spPr/>
-        <p:txBody>
-          <a:bodyPr>
-            <a:normAutofit/>
-          </a:bodyPr>
-          <a:lstStyle/>
-          <a:p>
-            <a:pPr marL="0" marR="89535" lvl="2" indent="0" algn="just">
-              <a:lnSpc>
-                <a:spcPct val="110000"/>
-              </a:lnSpc>
-              <a:spcBef>
-                <a:spcPts val="600"/>
-              </a:spcBef>
-              <a:spcAft>
-                <a:spcPts val="800"/>
-              </a:spcAft>
-              <a:buNone/>
-            </a:pPr>
-            <a:r>
-              <a:rPr lang="en-US" sz="2700" b="1">
-                <a:solidFill>
-                  <a:schemeClr val="tx1"/>
-                </a:solidFill>
-              </a:rPr>
-              <a:t>4.1 Kết quả thực nghiệm</a:t>
-            </a:r>
-          </a:p>
-          <a:p>
-            <a:pPr marL="0" marR="89535" lvl="2" indent="0" algn="just">
-              <a:lnSpc>
-                <a:spcPct val="110000"/>
-              </a:lnSpc>
-              <a:spcBef>
-                <a:spcPts val="600"/>
-              </a:spcBef>
-              <a:spcAft>
-                <a:spcPts val="800"/>
-              </a:spcAft>
-              <a:buNone/>
-            </a:pPr>
-            <a:r>
-              <a:rPr lang="en-US" sz="2400">
-                <a:solidFill>
-                  <a:schemeClr val="tx1"/>
-                </a:solidFill>
-                <a:latin typeface="Calibri" panose="020F0502020204030204" pitchFamily="34" charset="0"/>
-                <a:cs typeface="Calibri" panose="020F0502020204030204" pitchFamily="34" charset="0"/>
-              </a:rPr>
-              <a:t>	Mạng</a:t>
-            </a:r>
-            <a:r>
-              <a:rPr lang="vi-VN" sz="2400">
-                <a:solidFill>
-                  <a:schemeClr val="tx1"/>
-                </a:solidFill>
-                <a:latin typeface="Calibri" panose="020F0502020204030204" pitchFamily="34" charset="0"/>
-                <a:cs typeface="Calibri" panose="020F0502020204030204" pitchFamily="34" charset="0"/>
-              </a:rPr>
-              <a:t> </a:t>
-            </a:r>
-            <a:r>
-              <a:rPr lang="en-US" sz="2400">
-                <a:solidFill>
-                  <a:schemeClr val="tx1"/>
-                </a:solidFill>
-                <a:latin typeface="Calibri" panose="020F0502020204030204" pitchFamily="34" charset="0"/>
-                <a:cs typeface="Calibri" panose="020F0502020204030204" pitchFamily="34" charset="0"/>
-              </a:rPr>
-              <a:t>blockchain </a:t>
-            </a:r>
-            <a:r>
-              <a:rPr lang="vi-VN" sz="2400">
-                <a:solidFill>
-                  <a:schemeClr val="tx1"/>
-                </a:solidFill>
-                <a:latin typeface="Calibri" panose="020F0502020204030204" pitchFamily="34" charset="0"/>
-                <a:cs typeface="Calibri" panose="020F0502020204030204" pitchFamily="34" charset="0"/>
-              </a:rPr>
-              <a:t>hoạt động trên</a:t>
-            </a:r>
-            <a:r>
-              <a:rPr lang="en-US" sz="2400">
-                <a:solidFill>
-                  <a:schemeClr val="tx1"/>
-                </a:solidFill>
-                <a:latin typeface="Calibri" panose="020F0502020204030204" pitchFamily="34" charset="0"/>
-                <a:cs typeface="Calibri" panose="020F0502020204030204" pitchFamily="34" charset="0"/>
-              </a:rPr>
-              <a:t> các máy chủ ảo</a:t>
-            </a:r>
-            <a:r>
-              <a:rPr lang="vi-VN" sz="2400">
-                <a:solidFill>
-                  <a:schemeClr val="tx1"/>
-                </a:solidFill>
-                <a:latin typeface="Calibri" panose="020F0502020204030204" pitchFamily="34" charset="0"/>
-                <a:cs typeface="Calibri" panose="020F0502020204030204" pitchFamily="34" charset="0"/>
-              </a:rPr>
-              <a:t>. Hệ thống quản</a:t>
-            </a:r>
-            <a:r>
-              <a:rPr lang="en-US" sz="2400">
-                <a:solidFill>
-                  <a:schemeClr val="tx1"/>
-                </a:solidFill>
-                <a:latin typeface="Calibri" panose="020F0502020204030204" pitchFamily="34" charset="0"/>
-                <a:cs typeface="Calibri" panose="020F0502020204030204" pitchFamily="34" charset="0"/>
-              </a:rPr>
-              <a:t> </a:t>
-            </a:r>
-            <a:r>
-              <a:rPr lang="vi-VN" sz="2400">
-                <a:solidFill>
-                  <a:schemeClr val="tx1"/>
-                </a:solidFill>
-                <a:latin typeface="Calibri" panose="020F0502020204030204" pitchFamily="34" charset="0"/>
-                <a:cs typeface="Calibri" panose="020F0502020204030204" pitchFamily="34" charset="0"/>
-              </a:rPr>
-              <a:t>lý VBCC có giao diện web </a:t>
-            </a:r>
-            <a:r>
-              <a:rPr lang="en-US" sz="2400">
-                <a:solidFill>
-                  <a:schemeClr val="tx1"/>
-                </a:solidFill>
-                <a:latin typeface="Calibri" panose="020F0502020204030204" pitchFamily="34" charset="0"/>
-                <a:cs typeface="Calibri" panose="020F0502020204030204" pitchFamily="34" charset="0"/>
-              </a:rPr>
-              <a:t>cung cấp </a:t>
-            </a:r>
-            <a:r>
-              <a:rPr lang="vi-VN" sz="2400">
-                <a:solidFill>
-                  <a:schemeClr val="tx1"/>
-                </a:solidFill>
-                <a:latin typeface="Calibri" panose="020F0502020204030204" pitchFamily="34" charset="0"/>
-                <a:cs typeface="Calibri" panose="020F0502020204030204" pitchFamily="34" charset="0"/>
-              </a:rPr>
-              <a:t>các chức năng chính cho người sử dụng như: </a:t>
-            </a:r>
-            <a:endParaRPr lang="en-US" sz="2400">
-              <a:solidFill>
-                <a:schemeClr val="tx1"/>
-              </a:solidFill>
-              <a:latin typeface="Calibri" panose="020F0502020204030204" pitchFamily="34" charset="0"/>
-              <a:cs typeface="Calibri" panose="020F0502020204030204" pitchFamily="34" charset="0"/>
-            </a:endParaRPr>
-          </a:p>
-          <a:p>
-            <a:pPr marL="0" marR="89535" lvl="2" indent="0" algn="just">
-              <a:lnSpc>
-                <a:spcPct val="110000"/>
-              </a:lnSpc>
-              <a:spcBef>
-                <a:spcPts val="600"/>
-              </a:spcBef>
-              <a:spcAft>
-                <a:spcPts val="800"/>
-              </a:spcAft>
-              <a:buNone/>
-            </a:pPr>
-            <a:r>
-              <a:rPr lang="en-US" sz="2400">
-                <a:solidFill>
-                  <a:schemeClr val="tx1"/>
-                </a:solidFill>
-                <a:latin typeface="Calibri" panose="020F0502020204030204" pitchFamily="34" charset="0"/>
-                <a:cs typeface="Calibri" panose="020F0502020204030204" pitchFamily="34" charset="0"/>
-              </a:rPr>
-              <a:t>	1. </a:t>
-            </a:r>
-            <a:r>
-              <a:rPr lang="vi-VN" sz="2400">
-                <a:solidFill>
-                  <a:schemeClr val="tx1"/>
-                </a:solidFill>
-                <a:latin typeface="Calibri" panose="020F0502020204030204" pitchFamily="34" charset="0"/>
-                <a:cs typeface="Calibri" panose="020F0502020204030204" pitchFamily="34" charset="0"/>
-              </a:rPr>
-              <a:t>Trường</a:t>
-            </a:r>
-            <a:r>
-              <a:rPr lang="en-US" sz="2400">
-                <a:solidFill>
-                  <a:schemeClr val="tx1"/>
-                </a:solidFill>
-                <a:latin typeface="Calibri" panose="020F0502020204030204" pitchFamily="34" charset="0"/>
-                <a:cs typeface="Calibri" panose="020F0502020204030204" pitchFamily="34" charset="0"/>
-              </a:rPr>
-              <a:t> </a:t>
-            </a:r>
-            <a:r>
-              <a:rPr lang="vi-VN" sz="2400">
-                <a:solidFill>
-                  <a:schemeClr val="tx1"/>
-                </a:solidFill>
-                <a:latin typeface="Calibri" panose="020F0502020204030204" pitchFamily="34" charset="0"/>
-                <a:cs typeface="Calibri" panose="020F0502020204030204" pitchFamily="34" charset="0"/>
-              </a:rPr>
-              <a:t>quản lý và cấp VBCC</a:t>
-            </a:r>
-            <a:r>
-              <a:rPr lang="en-US" sz="2400">
-                <a:solidFill>
-                  <a:schemeClr val="tx1"/>
-                </a:solidFill>
-                <a:latin typeface="Calibri" panose="020F0502020204030204" pitchFamily="34" charset="0"/>
-                <a:cs typeface="Calibri" panose="020F0502020204030204" pitchFamily="34" charset="0"/>
-              </a:rPr>
-              <a:t>.</a:t>
-            </a:r>
-          </a:p>
-          <a:p>
-            <a:pPr marL="0" marR="89535" lvl="2" indent="0" algn="just">
-              <a:lnSpc>
-                <a:spcPct val="110000"/>
-              </a:lnSpc>
-              <a:spcBef>
-                <a:spcPts val="600"/>
-              </a:spcBef>
-              <a:spcAft>
-                <a:spcPts val="800"/>
-              </a:spcAft>
-              <a:buNone/>
-            </a:pPr>
-            <a:r>
-              <a:rPr lang="en-US" sz="2400">
-                <a:solidFill>
-                  <a:schemeClr val="tx1"/>
-                </a:solidFill>
-                <a:latin typeface="Calibri" panose="020F0502020204030204" pitchFamily="34" charset="0"/>
-                <a:cs typeface="Calibri" panose="020F0502020204030204" pitchFamily="34" charset="0"/>
-              </a:rPr>
-              <a:t>	2. </a:t>
-            </a:r>
-            <a:r>
-              <a:rPr lang="vi-VN" sz="2400">
-                <a:solidFill>
-                  <a:schemeClr val="tx1"/>
-                </a:solidFill>
-                <a:latin typeface="Calibri" panose="020F0502020204030204" pitchFamily="34" charset="0"/>
-                <a:cs typeface="Calibri" panose="020F0502020204030204" pitchFamily="34" charset="0"/>
-              </a:rPr>
-              <a:t>Sinh viên nhận </a:t>
-            </a:r>
-            <a:r>
-              <a:rPr lang="vi-VN" sz="2400" dirty="0">
-                <a:solidFill>
-                  <a:schemeClr val="tx1"/>
-                </a:solidFill>
-                <a:latin typeface="Calibri" panose="020F0502020204030204" pitchFamily="34" charset="0"/>
-                <a:cs typeface="Calibri" panose="020F0502020204030204" pitchFamily="34" charset="0"/>
-              </a:rPr>
-              <a:t>VBCC và chia sẻ thông </a:t>
-            </a:r>
-            <a:r>
-              <a:rPr lang="vi-VN" sz="2400">
-                <a:solidFill>
-                  <a:schemeClr val="tx1"/>
-                </a:solidFill>
-                <a:latin typeface="Calibri" panose="020F0502020204030204" pitchFamily="34" charset="0"/>
-                <a:cs typeface="Calibri" panose="020F0502020204030204" pitchFamily="34" charset="0"/>
-              </a:rPr>
-              <a:t>tin VBCC</a:t>
-            </a:r>
-            <a:r>
-              <a:rPr lang="en-US" sz="2400">
-                <a:solidFill>
-                  <a:schemeClr val="tx1"/>
-                </a:solidFill>
-                <a:latin typeface="Calibri" panose="020F0502020204030204" pitchFamily="34" charset="0"/>
-                <a:cs typeface="Calibri" panose="020F0502020204030204" pitchFamily="34" charset="0"/>
-              </a:rPr>
-              <a:t>.</a:t>
-            </a:r>
-          </a:p>
-          <a:p>
-            <a:pPr marL="0" marR="89535" lvl="2" indent="0" algn="just">
-              <a:lnSpc>
-                <a:spcPct val="110000"/>
-              </a:lnSpc>
-              <a:spcBef>
-                <a:spcPts val="600"/>
-              </a:spcBef>
-              <a:spcAft>
-                <a:spcPts val="800"/>
-              </a:spcAft>
-              <a:buNone/>
-            </a:pPr>
-            <a:r>
-              <a:rPr lang="en-US" sz="2400">
-                <a:solidFill>
-                  <a:schemeClr val="tx1"/>
-                </a:solidFill>
-                <a:latin typeface="Calibri" panose="020F0502020204030204" pitchFamily="34" charset="0"/>
-                <a:cs typeface="Calibri" panose="020F0502020204030204" pitchFamily="34" charset="0"/>
-              </a:rPr>
-              <a:t>	3. </a:t>
-            </a:r>
-            <a:r>
-              <a:rPr lang="vi-VN" sz="2400">
-                <a:solidFill>
-                  <a:schemeClr val="tx1"/>
-                </a:solidFill>
-                <a:latin typeface="Calibri" panose="020F0502020204030204" pitchFamily="34" charset="0"/>
-                <a:cs typeface="Calibri" panose="020F0502020204030204" pitchFamily="34" charset="0"/>
-              </a:rPr>
-              <a:t>Đơn vị</a:t>
-            </a:r>
-            <a:r>
-              <a:rPr lang="en-US" sz="2400">
-                <a:solidFill>
-                  <a:schemeClr val="tx1"/>
-                </a:solidFill>
-                <a:latin typeface="Calibri" panose="020F0502020204030204" pitchFamily="34" charset="0"/>
-                <a:cs typeface="Calibri" panose="020F0502020204030204" pitchFamily="34" charset="0"/>
-              </a:rPr>
-              <a:t> </a:t>
-            </a:r>
-            <a:r>
-              <a:rPr lang="vi-VN" sz="2400">
-                <a:solidFill>
-                  <a:schemeClr val="tx1"/>
-                </a:solidFill>
-                <a:latin typeface="Calibri" panose="020F0502020204030204" pitchFamily="34" charset="0"/>
-                <a:cs typeface="Calibri" panose="020F0502020204030204" pitchFamily="34" charset="0"/>
-              </a:rPr>
-              <a:t>xác thực VBCC</a:t>
-            </a:r>
-            <a:r>
-              <a:rPr lang="en-US" sz="2400">
-                <a:solidFill>
-                  <a:schemeClr val="tx1"/>
-                </a:solidFill>
-                <a:latin typeface="Calibri" panose="020F0502020204030204" pitchFamily="34" charset="0"/>
-                <a:cs typeface="Calibri" panose="020F0502020204030204" pitchFamily="34" charset="0"/>
-              </a:rPr>
-              <a:t>.</a:t>
-            </a:r>
-            <a:endParaRPr lang="en-US" sz="2400" dirty="0">
-              <a:solidFill>
-                <a:schemeClr val="tx1"/>
-              </a:solidFill>
-              <a:latin typeface="Calibri" panose="020F0502020204030204" pitchFamily="34" charset="0"/>
-              <a:cs typeface="Calibri" panose="020F0502020204030204" pitchFamily="34" charset="0"/>
-            </a:endParaRPr>
-          </a:p>
-        </p:txBody>
-      </p:sp>
-      <p:sp>
-        <p:nvSpPr>
-          <p:cNvPr id="6" name="Slide Number Placeholder 5">
-            <a:extLst>
-              <a:ext uri="{FF2B5EF4-FFF2-40B4-BE49-F238E27FC236}">
-                <a16:creationId xmlns:a16="http://schemas.microsoft.com/office/drawing/2014/main" id="{6809C103-EE3A-49AA-AD83-BC96E24FE1B3}"/>
-              </a:ext>
-            </a:extLst>
-          </p:cNvPr>
-          <p:cNvSpPr>
-            <a:spLocks noGrp="1"/>
-          </p:cNvSpPr>
-          <p:nvPr>
-            <p:ph type="sldNum" sz="quarter" idx="12"/>
-          </p:nvPr>
-        </p:nvSpPr>
-        <p:spPr/>
-        <p:txBody>
-          <a:bodyPr/>
-          <a:lstStyle/>
-          <a:p>
-            <a:fld id="{37A4A606-66C4-4A6B-9750-DDC5E8BB73A2}" type="slidenum">
-              <a:rPr lang="en-US" smtClean="0"/>
-              <a:t>18</a:t>
-            </a:fld>
-            <a:endParaRPr lang="en-US"/>
-          </a:p>
-        </p:txBody>
-      </p:sp>
-    </p:spTree>
-    <p:extLst>
-      <p:ext uri="{BB962C8B-B14F-4D97-AF65-F5344CB8AC3E}">
-        <p14:creationId xmlns:p14="http://schemas.microsoft.com/office/powerpoint/2010/main" val="4253828906"/>
-      </p:ext>
-    </p:extLst>
-  </p:cSld>
-  <p:clrMapOvr>
-    <a:masterClrMapping/>
-  </p:clrMapOvr>
-</p:sld>
-</file>
-
-<file path=ppt/slides/slide19.xml><?xml version="1.0" encoding="utf-8"?>
-<p:sld xmlns:a="http://schemas.openxmlformats.org/drawingml/2006/main" xmlns:r="http://schemas.openxmlformats.org/officeDocument/2006/relationships" xmlns:p="http://schemas.openxmlformats.org/presentationml/2006/main">
-  <p:cSld>
-    <p:spTree>
-      <p:nvGrpSpPr>
-        <p:cNvPr id="1" name=""/>
-        <p:cNvGrpSpPr/>
-        <p:nvPr/>
-      </p:nvGrpSpPr>
-      <p:grpSpPr>
-        <a:xfrm>
-          <a:off x="0" y="0"/>
-          <a:ext cx="0" cy="0"/>
-          <a:chOff x="0" y="0"/>
-          <a:chExt cx="0" cy="0"/>
-        </a:xfrm>
-      </p:grpSpPr>
-      <p:sp>
-        <p:nvSpPr>
-          <p:cNvPr id="2" name="Title 1">
-            <a:extLst>
-              <a:ext uri="{FF2B5EF4-FFF2-40B4-BE49-F238E27FC236}">
-                <a16:creationId xmlns:a16="http://schemas.microsoft.com/office/drawing/2014/main" id="{70B474FB-8BDA-4F94-86DC-2B797B33C1DA}"/>
-              </a:ext>
-            </a:extLst>
-          </p:cNvPr>
-          <p:cNvSpPr>
-            <a:spLocks noGrp="1"/>
-          </p:cNvSpPr>
-          <p:nvPr>
-            <p:ph type="title"/>
-          </p:nvPr>
-        </p:nvSpPr>
-        <p:spPr/>
-        <p:txBody>
-          <a:bodyPr/>
-          <a:lstStyle/>
-          <a:p>
-            <a:r>
-              <a:rPr lang="en-US"/>
-              <a:t>5. </a:t>
-            </a:r>
-            <a:r>
-              <a:rPr lang="en-US" err="1"/>
-              <a:t>Kết</a:t>
-            </a:r>
-            <a:r>
-              <a:rPr lang="en-US"/>
-              <a:t> luận</a:t>
-            </a:r>
-          </a:p>
-        </p:txBody>
-      </p:sp>
-      <p:sp>
-        <p:nvSpPr>
-          <p:cNvPr id="3" name="Content Placeholder 2">
-            <a:extLst>
-              <a:ext uri="{FF2B5EF4-FFF2-40B4-BE49-F238E27FC236}">
-                <a16:creationId xmlns:a16="http://schemas.microsoft.com/office/drawing/2014/main" id="{938E8B90-BB10-417C-BB3B-436BE0A3F89D}"/>
-              </a:ext>
-            </a:extLst>
-          </p:cNvPr>
-          <p:cNvSpPr>
-            <a:spLocks noGrp="1"/>
-          </p:cNvSpPr>
-          <p:nvPr>
-            <p:ph idx="1"/>
-          </p:nvPr>
-        </p:nvSpPr>
-        <p:spPr/>
-        <p:txBody>
-          <a:bodyPr>
-            <a:normAutofit fontScale="25000" lnSpcReduction="20000"/>
-          </a:bodyPr>
-          <a:lstStyle/>
-          <a:p>
-            <a:pPr marL="0" indent="0" algn="just">
-              <a:lnSpc>
-                <a:spcPct val="120000"/>
-              </a:lnSpc>
-              <a:spcBef>
-                <a:spcPts val="300"/>
-              </a:spcBef>
-              <a:spcAft>
-                <a:spcPts val="300"/>
-              </a:spcAft>
-              <a:buNone/>
-            </a:pPr>
-            <a:r>
-              <a:rPr lang="en-US" sz="9600" b="1"/>
-              <a:t>Ưu điểm:</a:t>
-            </a:r>
-          </a:p>
-          <a:p>
-            <a:pPr marL="457200" indent="-225425" algn="just">
-              <a:lnSpc>
-                <a:spcPct val="120000"/>
-              </a:lnSpc>
-              <a:spcBef>
-                <a:spcPts val="300"/>
-              </a:spcBef>
-              <a:spcAft>
-                <a:spcPts val="300"/>
-              </a:spcAft>
-              <a:buFont typeface="Arial" panose="020B0604020202020204" pitchFamily="34" charset="0"/>
-              <a:buChar char="•"/>
-            </a:pPr>
-            <a:r>
-              <a:rPr lang="en-US" sz="8000"/>
-              <a:t>Tìm hiểu được quy trình, nghiệp vụ quản lý VBCC tại Trung tâm Tin học Trường Đại học An Giang.</a:t>
-            </a:r>
-          </a:p>
-          <a:p>
-            <a:pPr marL="457200" indent="-225425" algn="just">
-              <a:lnSpc>
-                <a:spcPct val="120000"/>
-              </a:lnSpc>
-              <a:spcBef>
-                <a:spcPts val="300"/>
-              </a:spcBef>
-              <a:spcAft>
-                <a:spcPts val="300"/>
-              </a:spcAft>
-              <a:buFont typeface="Arial" panose="020B0604020202020204" pitchFamily="34" charset="0"/>
-              <a:buChar char="•"/>
-            </a:pPr>
-            <a:r>
-              <a:rPr lang="en-US" sz="8000"/>
-              <a:t>Triển khai được hệ thống có giao diện web tương tác với người dung trong việc cấp và xác thực VBCC.</a:t>
-            </a:r>
-          </a:p>
-          <a:p>
-            <a:pPr marL="0" indent="0" algn="just">
-              <a:lnSpc>
-                <a:spcPct val="120000"/>
-              </a:lnSpc>
-              <a:spcBef>
-                <a:spcPts val="300"/>
-              </a:spcBef>
-              <a:spcAft>
-                <a:spcPts val="300"/>
-              </a:spcAft>
-              <a:buNone/>
-            </a:pPr>
-            <a:r>
-              <a:rPr lang="en-US" sz="9600" b="1" err="1"/>
-              <a:t>Hạn</a:t>
-            </a:r>
-            <a:r>
-              <a:rPr lang="en-US" sz="9600" b="1"/>
-              <a:t> </a:t>
-            </a:r>
-            <a:r>
-              <a:rPr lang="en-US" sz="9600" b="1" err="1"/>
-              <a:t>chế</a:t>
-            </a:r>
-            <a:r>
-              <a:rPr lang="en-US" sz="9600" b="1"/>
-              <a:t>:</a:t>
-            </a:r>
-          </a:p>
-          <a:p>
-            <a:pPr marL="457200" indent="-225425" algn="just">
-              <a:lnSpc>
-                <a:spcPct val="120000"/>
-              </a:lnSpc>
-              <a:spcBef>
-                <a:spcPts val="300"/>
-              </a:spcBef>
-              <a:spcAft>
-                <a:spcPts val="300"/>
-              </a:spcAft>
-              <a:buFont typeface="Arial" panose="020B0604020202020204" pitchFamily="34" charset="0"/>
-              <a:buChar char="•"/>
-            </a:pPr>
-            <a:r>
-              <a:rPr lang="en-US" sz="8000"/>
-              <a:t>Mô hình triển khai phụ thuộc vào CA của Hyperledger Fabric, chứng thư số tự cấp.</a:t>
-            </a:r>
-          </a:p>
-          <a:p>
-            <a:pPr marL="457200" indent="-225425" algn="just">
-              <a:lnSpc>
-                <a:spcPct val="120000"/>
-              </a:lnSpc>
-              <a:spcBef>
-                <a:spcPts val="300"/>
-              </a:spcBef>
-              <a:spcAft>
-                <a:spcPts val="300"/>
-              </a:spcAft>
-              <a:buFont typeface="Arial" panose="020B0604020202020204" pitchFamily="34" charset="0"/>
-              <a:buChar char="•"/>
-            </a:pPr>
-            <a:r>
-              <a:rPr lang="en-US" sz="8000"/>
-              <a:t>Ứng dụng web còn nhiều hạn chế, chỉ có tính năng đơn giản. </a:t>
-            </a:r>
-          </a:p>
-          <a:p>
-            <a:pPr marL="0" indent="0" algn="just">
-              <a:lnSpc>
-                <a:spcPct val="120000"/>
-              </a:lnSpc>
-              <a:spcBef>
-                <a:spcPts val="300"/>
-              </a:spcBef>
-              <a:spcAft>
-                <a:spcPts val="300"/>
-              </a:spcAft>
-              <a:buNone/>
-            </a:pPr>
-            <a:r>
-              <a:rPr lang="en-US" sz="9600" b="1"/>
-              <a:t>Hướng </a:t>
-            </a:r>
-            <a:r>
-              <a:rPr lang="en-US" sz="9600" b="1" err="1"/>
-              <a:t>phát</a:t>
-            </a:r>
-            <a:r>
-              <a:rPr lang="en-US" sz="9600" b="1"/>
-              <a:t> </a:t>
-            </a:r>
-            <a:r>
-              <a:rPr lang="en-US" sz="9600" b="1" err="1"/>
-              <a:t>triển</a:t>
-            </a:r>
-            <a:r>
-              <a:rPr lang="en-US" sz="9600" b="1"/>
-              <a:t>:</a:t>
-            </a:r>
-          </a:p>
-          <a:p>
-            <a:pPr marL="457200" indent="-225425" algn="just">
-              <a:lnSpc>
-                <a:spcPct val="120000"/>
-              </a:lnSpc>
-              <a:spcBef>
-                <a:spcPts val="300"/>
-              </a:spcBef>
-              <a:spcAft>
-                <a:spcPts val="300"/>
-              </a:spcAft>
-              <a:buFont typeface="Arial" panose="020B0604020202020204" pitchFamily="34" charset="0"/>
-              <a:buChar char="•"/>
-            </a:pPr>
-            <a:r>
-              <a:rPr lang="en-US" sz="8000" err="1"/>
-              <a:t>Đề</a:t>
-            </a:r>
-            <a:r>
-              <a:rPr lang="en-US" sz="8000"/>
-              <a:t> </a:t>
-            </a:r>
-            <a:r>
-              <a:rPr lang="en-US" sz="8000" err="1"/>
-              <a:t>tài</a:t>
-            </a:r>
-            <a:r>
-              <a:rPr lang="en-US" sz="8000"/>
-              <a:t> </a:t>
-            </a:r>
-            <a:r>
-              <a:rPr lang="en-US" sz="8000" err="1"/>
-              <a:t>tiếp</a:t>
-            </a:r>
-            <a:r>
-              <a:rPr lang="en-US" sz="8000"/>
-              <a:t> </a:t>
-            </a:r>
-            <a:r>
-              <a:rPr lang="en-US" sz="8000" err="1"/>
-              <a:t>tục</a:t>
-            </a:r>
-            <a:r>
-              <a:rPr lang="en-US" sz="8000"/>
-              <a:t> </a:t>
-            </a:r>
-            <a:r>
-              <a:rPr lang="en-US" sz="8000" err="1"/>
-              <a:t>tìm</a:t>
-            </a:r>
-            <a:r>
-              <a:rPr lang="en-US" sz="8000"/>
-              <a:t> </a:t>
-            </a:r>
-            <a:r>
-              <a:rPr lang="en-US" sz="8000" err="1"/>
-              <a:t>cách</a:t>
-            </a:r>
-            <a:r>
-              <a:rPr lang="en-US" sz="8000"/>
-              <a:t> </a:t>
-            </a:r>
-            <a:r>
-              <a:rPr lang="en-US" sz="8000" err="1"/>
-              <a:t>khắc</a:t>
-            </a:r>
-            <a:r>
-              <a:rPr lang="en-US" sz="8000"/>
-              <a:t> </a:t>
-            </a:r>
-            <a:r>
-              <a:rPr lang="en-US" sz="8000" err="1"/>
-              <a:t>phục</a:t>
-            </a:r>
-            <a:r>
-              <a:rPr lang="en-US" sz="8000"/>
-              <a:t> </a:t>
-            </a:r>
-            <a:r>
-              <a:rPr lang="en-US" sz="8000" err="1"/>
-              <a:t>các</a:t>
-            </a:r>
-            <a:r>
-              <a:rPr lang="en-US" sz="8000"/>
-              <a:t> </a:t>
-            </a:r>
-            <a:r>
-              <a:rPr lang="en-US" sz="8000" err="1"/>
-              <a:t>hạn</a:t>
-            </a:r>
-            <a:r>
-              <a:rPr lang="en-US" sz="8000"/>
-              <a:t> </a:t>
-            </a:r>
-            <a:r>
-              <a:rPr lang="en-US" sz="8000" err="1"/>
-              <a:t>chế</a:t>
-            </a:r>
-            <a:r>
-              <a:rPr lang="en-US" sz="8000"/>
-              <a:t> </a:t>
-            </a:r>
-            <a:r>
-              <a:rPr lang="en-US" sz="8000" err="1"/>
-              <a:t>được</a:t>
-            </a:r>
-            <a:r>
-              <a:rPr lang="en-US" sz="8000"/>
-              <a:t> </a:t>
-            </a:r>
-            <a:r>
-              <a:rPr lang="en-US" sz="8000" err="1"/>
-              <a:t>nêu</a:t>
-            </a:r>
-            <a:r>
-              <a:rPr lang="en-US" sz="8000"/>
-              <a:t> ra; tìm hiểu thêm các ứng dụng của mạng blockchain Hyperledger Fabric; cải tiến ứng dụng web thuận tiện cho người sử dụng.</a:t>
-            </a:r>
-          </a:p>
-          <a:p>
-            <a:endParaRPr lang="vi-VN" err="1"/>
-          </a:p>
-        </p:txBody>
-      </p:sp>
-      <p:sp>
-        <p:nvSpPr>
-          <p:cNvPr id="8" name="Slide Number Placeholder 7">
-            <a:extLst>
-              <a:ext uri="{FF2B5EF4-FFF2-40B4-BE49-F238E27FC236}">
-                <a16:creationId xmlns:a16="http://schemas.microsoft.com/office/drawing/2014/main" id="{C4519E29-EB4C-4759-9D19-5E276DFDABDD}"/>
-              </a:ext>
-            </a:extLst>
-          </p:cNvPr>
-          <p:cNvSpPr>
-            <a:spLocks noGrp="1"/>
-          </p:cNvSpPr>
-          <p:nvPr>
-            <p:ph type="sldNum" sz="quarter" idx="12"/>
-          </p:nvPr>
-        </p:nvSpPr>
-        <p:spPr/>
-        <p:txBody>
-          <a:bodyPr/>
-          <a:lstStyle/>
-          <a:p>
-            <a:fld id="{37A4A606-66C4-4A6B-9750-DDC5E8BB73A2}" type="slidenum">
-              <a:rPr lang="en-US" smtClean="0"/>
-              <a:t>19</a:t>
-            </a:fld>
-            <a:endParaRPr lang="en-US"/>
-          </a:p>
-        </p:txBody>
-      </p:sp>
-    </p:spTree>
-    <p:extLst>
-      <p:ext uri="{BB962C8B-B14F-4D97-AF65-F5344CB8AC3E}">
-        <p14:creationId xmlns:p14="http://schemas.microsoft.com/office/powerpoint/2010/main" val="3327499139"/>
-      </p:ext>
-    </p:extLst>
-  </p:cSld>
-  <p:clrMapOvr>
-    <a:masterClrMapping/>
-  </p:clrMapOvr>
-</p:sld>
-</file>
-
 <file path=ppt/slides/slide2.xml><?xml version="1.0" encoding="utf-8"?>
 <p:sld xmlns:a="http://schemas.openxmlformats.org/drawingml/2006/main" xmlns:r="http://schemas.openxmlformats.org/officeDocument/2006/relationships" xmlns:p="http://schemas.openxmlformats.org/presentationml/2006/main">
   <p:cSld>
@@ -9969,6 +10665,887 @@
 </file>
 
 <file path=ppt/slides/slide20.xml><?xml version="1.0" encoding="utf-8"?>
+<p:sld xmlns:a="http://schemas.openxmlformats.org/drawingml/2006/main" xmlns:r="http://schemas.openxmlformats.org/officeDocument/2006/relationships" xmlns:p="http://schemas.openxmlformats.org/presentationml/2006/main">
+  <p:cSld>
+    <p:spTree>
+      <p:nvGrpSpPr>
+        <p:cNvPr id="1" name=""/>
+        <p:cNvGrpSpPr/>
+        <p:nvPr/>
+      </p:nvGrpSpPr>
+      <p:grpSpPr>
+        <a:xfrm>
+          <a:off x="0" y="0"/>
+          <a:ext cx="0" cy="0"/>
+          <a:chOff x="0" y="0"/>
+          <a:chExt cx="0" cy="0"/>
+        </a:xfrm>
+      </p:grpSpPr>
+      <p:sp>
+        <p:nvSpPr>
+          <p:cNvPr id="2" name="Title 1">
+            <a:extLst>
+              <a:ext uri="{FF2B5EF4-FFF2-40B4-BE49-F238E27FC236}">
+                <a16:creationId xmlns:a16="http://schemas.microsoft.com/office/drawing/2014/main" id="{70B474FB-8BDA-4F94-86DC-2B797B33C1DA}"/>
+              </a:ext>
+            </a:extLst>
+          </p:cNvPr>
+          <p:cNvSpPr>
+            <a:spLocks noGrp="1"/>
+          </p:cNvSpPr>
+          <p:nvPr>
+            <p:ph type="title"/>
+          </p:nvPr>
+        </p:nvSpPr>
+        <p:spPr/>
+        <p:txBody>
+          <a:bodyPr/>
+          <a:lstStyle/>
+          <a:p>
+            <a:r>
+              <a:rPr lang="en-US"/>
+              <a:t> 4. </a:t>
+            </a:r>
+            <a:r>
+              <a:rPr lang="en-US" err="1"/>
+              <a:t>Kết</a:t>
+            </a:r>
+            <a:r>
+              <a:rPr lang="en-US"/>
+              <a:t> </a:t>
+            </a:r>
+            <a:r>
+              <a:rPr lang="en-US" err="1"/>
+              <a:t>quả</a:t>
+            </a:r>
+            <a:r>
+              <a:rPr lang="en-US"/>
+              <a:t> </a:t>
+            </a:r>
+            <a:r>
+              <a:rPr lang="en-US" err="1"/>
+              <a:t>thực</a:t>
+            </a:r>
+            <a:r>
+              <a:rPr lang="en-US"/>
+              <a:t> </a:t>
+            </a:r>
+            <a:r>
+              <a:rPr lang="en-US" err="1"/>
+              <a:t>nghiệm</a:t>
+            </a:r>
+            <a:endParaRPr lang="en-US"/>
+          </a:p>
+        </p:txBody>
+      </p:sp>
+      <p:sp>
+        <p:nvSpPr>
+          <p:cNvPr id="3" name="Content Placeholder 2">
+            <a:extLst>
+              <a:ext uri="{FF2B5EF4-FFF2-40B4-BE49-F238E27FC236}">
+                <a16:creationId xmlns:a16="http://schemas.microsoft.com/office/drawing/2014/main" id="{938E8B90-BB10-417C-BB3B-436BE0A3F89D}"/>
+              </a:ext>
+            </a:extLst>
+          </p:cNvPr>
+          <p:cNvSpPr>
+            <a:spLocks noGrp="1"/>
+          </p:cNvSpPr>
+          <p:nvPr>
+            <p:ph idx="1"/>
+          </p:nvPr>
+        </p:nvSpPr>
+        <p:spPr/>
+        <p:txBody>
+          <a:bodyPr>
+            <a:normAutofit/>
+          </a:bodyPr>
+          <a:lstStyle/>
+          <a:p>
+            <a:pPr marL="0" marR="89535" lvl="2" indent="0" algn="just">
+              <a:lnSpc>
+                <a:spcPct val="110000"/>
+              </a:lnSpc>
+              <a:spcBef>
+                <a:spcPts val="600"/>
+              </a:spcBef>
+              <a:spcAft>
+                <a:spcPts val="800"/>
+              </a:spcAft>
+              <a:buNone/>
+            </a:pPr>
+            <a:r>
+              <a:rPr lang="en-US" sz="2700" b="1">
+                <a:solidFill>
+                  <a:schemeClr val="tx1"/>
+                </a:solidFill>
+              </a:rPr>
+              <a:t>4.1 Kết quả thực nghiệm</a:t>
+            </a:r>
+          </a:p>
+          <a:p>
+            <a:pPr marL="0" marR="89535" lvl="2" indent="0" algn="just">
+              <a:lnSpc>
+                <a:spcPct val="110000"/>
+              </a:lnSpc>
+              <a:spcBef>
+                <a:spcPts val="600"/>
+              </a:spcBef>
+              <a:spcAft>
+                <a:spcPts val="800"/>
+              </a:spcAft>
+              <a:buNone/>
+            </a:pPr>
+            <a:r>
+              <a:rPr lang="en-US" sz="2400">
+                <a:solidFill>
+                  <a:schemeClr val="tx1"/>
+                </a:solidFill>
+                <a:latin typeface="Calibri" panose="020F0502020204030204" pitchFamily="34" charset="0"/>
+                <a:cs typeface="Calibri" panose="020F0502020204030204" pitchFamily="34" charset="0"/>
+              </a:rPr>
+              <a:t>	Mạng</a:t>
+            </a:r>
+            <a:r>
+              <a:rPr lang="vi-VN" sz="2400">
+                <a:solidFill>
+                  <a:schemeClr val="tx1"/>
+                </a:solidFill>
+                <a:latin typeface="Calibri" panose="020F0502020204030204" pitchFamily="34" charset="0"/>
+                <a:cs typeface="Calibri" panose="020F0502020204030204" pitchFamily="34" charset="0"/>
+              </a:rPr>
+              <a:t> </a:t>
+            </a:r>
+            <a:r>
+              <a:rPr lang="en-US" sz="2400">
+                <a:solidFill>
+                  <a:schemeClr val="tx1"/>
+                </a:solidFill>
+                <a:latin typeface="Calibri" panose="020F0502020204030204" pitchFamily="34" charset="0"/>
+                <a:cs typeface="Calibri" panose="020F0502020204030204" pitchFamily="34" charset="0"/>
+              </a:rPr>
+              <a:t>blockchain </a:t>
+            </a:r>
+            <a:r>
+              <a:rPr lang="vi-VN" sz="2400">
+                <a:solidFill>
+                  <a:schemeClr val="tx1"/>
+                </a:solidFill>
+                <a:latin typeface="Calibri" panose="020F0502020204030204" pitchFamily="34" charset="0"/>
+                <a:cs typeface="Calibri" panose="020F0502020204030204" pitchFamily="34" charset="0"/>
+              </a:rPr>
+              <a:t>hoạt động trên</a:t>
+            </a:r>
+            <a:r>
+              <a:rPr lang="en-US" sz="2400">
+                <a:solidFill>
+                  <a:schemeClr val="tx1"/>
+                </a:solidFill>
+                <a:latin typeface="Calibri" panose="020F0502020204030204" pitchFamily="34" charset="0"/>
+                <a:cs typeface="Calibri" panose="020F0502020204030204" pitchFamily="34" charset="0"/>
+              </a:rPr>
+              <a:t> các máy chủ ảo</a:t>
+            </a:r>
+            <a:r>
+              <a:rPr lang="vi-VN" sz="2400">
+                <a:solidFill>
+                  <a:schemeClr val="tx1"/>
+                </a:solidFill>
+                <a:latin typeface="Calibri" panose="020F0502020204030204" pitchFamily="34" charset="0"/>
+                <a:cs typeface="Calibri" panose="020F0502020204030204" pitchFamily="34" charset="0"/>
+              </a:rPr>
+              <a:t>. Hệ thống quản</a:t>
+            </a:r>
+            <a:r>
+              <a:rPr lang="en-US" sz="2400">
+                <a:solidFill>
+                  <a:schemeClr val="tx1"/>
+                </a:solidFill>
+                <a:latin typeface="Calibri" panose="020F0502020204030204" pitchFamily="34" charset="0"/>
+                <a:cs typeface="Calibri" panose="020F0502020204030204" pitchFamily="34" charset="0"/>
+              </a:rPr>
+              <a:t> </a:t>
+            </a:r>
+            <a:r>
+              <a:rPr lang="vi-VN" sz="2400">
+                <a:solidFill>
+                  <a:schemeClr val="tx1"/>
+                </a:solidFill>
+                <a:latin typeface="Calibri" panose="020F0502020204030204" pitchFamily="34" charset="0"/>
+                <a:cs typeface="Calibri" panose="020F0502020204030204" pitchFamily="34" charset="0"/>
+              </a:rPr>
+              <a:t>lý VBCC có giao diện web </a:t>
+            </a:r>
+            <a:r>
+              <a:rPr lang="en-US" sz="2400">
+                <a:solidFill>
+                  <a:schemeClr val="tx1"/>
+                </a:solidFill>
+                <a:latin typeface="Calibri" panose="020F0502020204030204" pitchFamily="34" charset="0"/>
+                <a:cs typeface="Calibri" panose="020F0502020204030204" pitchFamily="34" charset="0"/>
+              </a:rPr>
+              <a:t>cung cấp </a:t>
+            </a:r>
+            <a:r>
+              <a:rPr lang="vi-VN" sz="2400">
+                <a:solidFill>
+                  <a:schemeClr val="tx1"/>
+                </a:solidFill>
+                <a:latin typeface="Calibri" panose="020F0502020204030204" pitchFamily="34" charset="0"/>
+                <a:cs typeface="Calibri" panose="020F0502020204030204" pitchFamily="34" charset="0"/>
+              </a:rPr>
+              <a:t>các chức năng chính cho người sử dụng như: </a:t>
+            </a:r>
+            <a:endParaRPr lang="en-US" sz="2400">
+              <a:solidFill>
+                <a:schemeClr val="tx1"/>
+              </a:solidFill>
+              <a:latin typeface="Calibri" panose="020F0502020204030204" pitchFamily="34" charset="0"/>
+              <a:cs typeface="Calibri" panose="020F0502020204030204" pitchFamily="34" charset="0"/>
+            </a:endParaRPr>
+          </a:p>
+          <a:p>
+            <a:pPr marL="0" marR="89535" lvl="2" indent="0" algn="just">
+              <a:lnSpc>
+                <a:spcPct val="110000"/>
+              </a:lnSpc>
+              <a:spcBef>
+                <a:spcPts val="600"/>
+              </a:spcBef>
+              <a:spcAft>
+                <a:spcPts val="800"/>
+              </a:spcAft>
+              <a:buNone/>
+            </a:pPr>
+            <a:r>
+              <a:rPr lang="en-US" sz="2400">
+                <a:solidFill>
+                  <a:schemeClr val="tx1"/>
+                </a:solidFill>
+                <a:latin typeface="Calibri" panose="020F0502020204030204" pitchFamily="34" charset="0"/>
+                <a:cs typeface="Calibri" panose="020F0502020204030204" pitchFamily="34" charset="0"/>
+              </a:rPr>
+              <a:t>	1. </a:t>
+            </a:r>
+            <a:r>
+              <a:rPr lang="vi-VN" sz="2400">
+                <a:solidFill>
+                  <a:schemeClr val="tx1"/>
+                </a:solidFill>
+                <a:latin typeface="Calibri" panose="020F0502020204030204" pitchFamily="34" charset="0"/>
+                <a:cs typeface="Calibri" panose="020F0502020204030204" pitchFamily="34" charset="0"/>
+              </a:rPr>
+              <a:t>Trường</a:t>
+            </a:r>
+            <a:r>
+              <a:rPr lang="en-US" sz="2400">
+                <a:solidFill>
+                  <a:schemeClr val="tx1"/>
+                </a:solidFill>
+                <a:latin typeface="Calibri" panose="020F0502020204030204" pitchFamily="34" charset="0"/>
+                <a:cs typeface="Calibri" panose="020F0502020204030204" pitchFamily="34" charset="0"/>
+              </a:rPr>
+              <a:t> </a:t>
+            </a:r>
+            <a:r>
+              <a:rPr lang="vi-VN" sz="2400">
+                <a:solidFill>
+                  <a:schemeClr val="tx1"/>
+                </a:solidFill>
+                <a:latin typeface="Calibri" panose="020F0502020204030204" pitchFamily="34" charset="0"/>
+                <a:cs typeface="Calibri" panose="020F0502020204030204" pitchFamily="34" charset="0"/>
+              </a:rPr>
+              <a:t>quản lý và cấp VBCC</a:t>
+            </a:r>
+            <a:r>
+              <a:rPr lang="en-US" sz="2400">
+                <a:solidFill>
+                  <a:schemeClr val="tx1"/>
+                </a:solidFill>
+                <a:latin typeface="Calibri" panose="020F0502020204030204" pitchFamily="34" charset="0"/>
+                <a:cs typeface="Calibri" panose="020F0502020204030204" pitchFamily="34" charset="0"/>
+              </a:rPr>
+              <a:t>.</a:t>
+            </a:r>
+          </a:p>
+          <a:p>
+            <a:pPr marL="0" marR="89535" lvl="2" indent="0" algn="just">
+              <a:lnSpc>
+                <a:spcPct val="110000"/>
+              </a:lnSpc>
+              <a:spcBef>
+                <a:spcPts val="600"/>
+              </a:spcBef>
+              <a:spcAft>
+                <a:spcPts val="800"/>
+              </a:spcAft>
+              <a:buNone/>
+            </a:pPr>
+            <a:r>
+              <a:rPr lang="en-US" sz="2400">
+                <a:solidFill>
+                  <a:schemeClr val="tx1"/>
+                </a:solidFill>
+                <a:latin typeface="Calibri" panose="020F0502020204030204" pitchFamily="34" charset="0"/>
+                <a:cs typeface="Calibri" panose="020F0502020204030204" pitchFamily="34" charset="0"/>
+              </a:rPr>
+              <a:t>	2. </a:t>
+            </a:r>
+            <a:r>
+              <a:rPr lang="vi-VN" sz="2400">
+                <a:solidFill>
+                  <a:schemeClr val="tx1"/>
+                </a:solidFill>
+                <a:latin typeface="Calibri" panose="020F0502020204030204" pitchFamily="34" charset="0"/>
+                <a:cs typeface="Calibri" panose="020F0502020204030204" pitchFamily="34" charset="0"/>
+              </a:rPr>
+              <a:t>Sinh viên nhận </a:t>
+            </a:r>
+            <a:r>
+              <a:rPr lang="vi-VN" sz="2400" dirty="0">
+                <a:solidFill>
+                  <a:schemeClr val="tx1"/>
+                </a:solidFill>
+                <a:latin typeface="Calibri" panose="020F0502020204030204" pitchFamily="34" charset="0"/>
+                <a:cs typeface="Calibri" panose="020F0502020204030204" pitchFamily="34" charset="0"/>
+              </a:rPr>
+              <a:t>VBCC và chia sẻ thông </a:t>
+            </a:r>
+            <a:r>
+              <a:rPr lang="vi-VN" sz="2400">
+                <a:solidFill>
+                  <a:schemeClr val="tx1"/>
+                </a:solidFill>
+                <a:latin typeface="Calibri" panose="020F0502020204030204" pitchFamily="34" charset="0"/>
+                <a:cs typeface="Calibri" panose="020F0502020204030204" pitchFamily="34" charset="0"/>
+              </a:rPr>
+              <a:t>tin VBCC</a:t>
+            </a:r>
+            <a:r>
+              <a:rPr lang="en-US" sz="2400">
+                <a:solidFill>
+                  <a:schemeClr val="tx1"/>
+                </a:solidFill>
+                <a:latin typeface="Calibri" panose="020F0502020204030204" pitchFamily="34" charset="0"/>
+                <a:cs typeface="Calibri" panose="020F0502020204030204" pitchFamily="34" charset="0"/>
+              </a:rPr>
+              <a:t>.</a:t>
+            </a:r>
+          </a:p>
+          <a:p>
+            <a:pPr marL="0" marR="89535" lvl="2" indent="0" algn="just">
+              <a:lnSpc>
+                <a:spcPct val="110000"/>
+              </a:lnSpc>
+              <a:spcBef>
+                <a:spcPts val="600"/>
+              </a:spcBef>
+              <a:spcAft>
+                <a:spcPts val="800"/>
+              </a:spcAft>
+              <a:buNone/>
+            </a:pPr>
+            <a:r>
+              <a:rPr lang="en-US" sz="2400">
+                <a:solidFill>
+                  <a:schemeClr val="tx1"/>
+                </a:solidFill>
+                <a:latin typeface="Calibri" panose="020F0502020204030204" pitchFamily="34" charset="0"/>
+                <a:cs typeface="Calibri" panose="020F0502020204030204" pitchFamily="34" charset="0"/>
+              </a:rPr>
+              <a:t>	3. </a:t>
+            </a:r>
+            <a:r>
+              <a:rPr lang="vi-VN" sz="2400">
+                <a:solidFill>
+                  <a:schemeClr val="tx1"/>
+                </a:solidFill>
+                <a:latin typeface="Calibri" panose="020F0502020204030204" pitchFamily="34" charset="0"/>
+                <a:cs typeface="Calibri" panose="020F0502020204030204" pitchFamily="34" charset="0"/>
+              </a:rPr>
+              <a:t>Đơn vị</a:t>
+            </a:r>
+            <a:r>
+              <a:rPr lang="en-US" sz="2400">
+                <a:solidFill>
+                  <a:schemeClr val="tx1"/>
+                </a:solidFill>
+                <a:latin typeface="Calibri" panose="020F0502020204030204" pitchFamily="34" charset="0"/>
+                <a:cs typeface="Calibri" panose="020F0502020204030204" pitchFamily="34" charset="0"/>
+              </a:rPr>
+              <a:t> </a:t>
+            </a:r>
+            <a:r>
+              <a:rPr lang="vi-VN" sz="2400">
+                <a:solidFill>
+                  <a:schemeClr val="tx1"/>
+                </a:solidFill>
+                <a:latin typeface="Calibri" panose="020F0502020204030204" pitchFamily="34" charset="0"/>
+                <a:cs typeface="Calibri" panose="020F0502020204030204" pitchFamily="34" charset="0"/>
+              </a:rPr>
+              <a:t>xác thực VBCC</a:t>
+            </a:r>
+            <a:r>
+              <a:rPr lang="en-US" sz="2400">
+                <a:solidFill>
+                  <a:schemeClr val="tx1"/>
+                </a:solidFill>
+                <a:latin typeface="Calibri" panose="020F0502020204030204" pitchFamily="34" charset="0"/>
+                <a:cs typeface="Calibri" panose="020F0502020204030204" pitchFamily="34" charset="0"/>
+              </a:rPr>
+              <a:t>.</a:t>
+            </a:r>
+            <a:endParaRPr lang="en-US" sz="2400" dirty="0">
+              <a:solidFill>
+                <a:schemeClr val="tx1"/>
+              </a:solidFill>
+              <a:latin typeface="Calibri" panose="020F0502020204030204" pitchFamily="34" charset="0"/>
+              <a:cs typeface="Calibri" panose="020F0502020204030204" pitchFamily="34" charset="0"/>
+            </a:endParaRPr>
+          </a:p>
+        </p:txBody>
+      </p:sp>
+      <p:sp>
+        <p:nvSpPr>
+          <p:cNvPr id="6" name="Slide Number Placeholder 5">
+            <a:extLst>
+              <a:ext uri="{FF2B5EF4-FFF2-40B4-BE49-F238E27FC236}">
+                <a16:creationId xmlns:a16="http://schemas.microsoft.com/office/drawing/2014/main" id="{6809C103-EE3A-49AA-AD83-BC96E24FE1B3}"/>
+              </a:ext>
+            </a:extLst>
+          </p:cNvPr>
+          <p:cNvSpPr>
+            <a:spLocks noGrp="1"/>
+          </p:cNvSpPr>
+          <p:nvPr>
+            <p:ph type="sldNum" sz="quarter" idx="12"/>
+          </p:nvPr>
+        </p:nvSpPr>
+        <p:spPr/>
+        <p:txBody>
+          <a:bodyPr/>
+          <a:lstStyle/>
+          <a:p>
+            <a:fld id="{37A4A606-66C4-4A6B-9750-DDC5E8BB73A2}" type="slidenum">
+              <a:rPr lang="en-US" smtClean="0"/>
+              <a:t>20</a:t>
+            </a:fld>
+            <a:endParaRPr lang="en-US"/>
+          </a:p>
+        </p:txBody>
+      </p:sp>
+    </p:spTree>
+    <p:extLst>
+      <p:ext uri="{BB962C8B-B14F-4D97-AF65-F5344CB8AC3E}">
+        <p14:creationId xmlns:p14="http://schemas.microsoft.com/office/powerpoint/2010/main" val="4253828906"/>
+      </p:ext>
+    </p:extLst>
+  </p:cSld>
+  <p:clrMapOvr>
+    <a:masterClrMapping/>
+  </p:clrMapOvr>
+</p:sld>
+</file>
+
+<file path=ppt/slides/slide21.xml><?xml version="1.0" encoding="utf-8"?>
+<p:sld xmlns:a="http://schemas.openxmlformats.org/drawingml/2006/main" xmlns:r="http://schemas.openxmlformats.org/officeDocument/2006/relationships" xmlns:p="http://schemas.openxmlformats.org/presentationml/2006/main">
+  <p:cSld>
+    <p:spTree>
+      <p:nvGrpSpPr>
+        <p:cNvPr id="1" name=""/>
+        <p:cNvGrpSpPr/>
+        <p:nvPr/>
+      </p:nvGrpSpPr>
+      <p:grpSpPr>
+        <a:xfrm>
+          <a:off x="0" y="0"/>
+          <a:ext cx="0" cy="0"/>
+          <a:chOff x="0" y="0"/>
+          <a:chExt cx="0" cy="0"/>
+        </a:xfrm>
+      </p:grpSpPr>
+      <p:sp>
+        <p:nvSpPr>
+          <p:cNvPr id="2" name="Title 1">
+            <a:extLst>
+              <a:ext uri="{FF2B5EF4-FFF2-40B4-BE49-F238E27FC236}">
+                <a16:creationId xmlns:a16="http://schemas.microsoft.com/office/drawing/2014/main" id="{70B474FB-8BDA-4F94-86DC-2B797B33C1DA}"/>
+              </a:ext>
+            </a:extLst>
+          </p:cNvPr>
+          <p:cNvSpPr>
+            <a:spLocks noGrp="1"/>
+          </p:cNvSpPr>
+          <p:nvPr>
+            <p:ph type="title"/>
+          </p:nvPr>
+        </p:nvSpPr>
+        <p:spPr/>
+        <p:txBody>
+          <a:bodyPr/>
+          <a:lstStyle/>
+          <a:p>
+            <a:r>
+              <a:rPr lang="en-US"/>
+              <a:t>5. </a:t>
+            </a:r>
+            <a:r>
+              <a:rPr lang="en-US" err="1"/>
+              <a:t>Kết</a:t>
+            </a:r>
+            <a:r>
+              <a:rPr lang="en-US"/>
+              <a:t> luận</a:t>
+            </a:r>
+          </a:p>
+        </p:txBody>
+      </p:sp>
+      <p:sp>
+        <p:nvSpPr>
+          <p:cNvPr id="3" name="Content Placeholder 2">
+            <a:extLst>
+              <a:ext uri="{FF2B5EF4-FFF2-40B4-BE49-F238E27FC236}">
+                <a16:creationId xmlns:a16="http://schemas.microsoft.com/office/drawing/2014/main" id="{938E8B90-BB10-417C-BB3B-436BE0A3F89D}"/>
+              </a:ext>
+            </a:extLst>
+          </p:cNvPr>
+          <p:cNvSpPr>
+            <a:spLocks noGrp="1"/>
+          </p:cNvSpPr>
+          <p:nvPr>
+            <p:ph idx="1"/>
+          </p:nvPr>
+        </p:nvSpPr>
+        <p:spPr/>
+        <p:txBody>
+          <a:bodyPr>
+            <a:normAutofit fontScale="25000" lnSpcReduction="20000"/>
+          </a:bodyPr>
+          <a:lstStyle/>
+          <a:p>
+            <a:pPr marL="0" indent="0" algn="just">
+              <a:lnSpc>
+                <a:spcPct val="120000"/>
+              </a:lnSpc>
+              <a:spcBef>
+                <a:spcPts val="300"/>
+              </a:spcBef>
+              <a:spcAft>
+                <a:spcPts val="300"/>
+              </a:spcAft>
+              <a:buNone/>
+            </a:pPr>
+            <a:r>
+              <a:rPr lang="en-US" sz="9600" b="1"/>
+              <a:t>Ưu điểm:</a:t>
+            </a:r>
+          </a:p>
+          <a:p>
+            <a:pPr marL="457200" indent="-225425" algn="just">
+              <a:lnSpc>
+                <a:spcPct val="120000"/>
+              </a:lnSpc>
+              <a:spcBef>
+                <a:spcPts val="300"/>
+              </a:spcBef>
+              <a:spcAft>
+                <a:spcPts val="300"/>
+              </a:spcAft>
+              <a:buFont typeface="Arial" panose="020B0604020202020204" pitchFamily="34" charset="0"/>
+              <a:buChar char="•"/>
+            </a:pPr>
+            <a:r>
+              <a:rPr lang="en-US" sz="8000"/>
+              <a:t>Tìm hiểu được quy trình, nghiệp vụ quản lý VBCC tại Trung tâm Tin học Trường Đại học An Giang.</a:t>
+            </a:r>
+          </a:p>
+          <a:p>
+            <a:pPr marL="457200" indent="-225425" algn="just">
+              <a:lnSpc>
+                <a:spcPct val="120000"/>
+              </a:lnSpc>
+              <a:spcBef>
+                <a:spcPts val="300"/>
+              </a:spcBef>
+              <a:spcAft>
+                <a:spcPts val="300"/>
+              </a:spcAft>
+              <a:buFont typeface="Arial" panose="020B0604020202020204" pitchFamily="34" charset="0"/>
+              <a:buChar char="•"/>
+            </a:pPr>
+            <a:r>
+              <a:rPr lang="en-US" sz="8000"/>
+              <a:t>Triển khai được hệ thống có giao diện web tương tác với người dung trong việc cấp và xác thực VBCC.</a:t>
+            </a:r>
+          </a:p>
+          <a:p>
+            <a:pPr marL="0" indent="0" algn="just">
+              <a:lnSpc>
+                <a:spcPct val="120000"/>
+              </a:lnSpc>
+              <a:spcBef>
+                <a:spcPts val="300"/>
+              </a:spcBef>
+              <a:spcAft>
+                <a:spcPts val="300"/>
+              </a:spcAft>
+              <a:buNone/>
+            </a:pPr>
+            <a:r>
+              <a:rPr lang="en-US" sz="9600" b="1" err="1"/>
+              <a:t>Hạn</a:t>
+            </a:r>
+            <a:r>
+              <a:rPr lang="en-US" sz="9600" b="1"/>
+              <a:t> </a:t>
+            </a:r>
+            <a:r>
+              <a:rPr lang="en-US" sz="9600" b="1" err="1"/>
+              <a:t>chế</a:t>
+            </a:r>
+            <a:r>
+              <a:rPr lang="en-US" sz="9600" b="1"/>
+              <a:t>:</a:t>
+            </a:r>
+          </a:p>
+          <a:p>
+            <a:pPr marL="457200" indent="-225425" algn="just">
+              <a:lnSpc>
+                <a:spcPct val="120000"/>
+              </a:lnSpc>
+              <a:spcBef>
+                <a:spcPts val="300"/>
+              </a:spcBef>
+              <a:spcAft>
+                <a:spcPts val="300"/>
+              </a:spcAft>
+              <a:buFont typeface="Arial" panose="020B0604020202020204" pitchFamily="34" charset="0"/>
+              <a:buChar char="•"/>
+            </a:pPr>
+            <a:r>
+              <a:rPr lang="en-US" sz="8000"/>
+              <a:t>Mô hình triển khai phụ thuộc vào CA của Hyperledger Fabric, chứng thư số tự cấp.</a:t>
+            </a:r>
+          </a:p>
+          <a:p>
+            <a:pPr marL="457200" indent="-225425" algn="just">
+              <a:lnSpc>
+                <a:spcPct val="120000"/>
+              </a:lnSpc>
+              <a:spcBef>
+                <a:spcPts val="300"/>
+              </a:spcBef>
+              <a:spcAft>
+                <a:spcPts val="300"/>
+              </a:spcAft>
+              <a:buFont typeface="Arial" panose="020B0604020202020204" pitchFamily="34" charset="0"/>
+              <a:buChar char="•"/>
+            </a:pPr>
+            <a:r>
+              <a:rPr lang="en-US" sz="8000"/>
+              <a:t>Ứng dụng web còn nhiều hạn chế, chỉ có tính năng đơn giản. </a:t>
+            </a:r>
+          </a:p>
+          <a:p>
+            <a:pPr marL="0" indent="0" algn="just">
+              <a:lnSpc>
+                <a:spcPct val="120000"/>
+              </a:lnSpc>
+              <a:spcBef>
+                <a:spcPts val="300"/>
+              </a:spcBef>
+              <a:spcAft>
+                <a:spcPts val="300"/>
+              </a:spcAft>
+              <a:buNone/>
+            </a:pPr>
+            <a:r>
+              <a:rPr lang="en-US" sz="9600" b="1"/>
+              <a:t>Hướng </a:t>
+            </a:r>
+            <a:r>
+              <a:rPr lang="en-US" sz="9600" b="1" err="1"/>
+              <a:t>phát</a:t>
+            </a:r>
+            <a:r>
+              <a:rPr lang="en-US" sz="9600" b="1"/>
+              <a:t> </a:t>
+            </a:r>
+            <a:r>
+              <a:rPr lang="en-US" sz="9600" b="1" err="1"/>
+              <a:t>triển</a:t>
+            </a:r>
+            <a:r>
+              <a:rPr lang="en-US" sz="9600" b="1"/>
+              <a:t>:</a:t>
+            </a:r>
+          </a:p>
+          <a:p>
+            <a:pPr marL="457200" indent="-225425" algn="just">
+              <a:lnSpc>
+                <a:spcPct val="120000"/>
+              </a:lnSpc>
+              <a:spcBef>
+                <a:spcPts val="300"/>
+              </a:spcBef>
+              <a:spcAft>
+                <a:spcPts val="300"/>
+              </a:spcAft>
+              <a:buFont typeface="Arial" panose="020B0604020202020204" pitchFamily="34" charset="0"/>
+              <a:buChar char="•"/>
+            </a:pPr>
+            <a:r>
+              <a:rPr lang="en-US" sz="8000" err="1"/>
+              <a:t>Đề</a:t>
+            </a:r>
+            <a:r>
+              <a:rPr lang="en-US" sz="8000"/>
+              <a:t> </a:t>
+            </a:r>
+            <a:r>
+              <a:rPr lang="en-US" sz="8000" err="1"/>
+              <a:t>tài</a:t>
+            </a:r>
+            <a:r>
+              <a:rPr lang="en-US" sz="8000"/>
+              <a:t> </a:t>
+            </a:r>
+            <a:r>
+              <a:rPr lang="en-US" sz="8000" err="1"/>
+              <a:t>tiếp</a:t>
+            </a:r>
+            <a:r>
+              <a:rPr lang="en-US" sz="8000"/>
+              <a:t> </a:t>
+            </a:r>
+            <a:r>
+              <a:rPr lang="en-US" sz="8000" err="1"/>
+              <a:t>tục</a:t>
+            </a:r>
+            <a:r>
+              <a:rPr lang="en-US" sz="8000"/>
+              <a:t> </a:t>
+            </a:r>
+            <a:r>
+              <a:rPr lang="en-US" sz="8000" err="1"/>
+              <a:t>tìm</a:t>
+            </a:r>
+            <a:r>
+              <a:rPr lang="en-US" sz="8000"/>
+              <a:t> </a:t>
+            </a:r>
+            <a:r>
+              <a:rPr lang="en-US" sz="8000" err="1"/>
+              <a:t>cách</a:t>
+            </a:r>
+            <a:r>
+              <a:rPr lang="en-US" sz="8000"/>
+              <a:t> </a:t>
+            </a:r>
+            <a:r>
+              <a:rPr lang="en-US" sz="8000" err="1"/>
+              <a:t>khắc</a:t>
+            </a:r>
+            <a:r>
+              <a:rPr lang="en-US" sz="8000"/>
+              <a:t> </a:t>
+            </a:r>
+            <a:r>
+              <a:rPr lang="en-US" sz="8000" err="1"/>
+              <a:t>phục</a:t>
+            </a:r>
+            <a:r>
+              <a:rPr lang="en-US" sz="8000"/>
+              <a:t> </a:t>
+            </a:r>
+            <a:r>
+              <a:rPr lang="en-US" sz="8000" err="1"/>
+              <a:t>các</a:t>
+            </a:r>
+            <a:r>
+              <a:rPr lang="en-US" sz="8000"/>
+              <a:t> </a:t>
+            </a:r>
+            <a:r>
+              <a:rPr lang="en-US" sz="8000" err="1"/>
+              <a:t>hạn</a:t>
+            </a:r>
+            <a:r>
+              <a:rPr lang="en-US" sz="8000"/>
+              <a:t> </a:t>
+            </a:r>
+            <a:r>
+              <a:rPr lang="en-US" sz="8000" err="1"/>
+              <a:t>chế</a:t>
+            </a:r>
+            <a:r>
+              <a:rPr lang="en-US" sz="8000"/>
+              <a:t> </a:t>
+            </a:r>
+            <a:r>
+              <a:rPr lang="en-US" sz="8000" err="1"/>
+              <a:t>được</a:t>
+            </a:r>
+            <a:r>
+              <a:rPr lang="en-US" sz="8000"/>
+              <a:t> </a:t>
+            </a:r>
+            <a:r>
+              <a:rPr lang="en-US" sz="8000" err="1"/>
+              <a:t>nêu</a:t>
+            </a:r>
+            <a:r>
+              <a:rPr lang="en-US" sz="8000"/>
+              <a:t> ra; tìm hiểu thêm các ứng dụng của mạng blockchain Hyperledger Fabric; cải tiến ứng dụng web thuận tiện cho người sử dụng.</a:t>
+            </a:r>
+          </a:p>
+          <a:p>
+            <a:endParaRPr lang="vi-VN" err="1"/>
+          </a:p>
+        </p:txBody>
+      </p:sp>
+      <p:sp>
+        <p:nvSpPr>
+          <p:cNvPr id="8" name="Slide Number Placeholder 7">
+            <a:extLst>
+              <a:ext uri="{FF2B5EF4-FFF2-40B4-BE49-F238E27FC236}">
+                <a16:creationId xmlns:a16="http://schemas.microsoft.com/office/drawing/2014/main" id="{C4519E29-EB4C-4759-9D19-5E276DFDABDD}"/>
+              </a:ext>
+            </a:extLst>
+          </p:cNvPr>
+          <p:cNvSpPr>
+            <a:spLocks noGrp="1"/>
+          </p:cNvSpPr>
+          <p:nvPr>
+            <p:ph type="sldNum" sz="quarter" idx="12"/>
+          </p:nvPr>
+        </p:nvSpPr>
+        <p:spPr/>
+        <p:txBody>
+          <a:bodyPr/>
+          <a:lstStyle/>
+          <a:p>
+            <a:fld id="{37A4A606-66C4-4A6B-9750-DDC5E8BB73A2}" type="slidenum">
+              <a:rPr lang="en-US" smtClean="0"/>
+              <a:t>21</a:t>
+            </a:fld>
+            <a:endParaRPr lang="en-US"/>
+          </a:p>
+        </p:txBody>
+      </p:sp>
+    </p:spTree>
+    <p:extLst>
+      <p:ext uri="{BB962C8B-B14F-4D97-AF65-F5344CB8AC3E}">
+        <p14:creationId xmlns:p14="http://schemas.microsoft.com/office/powerpoint/2010/main" val="3327499139"/>
+      </p:ext>
+    </p:extLst>
+  </p:cSld>
+  <p:clrMapOvr>
+    <a:masterClrMapping/>
+  </p:clrMapOvr>
+</p:sld>
+</file>
+
+<file path=ppt/slides/slide22.xml><?xml version="1.0" encoding="utf-8"?>
 <p:sld xmlns:a="http://schemas.openxmlformats.org/drawingml/2006/main" xmlns:r="http://schemas.openxmlformats.org/officeDocument/2006/relationships" xmlns:p="http://schemas.openxmlformats.org/presentationml/2006/main" showMasterSp="0">
   <p:cSld>
     <p:bg>
@@ -10015,7 +11592,7 @@
             <a:fld id="{0F4F63AB-74FF-4D4D-9C96-7E67E70BF8FF}" type="slidenum">
               <a:rPr lang="en-US" altLang="en-US" smtClean="0"/>
               <a:pPr/>
-              <a:t>20</a:t>
+              <a:t>22</a:t>
             </a:fld>
             <a:endParaRPr lang="en-US" altLang="en-US"/>
           </a:p>

--- a/luan_van.pptx
+++ b/luan_van.pptx
@@ -5,7 +5,7 @@
     <p:sldMasterId id="2147483648" r:id="rId1"/>
   </p:sldMasterIdLst>
   <p:notesMasterIdLst>
-    <p:notesMasterId r:id="rId24"/>
+    <p:notesMasterId r:id="rId25"/>
   </p:notesMasterIdLst>
   <p:sldIdLst>
     <p:sldId id="256" r:id="rId2"/>
@@ -25,11 +25,12 @@
     <p:sldId id="289" r:id="rId16"/>
     <p:sldId id="317" r:id="rId17"/>
     <p:sldId id="292" r:id="rId18"/>
-    <p:sldId id="318" r:id="rId19"/>
-    <p:sldId id="319" r:id="rId20"/>
-    <p:sldId id="296" r:id="rId21"/>
-    <p:sldId id="275" r:id="rId22"/>
-    <p:sldId id="262" r:id="rId23"/>
+    <p:sldId id="319" r:id="rId19"/>
+    <p:sldId id="296" r:id="rId20"/>
+    <p:sldId id="322" r:id="rId21"/>
+    <p:sldId id="323" r:id="rId22"/>
+    <p:sldId id="275" r:id="rId23"/>
+    <p:sldId id="262" r:id="rId24"/>
   </p:sldIdLst>
   <p:sldSz cx="9144000" cy="6858000" type="screen4x3"/>
   <p:notesSz cx="6858000" cy="9144000"/>
@@ -1272,7 +1273,7 @@
     </p:spTree>
     <p:extLst>
       <p:ext uri="{BB962C8B-B14F-4D97-AF65-F5344CB8AC3E}">
-        <p14:creationId xmlns:p14="http://schemas.microsoft.com/office/powerpoint/2010/main" val="2155150916"/>
+        <p14:creationId xmlns:p14="http://schemas.microsoft.com/office/powerpoint/2010/main" val="338427885"/>
       </p:ext>
     </p:extLst>
   </p:cSld>
@@ -1356,7 +1357,7 @@
     </p:spTree>
     <p:extLst>
       <p:ext uri="{BB962C8B-B14F-4D97-AF65-F5344CB8AC3E}">
-        <p14:creationId xmlns:p14="http://schemas.microsoft.com/office/powerpoint/2010/main" val="338427885"/>
+        <p14:creationId xmlns:p14="http://schemas.microsoft.com/office/powerpoint/2010/main" val="385804527"/>
       </p:ext>
     </p:extLst>
   </p:cSld>
@@ -1440,7 +1441,7 @@
     </p:spTree>
     <p:extLst>
       <p:ext uri="{BB962C8B-B14F-4D97-AF65-F5344CB8AC3E}">
-        <p14:creationId xmlns:p14="http://schemas.microsoft.com/office/powerpoint/2010/main" val="385804527"/>
+        <p14:creationId xmlns:p14="http://schemas.microsoft.com/office/powerpoint/2010/main" val="2928188953"/>
       </p:ext>
     </p:extLst>
   </p:cSld>
@@ -1600,6 +1601,90 @@
             <a:fld id="{6FB5670C-BF9F-4EF4-94A5-8CC70CC45FC8}" type="slidenum">
               <a:rPr lang="en-US" smtClean="0"/>
               <a:t>21</a:t>
+            </a:fld>
+            <a:endParaRPr lang="en-US"/>
+          </a:p>
+        </p:txBody>
+      </p:sp>
+    </p:spTree>
+    <p:extLst>
+      <p:ext uri="{BB962C8B-B14F-4D97-AF65-F5344CB8AC3E}">
+        <p14:creationId xmlns:p14="http://schemas.microsoft.com/office/powerpoint/2010/main" val="2905732342"/>
+      </p:ext>
+    </p:extLst>
+  </p:cSld>
+  <p:clrMapOvr>
+    <a:masterClrMapping/>
+  </p:clrMapOvr>
+</p:notes>
+</file>
+
+<file path=ppt/notesSlides/notesSlide21.xml><?xml version="1.0" encoding="utf-8"?>
+<p:notes xmlns:a="http://schemas.openxmlformats.org/drawingml/2006/main" xmlns:r="http://schemas.openxmlformats.org/officeDocument/2006/relationships" xmlns:p="http://schemas.openxmlformats.org/presentationml/2006/main">
+  <p:cSld>
+    <p:spTree>
+      <p:nvGrpSpPr>
+        <p:cNvPr id="1" name=""/>
+        <p:cNvGrpSpPr/>
+        <p:nvPr/>
+      </p:nvGrpSpPr>
+      <p:grpSpPr>
+        <a:xfrm>
+          <a:off x="0" y="0"/>
+          <a:ext cx="0" cy="0"/>
+          <a:chOff x="0" y="0"/>
+          <a:chExt cx="0" cy="0"/>
+        </a:xfrm>
+      </p:grpSpPr>
+      <p:sp>
+        <p:nvSpPr>
+          <p:cNvPr id="2" name="Slide Image Placeholder 1"/>
+          <p:cNvSpPr>
+            <a:spLocks noGrp="1" noRot="1" noChangeAspect="1"/>
+          </p:cNvSpPr>
+          <p:nvPr>
+            <p:ph type="sldImg"/>
+          </p:nvPr>
+        </p:nvSpPr>
+        <p:spPr/>
+      </p:sp>
+      <p:sp>
+        <p:nvSpPr>
+          <p:cNvPr id="3" name="Notes Placeholder 2"/>
+          <p:cNvSpPr>
+            <a:spLocks noGrp="1"/>
+          </p:cNvSpPr>
+          <p:nvPr>
+            <p:ph type="body" idx="1"/>
+          </p:nvPr>
+        </p:nvSpPr>
+        <p:spPr/>
+        <p:txBody>
+          <a:bodyPr/>
+          <a:lstStyle/>
+          <a:p>
+            <a:endParaRPr lang="en-US"/>
+          </a:p>
+        </p:txBody>
+      </p:sp>
+      <p:sp>
+        <p:nvSpPr>
+          <p:cNvPr id="4" name="Slide Number Placeholder 3"/>
+          <p:cNvSpPr>
+            <a:spLocks noGrp="1"/>
+          </p:cNvSpPr>
+          <p:nvPr>
+            <p:ph type="sldNum" sz="quarter" idx="5"/>
+          </p:nvPr>
+        </p:nvSpPr>
+        <p:spPr/>
+        <p:txBody>
+          <a:bodyPr/>
+          <a:lstStyle/>
+          <a:p>
+            <a:fld id="{6FB5670C-BF9F-4EF4-94A5-8CC70CC45FC8}" type="slidenum">
+              <a:rPr lang="en-US" smtClean="0"/>
+              <a:t>22</a:t>
             </a:fld>
             <a:endParaRPr lang="en-US"/>
           </a:p>
@@ -6254,28 +6339,12 @@
               <a:t>3.3 </a:t>
             </a:r>
             <a:r>
-              <a:rPr lang="en-US" sz="3200" b="1" err="1"/>
-              <a:t>Đề</a:t>
-            </a:r>
-            <a:r>
               <a:rPr lang="en-US" sz="3200" b="1"/>
-              <a:t> </a:t>
-            </a:r>
-            <a:r>
-              <a:rPr lang="en-US" sz="3200" b="1" err="1"/>
-              <a:t>xuất</a:t>
-            </a:r>
-            <a:r>
-              <a:rPr lang="en-US" sz="3200" b="1"/>
-              <a:t> </a:t>
-            </a:r>
-            <a:r>
-              <a:rPr lang="en-US" sz="3200" b="1" err="1"/>
-              <a:t>mô</a:t>
-            </a:r>
-            <a:r>
-              <a:rPr lang="en-US" sz="3200" b="1"/>
-              <a:t> </a:t>
+              <a:t>M</a:t>
+            </a:r>
+            <a:r>
+              <a:rPr lang="en-US" sz="3200" b="1" smtClean="0"/>
+              <a:t>ô </a:t>
             </a:r>
             <a:r>
               <a:rPr lang="en-US" sz="3200" b="1" err="1"/>
@@ -9883,12 +9952,36 @@
               <a:buNone/>
             </a:pPr>
             <a:r>
+              <a:rPr lang="en-US" sz="2600" b="1" smtClean="0">
+                <a:solidFill>
+                  <a:schemeClr val="tx1"/>
+                </a:solidFill>
+              </a:rPr>
+              <a:t>3.7 </a:t>
+            </a:r>
+            <a:r>
               <a:rPr lang="en-US" sz="2600" b="1">
                 <a:solidFill>
                   <a:schemeClr val="tx1"/>
                 </a:solidFill>
               </a:rPr>
-              <a:t>3.7 Công cụ giám sát mạng Hyperledger Explorer</a:t>
+              <a:t>Môi </a:t>
+            </a:r>
+            <a:r>
+              <a:rPr lang="en-US" sz="2600" b="1" smtClean="0">
+                <a:solidFill>
+                  <a:schemeClr val="tx1"/>
+                </a:solidFill>
+              </a:rPr>
+              <a:t>trường thử nghiệm: </a:t>
+            </a:r>
+            <a:r>
+              <a:rPr lang="en-US" sz="2600" b="1">
+                <a:solidFill>
+                  <a:schemeClr val="tx1"/>
+                </a:solidFill>
+              </a:rPr>
+              <a:t>VisualCode, IBM extension </a:t>
             </a:r>
           </a:p>
           <a:p>
@@ -9940,266 +10033,6 @@
             <a:fld id="{37A4A606-66C4-4A6B-9750-DDC5E8BB73A2}" type="slidenum">
               <a:rPr lang="en-US" smtClean="0"/>
               <a:t>18</a:t>
-            </a:fld>
-            <a:endParaRPr lang="en-US"/>
-          </a:p>
-        </p:txBody>
-      </p:sp>
-      <p:sp>
-        <p:nvSpPr>
-          <p:cNvPr id="11" name="TextBox 10">
-            <a:extLst>
-              <a:ext uri="{FF2B5EF4-FFF2-40B4-BE49-F238E27FC236}">
-                <a16:creationId xmlns:a16="http://schemas.microsoft.com/office/drawing/2014/main" id="{0E66CF37-E722-42C8-9BE0-5C71FBFE0725}"/>
-              </a:ext>
-            </a:extLst>
-          </p:cNvPr>
-          <p:cNvSpPr txBox="1"/>
-          <p:nvPr/>
-        </p:nvSpPr>
-        <p:spPr>
-          <a:xfrm>
-            <a:off x="1361209" y="6016823"/>
-            <a:ext cx="6858000" cy="307777"/>
-          </a:xfrm>
-          <a:prstGeom prst="rect">
-            <a:avLst/>
-          </a:prstGeom>
-          <a:noFill/>
-        </p:spPr>
-        <p:txBody>
-          <a:bodyPr wrap="square" rtlCol="0">
-            <a:spAutoFit/>
-          </a:bodyPr>
-          <a:lstStyle/>
-          <a:p>
-            <a:pPr algn="ctr"/>
-            <a:r>
-              <a:rPr lang="en-US" sz="1400">
-                <a:solidFill>
-                  <a:schemeClr val="accent1">
-                    <a:lumMod val="50000"/>
-                  </a:schemeClr>
-                </a:solidFill>
-              </a:rPr>
-              <a:t>Công cụ giám sát mạng blockchain Hyperledger Explorer</a:t>
-            </a:r>
-          </a:p>
-        </p:txBody>
-      </p:sp>
-      <p:pic>
-        <p:nvPicPr>
-          <p:cNvPr id="5" name="Picture 4" descr="Graphical user interface, application&#10;&#10;Description automatically generated">
-            <a:extLst>
-              <a:ext uri="{FF2B5EF4-FFF2-40B4-BE49-F238E27FC236}">
-                <a16:creationId xmlns:a16="http://schemas.microsoft.com/office/drawing/2014/main" id="{EFB23826-8841-91FC-56D5-97FB40A54EF5}"/>
-              </a:ext>
-            </a:extLst>
-          </p:cNvPr>
-          <p:cNvPicPr>
-            <a:picLocks noChangeAspect="1"/>
-          </p:cNvPicPr>
-          <p:nvPr/>
-        </p:nvPicPr>
-        <p:blipFill>
-          <a:blip r:embed="rId3">
-            <a:extLst>
-              <a:ext uri="{28A0092B-C50C-407E-A947-70E740481C1C}">
-                <a14:useLocalDpi xmlns:a14="http://schemas.microsoft.com/office/drawing/2010/main" val="0"/>
-              </a:ext>
-            </a:extLst>
-          </a:blip>
-          <a:stretch>
-            <a:fillRect/>
-          </a:stretch>
-        </p:blipFill>
-        <p:spPr>
-          <a:xfrm>
-            <a:off x="1273167" y="2133392"/>
-            <a:ext cx="6902466" cy="3889583"/>
-          </a:xfrm>
-          <a:prstGeom prst="rect">
-            <a:avLst/>
-          </a:prstGeom>
-        </p:spPr>
-      </p:pic>
-    </p:spTree>
-    <p:extLst>
-      <p:ext uri="{BB962C8B-B14F-4D97-AF65-F5344CB8AC3E}">
-        <p14:creationId xmlns:p14="http://schemas.microsoft.com/office/powerpoint/2010/main" val="1813849419"/>
-      </p:ext>
-    </p:extLst>
-  </p:cSld>
-  <p:clrMapOvr>
-    <a:masterClrMapping/>
-  </p:clrMapOvr>
-</p:sld>
-</file>
-
-<file path=ppt/slides/slide19.xml><?xml version="1.0" encoding="utf-8"?>
-<p:sld xmlns:a="http://schemas.openxmlformats.org/drawingml/2006/main" xmlns:r="http://schemas.openxmlformats.org/officeDocument/2006/relationships" xmlns:p="http://schemas.openxmlformats.org/presentationml/2006/main">
-  <p:cSld>
-    <p:spTree>
-      <p:nvGrpSpPr>
-        <p:cNvPr id="1" name=""/>
-        <p:cNvGrpSpPr/>
-        <p:nvPr/>
-      </p:nvGrpSpPr>
-      <p:grpSpPr>
-        <a:xfrm>
-          <a:off x="0" y="0"/>
-          <a:ext cx="0" cy="0"/>
-          <a:chOff x="0" y="0"/>
-          <a:chExt cx="0" cy="0"/>
-        </a:xfrm>
-      </p:grpSpPr>
-      <p:sp>
-        <p:nvSpPr>
-          <p:cNvPr id="2" name="Title 1">
-            <a:extLst>
-              <a:ext uri="{FF2B5EF4-FFF2-40B4-BE49-F238E27FC236}">
-                <a16:creationId xmlns:a16="http://schemas.microsoft.com/office/drawing/2014/main" id="{70B474FB-8BDA-4F94-86DC-2B797B33C1DA}"/>
-              </a:ext>
-            </a:extLst>
-          </p:cNvPr>
-          <p:cNvSpPr>
-            <a:spLocks noGrp="1"/>
-          </p:cNvSpPr>
-          <p:nvPr>
-            <p:ph type="title"/>
-          </p:nvPr>
-        </p:nvSpPr>
-        <p:spPr/>
-        <p:txBody>
-          <a:bodyPr/>
-          <a:lstStyle/>
-          <a:p>
-            <a:r>
-              <a:rPr lang="en-US"/>
-              <a:t> 3. </a:t>
-            </a:r>
-            <a:r>
-              <a:rPr lang="en-US" err="1"/>
-              <a:t>Phương</a:t>
-            </a:r>
-            <a:r>
-              <a:rPr lang="en-US"/>
-              <a:t> </a:t>
-            </a:r>
-            <a:r>
-              <a:rPr lang="en-US" err="1"/>
-              <a:t>pháp</a:t>
-            </a:r>
-            <a:r>
-              <a:rPr lang="en-US"/>
-              <a:t> </a:t>
-            </a:r>
-            <a:r>
-              <a:rPr lang="en-US" err="1"/>
-              <a:t>thực</a:t>
-            </a:r>
-            <a:r>
-              <a:rPr lang="en-US"/>
-              <a:t> </a:t>
-            </a:r>
-            <a:r>
-              <a:rPr lang="en-US" err="1"/>
-              <a:t>hiện</a:t>
-            </a:r>
-            <a:endParaRPr lang="en-US"/>
-          </a:p>
-        </p:txBody>
-      </p:sp>
-      <p:sp>
-        <p:nvSpPr>
-          <p:cNvPr id="3" name="Content Placeholder 2">
-            <a:extLst>
-              <a:ext uri="{FF2B5EF4-FFF2-40B4-BE49-F238E27FC236}">
-                <a16:creationId xmlns:a16="http://schemas.microsoft.com/office/drawing/2014/main" id="{938E8B90-BB10-417C-BB3B-436BE0A3F89D}"/>
-              </a:ext>
-            </a:extLst>
-          </p:cNvPr>
-          <p:cNvSpPr>
-            <a:spLocks noGrp="1"/>
-          </p:cNvSpPr>
-          <p:nvPr>
-            <p:ph idx="1"/>
-          </p:nvPr>
-        </p:nvSpPr>
-        <p:spPr/>
-        <p:txBody>
-          <a:bodyPr>
-            <a:normAutofit/>
-          </a:bodyPr>
-          <a:lstStyle/>
-          <a:p>
-            <a:pPr marL="0" marR="89535" lvl="3" indent="0" algn="just">
-              <a:lnSpc>
-                <a:spcPct val="120000"/>
-              </a:lnSpc>
-              <a:spcBef>
-                <a:spcPts val="600"/>
-              </a:spcBef>
-              <a:buNone/>
-            </a:pPr>
-            <a:r>
-              <a:rPr lang="en-US" sz="2600" b="1">
-                <a:solidFill>
-                  <a:schemeClr val="tx1"/>
-                </a:solidFill>
-              </a:rPr>
-              <a:t>3.8 Môi trường: VisualCode, IBM extension </a:t>
-            </a:r>
-          </a:p>
-          <a:p>
-            <a:pPr marL="0" marR="89535" lvl="3" indent="0" algn="just">
-              <a:lnSpc>
-                <a:spcPct val="120000"/>
-              </a:lnSpc>
-              <a:spcBef>
-                <a:spcPts val="600"/>
-              </a:spcBef>
-              <a:buNone/>
-            </a:pPr>
-            <a:r>
-              <a:rPr lang="en-US" sz="2400">
-                <a:solidFill>
-                  <a:schemeClr val="tx1"/>
-                </a:solidFill>
-              </a:rPr>
-              <a:t>	</a:t>
-            </a:r>
-            <a:r>
-              <a:rPr lang="en-US" sz="3200" b="1"/>
-              <a:t>	</a:t>
-            </a:r>
-          </a:p>
-        </p:txBody>
-      </p:sp>
-      <p:sp>
-        <p:nvSpPr>
-          <p:cNvPr id="6" name="Slide Number Placeholder 5">
-            <a:extLst>
-              <a:ext uri="{FF2B5EF4-FFF2-40B4-BE49-F238E27FC236}">
-                <a16:creationId xmlns:a16="http://schemas.microsoft.com/office/drawing/2014/main" id="{6809C103-EE3A-49AA-AD83-BC96E24FE1B3}"/>
-              </a:ext>
-            </a:extLst>
-          </p:cNvPr>
-          <p:cNvSpPr>
-            <a:spLocks noGrp="1"/>
-          </p:cNvSpPr>
-          <p:nvPr>
-            <p:ph type="sldNum" sz="quarter" idx="12"/>
-          </p:nvPr>
-        </p:nvSpPr>
-        <p:spPr/>
-        <p:txBody>
-          <a:bodyPr/>
-          <a:lstStyle/>
-          <a:p>
-            <a:fld id="{37A4A606-66C4-4A6B-9750-DDC5E8BB73A2}" type="slidenum">
-              <a:rPr lang="en-US" smtClean="0"/>
-              <a:t>19</a:t>
             </a:fld>
             <a:endParaRPr lang="en-US"/>
           </a:p>
@@ -10296,6 +10129,488 @@
 </p:sld>
 </file>
 
+<file path=ppt/slides/slide19.xml><?xml version="1.0" encoding="utf-8"?>
+<p:sld xmlns:a="http://schemas.openxmlformats.org/drawingml/2006/main" xmlns:r="http://schemas.openxmlformats.org/officeDocument/2006/relationships" xmlns:p="http://schemas.openxmlformats.org/presentationml/2006/main">
+  <p:cSld>
+    <p:spTree>
+      <p:nvGrpSpPr>
+        <p:cNvPr id="1" name=""/>
+        <p:cNvGrpSpPr/>
+        <p:nvPr/>
+      </p:nvGrpSpPr>
+      <p:grpSpPr>
+        <a:xfrm>
+          <a:off x="0" y="0"/>
+          <a:ext cx="0" cy="0"/>
+          <a:chOff x="0" y="0"/>
+          <a:chExt cx="0" cy="0"/>
+        </a:xfrm>
+      </p:grpSpPr>
+      <p:sp>
+        <p:nvSpPr>
+          <p:cNvPr id="2" name="Title 1">
+            <a:extLst>
+              <a:ext uri="{FF2B5EF4-FFF2-40B4-BE49-F238E27FC236}">
+                <a16:creationId xmlns:a16="http://schemas.microsoft.com/office/drawing/2014/main" id="{70B474FB-8BDA-4F94-86DC-2B797B33C1DA}"/>
+              </a:ext>
+            </a:extLst>
+          </p:cNvPr>
+          <p:cNvSpPr>
+            <a:spLocks noGrp="1"/>
+          </p:cNvSpPr>
+          <p:nvPr>
+            <p:ph type="title"/>
+          </p:nvPr>
+        </p:nvSpPr>
+        <p:spPr/>
+        <p:txBody>
+          <a:bodyPr/>
+          <a:lstStyle/>
+          <a:p>
+            <a:r>
+              <a:rPr lang="en-US"/>
+              <a:t> 4. </a:t>
+            </a:r>
+            <a:r>
+              <a:rPr lang="en-US" err="1"/>
+              <a:t>Kết</a:t>
+            </a:r>
+            <a:r>
+              <a:rPr lang="en-US"/>
+              <a:t> </a:t>
+            </a:r>
+            <a:r>
+              <a:rPr lang="en-US" err="1"/>
+              <a:t>quả</a:t>
+            </a:r>
+            <a:r>
+              <a:rPr lang="en-US"/>
+              <a:t> </a:t>
+            </a:r>
+            <a:r>
+              <a:rPr lang="en-US" err="1"/>
+              <a:t>thực</a:t>
+            </a:r>
+            <a:r>
+              <a:rPr lang="en-US"/>
+              <a:t> </a:t>
+            </a:r>
+            <a:r>
+              <a:rPr lang="en-US" err="1"/>
+              <a:t>nghiệm</a:t>
+            </a:r>
+            <a:endParaRPr lang="en-US"/>
+          </a:p>
+        </p:txBody>
+      </p:sp>
+      <p:sp>
+        <p:nvSpPr>
+          <p:cNvPr id="3" name="Content Placeholder 2">
+            <a:extLst>
+              <a:ext uri="{FF2B5EF4-FFF2-40B4-BE49-F238E27FC236}">
+                <a16:creationId xmlns:a16="http://schemas.microsoft.com/office/drawing/2014/main" id="{938E8B90-BB10-417C-BB3B-436BE0A3F89D}"/>
+              </a:ext>
+            </a:extLst>
+          </p:cNvPr>
+          <p:cNvSpPr>
+            <a:spLocks noGrp="1"/>
+          </p:cNvSpPr>
+          <p:nvPr>
+            <p:ph idx="1"/>
+          </p:nvPr>
+        </p:nvSpPr>
+        <p:spPr/>
+        <p:txBody>
+          <a:bodyPr>
+            <a:normAutofit/>
+          </a:bodyPr>
+          <a:lstStyle/>
+          <a:p>
+            <a:pPr marL="0" marR="89535" lvl="2" indent="0" algn="just">
+              <a:lnSpc>
+                <a:spcPct val="110000"/>
+              </a:lnSpc>
+              <a:spcBef>
+                <a:spcPts val="600"/>
+              </a:spcBef>
+              <a:spcAft>
+                <a:spcPts val="800"/>
+              </a:spcAft>
+              <a:buNone/>
+            </a:pPr>
+            <a:r>
+              <a:rPr lang="en-US" sz="2700" b="1">
+                <a:solidFill>
+                  <a:schemeClr val="tx1"/>
+                </a:solidFill>
+              </a:rPr>
+              <a:t>4.1 Kết quả thực nghiệm</a:t>
+            </a:r>
+          </a:p>
+          <a:p>
+            <a:pPr marL="0" marR="89535" lvl="2" indent="0" algn="just">
+              <a:lnSpc>
+                <a:spcPct val="110000"/>
+              </a:lnSpc>
+              <a:spcBef>
+                <a:spcPts val="600"/>
+              </a:spcBef>
+              <a:spcAft>
+                <a:spcPts val="800"/>
+              </a:spcAft>
+              <a:buNone/>
+            </a:pPr>
+            <a:r>
+              <a:rPr lang="en-US" sz="2400">
+                <a:solidFill>
+                  <a:schemeClr val="tx1"/>
+                </a:solidFill>
+                <a:latin typeface="Calibri" panose="020F0502020204030204" pitchFamily="34" charset="0"/>
+                <a:cs typeface="Calibri" panose="020F0502020204030204" pitchFamily="34" charset="0"/>
+              </a:rPr>
+              <a:t>	Mạng</a:t>
+            </a:r>
+            <a:r>
+              <a:rPr lang="vi-VN" sz="2400">
+                <a:solidFill>
+                  <a:schemeClr val="tx1"/>
+                </a:solidFill>
+                <a:latin typeface="Calibri" panose="020F0502020204030204" pitchFamily="34" charset="0"/>
+                <a:cs typeface="Calibri" panose="020F0502020204030204" pitchFamily="34" charset="0"/>
+              </a:rPr>
+              <a:t> </a:t>
+            </a:r>
+            <a:r>
+              <a:rPr lang="en-US" sz="2400">
+                <a:solidFill>
+                  <a:schemeClr val="tx1"/>
+                </a:solidFill>
+                <a:latin typeface="Calibri" panose="020F0502020204030204" pitchFamily="34" charset="0"/>
+                <a:cs typeface="Calibri" panose="020F0502020204030204" pitchFamily="34" charset="0"/>
+              </a:rPr>
+              <a:t>blockchain </a:t>
+            </a:r>
+            <a:r>
+              <a:rPr lang="vi-VN" sz="2400">
+                <a:solidFill>
+                  <a:schemeClr val="tx1"/>
+                </a:solidFill>
+                <a:latin typeface="Calibri" panose="020F0502020204030204" pitchFamily="34" charset="0"/>
+                <a:cs typeface="Calibri" panose="020F0502020204030204" pitchFamily="34" charset="0"/>
+              </a:rPr>
+              <a:t>hoạt động trên</a:t>
+            </a:r>
+            <a:r>
+              <a:rPr lang="en-US" sz="2400">
+                <a:solidFill>
+                  <a:schemeClr val="tx1"/>
+                </a:solidFill>
+                <a:latin typeface="Calibri" panose="020F0502020204030204" pitchFamily="34" charset="0"/>
+                <a:cs typeface="Calibri" panose="020F0502020204030204" pitchFamily="34" charset="0"/>
+              </a:rPr>
+              <a:t> các máy chủ ảo</a:t>
+            </a:r>
+            <a:r>
+              <a:rPr lang="vi-VN" sz="2400">
+                <a:solidFill>
+                  <a:schemeClr val="tx1"/>
+                </a:solidFill>
+                <a:latin typeface="Calibri" panose="020F0502020204030204" pitchFamily="34" charset="0"/>
+                <a:cs typeface="Calibri" panose="020F0502020204030204" pitchFamily="34" charset="0"/>
+              </a:rPr>
+              <a:t>. Hệ thống quản</a:t>
+            </a:r>
+            <a:r>
+              <a:rPr lang="en-US" sz="2400">
+                <a:solidFill>
+                  <a:schemeClr val="tx1"/>
+                </a:solidFill>
+                <a:latin typeface="Calibri" panose="020F0502020204030204" pitchFamily="34" charset="0"/>
+                <a:cs typeface="Calibri" panose="020F0502020204030204" pitchFamily="34" charset="0"/>
+              </a:rPr>
+              <a:t> </a:t>
+            </a:r>
+            <a:r>
+              <a:rPr lang="vi-VN" sz="2400">
+                <a:solidFill>
+                  <a:schemeClr val="tx1"/>
+                </a:solidFill>
+                <a:latin typeface="Calibri" panose="020F0502020204030204" pitchFamily="34" charset="0"/>
+                <a:cs typeface="Calibri" panose="020F0502020204030204" pitchFamily="34" charset="0"/>
+              </a:rPr>
+              <a:t>lý VBCC có giao diện web </a:t>
+            </a:r>
+            <a:r>
+              <a:rPr lang="en-US" sz="2400">
+                <a:solidFill>
+                  <a:schemeClr val="tx1"/>
+                </a:solidFill>
+                <a:latin typeface="Calibri" panose="020F0502020204030204" pitchFamily="34" charset="0"/>
+                <a:cs typeface="Calibri" panose="020F0502020204030204" pitchFamily="34" charset="0"/>
+              </a:rPr>
+              <a:t>cung cấp </a:t>
+            </a:r>
+            <a:r>
+              <a:rPr lang="vi-VN" sz="2400">
+                <a:solidFill>
+                  <a:schemeClr val="tx1"/>
+                </a:solidFill>
+                <a:latin typeface="Calibri" panose="020F0502020204030204" pitchFamily="34" charset="0"/>
+                <a:cs typeface="Calibri" panose="020F0502020204030204" pitchFamily="34" charset="0"/>
+              </a:rPr>
+              <a:t>các chức năng chính cho người sử dụng như: </a:t>
+            </a:r>
+            <a:endParaRPr lang="en-US" sz="2400">
+              <a:solidFill>
+                <a:schemeClr val="tx1"/>
+              </a:solidFill>
+              <a:latin typeface="Calibri" panose="020F0502020204030204" pitchFamily="34" charset="0"/>
+              <a:cs typeface="Calibri" panose="020F0502020204030204" pitchFamily="34" charset="0"/>
+            </a:endParaRPr>
+          </a:p>
+          <a:p>
+            <a:pPr marL="0" marR="89535" lvl="2" indent="0" algn="just">
+              <a:lnSpc>
+                <a:spcPct val="110000"/>
+              </a:lnSpc>
+              <a:spcBef>
+                <a:spcPts val="600"/>
+              </a:spcBef>
+              <a:spcAft>
+                <a:spcPts val="800"/>
+              </a:spcAft>
+              <a:buNone/>
+            </a:pPr>
+            <a:r>
+              <a:rPr lang="en-US" sz="2400">
+                <a:solidFill>
+                  <a:schemeClr val="tx1"/>
+                </a:solidFill>
+                <a:latin typeface="Calibri" panose="020F0502020204030204" pitchFamily="34" charset="0"/>
+                <a:cs typeface="Calibri" panose="020F0502020204030204" pitchFamily="34" charset="0"/>
+              </a:rPr>
+              <a:t>	1. </a:t>
+            </a:r>
+            <a:r>
+              <a:rPr lang="vi-VN" sz="2400">
+                <a:solidFill>
+                  <a:schemeClr val="tx1"/>
+                </a:solidFill>
+                <a:latin typeface="Calibri" panose="020F0502020204030204" pitchFamily="34" charset="0"/>
+                <a:cs typeface="Calibri" panose="020F0502020204030204" pitchFamily="34" charset="0"/>
+              </a:rPr>
+              <a:t>Trường</a:t>
+            </a:r>
+            <a:r>
+              <a:rPr lang="en-US" sz="2400">
+                <a:solidFill>
+                  <a:schemeClr val="tx1"/>
+                </a:solidFill>
+                <a:latin typeface="Calibri" panose="020F0502020204030204" pitchFamily="34" charset="0"/>
+                <a:cs typeface="Calibri" panose="020F0502020204030204" pitchFamily="34" charset="0"/>
+              </a:rPr>
+              <a:t> </a:t>
+            </a:r>
+            <a:r>
+              <a:rPr lang="vi-VN" sz="2400">
+                <a:solidFill>
+                  <a:schemeClr val="tx1"/>
+                </a:solidFill>
+                <a:latin typeface="Calibri" panose="020F0502020204030204" pitchFamily="34" charset="0"/>
+                <a:cs typeface="Calibri" panose="020F0502020204030204" pitchFamily="34" charset="0"/>
+              </a:rPr>
+              <a:t>quản lý và cấp VBCC</a:t>
+            </a:r>
+            <a:r>
+              <a:rPr lang="en-US" sz="2400">
+                <a:solidFill>
+                  <a:schemeClr val="tx1"/>
+                </a:solidFill>
+                <a:latin typeface="Calibri" panose="020F0502020204030204" pitchFamily="34" charset="0"/>
+                <a:cs typeface="Calibri" panose="020F0502020204030204" pitchFamily="34" charset="0"/>
+              </a:rPr>
+              <a:t>.</a:t>
+            </a:r>
+          </a:p>
+          <a:p>
+            <a:pPr marL="0" marR="89535" lvl="2" indent="0" algn="just">
+              <a:lnSpc>
+                <a:spcPct val="110000"/>
+              </a:lnSpc>
+              <a:spcBef>
+                <a:spcPts val="600"/>
+              </a:spcBef>
+              <a:spcAft>
+                <a:spcPts val="800"/>
+              </a:spcAft>
+              <a:buNone/>
+            </a:pPr>
+            <a:r>
+              <a:rPr lang="en-US" sz="2400">
+                <a:solidFill>
+                  <a:schemeClr val="tx1"/>
+                </a:solidFill>
+                <a:latin typeface="Calibri" panose="020F0502020204030204" pitchFamily="34" charset="0"/>
+                <a:cs typeface="Calibri" panose="020F0502020204030204" pitchFamily="34" charset="0"/>
+              </a:rPr>
+              <a:t>	2. </a:t>
+            </a:r>
+            <a:r>
+              <a:rPr lang="vi-VN" sz="2400">
+                <a:solidFill>
+                  <a:schemeClr val="tx1"/>
+                </a:solidFill>
+                <a:latin typeface="Calibri" panose="020F0502020204030204" pitchFamily="34" charset="0"/>
+                <a:cs typeface="Calibri" panose="020F0502020204030204" pitchFamily="34" charset="0"/>
+              </a:rPr>
+              <a:t>Sinh viên nhận </a:t>
+            </a:r>
+            <a:r>
+              <a:rPr lang="vi-VN" sz="2400" dirty="0">
+                <a:solidFill>
+                  <a:schemeClr val="tx1"/>
+                </a:solidFill>
+                <a:latin typeface="Calibri" panose="020F0502020204030204" pitchFamily="34" charset="0"/>
+                <a:cs typeface="Calibri" panose="020F0502020204030204" pitchFamily="34" charset="0"/>
+              </a:rPr>
+              <a:t>VBCC và chia sẻ thông </a:t>
+            </a:r>
+            <a:r>
+              <a:rPr lang="vi-VN" sz="2400">
+                <a:solidFill>
+                  <a:schemeClr val="tx1"/>
+                </a:solidFill>
+                <a:latin typeface="Calibri" panose="020F0502020204030204" pitchFamily="34" charset="0"/>
+                <a:cs typeface="Calibri" panose="020F0502020204030204" pitchFamily="34" charset="0"/>
+              </a:rPr>
+              <a:t>tin VBCC</a:t>
+            </a:r>
+            <a:r>
+              <a:rPr lang="en-US" sz="2400">
+                <a:solidFill>
+                  <a:schemeClr val="tx1"/>
+                </a:solidFill>
+                <a:latin typeface="Calibri" panose="020F0502020204030204" pitchFamily="34" charset="0"/>
+                <a:cs typeface="Calibri" panose="020F0502020204030204" pitchFamily="34" charset="0"/>
+              </a:rPr>
+              <a:t>.</a:t>
+            </a:r>
+          </a:p>
+          <a:p>
+            <a:pPr marL="0" marR="89535" lvl="2" indent="0" algn="just">
+              <a:lnSpc>
+                <a:spcPct val="110000"/>
+              </a:lnSpc>
+              <a:spcBef>
+                <a:spcPts val="600"/>
+              </a:spcBef>
+              <a:spcAft>
+                <a:spcPts val="800"/>
+              </a:spcAft>
+              <a:buNone/>
+            </a:pPr>
+            <a:r>
+              <a:rPr lang="en-US" sz="2400">
+                <a:solidFill>
+                  <a:schemeClr val="tx1"/>
+                </a:solidFill>
+                <a:latin typeface="Calibri" panose="020F0502020204030204" pitchFamily="34" charset="0"/>
+                <a:cs typeface="Calibri" panose="020F0502020204030204" pitchFamily="34" charset="0"/>
+              </a:rPr>
+              <a:t>	3. </a:t>
+            </a:r>
+            <a:r>
+              <a:rPr lang="vi-VN" sz="2400">
+                <a:solidFill>
+                  <a:schemeClr val="tx1"/>
+                </a:solidFill>
+                <a:latin typeface="Calibri" panose="020F0502020204030204" pitchFamily="34" charset="0"/>
+                <a:cs typeface="Calibri" panose="020F0502020204030204" pitchFamily="34" charset="0"/>
+              </a:rPr>
+              <a:t>Đơn vị</a:t>
+            </a:r>
+            <a:r>
+              <a:rPr lang="en-US" sz="2400">
+                <a:solidFill>
+                  <a:schemeClr val="tx1"/>
+                </a:solidFill>
+                <a:latin typeface="Calibri" panose="020F0502020204030204" pitchFamily="34" charset="0"/>
+                <a:cs typeface="Calibri" panose="020F0502020204030204" pitchFamily="34" charset="0"/>
+              </a:rPr>
+              <a:t> </a:t>
+            </a:r>
+            <a:r>
+              <a:rPr lang="vi-VN" sz="2400">
+                <a:solidFill>
+                  <a:schemeClr val="tx1"/>
+                </a:solidFill>
+                <a:latin typeface="Calibri" panose="020F0502020204030204" pitchFamily="34" charset="0"/>
+                <a:cs typeface="Calibri" panose="020F0502020204030204" pitchFamily="34" charset="0"/>
+              </a:rPr>
+              <a:t>xác thực VBCC</a:t>
+            </a:r>
+            <a:r>
+              <a:rPr lang="en-US" sz="2400">
+                <a:solidFill>
+                  <a:schemeClr val="tx1"/>
+                </a:solidFill>
+                <a:latin typeface="Calibri" panose="020F0502020204030204" pitchFamily="34" charset="0"/>
+                <a:cs typeface="Calibri" panose="020F0502020204030204" pitchFamily="34" charset="0"/>
+              </a:rPr>
+              <a:t>.</a:t>
+            </a:r>
+            <a:endParaRPr lang="en-US" sz="2400" dirty="0">
+              <a:solidFill>
+                <a:schemeClr val="tx1"/>
+              </a:solidFill>
+              <a:latin typeface="Calibri" panose="020F0502020204030204" pitchFamily="34" charset="0"/>
+              <a:cs typeface="Calibri" panose="020F0502020204030204" pitchFamily="34" charset="0"/>
+            </a:endParaRPr>
+          </a:p>
+        </p:txBody>
+      </p:sp>
+      <p:sp>
+        <p:nvSpPr>
+          <p:cNvPr id="6" name="Slide Number Placeholder 5">
+            <a:extLst>
+              <a:ext uri="{FF2B5EF4-FFF2-40B4-BE49-F238E27FC236}">
+                <a16:creationId xmlns:a16="http://schemas.microsoft.com/office/drawing/2014/main" id="{6809C103-EE3A-49AA-AD83-BC96E24FE1B3}"/>
+              </a:ext>
+            </a:extLst>
+          </p:cNvPr>
+          <p:cNvSpPr>
+            <a:spLocks noGrp="1"/>
+          </p:cNvSpPr>
+          <p:nvPr>
+            <p:ph type="sldNum" sz="quarter" idx="12"/>
+          </p:nvPr>
+        </p:nvSpPr>
+        <p:spPr/>
+        <p:txBody>
+          <a:bodyPr/>
+          <a:lstStyle/>
+          <a:p>
+            <a:fld id="{37A4A606-66C4-4A6B-9750-DDC5E8BB73A2}" type="slidenum">
+              <a:rPr lang="en-US" smtClean="0"/>
+              <a:t>19</a:t>
+            </a:fld>
+            <a:endParaRPr lang="en-US"/>
+          </a:p>
+        </p:txBody>
+      </p:sp>
+    </p:spTree>
+    <p:extLst>
+      <p:ext uri="{BB962C8B-B14F-4D97-AF65-F5344CB8AC3E}">
+        <p14:creationId xmlns:p14="http://schemas.microsoft.com/office/powerpoint/2010/main" val="4253828906"/>
+      </p:ext>
+    </p:extLst>
+  </p:cSld>
+  <p:clrMapOvr>
+    <a:masterClrMapping/>
+  </p:clrMapOvr>
+</p:sld>
+</file>
+
 <file path=ppt/slides/slide2.xml><?xml version="1.0" encoding="utf-8"?>
 <p:sld xmlns:a="http://schemas.openxmlformats.org/drawingml/2006/main" xmlns:r="http://schemas.openxmlformats.org/officeDocument/2006/relationships" xmlns:p="http://schemas.openxmlformats.org/presentationml/2006/main">
   <p:cSld>
@@ -10774,13 +11089,18 @@
               <a:buNone/>
             </a:pPr>
             <a:r>
-              <a:rPr lang="en-US" sz="2700" b="1">
+              <a:rPr lang="en-US" sz="2400" b="1" smtClean="0">
                 <a:solidFill>
                   <a:schemeClr val="tx1"/>
                 </a:solidFill>
               </a:rPr>
-              <a:t>4.1 Kết quả thực nghiệm</a:t>
-            </a:r>
+              <a:t>4.2 Mạng Blockchain</a:t>
+            </a:r>
+            <a:endParaRPr lang="en-US" sz="2400" b="1">
+              <a:solidFill>
+                <a:schemeClr val="tx1"/>
+              </a:solidFill>
+            </a:endParaRPr>
           </a:p>
           <a:p>
             <a:pPr marL="0" marR="89535" lvl="2" indent="0" algn="just">
@@ -10796,305 +11116,16 @@
               <a:buNone/>
             </a:pPr>
             <a:r>
-              <a:rPr lang="en-US" sz="2400">
+              <a:rPr lang="en-US">
                 <a:solidFill>
                   <a:schemeClr val="tx1"/>
                 </a:solidFill>
                 <a:latin typeface="Calibri" panose="020F0502020204030204" pitchFamily="34" charset="0"/>
                 <a:cs typeface="Calibri" panose="020F0502020204030204" pitchFamily="34" charset="0"/>
               </a:rPr>
-              <a:t>	Mạng</a:t>
-            </a:r>
-            <a:r>
-              <a:rPr lang="vi-VN" sz="2400">
-                <a:solidFill>
-                  <a:schemeClr val="tx1"/>
-                </a:solidFill>
-                <a:latin typeface="Calibri" panose="020F0502020204030204" pitchFamily="34" charset="0"/>
-                <a:cs typeface="Calibri" panose="020F0502020204030204" pitchFamily="34" charset="0"/>
-              </a:rPr>
-              <a:t> </a:t>
-            </a:r>
-            <a:r>
-              <a:rPr lang="en-US" sz="2400">
-                <a:solidFill>
-                  <a:schemeClr val="tx1"/>
-                </a:solidFill>
-                <a:latin typeface="Calibri" panose="020F0502020204030204" pitchFamily="34" charset="0"/>
-                <a:cs typeface="Calibri" panose="020F0502020204030204" pitchFamily="34" charset="0"/>
-              </a:rPr>
-              <a:t>blockchain </a:t>
-            </a:r>
-            <a:r>
-              <a:rPr lang="vi-VN" sz="2400">
-                <a:solidFill>
-                  <a:schemeClr val="tx1"/>
-                </a:solidFill>
-                <a:latin typeface="Calibri" panose="020F0502020204030204" pitchFamily="34" charset="0"/>
-                <a:cs typeface="Calibri" panose="020F0502020204030204" pitchFamily="34" charset="0"/>
-              </a:rPr>
-              <a:t>hoạt động trên</a:t>
-            </a:r>
-            <a:r>
-              <a:rPr lang="en-US" sz="2400">
-                <a:solidFill>
-                  <a:schemeClr val="tx1"/>
-                </a:solidFill>
-                <a:latin typeface="Calibri" panose="020F0502020204030204" pitchFamily="34" charset="0"/>
-                <a:cs typeface="Calibri" panose="020F0502020204030204" pitchFamily="34" charset="0"/>
-              </a:rPr>
-              <a:t> các máy chủ ảo</a:t>
-            </a:r>
-            <a:r>
-              <a:rPr lang="vi-VN" sz="2400">
-                <a:solidFill>
-                  <a:schemeClr val="tx1"/>
-                </a:solidFill>
-                <a:latin typeface="Calibri" panose="020F0502020204030204" pitchFamily="34" charset="0"/>
-                <a:cs typeface="Calibri" panose="020F0502020204030204" pitchFamily="34" charset="0"/>
-              </a:rPr>
-              <a:t>. Hệ thống quản</a:t>
-            </a:r>
-            <a:r>
-              <a:rPr lang="en-US" sz="2400">
-                <a:solidFill>
-                  <a:schemeClr val="tx1"/>
-                </a:solidFill>
-                <a:latin typeface="Calibri" panose="020F0502020204030204" pitchFamily="34" charset="0"/>
-                <a:cs typeface="Calibri" panose="020F0502020204030204" pitchFamily="34" charset="0"/>
-              </a:rPr>
-              <a:t> </a:t>
-            </a:r>
-            <a:r>
-              <a:rPr lang="vi-VN" sz="2400">
-                <a:solidFill>
-                  <a:schemeClr val="tx1"/>
-                </a:solidFill>
-                <a:latin typeface="Calibri" panose="020F0502020204030204" pitchFamily="34" charset="0"/>
-                <a:cs typeface="Calibri" panose="020F0502020204030204" pitchFamily="34" charset="0"/>
-              </a:rPr>
-              <a:t>lý VBCC có giao diện web </a:t>
-            </a:r>
-            <a:r>
-              <a:rPr lang="en-US" sz="2400">
-                <a:solidFill>
-                  <a:schemeClr val="tx1"/>
-                </a:solidFill>
-                <a:latin typeface="Calibri" panose="020F0502020204030204" pitchFamily="34" charset="0"/>
-                <a:cs typeface="Calibri" panose="020F0502020204030204" pitchFamily="34" charset="0"/>
-              </a:rPr>
-              <a:t>cung cấp </a:t>
-            </a:r>
-            <a:r>
-              <a:rPr lang="vi-VN" sz="2400">
-                <a:solidFill>
-                  <a:schemeClr val="tx1"/>
-                </a:solidFill>
-                <a:latin typeface="Calibri" panose="020F0502020204030204" pitchFamily="34" charset="0"/>
-                <a:cs typeface="Calibri" panose="020F0502020204030204" pitchFamily="34" charset="0"/>
-              </a:rPr>
-              <a:t>các chức năng chính cho người sử dụng như: </a:t>
-            </a:r>
-            <a:endParaRPr lang="en-US" sz="2400">
-              <a:solidFill>
-                <a:schemeClr val="tx1"/>
-              </a:solidFill>
-              <a:latin typeface="Calibri" panose="020F0502020204030204" pitchFamily="34" charset="0"/>
-              <a:cs typeface="Calibri" panose="020F0502020204030204" pitchFamily="34" charset="0"/>
-            </a:endParaRPr>
-          </a:p>
-          <a:p>
-            <a:pPr marL="0" marR="89535" lvl="2" indent="0" algn="just">
-              <a:lnSpc>
-                <a:spcPct val="110000"/>
-              </a:lnSpc>
-              <a:spcBef>
-                <a:spcPts val="600"/>
-              </a:spcBef>
-              <a:spcAft>
-                <a:spcPts val="800"/>
-              </a:spcAft>
-              <a:buNone/>
-            </a:pPr>
-            <a:r>
-              <a:rPr lang="en-US" sz="2400">
-                <a:solidFill>
-                  <a:schemeClr val="tx1"/>
-                </a:solidFill>
-                <a:latin typeface="Calibri" panose="020F0502020204030204" pitchFamily="34" charset="0"/>
-                <a:cs typeface="Calibri" panose="020F0502020204030204" pitchFamily="34" charset="0"/>
-              </a:rPr>
-              <a:t>	1. </a:t>
-            </a:r>
-            <a:r>
-              <a:rPr lang="vi-VN" sz="2400">
-                <a:solidFill>
-                  <a:schemeClr val="tx1"/>
-                </a:solidFill>
-                <a:latin typeface="Calibri" panose="020F0502020204030204" pitchFamily="34" charset="0"/>
-                <a:cs typeface="Calibri" panose="020F0502020204030204" pitchFamily="34" charset="0"/>
-              </a:rPr>
-              <a:t>Trường</a:t>
-            </a:r>
-            <a:r>
-              <a:rPr lang="en-US" sz="2400">
-                <a:solidFill>
-                  <a:schemeClr val="tx1"/>
-                </a:solidFill>
-                <a:latin typeface="Calibri" panose="020F0502020204030204" pitchFamily="34" charset="0"/>
-                <a:cs typeface="Calibri" panose="020F0502020204030204" pitchFamily="34" charset="0"/>
-              </a:rPr>
-              <a:t> </a:t>
-            </a:r>
-            <a:r>
-              <a:rPr lang="vi-VN" sz="2400">
-                <a:solidFill>
-                  <a:schemeClr val="tx1"/>
-                </a:solidFill>
-                <a:latin typeface="Calibri" panose="020F0502020204030204" pitchFamily="34" charset="0"/>
-                <a:cs typeface="Calibri" panose="020F0502020204030204" pitchFamily="34" charset="0"/>
-              </a:rPr>
-              <a:t>quản lý và cấp VBCC</a:t>
-            </a:r>
-            <a:r>
-              <a:rPr lang="en-US" sz="2400">
-                <a:solidFill>
-                  <a:schemeClr val="tx1"/>
-                </a:solidFill>
-                <a:latin typeface="Calibri" panose="020F0502020204030204" pitchFamily="34" charset="0"/>
-                <a:cs typeface="Calibri" panose="020F0502020204030204" pitchFamily="34" charset="0"/>
-              </a:rPr>
-              <a:t>.</a:t>
-            </a:r>
-          </a:p>
-          <a:p>
-            <a:pPr marL="0" marR="89535" lvl="2" indent="0" algn="just">
-              <a:lnSpc>
-                <a:spcPct val="110000"/>
-              </a:lnSpc>
-              <a:spcBef>
-                <a:spcPts val="600"/>
-              </a:spcBef>
-              <a:spcAft>
-                <a:spcPts val="800"/>
-              </a:spcAft>
-              <a:buNone/>
-            </a:pPr>
-            <a:r>
-              <a:rPr lang="en-US" sz="2400">
-                <a:solidFill>
-                  <a:schemeClr val="tx1"/>
-                </a:solidFill>
-                <a:latin typeface="Calibri" panose="020F0502020204030204" pitchFamily="34" charset="0"/>
-                <a:cs typeface="Calibri" panose="020F0502020204030204" pitchFamily="34" charset="0"/>
-              </a:rPr>
-              <a:t>	2. </a:t>
-            </a:r>
-            <a:r>
-              <a:rPr lang="vi-VN" sz="2400">
-                <a:solidFill>
-                  <a:schemeClr val="tx1"/>
-                </a:solidFill>
-                <a:latin typeface="Calibri" panose="020F0502020204030204" pitchFamily="34" charset="0"/>
-                <a:cs typeface="Calibri" panose="020F0502020204030204" pitchFamily="34" charset="0"/>
-              </a:rPr>
-              <a:t>Sinh viên nhận </a:t>
-            </a:r>
-            <a:r>
-              <a:rPr lang="vi-VN" sz="2400" dirty="0">
-                <a:solidFill>
-                  <a:schemeClr val="tx1"/>
-                </a:solidFill>
-                <a:latin typeface="Calibri" panose="020F0502020204030204" pitchFamily="34" charset="0"/>
-                <a:cs typeface="Calibri" panose="020F0502020204030204" pitchFamily="34" charset="0"/>
-              </a:rPr>
-              <a:t>VBCC và chia sẻ thông </a:t>
-            </a:r>
-            <a:r>
-              <a:rPr lang="vi-VN" sz="2400">
-                <a:solidFill>
-                  <a:schemeClr val="tx1"/>
-                </a:solidFill>
-                <a:latin typeface="Calibri" panose="020F0502020204030204" pitchFamily="34" charset="0"/>
-                <a:cs typeface="Calibri" panose="020F0502020204030204" pitchFamily="34" charset="0"/>
-              </a:rPr>
-              <a:t>tin VBCC</a:t>
-            </a:r>
-            <a:r>
-              <a:rPr lang="en-US" sz="2400">
-                <a:solidFill>
-                  <a:schemeClr val="tx1"/>
-                </a:solidFill>
-                <a:latin typeface="Calibri" panose="020F0502020204030204" pitchFamily="34" charset="0"/>
-                <a:cs typeface="Calibri" panose="020F0502020204030204" pitchFamily="34" charset="0"/>
-              </a:rPr>
-              <a:t>.</a:t>
-            </a:r>
-          </a:p>
-          <a:p>
-            <a:pPr marL="0" marR="89535" lvl="2" indent="0" algn="just">
-              <a:lnSpc>
-                <a:spcPct val="110000"/>
-              </a:lnSpc>
-              <a:spcBef>
-                <a:spcPts val="600"/>
-              </a:spcBef>
-              <a:spcAft>
-                <a:spcPts val="800"/>
-              </a:spcAft>
-              <a:buNone/>
-            </a:pPr>
-            <a:r>
-              <a:rPr lang="en-US" sz="2400">
-                <a:solidFill>
-                  <a:schemeClr val="tx1"/>
-                </a:solidFill>
-                <a:latin typeface="Calibri" panose="020F0502020204030204" pitchFamily="34" charset="0"/>
-                <a:cs typeface="Calibri" panose="020F0502020204030204" pitchFamily="34" charset="0"/>
-              </a:rPr>
-              <a:t>	3. </a:t>
-            </a:r>
-            <a:r>
-              <a:rPr lang="vi-VN" sz="2400">
-                <a:solidFill>
-                  <a:schemeClr val="tx1"/>
-                </a:solidFill>
-                <a:latin typeface="Calibri" panose="020F0502020204030204" pitchFamily="34" charset="0"/>
-                <a:cs typeface="Calibri" panose="020F0502020204030204" pitchFamily="34" charset="0"/>
-              </a:rPr>
-              <a:t>Đơn vị</a:t>
-            </a:r>
-            <a:r>
-              <a:rPr lang="en-US" sz="2400">
-                <a:solidFill>
-                  <a:schemeClr val="tx1"/>
-                </a:solidFill>
-                <a:latin typeface="Calibri" panose="020F0502020204030204" pitchFamily="34" charset="0"/>
-                <a:cs typeface="Calibri" panose="020F0502020204030204" pitchFamily="34" charset="0"/>
-              </a:rPr>
-              <a:t> </a:t>
-            </a:r>
-            <a:r>
-              <a:rPr lang="vi-VN" sz="2400">
-                <a:solidFill>
-                  <a:schemeClr val="tx1"/>
-                </a:solidFill>
-                <a:latin typeface="Calibri" panose="020F0502020204030204" pitchFamily="34" charset="0"/>
-                <a:cs typeface="Calibri" panose="020F0502020204030204" pitchFamily="34" charset="0"/>
-              </a:rPr>
-              <a:t>xác thực VBCC</a:t>
-            </a:r>
-            <a:r>
-              <a:rPr lang="en-US" sz="2400">
-                <a:solidFill>
-                  <a:schemeClr val="tx1"/>
-                </a:solidFill>
-                <a:latin typeface="Calibri" panose="020F0502020204030204" pitchFamily="34" charset="0"/>
-                <a:cs typeface="Calibri" panose="020F0502020204030204" pitchFamily="34" charset="0"/>
-              </a:rPr>
-              <a:t>.</a:t>
-            </a:r>
-            <a:endParaRPr lang="en-US" sz="2400" dirty="0">
+              <a:t>	</a:t>
+            </a:r>
+            <a:endParaRPr lang="en-US" dirty="0">
               <a:solidFill>
                 <a:schemeClr val="tx1"/>
               </a:solidFill>
@@ -11133,10 +11164,87 @@
           </a:p>
         </p:txBody>
       </p:sp>
+      <p:pic>
+        <p:nvPicPr>
+          <p:cNvPr id="5" name="Picture 4" descr="Graphical user interface, application&#10;&#10;Description automatically generated">
+            <a:extLst>
+              <a:ext uri="{FF2B5EF4-FFF2-40B4-BE49-F238E27FC236}">
+                <a16:creationId xmlns:a16="http://schemas.microsoft.com/office/drawing/2014/main" id="{EFB23826-8841-91FC-56D5-97FB40A54EF5}"/>
+              </a:ext>
+            </a:extLst>
+          </p:cNvPr>
+          <p:cNvPicPr>
+            <a:picLocks noChangeAspect="1"/>
+          </p:cNvPicPr>
+          <p:nvPr/>
+        </p:nvPicPr>
+        <p:blipFill>
+          <a:blip r:embed="rId3">
+            <a:extLst>
+              <a:ext uri="{28A0092B-C50C-407E-A947-70E740481C1C}">
+                <a14:useLocalDpi xmlns:a14="http://schemas.microsoft.com/office/drawing/2010/main" val="0"/>
+              </a:ext>
+            </a:extLst>
+          </a:blip>
+          <a:stretch>
+            <a:fillRect/>
+          </a:stretch>
+        </p:blipFill>
+        <p:spPr>
+          <a:xfrm>
+            <a:off x="1021117" y="2133600"/>
+            <a:ext cx="7154516" cy="4031615"/>
+          </a:xfrm>
+          <a:prstGeom prst="rect">
+            <a:avLst/>
+          </a:prstGeom>
+        </p:spPr>
+      </p:pic>
+      <p:sp>
+        <p:nvSpPr>
+          <p:cNvPr id="4" name="Rectangle 3"/>
+          <p:cNvSpPr/>
+          <p:nvPr/>
+        </p:nvSpPr>
+        <p:spPr>
+          <a:xfrm>
+            <a:off x="1752600" y="6171346"/>
+            <a:ext cx="6324600" cy="369332"/>
+          </a:xfrm>
+          <a:prstGeom prst="rect">
+            <a:avLst/>
+          </a:prstGeom>
+        </p:spPr>
+        <p:txBody>
+          <a:bodyPr wrap="square">
+            <a:spAutoFit/>
+          </a:bodyPr>
+          <a:lstStyle/>
+          <a:p>
+            <a:r>
+              <a:rPr lang="en-US">
+                <a:solidFill>
+                  <a:schemeClr val="accent1">
+                    <a:lumMod val="50000"/>
+                  </a:schemeClr>
+                </a:solidFill>
+              </a:rPr>
+              <a:t>Công cụ theo dõi mạng Blockchain Hyperledger Explorer</a:t>
+            </a:r>
+            <a:endParaRPr lang="en-US" sz="1400">
+              <a:solidFill>
+                <a:schemeClr val="accent1">
+                  <a:lumMod val="50000"/>
+                </a:schemeClr>
+              </a:solidFill>
+            </a:endParaRPr>
+          </a:p>
+        </p:txBody>
+      </p:sp>
     </p:spTree>
     <p:extLst>
       <p:ext uri="{BB962C8B-B14F-4D97-AF65-F5344CB8AC3E}">
-        <p14:creationId xmlns:p14="http://schemas.microsoft.com/office/powerpoint/2010/main" val="4253828906"/>
+        <p14:creationId xmlns:p14="http://schemas.microsoft.com/office/powerpoint/2010/main" val="1181983850"/>
       </p:ext>
     </p:extLst>
   </p:cSld>
@@ -11186,6 +11294,240 @@
           <a:p>
             <a:r>
               <a:rPr lang="en-US"/>
+              <a:t> 4. </a:t>
+            </a:r>
+            <a:r>
+              <a:rPr lang="en-US" err="1"/>
+              <a:t>Kết</a:t>
+            </a:r>
+            <a:r>
+              <a:rPr lang="en-US"/>
+              <a:t> </a:t>
+            </a:r>
+            <a:r>
+              <a:rPr lang="en-US" err="1"/>
+              <a:t>quả</a:t>
+            </a:r>
+            <a:r>
+              <a:rPr lang="en-US"/>
+              <a:t> </a:t>
+            </a:r>
+            <a:r>
+              <a:rPr lang="en-US" err="1"/>
+              <a:t>thực</a:t>
+            </a:r>
+            <a:r>
+              <a:rPr lang="en-US"/>
+              <a:t> </a:t>
+            </a:r>
+            <a:r>
+              <a:rPr lang="en-US" err="1"/>
+              <a:t>nghiệm</a:t>
+            </a:r>
+            <a:endParaRPr lang="en-US"/>
+          </a:p>
+        </p:txBody>
+      </p:sp>
+      <p:sp>
+        <p:nvSpPr>
+          <p:cNvPr id="3" name="Content Placeholder 2">
+            <a:extLst>
+              <a:ext uri="{FF2B5EF4-FFF2-40B4-BE49-F238E27FC236}">
+                <a16:creationId xmlns:a16="http://schemas.microsoft.com/office/drawing/2014/main" id="{938E8B90-BB10-417C-BB3B-436BE0A3F89D}"/>
+              </a:ext>
+            </a:extLst>
+          </p:cNvPr>
+          <p:cNvSpPr>
+            <a:spLocks noGrp="1"/>
+          </p:cNvSpPr>
+          <p:nvPr>
+            <p:ph idx="1"/>
+          </p:nvPr>
+        </p:nvSpPr>
+        <p:spPr/>
+        <p:txBody>
+          <a:bodyPr>
+            <a:normAutofit/>
+          </a:bodyPr>
+          <a:lstStyle/>
+          <a:p>
+            <a:pPr marL="0" marR="89535" lvl="2" indent="0" algn="just">
+              <a:lnSpc>
+                <a:spcPct val="110000"/>
+              </a:lnSpc>
+              <a:spcBef>
+                <a:spcPts val="600"/>
+              </a:spcBef>
+              <a:spcAft>
+                <a:spcPts val="800"/>
+              </a:spcAft>
+              <a:buNone/>
+            </a:pPr>
+            <a:r>
+              <a:rPr lang="en-US" sz="2400" b="1" smtClean="0">
+                <a:solidFill>
+                  <a:schemeClr val="tx1"/>
+                </a:solidFill>
+              </a:rPr>
+              <a:t>4.3 Ứng dụng web</a:t>
+            </a:r>
+            <a:endParaRPr lang="en-US" sz="2400" b="1">
+              <a:solidFill>
+                <a:schemeClr val="tx1"/>
+              </a:solidFill>
+            </a:endParaRPr>
+          </a:p>
+          <a:p>
+            <a:pPr marL="0" marR="89535" lvl="2" indent="0" algn="just">
+              <a:lnSpc>
+                <a:spcPct val="110000"/>
+              </a:lnSpc>
+              <a:spcBef>
+                <a:spcPts val="600"/>
+              </a:spcBef>
+              <a:spcAft>
+                <a:spcPts val="800"/>
+              </a:spcAft>
+              <a:buNone/>
+            </a:pPr>
+            <a:r>
+              <a:rPr lang="en-US">
+                <a:solidFill>
+                  <a:schemeClr val="tx1"/>
+                </a:solidFill>
+                <a:latin typeface="Calibri" panose="020F0502020204030204" pitchFamily="34" charset="0"/>
+                <a:cs typeface="Calibri" panose="020F0502020204030204" pitchFamily="34" charset="0"/>
+              </a:rPr>
+              <a:t>	</a:t>
+            </a:r>
+            <a:endParaRPr lang="en-US" dirty="0">
+              <a:solidFill>
+                <a:schemeClr val="tx1"/>
+              </a:solidFill>
+              <a:latin typeface="Calibri" panose="020F0502020204030204" pitchFamily="34" charset="0"/>
+              <a:cs typeface="Calibri" panose="020F0502020204030204" pitchFamily="34" charset="0"/>
+            </a:endParaRPr>
+          </a:p>
+        </p:txBody>
+      </p:sp>
+      <p:sp>
+        <p:nvSpPr>
+          <p:cNvPr id="6" name="Slide Number Placeholder 5">
+            <a:extLst>
+              <a:ext uri="{FF2B5EF4-FFF2-40B4-BE49-F238E27FC236}">
+                <a16:creationId xmlns:a16="http://schemas.microsoft.com/office/drawing/2014/main" id="{6809C103-EE3A-49AA-AD83-BC96E24FE1B3}"/>
+              </a:ext>
+            </a:extLst>
+          </p:cNvPr>
+          <p:cNvSpPr>
+            <a:spLocks noGrp="1"/>
+          </p:cNvSpPr>
+          <p:nvPr>
+            <p:ph type="sldNum" sz="quarter" idx="12"/>
+          </p:nvPr>
+        </p:nvSpPr>
+        <p:spPr/>
+        <p:txBody>
+          <a:bodyPr/>
+          <a:lstStyle/>
+          <a:p>
+            <a:fld id="{37A4A606-66C4-4A6B-9750-DDC5E8BB73A2}" type="slidenum">
+              <a:rPr lang="en-US" smtClean="0"/>
+              <a:t>21</a:t>
+            </a:fld>
+            <a:endParaRPr lang="en-US"/>
+          </a:p>
+        </p:txBody>
+      </p:sp>
+      <p:pic>
+        <p:nvPicPr>
+          <p:cNvPr id="5" name="Picture 4" descr="Graphical user interface, application&#10;&#10;Description automatically generated">
+            <a:extLst>
+              <a:ext uri="{FF2B5EF4-FFF2-40B4-BE49-F238E27FC236}">
+                <a16:creationId xmlns:a16="http://schemas.microsoft.com/office/drawing/2014/main" id="{EFB23826-8841-91FC-56D5-97FB40A54EF5}"/>
+              </a:ext>
+            </a:extLst>
+          </p:cNvPr>
+          <p:cNvPicPr>
+            <a:picLocks noChangeAspect="1"/>
+          </p:cNvPicPr>
+          <p:nvPr/>
+        </p:nvPicPr>
+        <p:blipFill>
+          <a:blip r:embed="rId3">
+            <a:extLst>
+              <a:ext uri="{28A0092B-C50C-407E-A947-70E740481C1C}">
+                <a14:useLocalDpi xmlns:a14="http://schemas.microsoft.com/office/drawing/2010/main" val="0"/>
+              </a:ext>
+            </a:extLst>
+          </a:blip>
+          <a:stretch>
+            <a:fillRect/>
+          </a:stretch>
+        </p:blipFill>
+        <p:spPr>
+          <a:xfrm>
+            <a:off x="1021117" y="2209800"/>
+            <a:ext cx="7154516" cy="4031615"/>
+          </a:xfrm>
+          <a:prstGeom prst="rect">
+            <a:avLst/>
+          </a:prstGeom>
+        </p:spPr>
+      </p:pic>
+    </p:spTree>
+    <p:extLst>
+      <p:ext uri="{BB962C8B-B14F-4D97-AF65-F5344CB8AC3E}">
+        <p14:creationId xmlns:p14="http://schemas.microsoft.com/office/powerpoint/2010/main" val="3124492832"/>
+      </p:ext>
+    </p:extLst>
+  </p:cSld>
+  <p:clrMapOvr>
+    <a:masterClrMapping/>
+  </p:clrMapOvr>
+</p:sld>
+</file>
+
+<file path=ppt/slides/slide22.xml><?xml version="1.0" encoding="utf-8"?>
+<p:sld xmlns:a="http://schemas.openxmlformats.org/drawingml/2006/main" xmlns:r="http://schemas.openxmlformats.org/officeDocument/2006/relationships" xmlns:p="http://schemas.openxmlformats.org/presentationml/2006/main">
+  <p:cSld>
+    <p:spTree>
+      <p:nvGrpSpPr>
+        <p:cNvPr id="1" name=""/>
+        <p:cNvGrpSpPr/>
+        <p:nvPr/>
+      </p:nvGrpSpPr>
+      <p:grpSpPr>
+        <a:xfrm>
+          <a:off x="0" y="0"/>
+          <a:ext cx="0" cy="0"/>
+          <a:chOff x="0" y="0"/>
+          <a:chExt cx="0" cy="0"/>
+        </a:xfrm>
+      </p:grpSpPr>
+      <p:sp>
+        <p:nvSpPr>
+          <p:cNvPr id="2" name="Title 1">
+            <a:extLst>
+              <a:ext uri="{FF2B5EF4-FFF2-40B4-BE49-F238E27FC236}">
+                <a16:creationId xmlns:a16="http://schemas.microsoft.com/office/drawing/2014/main" id="{70B474FB-8BDA-4F94-86DC-2B797B33C1DA}"/>
+              </a:ext>
+            </a:extLst>
+          </p:cNvPr>
+          <p:cNvSpPr>
+            <a:spLocks noGrp="1"/>
+          </p:cNvSpPr>
+          <p:nvPr>
+            <p:ph type="title"/>
+          </p:nvPr>
+        </p:nvSpPr>
+        <p:spPr/>
+        <p:txBody>
+          <a:bodyPr/>
+          <a:lstStyle/>
+          <a:p>
+            <a:r>
+              <a:rPr lang="en-US"/>
               <a:t>5. </a:t>
             </a:r>
             <a:r>
@@ -11274,7 +11616,15 @@
             </a:pPr>
             <a:r>
               <a:rPr lang="en-US" sz="8000"/>
-              <a:t>Triển khai được hệ thống có giao diện web tương tác với người dung trong việc cấp và xác thực VBCC.</a:t>
+              <a:t>Triển khai được hệ </a:t>
+            </a:r>
+            <a:r>
+              <a:rPr lang="en-US" sz="8000" smtClean="0"/>
+              <a:t>thống quản lý có chức năng </a:t>
+            </a:r>
+            <a:r>
+              <a:rPr lang="en-US" sz="8000"/>
+              <a:t>cấp và xác thực VBCC.</a:t>
             </a:r>
           </a:p>
           <a:p>
@@ -11526,7 +11876,7 @@
           <a:p>
             <a:fld id="{37A4A606-66C4-4A6B-9750-DDC5E8BB73A2}" type="slidenum">
               <a:rPr lang="en-US" smtClean="0"/>
-              <a:t>21</a:t>
+              <a:t>22</a:t>
             </a:fld>
             <a:endParaRPr lang="en-US"/>
           </a:p>
@@ -11545,7 +11895,7 @@
 </p:sld>
 </file>
 
-<file path=ppt/slides/slide22.xml><?xml version="1.0" encoding="utf-8"?>
+<file path=ppt/slides/slide23.xml><?xml version="1.0" encoding="utf-8"?>
 <p:sld xmlns:a="http://schemas.openxmlformats.org/drawingml/2006/main" xmlns:r="http://schemas.openxmlformats.org/officeDocument/2006/relationships" xmlns:p="http://schemas.openxmlformats.org/presentationml/2006/main" showMasterSp="0">
   <p:cSld>
     <p:bg>
@@ -11592,7 +11942,7 @@
             <a:fld id="{0F4F63AB-74FF-4D4D-9C96-7E67E70BF8FF}" type="slidenum">
               <a:rPr lang="en-US" altLang="en-US" smtClean="0"/>
               <a:pPr/>
-              <a:t>22</a:t>
+              <a:t>23</a:t>
             </a:fld>
             <a:endParaRPr lang="en-US" altLang="en-US"/>
           </a:p>
@@ -12494,42 +12844,38 @@
               <a:t> </a:t>
             </a:r>
             <a:r>
-              <a:rPr lang="en-US" sz="2400" err="1"/>
-              <a:t>đây</a:t>
-            </a:r>
-            <a:r>
-              <a:rPr lang="en-US" sz="2400"/>
-              <a:t>:</a:t>
-            </a:r>
-          </a:p>
-          <a:p>
-            <a:pPr marL="342900" indent="-342900" algn="just">
+              <a:rPr lang="en-US" sz="2400" smtClean="0"/>
+              <a:t>đây:</a:t>
+            </a:r>
+          </a:p>
+          <a:p>
+            <a:pPr algn="just">
               <a:lnSpc>
                 <a:spcPct val="120000"/>
               </a:lnSpc>
-              <a:buFontTx/>
-              <a:buChar char="-"/>
             </a:pPr>
             <a:r>
+              <a:rPr lang="en-US" sz="2400" smtClean="0"/>
+              <a:t>	- Bằng </a:t>
+            </a:r>
+            <a:r>
               <a:rPr lang="en-US" sz="2400"/>
-              <a:t>Bằng cấp, chứng chỉ trong hồ sơ đi học, làm việc.</a:t>
-            </a:r>
-          </a:p>
-          <a:p>
-            <a:pPr marL="342900" indent="-342900" algn="just">
+              <a:t>cấp, chứng chỉ trong hồ sơ đi học, làm </a:t>
+            </a:r>
+            <a:r>
+              <a:rPr lang="en-US" sz="2400" smtClean="0"/>
+              <a:t>việc.</a:t>
+            </a:r>
+          </a:p>
+          <a:p>
+            <a:pPr algn="just">
               <a:lnSpc>
                 <a:spcPct val="120000"/>
               </a:lnSpc>
-              <a:buFontTx/>
-              <a:buChar char="-"/>
             </a:pPr>
             <a:r>
-              <a:rPr lang="en-US" sz="2400" err="1"/>
-              <a:t>Nhu</a:t>
-            </a:r>
-            <a:r>
-              <a:rPr lang="en-US" sz="2400"/>
-              <a:t> </a:t>
+              <a:rPr lang="en-US" sz="2400" smtClean="0"/>
+              <a:t>	- Nhu </a:t>
             </a:r>
             <a:r>
               <a:rPr lang="en-US" sz="2400" err="1"/>
@@ -12585,24 +12931,22 @@
             </a:r>
             <a:r>
               <a:rPr lang="en-US" sz="2400"/>
-              <a:t> độ.</a:t>
-            </a:r>
-          </a:p>
-          <a:p>
-            <a:pPr marL="342900" indent="-342900" algn="just">
+              <a:t> </a:t>
+            </a:r>
+            <a:r>
+              <a:rPr lang="en-US" sz="2400" smtClean="0"/>
+              <a:t>độ.</a:t>
+            </a:r>
+          </a:p>
+          <a:p>
+            <a:pPr algn="just">
               <a:lnSpc>
                 <a:spcPct val="120000"/>
               </a:lnSpc>
-              <a:buFontTx/>
-              <a:buChar char="-"/>
             </a:pPr>
             <a:r>
-              <a:rPr lang="en-US" sz="2400" err="1"/>
-              <a:t>Nhà</a:t>
-            </a:r>
-            <a:r>
-              <a:rPr lang="en-US" sz="2400"/>
-              <a:t> </a:t>
+              <a:rPr lang="en-US" sz="2400" smtClean="0"/>
+              <a:t>	- Nhà </a:t>
             </a:r>
             <a:r>
               <a:rPr lang="en-US" sz="2400" err="1"/>
@@ -14092,7 +14436,15 @@
             </a:r>
             <a:r>
               <a:rPr lang="en-US" sz="2400"/>
-              <a:t> blockchain, gồm 2 phần</a:t>
+              <a:t> blockchain, </a:t>
+            </a:r>
+            <a:r>
+              <a:rPr lang="en-US" sz="2400" smtClean="0"/>
+              <a:t>gồm có </a:t>
+            </a:r>
+            <a:r>
+              <a:rPr lang="en-US" sz="2400"/>
+              <a:t>2 phần</a:t>
             </a:r>
           </a:p>
           <a:p>
@@ -14415,7 +14767,15 @@
             </a:pPr>
             <a:r>
               <a:rPr lang="en-US" sz="2400"/>
-              <a:t>3. Blockchain riêng tư có khả năng xác thực và định danh người dùng, nên chọn để triển khai trong quản lý VBCC.</a:t>
+              <a:t>3. Blockchain riêng tư có khả năng xác thực và định danh người dùng, nên </a:t>
+            </a:r>
+            <a:r>
+              <a:rPr lang="en-US" sz="2400" smtClean="0"/>
+              <a:t>được chọn </a:t>
+            </a:r>
+            <a:r>
+              <a:rPr lang="en-US" sz="2400"/>
+              <a:t>để triển khai trong quản lý VBCC.</a:t>
             </a:r>
           </a:p>
           <a:p>
@@ -14633,7 +14993,15 @@
             </a:pPr>
             <a:r>
               <a:rPr lang="en-US" sz="2400"/>
-              <a:t>Nhiều nghiên cứu và ứng dụng công nghệ blockchain như hệ thống dữ liệu văn bằng thuộc Bộ giáo dục và Đào tạo, Cổng thông tin xác thực VBCC của các trường Đại học, …</a:t>
+              <a:t>Nhiều nghiên cứu và ứng dụng công nghệ blockchain </a:t>
+            </a:r>
+            <a:r>
+              <a:rPr lang="en-US" sz="2400" smtClean="0"/>
+              <a:t>như </a:t>
+            </a:r>
+            <a:r>
+              <a:rPr lang="en-US" sz="2400"/>
+              <a:t>hệ thống dữ liệu văn bằng thuộc Bộ giáo dục và Đào tạo, Cổng thông tin xác thực VBCC của các trường Đại học, …</a:t>
             </a:r>
           </a:p>
           <a:p>
@@ -15088,38 +15456,38 @@
           <a:lstStyle/>
           <a:p>
             <a:r>
-              <a:rPr lang="en-US"/>
+              <a:rPr lang="en-US" sz="2000"/>
               <a:t> 3. </a:t>
             </a:r>
             <a:r>
-              <a:rPr lang="en-US" err="1"/>
+              <a:rPr lang="en-US" sz="2000" err="1"/>
               <a:t>Phương</a:t>
             </a:r>
             <a:r>
-              <a:rPr lang="en-US"/>
-              <a:t> </a:t>
-            </a:r>
-            <a:r>
-              <a:rPr lang="en-US" err="1"/>
+              <a:rPr lang="en-US" sz="2000"/>
+              <a:t> </a:t>
+            </a:r>
+            <a:r>
+              <a:rPr lang="en-US" sz="2000" err="1"/>
               <a:t>pháp</a:t>
             </a:r>
             <a:r>
-              <a:rPr lang="en-US"/>
-              <a:t> </a:t>
-            </a:r>
-            <a:r>
-              <a:rPr lang="en-US" err="1"/>
+              <a:rPr lang="en-US" sz="2000"/>
+              <a:t> </a:t>
+            </a:r>
+            <a:r>
+              <a:rPr lang="en-US" sz="2000" err="1"/>
               <a:t>thực</a:t>
             </a:r>
             <a:r>
-              <a:rPr lang="en-US"/>
-              <a:t> </a:t>
-            </a:r>
-            <a:r>
-              <a:rPr lang="en-US" err="1"/>
+              <a:rPr lang="en-US" sz="2000"/>
+              <a:t> </a:t>
+            </a:r>
+            <a:r>
+              <a:rPr lang="en-US" sz="2000" err="1"/>
               <a:t>hiện</a:t>
             </a:r>
-            <a:endParaRPr lang="en-US"/>
+            <a:endParaRPr lang="en-US" sz="2000"/>
           </a:p>
         </p:txBody>
       </p:sp>
@@ -15150,24 +15518,20 @@
               <a:buNone/>
             </a:pPr>
             <a:r>
-              <a:rPr lang="en-US" sz="2800" b="1"/>
+              <a:rPr lang="en-US" sz="2400" b="1"/>
               <a:t>3.2 </a:t>
             </a:r>
             <a:r>
-              <a:rPr lang="en-US" sz="2800" b="1" err="1"/>
-              <a:t>Đề</a:t>
-            </a:r>
-            <a:r>
-              <a:rPr lang="en-US" sz="2800" b="1"/>
-              <a:t> </a:t>
-            </a:r>
-            <a:r>
-              <a:rPr lang="en-US" sz="2800" b="1" err="1"/>
-              <a:t>xuất</a:t>
-            </a:r>
-            <a:r>
-              <a:rPr lang="en-US" sz="2800" b="1"/>
-              <a:t> mô hình tổng quan</a:t>
+              <a:rPr lang="en-US" sz="2400" b="1"/>
+              <a:t>M</a:t>
+            </a:r>
+            <a:r>
+              <a:rPr lang="en-US" sz="2400" b="1" smtClean="0"/>
+              <a:t>ô </a:t>
+            </a:r>
+            <a:r>
+              <a:rPr lang="en-US" sz="2400" b="1"/>
+              <a:t>hình tổng quan</a:t>
             </a:r>
           </a:p>
         </p:txBody>
@@ -15194,10 +15558,10 @@
           <a:lstStyle/>
           <a:p>
             <a:fld id="{37A4A606-66C4-4A6B-9750-DDC5E8BB73A2}" type="slidenum">
-              <a:rPr lang="en-US" smtClean="0"/>
+              <a:rPr lang="en-US" sz="2000" smtClean="0"/>
               <a:t>9</a:t>
             </a:fld>
-            <a:endParaRPr lang="en-US"/>
+            <a:endParaRPr lang="en-US" sz="2000"/>
           </a:p>
         </p:txBody>
       </p:sp>
@@ -15215,8 +15579,8 @@
         </p:nvSpPr>
         <p:spPr>
           <a:xfrm>
-            <a:off x="1600200" y="5869254"/>
-            <a:ext cx="6565808" cy="369332"/>
+            <a:off x="1524000" y="5869254"/>
+            <a:ext cx="6553200" cy="400110"/>
           </a:xfrm>
           <a:prstGeom prst="rect">
             <a:avLst/>
@@ -15231,57 +15595,57 @@
           <a:p>
             <a:pPr algn="ctr"/>
             <a:r>
-              <a:rPr lang="en-US" err="1">
+              <a:rPr lang="en-US" sz="2000" smtClean="0">
                 <a:solidFill>
                   <a:schemeClr val="accent1">
                     <a:lumMod val="50000"/>
                   </a:schemeClr>
                 </a:solidFill>
               </a:rPr>
-              <a:t>Mô</a:t>
-            </a:r>
-            <a:r>
-              <a:rPr lang="en-US">
+              <a:t>Đê tài </a:t>
+            </a:r>
+            <a:r>
+              <a:rPr lang="vi-VN" sz="2000" smtClean="0">
                 <a:solidFill>
                   <a:schemeClr val="accent1">
                     <a:lumMod val="50000"/>
                   </a:schemeClr>
                 </a:solidFill>
               </a:rPr>
-              <a:t> </a:t>
-            </a:r>
-            <a:r>
-              <a:rPr lang="en-US" err="1">
+              <a:t>tham </a:t>
+            </a:r>
+            <a:r>
+              <a:rPr lang="vi-VN" sz="2000">
                 <a:solidFill>
                   <a:schemeClr val="accent1">
                     <a:lumMod val="50000"/>
                   </a:schemeClr>
                 </a:solidFill>
               </a:rPr>
-              <a:t>hình</a:t>
-            </a:r>
-            <a:r>
-              <a:rPr lang="en-US">
+              <a:t>khảo mô hình </a:t>
+            </a:r>
+            <a:r>
+              <a:rPr lang="vi-VN" sz="2000">
                 <a:solidFill>
                   <a:schemeClr val="accent1">
                     <a:lumMod val="50000"/>
                   </a:schemeClr>
                 </a:solidFill>
               </a:rPr>
-              <a:t> </a:t>
-            </a:r>
-            <a:r>
-              <a:rPr lang="en-US" err="1">
+              <a:t>tương </a:t>
+            </a:r>
+            <a:r>
+              <a:rPr lang="vi-VN" sz="2000" smtClean="0">
                 <a:solidFill>
                   <a:schemeClr val="accent1">
                     <a:lumMod val="50000"/>
                   </a:schemeClr>
                 </a:solidFill>
               </a:rPr>
-              <a:t>tổng</a:t>
-            </a:r>
-            <a:r>
-              <a:rPr lang="en-US">
+              <a:t>tự</a:t>
+            </a:r>
+            <a:r>
+              <a:rPr lang="en-US" sz="2000">
                 <a:solidFill>
                   <a:schemeClr val="accent1">
                     <a:lumMod val="50000"/>
@@ -15291,65 +15655,22 @@
               <a:t> </a:t>
             </a:r>
             <a:r>
-              <a:rPr lang="en-US" err="1">
+              <a:rPr lang="en-US" sz="2000" smtClean="0">
                 <a:solidFill>
                   <a:schemeClr val="accent1">
                     <a:lumMod val="50000"/>
                   </a:schemeClr>
                 </a:solidFill>
               </a:rPr>
-              <a:t>quan</a:t>
-            </a:r>
-            <a:r>
-              <a:rPr lang="en-US">
-                <a:solidFill>
-                  <a:schemeClr val="accent1">
-                    <a:lumMod val="50000"/>
-                  </a:schemeClr>
-                </a:solidFill>
-              </a:rPr>
-              <a:t> </a:t>
-            </a:r>
-            <a:r>
-              <a:rPr lang="en-US" err="1">
-                <a:solidFill>
-                  <a:schemeClr val="accent1">
-                    <a:lumMod val="50000"/>
-                  </a:schemeClr>
-                </a:solidFill>
-              </a:rPr>
-              <a:t>hệ</a:t>
-            </a:r>
-            <a:r>
-              <a:rPr lang="en-US">
-                <a:solidFill>
-                  <a:schemeClr val="accent1">
-                    <a:lumMod val="50000"/>
-                  </a:schemeClr>
-                </a:solidFill>
-              </a:rPr>
-              <a:t> </a:t>
-            </a:r>
-            <a:r>
-              <a:rPr lang="en-US" err="1">
-                <a:solidFill>
-                  <a:schemeClr val="accent1">
-                    <a:lumMod val="50000"/>
-                  </a:schemeClr>
-                </a:solidFill>
-              </a:rPr>
-              <a:t>thống</a:t>
-            </a:r>
-            <a:r>
-              <a:rPr lang="en-US">
-                <a:solidFill>
-                  <a:schemeClr val="accent1">
-                    <a:lumMod val="50000"/>
-                  </a:schemeClr>
-                </a:solidFill>
-              </a:rPr>
-              <a:t> quản lý văn bằng chứng chỉ</a:t>
-            </a:r>
+              <a:t>với vấn đề đặt ra</a:t>
+            </a:r>
+            <a:endParaRPr lang="en-US" sz="2000">
+              <a:solidFill>
+                <a:schemeClr val="accent1">
+                  <a:lumMod val="50000"/>
+                </a:schemeClr>
+              </a:solidFill>
+            </a:endParaRPr>
           </a:p>
         </p:txBody>
       </p:sp>

--- a/luan_van.pptx
+++ b/luan_van.pptx
@@ -6336,11 +6336,7 @@
             </a:pPr>
             <a:r>
               <a:rPr lang="en-US" sz="3200" b="1"/>
-              <a:t>3.3 </a:t>
-            </a:r>
-            <a:r>
-              <a:rPr lang="en-US" sz="3200" b="1"/>
-              <a:t>M</a:t>
+              <a:t>3.3 M</a:t>
             </a:r>
             <a:r>
               <a:rPr lang="en-US" sz="3200" b="1" smtClean="0"/>
@@ -9662,12 +9658,20 @@
               <a:buNone/>
             </a:pPr>
             <a:r>
+              <a:rPr lang="en-US" sz="2600" b="1" smtClean="0">
+                <a:solidFill>
+                  <a:schemeClr val="tx1"/>
+                </a:solidFill>
+              </a:rPr>
+              <a:t>3.7 </a:t>
+            </a:r>
+            <a:r>
               <a:rPr lang="en-US" sz="2600" b="1">
                 <a:solidFill>
                   <a:schemeClr val="tx1"/>
                 </a:solidFill>
               </a:rPr>
-              <a:t>3.6 Xây dựng mạng blockchain</a:t>
+              <a:t>Xây dựng mạng blockchain</a:t>
             </a:r>
           </a:p>
           <a:p>
@@ -9957,7 +9961,7 @@
                   <a:schemeClr val="tx1"/>
                 </a:solidFill>
               </a:rPr>
-              <a:t>3.7 </a:t>
+              <a:t>3.8 </a:t>
             </a:r>
             <a:r>
               <a:rPr lang="en-US" sz="2600" b="1">
@@ -15519,11 +15523,7 @@
             </a:pPr>
             <a:r>
               <a:rPr lang="en-US" sz="2400" b="1"/>
-              <a:t>3.2 </a:t>
-            </a:r>
-            <a:r>
-              <a:rPr lang="en-US" sz="2400" b="1"/>
-              <a:t>M</a:t>
+              <a:t>3.2 M</a:t>
             </a:r>
             <a:r>
               <a:rPr lang="en-US" sz="2400" b="1" smtClean="0"/>
@@ -15622,17 +15622,7 @@
                   </a:schemeClr>
                 </a:solidFill>
               </a:rPr>
-              <a:t>khảo mô hình </a:t>
-            </a:r>
-            <a:r>
-              <a:rPr lang="vi-VN" sz="2000">
-                <a:solidFill>
-                  <a:schemeClr val="accent1">
-                    <a:lumMod val="50000"/>
-                  </a:schemeClr>
-                </a:solidFill>
-              </a:rPr>
-              <a:t>tương </a:t>
+              <a:t>khảo mô hình tương </a:t>
             </a:r>
             <a:r>
               <a:rPr lang="vi-VN" sz="2000" smtClean="0">

--- a/luan_van.pptx
+++ b/luan_van.pptx
@@ -260,7 +260,7 @@
           <a:p>
             <a:fld id="{0FA6C7A6-6863-497B-87CD-F362B08DF450}" type="datetimeFigureOut">
               <a:rPr lang="en-US" smtClean="0"/>
-              <a:t>11/24/2022</a:t>
+              <a:t>11/25/2022</a:t>
             </a:fld>
             <a:endParaRPr lang="en-US"/>
           </a:p>
@@ -571,6 +571,102 @@
           <a:bodyPr/>
           <a:lstStyle/>
           <a:p>
+            <a:r>
+              <a:rPr lang="en-US" sz="1200" kern="1200" smtClean="0">
+                <a:solidFill>
+                  <a:schemeClr val="tx1"/>
+                </a:solidFill>
+                <a:effectLst/>
+                <a:latin typeface="+mn-lt"/>
+                <a:ea typeface="+mn-ea"/>
+                <a:cs typeface="+mn-cs"/>
+              </a:rPr>
+              <a:t>Em xin kính chào thầy cô</a:t>
+            </a:r>
+          </a:p>
+          <a:p>
+            <a:r>
+              <a:rPr lang="en-US" sz="1200" kern="1200" smtClean="0">
+                <a:solidFill>
+                  <a:schemeClr val="tx1"/>
+                </a:solidFill>
+                <a:effectLst/>
+                <a:latin typeface="+mn-lt"/>
+                <a:ea typeface="+mn-ea"/>
+                <a:cs typeface="+mn-cs"/>
+              </a:rPr>
+              <a:t>Em xin phép được giới thiệu về đề tài.</a:t>
+            </a:r>
+          </a:p>
+          <a:p>
+            <a:r>
+              <a:rPr lang="en-US" sz="1200" kern="1200" smtClean="0">
+                <a:solidFill>
+                  <a:schemeClr val="tx1"/>
+                </a:solidFill>
+                <a:effectLst/>
+                <a:latin typeface="+mn-lt"/>
+                <a:ea typeface="+mn-ea"/>
+                <a:cs typeface="+mn-cs"/>
+              </a:rPr>
+              <a:t>Tên của đề tài là Xây dựng hệ thống quản lý văn bằng chứng chỉ sử dụng công nghệ blockchain.</a:t>
+            </a:r>
+          </a:p>
+          <a:p>
+            <a:r>
+              <a:rPr lang="en-US" sz="1200" kern="1200" smtClean="0">
+                <a:solidFill>
+                  <a:schemeClr val="tx1"/>
+                </a:solidFill>
+                <a:effectLst/>
+                <a:latin typeface="+mn-lt"/>
+                <a:ea typeface="+mn-ea"/>
+                <a:cs typeface="+mn-cs"/>
+              </a:rPr>
+              <a:t>Thưa thầy cô</a:t>
+            </a:r>
+          </a:p>
+          <a:p>
+            <a:r>
+              <a:rPr lang="en-US" sz="1200" kern="1200" smtClean="0">
+                <a:solidFill>
+                  <a:schemeClr val="tx1"/>
+                </a:solidFill>
+                <a:effectLst/>
+                <a:latin typeface="+mn-lt"/>
+                <a:ea typeface="+mn-ea"/>
+                <a:cs typeface="+mn-cs"/>
+              </a:rPr>
+              <a:t>Dịp báo cáo để giúp cho em nhận được ý kiến, thắc mắc của thầy cô,</a:t>
+            </a:r>
+          </a:p>
+          <a:p>
+            <a:r>
+              <a:rPr lang="en-US" sz="1200" kern="1200" smtClean="0">
+                <a:solidFill>
+                  <a:schemeClr val="tx1"/>
+                </a:solidFill>
+                <a:effectLst/>
+                <a:latin typeface="+mn-lt"/>
+                <a:ea typeface="+mn-ea"/>
+                <a:cs typeface="+mn-cs"/>
+              </a:rPr>
+              <a:t>Do giới hạn kiến thức và hạn chế của em, những ý kiến, thắc mắc em chưa trả lời được, thì em xin ghi nhận lại tất cả những ý kiến, thắc mắc đó để nghiên cứu thêm.</a:t>
+            </a:r>
+          </a:p>
+          <a:p>
+            <a:r>
+              <a:rPr lang="en-US" sz="1200" kern="1200" smtClean="0">
+                <a:solidFill>
+                  <a:schemeClr val="tx1"/>
+                </a:solidFill>
+                <a:effectLst/>
+                <a:latin typeface="+mn-lt"/>
+                <a:ea typeface="+mn-ea"/>
+                <a:cs typeface="+mn-cs"/>
+              </a:rPr>
+              <a:t>Em xin cảm ơn thầy cô.</a:t>
+            </a:r>
             <a:endParaRPr lang="en-US"/>
           </a:p>
         </p:txBody>
@@ -655,6 +751,76 @@
           <a:bodyPr/>
           <a:lstStyle/>
           <a:p>
+            <a:r>
+              <a:rPr lang="en-US" sz="1200" kern="1200" smtClean="0">
+                <a:solidFill>
+                  <a:schemeClr val="tx1"/>
+                </a:solidFill>
+                <a:effectLst/>
+                <a:latin typeface="+mn-lt"/>
+                <a:ea typeface="+mn-ea"/>
+                <a:cs typeface="+mn-cs"/>
+              </a:rPr>
+              <a:t>Mô hình chi tiết</a:t>
+            </a:r>
+          </a:p>
+          <a:p>
+            <a:r>
+              <a:rPr lang="en-US" sz="1200" kern="1200" smtClean="0">
+                <a:solidFill>
+                  <a:schemeClr val="tx1"/>
+                </a:solidFill>
+                <a:effectLst/>
+                <a:latin typeface="+mn-lt"/>
+                <a:ea typeface="+mn-ea"/>
+                <a:cs typeface="+mn-cs"/>
+              </a:rPr>
+              <a:t>Mô hình gồm có 3 phần chính:</a:t>
+            </a:r>
+          </a:p>
+          <a:p>
+            <a:r>
+              <a:rPr lang="en-US" sz="1200" kern="1200" smtClean="0">
+                <a:solidFill>
+                  <a:schemeClr val="tx1"/>
+                </a:solidFill>
+                <a:effectLst/>
+                <a:latin typeface="+mn-lt"/>
+                <a:ea typeface="+mn-ea"/>
+                <a:cs typeface="+mn-cs"/>
+              </a:rPr>
+              <a:t>Phần Ứng dụng web: Nodejs, Expressjs, Bootstrap để giao tiếp giữa người dùng và CSDL, Blockchain.</a:t>
+            </a:r>
+          </a:p>
+          <a:p>
+            <a:r>
+              <a:rPr lang="en-US" sz="1200" kern="1200" smtClean="0">
+                <a:solidFill>
+                  <a:schemeClr val="tx1"/>
+                </a:solidFill>
+                <a:effectLst/>
+                <a:latin typeface="+mn-lt"/>
+                <a:ea typeface="+mn-ea"/>
+                <a:cs typeface="+mn-cs"/>
+              </a:rPr>
+              <a:t>Phần CSDL: MongoDB lưu thông tin người dùng hệ thống, dữ liệu VBCC.</a:t>
+            </a:r>
+          </a:p>
+          <a:p>
+            <a:r>
+              <a:rPr lang="en-US" sz="1200" kern="1200" smtClean="0">
+                <a:solidFill>
+                  <a:schemeClr val="tx1"/>
+                </a:solidFill>
+                <a:effectLst/>
+                <a:latin typeface="+mn-lt"/>
+                <a:ea typeface="+mn-ea"/>
+                <a:cs typeface="+mn-cs"/>
+              </a:rPr>
+              <a:t>Phần Blockchain: sử dụng nền tảng Hyperledger Fabric chạy trên các docker container.</a:t>
+            </a:r>
+          </a:p>
+          <a:p>
             <a:endParaRPr lang="en-US"/>
           </a:p>
         </p:txBody>
@@ -676,7 +842,7 @@
           <a:p>
             <a:fld id="{6FB5670C-BF9F-4EF4-94A5-8CC70CC45FC8}" type="slidenum">
               <a:rPr lang="en-US" smtClean="0"/>
-              <a:t>11</a:t>
+              <a:t>10</a:t>
             </a:fld>
             <a:endParaRPr lang="en-US"/>
           </a:p>
@@ -685,7 +851,7 @@
     </p:spTree>
     <p:extLst>
       <p:ext uri="{BB962C8B-B14F-4D97-AF65-F5344CB8AC3E}">
-        <p14:creationId xmlns:p14="http://schemas.microsoft.com/office/powerpoint/2010/main" val="3655018376"/>
+        <p14:creationId xmlns:p14="http://schemas.microsoft.com/office/powerpoint/2010/main" val="3389515627"/>
       </p:ext>
     </p:extLst>
   </p:cSld>
@@ -760,7 +926,7 @@
           <a:p>
             <a:fld id="{6FB5670C-BF9F-4EF4-94A5-8CC70CC45FC8}" type="slidenum">
               <a:rPr lang="en-US" smtClean="0"/>
-              <a:t>12</a:t>
+              <a:t>11</a:t>
             </a:fld>
             <a:endParaRPr lang="en-US"/>
           </a:p>
@@ -769,7 +935,7 @@
     </p:spTree>
     <p:extLst>
       <p:ext uri="{BB962C8B-B14F-4D97-AF65-F5344CB8AC3E}">
-        <p14:creationId xmlns:p14="http://schemas.microsoft.com/office/powerpoint/2010/main" val="3143575053"/>
+        <p14:creationId xmlns:p14="http://schemas.microsoft.com/office/powerpoint/2010/main" val="3655018376"/>
       </p:ext>
     </p:extLst>
   </p:cSld>
@@ -844,7 +1010,7 @@
           <a:p>
             <a:fld id="{6FB5670C-BF9F-4EF4-94A5-8CC70CC45FC8}" type="slidenum">
               <a:rPr lang="en-US" smtClean="0"/>
-              <a:t>13</a:t>
+              <a:t>12</a:t>
             </a:fld>
             <a:endParaRPr lang="en-US"/>
           </a:p>
@@ -853,7 +1019,7 @@
     </p:spTree>
     <p:extLst>
       <p:ext uri="{BB962C8B-B14F-4D97-AF65-F5344CB8AC3E}">
-        <p14:creationId xmlns:p14="http://schemas.microsoft.com/office/powerpoint/2010/main" val="1378319880"/>
+        <p14:creationId xmlns:p14="http://schemas.microsoft.com/office/powerpoint/2010/main" val="3143575053"/>
       </p:ext>
     </p:extLst>
   </p:cSld>
@@ -928,7 +1094,7 @@
           <a:p>
             <a:fld id="{6FB5670C-BF9F-4EF4-94A5-8CC70CC45FC8}" type="slidenum">
               <a:rPr lang="en-US" smtClean="0"/>
-              <a:t>14</a:t>
+              <a:t>13</a:t>
             </a:fld>
             <a:endParaRPr lang="en-US"/>
           </a:p>
@@ -937,7 +1103,7 @@
     </p:spTree>
     <p:extLst>
       <p:ext uri="{BB962C8B-B14F-4D97-AF65-F5344CB8AC3E}">
-        <p14:creationId xmlns:p14="http://schemas.microsoft.com/office/powerpoint/2010/main" val="332327994"/>
+        <p14:creationId xmlns:p14="http://schemas.microsoft.com/office/powerpoint/2010/main" val="1378319880"/>
       </p:ext>
     </p:extLst>
   </p:cSld>
@@ -1012,7 +1178,7 @@
           <a:p>
             <a:fld id="{6FB5670C-BF9F-4EF4-94A5-8CC70CC45FC8}" type="slidenum">
               <a:rPr lang="en-US" smtClean="0"/>
-              <a:t>15</a:t>
+              <a:t>14</a:t>
             </a:fld>
             <a:endParaRPr lang="en-US"/>
           </a:p>
@@ -1021,7 +1187,7 @@
     </p:spTree>
     <p:extLst>
       <p:ext uri="{BB962C8B-B14F-4D97-AF65-F5344CB8AC3E}">
-        <p14:creationId xmlns:p14="http://schemas.microsoft.com/office/powerpoint/2010/main" val="734123033"/>
+        <p14:creationId xmlns:p14="http://schemas.microsoft.com/office/powerpoint/2010/main" val="332327994"/>
       </p:ext>
     </p:extLst>
   </p:cSld>
@@ -1096,7 +1262,7 @@
           <a:p>
             <a:fld id="{6FB5670C-BF9F-4EF4-94A5-8CC70CC45FC8}" type="slidenum">
               <a:rPr lang="en-US" smtClean="0"/>
-              <a:t>16</a:t>
+              <a:t>15</a:t>
             </a:fld>
             <a:endParaRPr lang="en-US"/>
           </a:p>
@@ -1105,7 +1271,7 @@
     </p:spTree>
     <p:extLst>
       <p:ext uri="{BB962C8B-B14F-4D97-AF65-F5344CB8AC3E}">
-        <p14:creationId xmlns:p14="http://schemas.microsoft.com/office/powerpoint/2010/main" val="3537381700"/>
+        <p14:creationId xmlns:p14="http://schemas.microsoft.com/office/powerpoint/2010/main" val="734123033"/>
       </p:ext>
     </p:extLst>
   </p:cSld>
@@ -1180,7 +1346,7 @@
           <a:p>
             <a:fld id="{6FB5670C-BF9F-4EF4-94A5-8CC70CC45FC8}" type="slidenum">
               <a:rPr lang="en-US" smtClean="0"/>
-              <a:t>17</a:t>
+              <a:t>16</a:t>
             </a:fld>
             <a:endParaRPr lang="en-US"/>
           </a:p>
@@ -1189,7 +1355,7 @@
     </p:spTree>
     <p:extLst>
       <p:ext uri="{BB962C8B-B14F-4D97-AF65-F5344CB8AC3E}">
-        <p14:creationId xmlns:p14="http://schemas.microsoft.com/office/powerpoint/2010/main" val="4025123039"/>
+        <p14:creationId xmlns:p14="http://schemas.microsoft.com/office/powerpoint/2010/main" val="3537381700"/>
       </p:ext>
     </p:extLst>
   </p:cSld>
@@ -1243,6 +1409,14 @@
           <a:bodyPr/>
           <a:lstStyle/>
           <a:p>
+            <a:r>
+              <a:rPr lang="en-US" smtClean="0"/>
+              <a:t>Hệ</a:t>
+            </a:r>
+            <a:r>
+              <a:rPr lang="en-US" baseline="0" smtClean="0"/>
+              <a:t> thống được xây dựng trên máy ảo bằng minifabric, theo các bước chính</a:t>
+            </a:r>
             <a:endParaRPr lang="en-US"/>
           </a:p>
         </p:txBody>
@@ -1264,7 +1438,7 @@
           <a:p>
             <a:fld id="{6FB5670C-BF9F-4EF4-94A5-8CC70CC45FC8}" type="slidenum">
               <a:rPr lang="en-US" smtClean="0"/>
-              <a:t>18</a:t>
+              <a:t>17</a:t>
             </a:fld>
             <a:endParaRPr lang="en-US"/>
           </a:p>
@@ -1273,7 +1447,7 @@
     </p:spTree>
     <p:extLst>
       <p:ext uri="{BB962C8B-B14F-4D97-AF65-F5344CB8AC3E}">
-        <p14:creationId xmlns:p14="http://schemas.microsoft.com/office/powerpoint/2010/main" val="338427885"/>
+        <p14:creationId xmlns:p14="http://schemas.microsoft.com/office/powerpoint/2010/main" val="4025123039"/>
       </p:ext>
     </p:extLst>
   </p:cSld>
@@ -1348,7 +1522,7 @@
           <a:p>
             <a:fld id="{6FB5670C-BF9F-4EF4-94A5-8CC70CC45FC8}" type="slidenum">
               <a:rPr lang="en-US" smtClean="0"/>
-              <a:t>19</a:t>
+              <a:t>18</a:t>
             </a:fld>
             <a:endParaRPr lang="en-US"/>
           </a:p>
@@ -1357,7 +1531,7 @@
     </p:spTree>
     <p:extLst>
       <p:ext uri="{BB962C8B-B14F-4D97-AF65-F5344CB8AC3E}">
-        <p14:creationId xmlns:p14="http://schemas.microsoft.com/office/powerpoint/2010/main" val="385804527"/>
+        <p14:creationId xmlns:p14="http://schemas.microsoft.com/office/powerpoint/2010/main" val="338427885"/>
       </p:ext>
     </p:extLst>
   </p:cSld>
@@ -1432,7 +1606,7 @@
           <a:p>
             <a:fld id="{6FB5670C-BF9F-4EF4-94A5-8CC70CC45FC8}" type="slidenum">
               <a:rPr lang="en-US" smtClean="0"/>
-              <a:t>20</a:t>
+              <a:t>19</a:t>
             </a:fld>
             <a:endParaRPr lang="en-US"/>
           </a:p>
@@ -1441,7 +1615,7 @@
     </p:spTree>
     <p:extLst>
       <p:ext uri="{BB962C8B-B14F-4D97-AF65-F5344CB8AC3E}">
-        <p14:creationId xmlns:p14="http://schemas.microsoft.com/office/powerpoint/2010/main" val="2928188953"/>
+        <p14:creationId xmlns:p14="http://schemas.microsoft.com/office/powerpoint/2010/main" val="385804527"/>
       </p:ext>
     </p:extLst>
   </p:cSld>
@@ -1495,6 +1669,104 @@
           <a:bodyPr/>
           <a:lstStyle/>
           <a:p>
+            <a:r>
+              <a:rPr lang="en-US" sz="1200" kern="1200" smtClean="0">
+                <a:solidFill>
+                  <a:schemeClr val="tx1"/>
+                </a:solidFill>
+                <a:effectLst/>
+                <a:latin typeface="+mn-lt"/>
+                <a:ea typeface="+mn-ea"/>
+                <a:cs typeface="+mn-cs"/>
+              </a:rPr>
+              <a:t>Nội dung báo cáo gồm có 6 nội dung:</a:t>
+            </a:r>
+          </a:p>
+          <a:p>
+            <a:r>
+              <a:rPr lang="en-US" sz="1200" kern="1200" smtClean="0">
+                <a:solidFill>
+                  <a:schemeClr val="tx1"/>
+                </a:solidFill>
+                <a:effectLst/>
+                <a:latin typeface="+mn-lt"/>
+                <a:ea typeface="+mn-ea"/>
+                <a:cs typeface="+mn-cs"/>
+              </a:rPr>
+              <a:t>Nội dung thứ nhất:</a:t>
+            </a:r>
+          </a:p>
+          <a:p>
+            <a:r>
+              <a:rPr lang="en-US" sz="1200" kern="1200" smtClean="0">
+                <a:solidFill>
+                  <a:schemeClr val="tx1"/>
+                </a:solidFill>
+                <a:effectLst/>
+                <a:latin typeface="+mn-lt"/>
+                <a:ea typeface="+mn-ea"/>
+                <a:cs typeface="+mn-cs"/>
+              </a:rPr>
+              <a:t>Nội dung thứ hai</a:t>
+            </a:r>
+          </a:p>
+          <a:p>
+            <a:r>
+              <a:rPr lang="en-US" sz="1200" kern="1200" smtClean="0">
+                <a:solidFill>
+                  <a:schemeClr val="tx1"/>
+                </a:solidFill>
+                <a:effectLst/>
+                <a:latin typeface="+mn-lt"/>
+                <a:ea typeface="+mn-ea"/>
+                <a:cs typeface="+mn-cs"/>
+              </a:rPr>
+              <a:t>Nội dung thứ bai</a:t>
+            </a:r>
+          </a:p>
+          <a:p>
+            <a:r>
+              <a:rPr lang="en-US" sz="1200" kern="1200" smtClean="0">
+                <a:solidFill>
+                  <a:schemeClr val="tx1"/>
+                </a:solidFill>
+                <a:effectLst/>
+                <a:latin typeface="+mn-lt"/>
+                <a:ea typeface="+mn-ea"/>
+                <a:cs typeface="+mn-cs"/>
+              </a:rPr>
+              <a:t>Nội dung thứ tư</a:t>
+            </a:r>
+          </a:p>
+          <a:p>
+            <a:r>
+              <a:rPr lang="en-US" sz="1200" kern="1200" smtClean="0">
+                <a:solidFill>
+                  <a:schemeClr val="tx1"/>
+                </a:solidFill>
+                <a:effectLst/>
+                <a:latin typeface="+mn-lt"/>
+                <a:ea typeface="+mn-ea"/>
+                <a:cs typeface="+mn-cs"/>
+              </a:rPr>
+              <a:t>…</a:t>
+            </a:r>
+          </a:p>
+          <a:p>
+            <a:r>
+              <a:rPr lang="en-US" sz="1200" kern="1200" smtClean="0">
+                <a:solidFill>
+                  <a:schemeClr val="tx1"/>
+                </a:solidFill>
+                <a:effectLst/>
+                <a:latin typeface="+mn-lt"/>
+                <a:ea typeface="+mn-ea"/>
+                <a:cs typeface="+mn-cs"/>
+              </a:rPr>
+              <a:t>Nội dung cuối cùng là Demo ứng dụng</a:t>
+            </a:r>
+          </a:p>
+          <a:p>
             <a:endParaRPr lang="en-US"/>
           </a:p>
         </p:txBody>
@@ -1506,7 +1778,7 @@
             <a:spLocks noGrp="1"/>
           </p:cNvSpPr>
           <p:nvPr>
-            <p:ph type="sldNum" sz="quarter" idx="5"/>
+            <p:ph type="sldNum" sz="quarter" idx="10"/>
           </p:nvPr>
         </p:nvSpPr>
         <p:spPr/>
@@ -1516,7 +1788,7 @@
           <a:p>
             <a:fld id="{BE54CF48-6C8B-4082-8EED-B8A86AE41344}" type="slidenum">
               <a:rPr lang="en-US" smtClean="0"/>
-              <a:t>3</a:t>
+              <a:t>2</a:t>
             </a:fld>
             <a:endParaRPr lang="en-US"/>
           </a:p>
@@ -1525,7 +1797,7 @@
     </p:spTree>
     <p:extLst>
       <p:ext uri="{BB962C8B-B14F-4D97-AF65-F5344CB8AC3E}">
-        <p14:creationId xmlns:p14="http://schemas.microsoft.com/office/powerpoint/2010/main" val="3797128609"/>
+        <p14:creationId xmlns:p14="http://schemas.microsoft.com/office/powerpoint/2010/main" val="3093004598"/>
       </p:ext>
     </p:extLst>
   </p:cSld>
@@ -1600,6 +1872,90 @@
           <a:p>
             <a:fld id="{6FB5670C-BF9F-4EF4-94A5-8CC70CC45FC8}" type="slidenum">
               <a:rPr lang="en-US" smtClean="0"/>
+              <a:t>20</a:t>
+            </a:fld>
+            <a:endParaRPr lang="en-US"/>
+          </a:p>
+        </p:txBody>
+      </p:sp>
+    </p:spTree>
+    <p:extLst>
+      <p:ext uri="{BB962C8B-B14F-4D97-AF65-F5344CB8AC3E}">
+        <p14:creationId xmlns:p14="http://schemas.microsoft.com/office/powerpoint/2010/main" val="2928188953"/>
+      </p:ext>
+    </p:extLst>
+  </p:cSld>
+  <p:clrMapOvr>
+    <a:masterClrMapping/>
+  </p:clrMapOvr>
+</p:notes>
+</file>
+
+<file path=ppt/notesSlides/notesSlide21.xml><?xml version="1.0" encoding="utf-8"?>
+<p:notes xmlns:a="http://schemas.openxmlformats.org/drawingml/2006/main" xmlns:r="http://schemas.openxmlformats.org/officeDocument/2006/relationships" xmlns:p="http://schemas.openxmlformats.org/presentationml/2006/main">
+  <p:cSld>
+    <p:spTree>
+      <p:nvGrpSpPr>
+        <p:cNvPr id="1" name=""/>
+        <p:cNvGrpSpPr/>
+        <p:nvPr/>
+      </p:nvGrpSpPr>
+      <p:grpSpPr>
+        <a:xfrm>
+          <a:off x="0" y="0"/>
+          <a:ext cx="0" cy="0"/>
+          <a:chOff x="0" y="0"/>
+          <a:chExt cx="0" cy="0"/>
+        </a:xfrm>
+      </p:grpSpPr>
+      <p:sp>
+        <p:nvSpPr>
+          <p:cNvPr id="2" name="Slide Image Placeholder 1"/>
+          <p:cNvSpPr>
+            <a:spLocks noGrp="1" noRot="1" noChangeAspect="1"/>
+          </p:cNvSpPr>
+          <p:nvPr>
+            <p:ph type="sldImg"/>
+          </p:nvPr>
+        </p:nvSpPr>
+        <p:spPr/>
+      </p:sp>
+      <p:sp>
+        <p:nvSpPr>
+          <p:cNvPr id="3" name="Notes Placeholder 2"/>
+          <p:cNvSpPr>
+            <a:spLocks noGrp="1"/>
+          </p:cNvSpPr>
+          <p:nvPr>
+            <p:ph type="body" idx="1"/>
+          </p:nvPr>
+        </p:nvSpPr>
+        <p:spPr/>
+        <p:txBody>
+          <a:bodyPr/>
+          <a:lstStyle/>
+          <a:p>
+            <a:endParaRPr lang="en-US"/>
+          </a:p>
+        </p:txBody>
+      </p:sp>
+      <p:sp>
+        <p:nvSpPr>
+          <p:cNvPr id="4" name="Slide Number Placeholder 3"/>
+          <p:cNvSpPr>
+            <a:spLocks noGrp="1"/>
+          </p:cNvSpPr>
+          <p:nvPr>
+            <p:ph type="sldNum" sz="quarter" idx="5"/>
+          </p:nvPr>
+        </p:nvSpPr>
+        <p:spPr/>
+        <p:txBody>
+          <a:bodyPr/>
+          <a:lstStyle/>
+          <a:p>
+            <a:fld id="{6FB5670C-BF9F-4EF4-94A5-8CC70CC45FC8}" type="slidenum">
+              <a:rPr lang="en-US" smtClean="0"/>
               <a:t>21</a:t>
             </a:fld>
             <a:endParaRPr lang="en-US"/>
@@ -1619,7 +1975,7 @@
 </p:notes>
 </file>
 
-<file path=ppt/notesSlides/notesSlide21.xml><?xml version="1.0" encoding="utf-8"?>
+<file path=ppt/notesSlides/notesSlide22.xml><?xml version="1.0" encoding="utf-8"?>
 <p:notes xmlns:a="http://schemas.openxmlformats.org/drawingml/2006/main" xmlns:r="http://schemas.openxmlformats.org/officeDocument/2006/relationships" xmlns:p="http://schemas.openxmlformats.org/presentationml/2006/main">
   <p:cSld>
     <p:spTree>
@@ -1747,7 +2103,74 @@
           <a:bodyPr/>
           <a:lstStyle/>
           <a:p>
-            <a:endParaRPr lang="en-US"/>
+            <a:r>
+              <a:rPr lang="en-US" sz="1200" kern="1200" smtClean="0">
+                <a:solidFill>
+                  <a:schemeClr val="tx1"/>
+                </a:solidFill>
+                <a:effectLst/>
+                <a:latin typeface="+mn-lt"/>
+                <a:ea typeface="+mn-ea"/>
+                <a:cs typeface="+mn-cs"/>
+              </a:rPr>
+              <a:t>Nội dung thứ nhất: Giới thiệu đề tài</a:t>
+            </a:r>
+          </a:p>
+          <a:p>
+            <a:r>
+              <a:rPr lang="en-US" sz="1200" kern="1200" smtClean="0">
+                <a:solidFill>
+                  <a:schemeClr val="tx1"/>
+                </a:solidFill>
+                <a:effectLst/>
+                <a:latin typeface="+mn-lt"/>
+                <a:ea typeface="+mn-ea"/>
+                <a:cs typeface="+mn-cs"/>
+              </a:rPr>
+              <a:t>Hệ thống quản lý văn bằng chứng chỉ (VBCC) nhằm giúp cho công việc quản lý các thông tin VBCC được thuận lợi và sẵn sàng cho người sử dụng.</a:t>
+            </a:r>
+          </a:p>
+          <a:p>
+            <a:r>
+              <a:rPr lang="en-US" sz="1200" kern="1200" smtClean="0">
+                <a:solidFill>
+                  <a:schemeClr val="tx1"/>
+                </a:solidFill>
+                <a:effectLst/>
+                <a:latin typeface="+mn-lt"/>
+                <a:ea typeface="+mn-ea"/>
+                <a:cs typeface="+mn-cs"/>
+              </a:rPr>
+              <a:t>Bởi vì, VBCC có tầm quan trọng trong thực tế cuộc sống, thể hiện trong một số trường hợp sau đây:</a:t>
+            </a:r>
+          </a:p>
+          <a:p>
+            <a:r>
+              <a:rPr lang="en-US" sz="1200" kern="1200" smtClean="0">
+                <a:solidFill>
+                  <a:schemeClr val="tx1"/>
+                </a:solidFill>
+                <a:effectLst/>
+                <a:latin typeface="+mn-lt"/>
+                <a:ea typeface="+mn-ea"/>
+                <a:cs typeface="+mn-cs"/>
+              </a:rPr>
+              <a:t>Mỗi đợt tuyển sinh, có qui định điều kiện văn bằng, chứng chỉ của thí sinh nộp kèm theo hồ sơ.</a:t>
+            </a:r>
+          </a:p>
+          <a:p>
+            <a:r>
+              <a:rPr lang="en-US" sz="1200" kern="1200" smtClean="0">
+                <a:solidFill>
+                  <a:schemeClr val="tx1"/>
+                </a:solidFill>
+                <a:effectLst/>
+                <a:latin typeface="+mn-lt"/>
+                <a:ea typeface="+mn-ea"/>
+                <a:cs typeface="+mn-cs"/>
+              </a:rPr>
+              <a:t>Ngoài ra, do VBCC do nhà nước quy định và có giá trị pháp lý lâu dài.</a:t>
+            </a:r>
           </a:p>
         </p:txBody>
       </p:sp>
@@ -1758,7 +2181,7 @@
             <a:spLocks noGrp="1"/>
           </p:cNvSpPr>
           <p:nvPr>
-            <p:ph type="sldNum" sz="quarter" idx="10"/>
+            <p:ph type="sldNum" sz="quarter" idx="5"/>
           </p:nvPr>
         </p:nvSpPr>
         <p:spPr/>
@@ -1768,7 +2191,7 @@
           <a:p>
             <a:fld id="{BE54CF48-6C8B-4082-8EED-B8A86AE41344}" type="slidenum">
               <a:rPr lang="en-US" smtClean="0"/>
-              <a:t>4</a:t>
+              <a:t>3</a:t>
             </a:fld>
             <a:endParaRPr lang="en-US"/>
           </a:p>
@@ -1777,7 +2200,7 @@
     </p:spTree>
     <p:extLst>
       <p:ext uri="{BB962C8B-B14F-4D97-AF65-F5344CB8AC3E}">
-        <p14:creationId xmlns:p14="http://schemas.microsoft.com/office/powerpoint/2010/main" val="2924144338"/>
+        <p14:creationId xmlns:p14="http://schemas.microsoft.com/office/powerpoint/2010/main" val="3797128609"/>
       </p:ext>
     </p:extLst>
   </p:cSld>
@@ -1831,7 +2254,32 @@
           <a:bodyPr/>
           <a:lstStyle/>
           <a:p>
-            <a:endParaRPr lang="en-US"/>
+            <a:r>
+              <a:rPr lang="en-US" sz="1200" kern="1200" smtClean="0">
+                <a:solidFill>
+                  <a:schemeClr val="tx1"/>
+                </a:solidFill>
+                <a:effectLst/>
+                <a:latin typeface="+mn-lt"/>
+                <a:ea typeface="+mn-ea"/>
+                <a:cs typeface="+mn-cs"/>
+              </a:rPr>
+              <a:t>Công nghệ blockchain là một xu hướng công nghệ được nghiên cứu và ứng dụng trong nhiều ngành nghề, lĩnh vực: y tế, giáo dục, vận tải, tài chính,…</a:t>
+            </a:r>
+          </a:p>
+          <a:p>
+            <a:r>
+              <a:rPr lang="en-US" sz="1200" kern="1200" smtClean="0">
+                <a:solidFill>
+                  <a:schemeClr val="tx1"/>
+                </a:solidFill>
+                <a:effectLst/>
+                <a:latin typeface="+mn-lt"/>
+                <a:ea typeface="+mn-ea"/>
+                <a:cs typeface="+mn-cs"/>
+              </a:rPr>
+              <a:t>	Trong lĩnh vực giáo dục, nhiều nước trên thế giới và Việt Nam, công nghệ blockchain được ứng dụng làm cơ sở dữ liệu bảo mật trong việc lưu trữ thông tin bằng cấp của sinh viên và thông tin quá trình đào tạo nhằm đảm bảo tính an toàn, tin cậy và bền vững theo thời gian.</a:t>
+            </a:r>
           </a:p>
         </p:txBody>
       </p:sp>
@@ -1842,7 +2290,7 @@
             <a:spLocks noGrp="1"/>
           </p:cNvSpPr>
           <p:nvPr>
-            <p:ph type="sldNum" sz="quarter" idx="5"/>
+            <p:ph type="sldNum" sz="quarter" idx="10"/>
           </p:nvPr>
         </p:nvSpPr>
         <p:spPr/>
@@ -1852,7 +2300,7 @@
           <a:p>
             <a:fld id="{BE54CF48-6C8B-4082-8EED-B8A86AE41344}" type="slidenum">
               <a:rPr lang="en-US" smtClean="0"/>
-              <a:t>5</a:t>
+              <a:t>4</a:t>
             </a:fld>
             <a:endParaRPr lang="en-US"/>
           </a:p>
@@ -1861,7 +2309,7 @@
     </p:spTree>
     <p:extLst>
       <p:ext uri="{BB962C8B-B14F-4D97-AF65-F5344CB8AC3E}">
-        <p14:creationId xmlns:p14="http://schemas.microsoft.com/office/powerpoint/2010/main" val="2020941275"/>
+        <p14:creationId xmlns:p14="http://schemas.microsoft.com/office/powerpoint/2010/main" val="2924144338"/>
       </p:ext>
     </p:extLst>
   </p:cSld>
@@ -1915,6 +2363,34 @@
           <a:bodyPr/>
           <a:lstStyle/>
           <a:p>
+            <a:r>
+              <a:rPr lang="en-US" sz="1200" kern="1200" smtClean="0">
+                <a:solidFill>
+                  <a:schemeClr val="tx1"/>
+                </a:solidFill>
+                <a:effectLst/>
+                <a:latin typeface="+mn-lt"/>
+                <a:ea typeface="+mn-ea"/>
+                <a:cs typeface="+mn-cs"/>
+              </a:rPr>
+              <a:t>Đề tài xây dựng hệ thống quản lý VBCC sử dụng công nghệ blockchain, gồm có 2 phần</a:t>
+            </a:r>
+          </a:p>
+          <a:p>
+            <a:r>
+              <a:rPr lang="en-US" sz="1200" kern="1200" smtClean="0">
+                <a:solidFill>
+                  <a:schemeClr val="tx1"/>
+                </a:solidFill>
+                <a:effectLst/>
+                <a:latin typeface="+mn-lt"/>
+                <a:ea typeface="+mn-ea"/>
+                <a:cs typeface="+mn-cs"/>
+              </a:rPr>
+              <a:t>	1. Xây dựng ứng dụng web tương tác với người dùn và mạng blockchain: tiện ích IBM blockchain để làm môi trường thử nghiệm.	2. Triển khai mạng blockchain riêng tư (Hyperledger Fabric) để lưu trữ thông tin VBCC, nhằm số hóa quy trình cấp và xác minh thông tin VBCC.</a:t>
+            </a:r>
+          </a:p>
+          <a:p>
             <a:endParaRPr lang="en-US"/>
           </a:p>
         </p:txBody>
@@ -1934,9 +2410,9 @@
           <a:bodyPr/>
           <a:lstStyle/>
           <a:p>
-            <a:fld id="{6FB5670C-BF9F-4EF4-94A5-8CC70CC45FC8}" type="slidenum">
+            <a:fld id="{BE54CF48-6C8B-4082-8EED-B8A86AE41344}" type="slidenum">
               <a:rPr lang="en-US" smtClean="0"/>
-              <a:t>6</a:t>
+              <a:t>5</a:t>
             </a:fld>
             <a:endParaRPr lang="en-US"/>
           </a:p>
@@ -1945,7 +2421,7 @@
     </p:spTree>
     <p:extLst>
       <p:ext uri="{BB962C8B-B14F-4D97-AF65-F5344CB8AC3E}">
-        <p14:creationId xmlns:p14="http://schemas.microsoft.com/office/powerpoint/2010/main" val="2066045477"/>
+        <p14:creationId xmlns:p14="http://schemas.microsoft.com/office/powerpoint/2010/main" val="2020941275"/>
       </p:ext>
     </p:extLst>
   </p:cSld>
@@ -1999,6 +2475,90 @@
           <a:bodyPr/>
           <a:lstStyle/>
           <a:p>
+            <a:r>
+              <a:rPr lang="en-US" sz="1200" kern="1200" smtClean="0">
+                <a:solidFill>
+                  <a:schemeClr val="tx1"/>
+                </a:solidFill>
+                <a:effectLst/>
+                <a:latin typeface="+mn-lt"/>
+                <a:ea typeface="+mn-ea"/>
+                <a:cs typeface="+mn-cs"/>
+              </a:rPr>
+              <a:t>Nội dung thứ 2 Cơ sở khoa học của đề tài</a:t>
+            </a:r>
+          </a:p>
+          <a:p>
+            <a:r>
+              <a:rPr lang="en-US" sz="1200" kern="1200" smtClean="0">
+                <a:solidFill>
+                  <a:schemeClr val="tx1"/>
+                </a:solidFill>
+                <a:effectLst/>
+                <a:latin typeface="+mn-lt"/>
+                <a:ea typeface="+mn-ea"/>
+                <a:cs typeface="+mn-cs"/>
+              </a:rPr>
+              <a:t>Cơ sở lý thuyết:</a:t>
+            </a:r>
+          </a:p>
+          <a:p>
+            <a:r>
+              <a:rPr lang="en-US" sz="1200" kern="1200" smtClean="0">
+                <a:solidFill>
+                  <a:schemeClr val="tx1"/>
+                </a:solidFill>
+                <a:effectLst/>
+                <a:latin typeface="+mn-lt"/>
+                <a:ea typeface="+mn-ea"/>
+                <a:cs typeface="+mn-cs"/>
+              </a:rPr>
+              <a:t>Hệ thống quản lý VBCC được thực hiện qua các bước sau: </a:t>
+            </a:r>
+          </a:p>
+          <a:p>
+            <a:r>
+              <a:rPr lang="en-US" sz="1200" kern="1200" smtClean="0">
+                <a:solidFill>
+                  <a:schemeClr val="tx1"/>
+                </a:solidFill>
+                <a:effectLst/>
+                <a:latin typeface="+mn-lt"/>
+                <a:ea typeface="+mn-ea"/>
+                <a:cs typeface="+mn-cs"/>
+              </a:rPr>
+              <a:t>1. Tìm hiểu hồ sơ, nghiệp vụ quản lý VBCC: cấp VBCC, cập nhật thông tin sổ gốc, xác minh thông tin VBCC. </a:t>
+            </a:r>
+          </a:p>
+          <a:p>
+            <a:r>
+              <a:rPr lang="en-US" sz="1200" kern="1200" smtClean="0">
+                <a:solidFill>
+                  <a:schemeClr val="tx1"/>
+                </a:solidFill>
+                <a:effectLst/>
+                <a:latin typeface="+mn-lt"/>
+                <a:ea typeface="+mn-ea"/>
+                <a:cs typeface="+mn-cs"/>
+              </a:rPr>
+              <a:t>2. Khảo sát một số công nghệ blockchain phổ biến: Bitcoin, Hyperledger Fabric và những đặc tính lưu trữ dữ liệu phi tập trung, minh bạch, an toàn thông tin nhờ vào ứng dụng của mật mã khóa công khai, hàm băm dữ liệu.</a:t>
+            </a:r>
+          </a:p>
+          <a:p>
+            <a:r>
+              <a:rPr lang="en-US" sz="1200" kern="1200" smtClean="0">
+                <a:solidFill>
+                  <a:schemeClr val="tx1"/>
+                </a:solidFill>
+                <a:effectLst/>
+                <a:latin typeface="+mn-lt"/>
+                <a:ea typeface="+mn-ea"/>
+                <a:cs typeface="+mn-cs"/>
+              </a:rPr>
+              <a:t>3. Blockchain được xây dựng trên lý thuyết mật mã học để tạo và kiểm soát các liên kết dữ liệu trong hệ thống. Trong đó, mạng Blockchain riêng tư có khả năng xác thực và định danh người dùng, nên được chọn để triển khai trong quản lý VBCC.</a:t>
+            </a:r>
+          </a:p>
+          <a:p>
             <a:endParaRPr lang="en-US"/>
           </a:p>
         </p:txBody>
@@ -2020,7 +2580,7 @@
           <a:p>
             <a:fld id="{6FB5670C-BF9F-4EF4-94A5-8CC70CC45FC8}" type="slidenum">
               <a:rPr lang="en-US" smtClean="0"/>
-              <a:t>7</a:t>
+              <a:t>6</a:t>
             </a:fld>
             <a:endParaRPr lang="en-US"/>
           </a:p>
@@ -2029,7 +2589,7 @@
     </p:spTree>
     <p:extLst>
       <p:ext uri="{BB962C8B-B14F-4D97-AF65-F5344CB8AC3E}">
-        <p14:creationId xmlns:p14="http://schemas.microsoft.com/office/powerpoint/2010/main" val="2455550949"/>
+        <p14:creationId xmlns:p14="http://schemas.microsoft.com/office/powerpoint/2010/main" val="2066045477"/>
       </p:ext>
     </p:extLst>
   </p:cSld>
@@ -2083,6 +2643,48 @@
           <a:bodyPr/>
           <a:lstStyle/>
           <a:p>
+            <a:r>
+              <a:rPr lang="en-US" sz="1200" kern="1200" smtClean="0">
+                <a:solidFill>
+                  <a:schemeClr val="tx1"/>
+                </a:solidFill>
+                <a:effectLst/>
+                <a:latin typeface="+mn-lt"/>
+                <a:ea typeface="+mn-ea"/>
+                <a:cs typeface="+mn-cs"/>
+              </a:rPr>
+              <a:t>Cơ sở thực tiễn</a:t>
+            </a:r>
+          </a:p>
+          <a:p>
+            <a:r>
+              <a:rPr lang="en-US" sz="1200" kern="1200" smtClean="0">
+                <a:solidFill>
+                  <a:schemeClr val="tx1"/>
+                </a:solidFill>
+                <a:effectLst/>
+                <a:latin typeface="+mn-lt"/>
+                <a:ea typeface="+mn-ea"/>
+                <a:cs typeface="+mn-cs"/>
+              </a:rPr>
+              <a:t>Nhiều nghiên cứu và ứng dụng công nghệ blockchain như hệ thống dữ liệu văn bằng thuộc Bộ giáo dục và Đào tạo, Cổng thông tin xác thực VBCC của các trường Đại học, …</a:t>
+            </a:r>
+          </a:p>
+          <a:p>
+            <a:r>
+              <a:rPr lang="en-US" sz="1200" kern="1200" smtClean="0">
+                <a:solidFill>
+                  <a:schemeClr val="tx1"/>
+                </a:solidFill>
+                <a:effectLst/>
+                <a:latin typeface="+mn-lt"/>
+                <a:ea typeface="+mn-ea"/>
+                <a:cs typeface="+mn-cs"/>
+              </a:rPr>
+              <a:t>Đề tài có ý nghĩa thực tiễn đó là tìm hiểu một số đặc tính an toàn bảo mật của công nghệ blockchain và ứng dụng công nghệ này để số hóa thông tin VBCC.</a:t>
+            </a:r>
+          </a:p>
+          <a:p>
             <a:endParaRPr lang="en-US"/>
           </a:p>
         </p:txBody>
@@ -2104,7 +2706,7 @@
           <a:p>
             <a:fld id="{6FB5670C-BF9F-4EF4-94A5-8CC70CC45FC8}" type="slidenum">
               <a:rPr lang="en-US" smtClean="0"/>
-              <a:t>8</a:t>
+              <a:t>7</a:t>
             </a:fld>
             <a:endParaRPr lang="en-US"/>
           </a:p>
@@ -2113,7 +2715,7 @@
     </p:spTree>
     <p:extLst>
       <p:ext uri="{BB962C8B-B14F-4D97-AF65-F5344CB8AC3E}">
-        <p14:creationId xmlns:p14="http://schemas.microsoft.com/office/powerpoint/2010/main" val="4152365692"/>
+        <p14:creationId xmlns:p14="http://schemas.microsoft.com/office/powerpoint/2010/main" val="2455550949"/>
       </p:ext>
     </p:extLst>
   </p:cSld>
@@ -2167,6 +2769,117 @@
           <a:bodyPr/>
           <a:lstStyle/>
           <a:p>
+            <a:r>
+              <a:rPr lang="en-US" sz="1200" kern="1200" smtClean="0">
+                <a:solidFill>
+                  <a:schemeClr val="tx1"/>
+                </a:solidFill>
+                <a:effectLst/>
+                <a:latin typeface="+mn-lt"/>
+                <a:ea typeface="+mn-ea"/>
+                <a:cs typeface="+mn-cs"/>
+              </a:rPr>
+              <a:t>Nội dung thứ 3: Phương pháp thực hiện</a:t>
+            </a:r>
+          </a:p>
+          <a:p>
+            <a:r>
+              <a:rPr lang="en-US" sz="1200" kern="1200" smtClean="0">
+                <a:solidFill>
+                  <a:schemeClr val="tx1"/>
+                </a:solidFill>
+                <a:effectLst/>
+                <a:latin typeface="+mn-lt"/>
+                <a:ea typeface="+mn-ea"/>
+                <a:cs typeface="+mn-cs"/>
+              </a:rPr>
+              <a:t>Đặt vấn đề</a:t>
+            </a:r>
+          </a:p>
+          <a:p>
+            <a:r>
+              <a:rPr lang="en-US" sz="1200" kern="1200" smtClean="0">
+                <a:solidFill>
+                  <a:schemeClr val="tx1"/>
+                </a:solidFill>
+                <a:effectLst/>
+                <a:latin typeface="+mn-lt"/>
+                <a:ea typeface="+mn-ea"/>
+                <a:cs typeface="+mn-cs"/>
+              </a:rPr>
+              <a:t>Việc quản lý VBCC hiện nay có nhiều hồ sơ và quy trình: bàn giao, in ấn, trình ký, đóng dấu, rà soát thông tin, lập sổ gốc cấp VBCC, xác minh VBCC.</a:t>
+            </a:r>
+          </a:p>
+          <a:p>
+            <a:r>
+              <a:rPr lang="en-US" sz="1200" kern="1200" smtClean="0">
+                <a:solidFill>
+                  <a:schemeClr val="tx1"/>
+                </a:solidFill>
+                <a:effectLst/>
+                <a:latin typeface="+mn-lt"/>
+                <a:ea typeface="+mn-ea"/>
+                <a:cs typeface="+mn-cs"/>
+              </a:rPr>
+              <a:t>Chẳng hạn như VBCC phát cho sinh viên dễ sai sót, do VBCC phải được in thông tin, ký tên, đóng dấu của Trường cấo. Thông tin VBCC gồm có: số hiệu, số vào sổ gốc, họ tên, ngày sinh, giới tính, nơi sinh, điểm, ngày cấp, nên dễ sai sót và ảnh hưởng đến chất lượng hiệu quả công việc.</a:t>
+            </a:r>
+          </a:p>
+          <a:p>
+            <a:pPr marL="0" marR="0" indent="0" algn="l" defTabSz="914400" rtl="0" eaLnBrk="1" fontAlgn="auto" latinLnBrk="0" hangingPunct="1">
+              <a:lnSpc>
+                <a:spcPct val="100000"/>
+              </a:lnSpc>
+              <a:spcBef>
+                <a:spcPts val="0"/>
+              </a:spcBef>
+              <a:spcAft>
+                <a:spcPts val="0"/>
+              </a:spcAft>
+              <a:buClrTx/>
+              <a:buSzTx/>
+              <a:buFontTx/>
+              <a:buNone/>
+              <a:tabLst/>
+              <a:defRPr/>
+            </a:pPr>
+            <a:r>
+              <a:rPr lang="en-US" sz="1200" kern="1200" smtClean="0">
+                <a:solidFill>
+                  <a:schemeClr val="tx1"/>
+                </a:solidFill>
+                <a:effectLst/>
+                <a:latin typeface="+mn-lt"/>
+                <a:ea typeface="+mn-ea"/>
+                <a:cs typeface="+mn-cs"/>
+              </a:rPr>
+              <a:t>Nhu cầu,</a:t>
+            </a:r>
+            <a:r>
+              <a:rPr lang="en-US" sz="1200" kern="1200" baseline="0" smtClean="0">
+                <a:solidFill>
+                  <a:schemeClr val="tx1"/>
+                </a:solidFill>
+                <a:effectLst/>
+                <a:latin typeface="+mn-lt"/>
+                <a:ea typeface="+mn-ea"/>
+                <a:cs typeface="+mn-cs"/>
+              </a:rPr>
+              <a:t> </a:t>
+            </a:r>
+            <a:r>
+              <a:rPr lang="en-US" sz="1200" kern="1200" smtClean="0">
+                <a:solidFill>
+                  <a:schemeClr val="tx1"/>
+                </a:solidFill>
+                <a:effectLst/>
+                <a:latin typeface="+mn-lt"/>
+                <a:ea typeface="+mn-ea"/>
+                <a:cs typeface="+mn-cs"/>
+              </a:rPr>
+              <a:t>cải tiến trong quản lý thông tin VBCC và số hóa các quy trình cấp VBCC.  </a:t>
+            </a:r>
+          </a:p>
+          <a:p>
             <a:endParaRPr lang="en-US"/>
           </a:p>
         </p:txBody>
@@ -2178,7 +2891,7 @@
             <a:spLocks noGrp="1"/>
           </p:cNvSpPr>
           <p:nvPr>
-            <p:ph type="sldNum" sz="quarter" idx="10"/>
+            <p:ph type="sldNum" sz="quarter" idx="5"/>
           </p:nvPr>
         </p:nvSpPr>
         <p:spPr/>
@@ -2186,9 +2899,9 @@
           <a:bodyPr/>
           <a:lstStyle/>
           <a:p>
-            <a:fld id="{BE54CF48-6C8B-4082-8EED-B8A86AE41344}" type="slidenum">
+            <a:fld id="{6FB5670C-BF9F-4EF4-94A5-8CC70CC45FC8}" type="slidenum">
               <a:rPr lang="en-US" smtClean="0"/>
-              <a:t>9</a:t>
+              <a:t>8</a:t>
             </a:fld>
             <a:endParaRPr lang="en-US"/>
           </a:p>
@@ -2197,7 +2910,7 @@
     </p:spTree>
     <p:extLst>
       <p:ext uri="{BB962C8B-B14F-4D97-AF65-F5344CB8AC3E}">
-        <p14:creationId xmlns:p14="http://schemas.microsoft.com/office/powerpoint/2010/main" val="2030561405"/>
+        <p14:creationId xmlns:p14="http://schemas.microsoft.com/office/powerpoint/2010/main" val="4152365692"/>
       </p:ext>
     </p:extLst>
   </p:cSld>
@@ -2251,6 +2964,121 @@
           <a:bodyPr/>
           <a:lstStyle/>
           <a:p>
+            <a:r>
+              <a:rPr lang="en-US" sz="1200" kern="1200" smtClean="0">
+                <a:solidFill>
+                  <a:schemeClr val="tx1"/>
+                </a:solidFill>
+                <a:effectLst/>
+                <a:latin typeface="+mn-lt"/>
+                <a:ea typeface="+mn-ea"/>
+                <a:cs typeface="+mn-cs"/>
+              </a:rPr>
+              <a:t>Mô hình tổng quan</a:t>
+            </a:r>
+          </a:p>
+          <a:p>
+            <a:r>
+              <a:rPr lang="en-US" sz="1200" kern="1200" smtClean="0">
+                <a:solidFill>
+                  <a:schemeClr val="tx1"/>
+                </a:solidFill>
+                <a:effectLst/>
+                <a:latin typeface="+mn-lt"/>
+                <a:ea typeface="+mn-ea"/>
+                <a:cs typeface="+mn-cs"/>
+              </a:rPr>
+              <a:t>Đề tài tham khảo mô hình tương tự với vấn đề đặt ra.</a:t>
+            </a:r>
+          </a:p>
+          <a:p>
+            <a:r>
+              <a:rPr lang="en-US" sz="1200" kern="1200" smtClean="0">
+                <a:solidFill>
+                  <a:schemeClr val="tx1"/>
+                </a:solidFill>
+                <a:effectLst/>
+                <a:latin typeface="+mn-lt"/>
+                <a:ea typeface="+mn-ea"/>
+                <a:cs typeface="+mn-cs"/>
+              </a:rPr>
+              <a:t>Trong mô hình, Nhà trường, sinh viên là 2 đối tượng thuộc hệ thống.</a:t>
+            </a:r>
+          </a:p>
+          <a:p>
+            <a:r>
+              <a:rPr lang="en-US" sz="1200" kern="1200" smtClean="0">
+                <a:solidFill>
+                  <a:schemeClr val="tx1"/>
+                </a:solidFill>
+                <a:effectLst/>
+                <a:latin typeface="+mn-lt"/>
+                <a:ea typeface="+mn-ea"/>
+                <a:cs typeface="+mn-cs"/>
+              </a:rPr>
+              <a:t>Nhà trường cấp VBCC cho sinh viên bằng cách gửi thông tin giao dịch vào mạng Blockchain.</a:t>
+            </a:r>
+          </a:p>
+          <a:p>
+            <a:r>
+              <a:rPr lang="en-US" sz="1200" kern="1200" smtClean="0">
+                <a:solidFill>
+                  <a:schemeClr val="tx1"/>
+                </a:solidFill>
+                <a:effectLst/>
+                <a:latin typeface="+mn-lt"/>
+                <a:ea typeface="+mn-ea"/>
+                <a:cs typeface="+mn-cs"/>
+              </a:rPr>
+              <a:t>Mạng block chain có các nút xác thực, xử lý các giao dịch, những giao dịch hợp lệ sẽ được ghi vào sổ cái có đặc tính bền vững, chống sửa đổi.</a:t>
+            </a:r>
+          </a:p>
+          <a:p>
+            <a:r>
+              <a:rPr lang="en-US" sz="1200" kern="1200" smtClean="0">
+                <a:solidFill>
+                  <a:schemeClr val="tx1"/>
+                </a:solidFill>
+                <a:effectLst/>
+                <a:latin typeface="+mn-lt"/>
+                <a:ea typeface="+mn-ea"/>
+                <a:cs typeface="+mn-cs"/>
+              </a:rPr>
+              <a:t>Sinh viên nhận được VBCC của Trường cấp, để xác minh VBCC thì chỉ cần gửi thông tin VBCC cho Đơn vị xác minh.</a:t>
+            </a:r>
+          </a:p>
+          <a:p>
+            <a:pPr marL="0" marR="0" indent="0" algn="l" defTabSz="914400" rtl="0" eaLnBrk="1" fontAlgn="auto" latinLnBrk="0" hangingPunct="1">
+              <a:lnSpc>
+                <a:spcPct val="100000"/>
+              </a:lnSpc>
+              <a:spcBef>
+                <a:spcPts val="0"/>
+              </a:spcBef>
+              <a:spcAft>
+                <a:spcPts val="0"/>
+              </a:spcAft>
+              <a:buClrTx/>
+              <a:buSzTx/>
+              <a:buFontTx/>
+              <a:buNone/>
+              <a:tabLst/>
+              <a:defRPr/>
+            </a:pPr>
+            <a:r>
+              <a:rPr lang="en-US" sz="1200" kern="1200" smtClean="0">
+                <a:solidFill>
+                  <a:schemeClr val="tx1"/>
+                </a:solidFill>
+                <a:effectLst/>
+                <a:latin typeface="+mn-lt"/>
+                <a:ea typeface="+mn-ea"/>
+                <a:cs typeface="+mn-cs"/>
+              </a:rPr>
+              <a:t>Đơn vị xác minh nhận thông tin VBCC được chia sẻ từ sinh viên, nếu thông tin bị sửa đổi thì xác thực sẽ không hợp lệ nhờ cơ chế băm dữ liệu trong Blockchain.</a:t>
+            </a:r>
+          </a:p>
+          <a:p>
             <a:endParaRPr lang="en-US"/>
           </a:p>
         </p:txBody>
@@ -2262,7 +3090,7 @@
             <a:spLocks noGrp="1"/>
           </p:cNvSpPr>
           <p:nvPr>
-            <p:ph type="sldNum" sz="quarter" idx="5"/>
+            <p:ph type="sldNum" sz="quarter" idx="10"/>
           </p:nvPr>
         </p:nvSpPr>
         <p:spPr/>
@@ -2270,9 +3098,9 @@
           <a:bodyPr/>
           <a:lstStyle/>
           <a:p>
-            <a:fld id="{6FB5670C-BF9F-4EF4-94A5-8CC70CC45FC8}" type="slidenum">
+            <a:fld id="{BE54CF48-6C8B-4082-8EED-B8A86AE41344}" type="slidenum">
               <a:rPr lang="en-US" smtClean="0"/>
-              <a:t>10</a:t>
+              <a:t>9</a:t>
             </a:fld>
             <a:endParaRPr lang="en-US"/>
           </a:p>
@@ -2281,7 +3109,7 @@
     </p:spTree>
     <p:extLst>
       <p:ext uri="{BB962C8B-B14F-4D97-AF65-F5344CB8AC3E}">
-        <p14:creationId xmlns:p14="http://schemas.microsoft.com/office/powerpoint/2010/main" val="3389515627"/>
+        <p14:creationId xmlns:p14="http://schemas.microsoft.com/office/powerpoint/2010/main" val="2030561405"/>
       </p:ext>
     </p:extLst>
   </p:cSld>
@@ -14465,7 +15293,23 @@
             </a:pPr>
             <a:r>
               <a:rPr lang="en-US" sz="2400"/>
-              <a:t>	1. Xây dựng ứng dụng web tương tác với người dùng: Nodejs, IBM blockchain extension để thử nghiệm.</a:t>
+              <a:t>	1. Xây dựng ứng dụng web tương tác với người </a:t>
+            </a:r>
+            <a:r>
+              <a:rPr lang="en-US" sz="2400" smtClean="0"/>
+              <a:t>dùng</a:t>
+            </a:r>
+            <a:r>
+              <a:rPr lang="en-US" sz="2400" smtClean="0"/>
+              <a:t> và mạng</a:t>
+            </a:r>
+            <a:r>
+              <a:rPr lang="en-US" sz="2400" smtClean="0"/>
+              <a:t> blockchain: IBM </a:t>
+            </a:r>
+            <a:r>
+              <a:rPr lang="en-US" sz="2400"/>
+              <a:t>blockchain extension để thử nghiệm.</a:t>
             </a:r>
           </a:p>
           <a:p>

--- a/luan_van.pptx
+++ b/luan_van.pptx
@@ -11170,17 +11170,37 @@
                 <a:latin typeface="Calibri" panose="020F0502020204030204" pitchFamily="34" charset="0"/>
                 <a:cs typeface="Calibri" panose="020F0502020204030204" pitchFamily="34" charset="0"/>
               </a:rPr>
-              <a:t>lý VBCC có giao diện web </a:t>
-            </a:r>
-            <a:r>
-              <a:rPr lang="en-US" sz="2400">
+              <a:t>lý </a:t>
+            </a:r>
+            <a:r>
+              <a:rPr lang="vi-VN" sz="2400" smtClean="0">
                 <a:solidFill>
                   <a:schemeClr val="tx1"/>
                 </a:solidFill>
                 <a:latin typeface="Calibri" panose="020F0502020204030204" pitchFamily="34" charset="0"/>
                 <a:cs typeface="Calibri" panose="020F0502020204030204" pitchFamily="34" charset="0"/>
               </a:rPr>
-              <a:t>cung cấp </a:t>
+              <a:t>VBCC</a:t>
+            </a:r>
+            <a:r>
+              <a:rPr lang="en-US" sz="2400" smtClean="0">
+                <a:solidFill>
+                  <a:schemeClr val="tx1"/>
+                </a:solidFill>
+                <a:latin typeface="Calibri" panose="020F0502020204030204" pitchFamily="34" charset="0"/>
+                <a:cs typeface="Calibri" panose="020F0502020204030204" pitchFamily="34" charset="0"/>
+              </a:rPr>
+              <a:t> chỉ</a:t>
+            </a:r>
+            <a:r>
+              <a:rPr lang="vi-VN" sz="2400" smtClean="0">
+                <a:solidFill>
+                  <a:schemeClr val="tx1"/>
+                </a:solidFill>
+                <a:latin typeface="Calibri" panose="020F0502020204030204" pitchFamily="34" charset="0"/>
+                <a:cs typeface="Calibri" panose="020F0502020204030204" pitchFamily="34" charset="0"/>
+              </a:rPr>
+              <a:t> </a:t>
             </a:r>
             <a:r>
               <a:rPr lang="vi-VN" sz="2400">
@@ -11190,7 +11210,27 @@
                 <a:latin typeface="Calibri" panose="020F0502020204030204" pitchFamily="34" charset="0"/>
                 <a:cs typeface="Calibri" panose="020F0502020204030204" pitchFamily="34" charset="0"/>
               </a:rPr>
-              <a:t>các chức năng chính cho người sử dụng như: </a:t>
+              <a:t>có </a:t>
+            </a:r>
+            <a:r>
+              <a:rPr lang="vi-VN" sz="2400" smtClean="0">
+                <a:solidFill>
+                  <a:schemeClr val="tx1"/>
+                </a:solidFill>
+                <a:latin typeface="Calibri" panose="020F0502020204030204" pitchFamily="34" charset="0"/>
+                <a:cs typeface="Calibri" panose="020F0502020204030204" pitchFamily="34" charset="0"/>
+              </a:rPr>
+              <a:t>các </a:t>
+            </a:r>
+            <a:r>
+              <a:rPr lang="vi-VN" sz="2400">
+                <a:solidFill>
+                  <a:schemeClr val="tx1"/>
+                </a:solidFill>
+                <a:latin typeface="Calibri" panose="020F0502020204030204" pitchFamily="34" charset="0"/>
+                <a:cs typeface="Calibri" panose="020F0502020204030204" pitchFamily="34" charset="0"/>
+              </a:rPr>
+              <a:t>chức năng chính cho người sử dụng như: </a:t>
             </a:r>
             <a:endParaRPr lang="en-US" sz="2400">
               <a:solidFill>
@@ -12273,19 +12313,13 @@
       </p:sp>
       <p:pic>
         <p:nvPicPr>
-          <p:cNvPr id="5" name="Picture 4" descr="Graphical user interface, application&#10;&#10;Description automatically generated">
-            <a:extLst>
-              <a:ext uri="{FF2B5EF4-FFF2-40B4-BE49-F238E27FC236}">
-                <a16:creationId xmlns:a16="http://schemas.microsoft.com/office/drawing/2014/main" id="{EFB23826-8841-91FC-56D5-97FB40A54EF5}"/>
-              </a:ext>
-            </a:extLst>
-          </p:cNvPr>
+          <p:cNvPr id="4" name="Picture 3"/>
           <p:cNvPicPr>
             <a:picLocks noChangeAspect="1"/>
           </p:cNvPicPr>
           <p:nvPr/>
         </p:nvPicPr>
-        <p:blipFill>
+        <p:blipFill rotWithShape="1">
           <a:blip r:embed="rId3">
             <a:extLst>
               <a:ext uri="{28A0092B-C50C-407E-A947-70E740481C1C}">
@@ -12293,14 +12327,13 @@
               </a:ext>
             </a:extLst>
           </a:blip>
-          <a:stretch>
-            <a:fillRect/>
-          </a:stretch>
+          <a:srcRect t="10000" r="3021" b="17777"/>
+          <a:stretch/>
         </p:blipFill>
         <p:spPr>
           <a:xfrm>
-            <a:off x="1021117" y="2209800"/>
-            <a:ext cx="7154516" cy="4031615"/>
+            <a:off x="1173480" y="2160353"/>
+            <a:ext cx="7101840" cy="4065822"/>
           </a:xfrm>
           <a:prstGeom prst="rect">
             <a:avLst/>
@@ -12448,11 +12481,19 @@
             </a:pPr>
             <a:r>
               <a:rPr lang="en-US" sz="8000"/>
-              <a:t>Triển khai được hệ </a:t>
+              <a:t>Triển khai được </a:t>
             </a:r>
             <a:r>
               <a:rPr lang="en-US" sz="8000" smtClean="0"/>
-              <a:t>thống quản lý có chức năng </a:t>
+              <a:t>ứng dụng</a:t>
+            </a:r>
+            <a:r>
+              <a:rPr lang="en-US" sz="8000" smtClean="0"/>
+              <a:t> </a:t>
+            </a:r>
+            <a:r>
+              <a:rPr lang="en-US" sz="8000" smtClean="0"/>
+              <a:t>có chức năng </a:t>
             </a:r>
             <a:r>
               <a:rPr lang="en-US" sz="8000"/>
@@ -15297,15 +15338,7 @@
             </a:r>
             <a:r>
               <a:rPr lang="en-US" sz="2400" smtClean="0"/>
-              <a:t>dùng</a:t>
-            </a:r>
-            <a:r>
-              <a:rPr lang="en-US" sz="2400" smtClean="0"/>
-              <a:t> và mạng</a:t>
-            </a:r>
-            <a:r>
-              <a:rPr lang="en-US" sz="2400" smtClean="0"/>
-              <a:t> blockchain: IBM </a:t>
+              <a:t>dùng và mạng blockchain: IBM </a:t>
             </a:r>
             <a:r>
               <a:rPr lang="en-US" sz="2400"/>

--- a/luan_van.pptx
+++ b/luan_van.pptx
@@ -905,6 +905,76 @@
           <a:bodyPr/>
           <a:lstStyle/>
           <a:p>
+            <a:r>
+              <a:rPr lang="en-US" sz="1200" kern="1200" smtClean="0">
+                <a:solidFill>
+                  <a:schemeClr val="tx1"/>
+                </a:solidFill>
+                <a:effectLst/>
+                <a:latin typeface="+mn-lt"/>
+                <a:ea typeface="+mn-ea"/>
+                <a:cs typeface="+mn-cs"/>
+              </a:rPr>
+              <a:t>Mô hình chi tiết</a:t>
+            </a:r>
+          </a:p>
+          <a:p>
+            <a:r>
+              <a:rPr lang="en-US" sz="1200" kern="1200" smtClean="0">
+                <a:solidFill>
+                  <a:schemeClr val="tx1"/>
+                </a:solidFill>
+                <a:effectLst/>
+                <a:latin typeface="+mn-lt"/>
+                <a:ea typeface="+mn-ea"/>
+                <a:cs typeface="+mn-cs"/>
+              </a:rPr>
+              <a:t>Mô hình gồm có 3 phần chính:</a:t>
+            </a:r>
+          </a:p>
+          <a:p>
+            <a:r>
+              <a:rPr lang="en-US" sz="1200" kern="1200" smtClean="0">
+                <a:solidFill>
+                  <a:schemeClr val="tx1"/>
+                </a:solidFill>
+                <a:effectLst/>
+                <a:latin typeface="+mn-lt"/>
+                <a:ea typeface="+mn-ea"/>
+                <a:cs typeface="+mn-cs"/>
+              </a:rPr>
+              <a:t>Phần Ứng dụng web: Nodejs, Expressjs, Bootstrap để giao tiếp giữa người dùng và CSDL, Blockchain.</a:t>
+            </a:r>
+          </a:p>
+          <a:p>
+            <a:r>
+              <a:rPr lang="en-US" sz="1200" kern="1200" smtClean="0">
+                <a:solidFill>
+                  <a:schemeClr val="tx1"/>
+                </a:solidFill>
+                <a:effectLst/>
+                <a:latin typeface="+mn-lt"/>
+                <a:ea typeface="+mn-ea"/>
+                <a:cs typeface="+mn-cs"/>
+              </a:rPr>
+              <a:t>Phần CSDL: MongoDB lưu thông tin người dùng hệ thống, dữ liệu VBCC.</a:t>
+            </a:r>
+          </a:p>
+          <a:p>
+            <a:r>
+              <a:rPr lang="en-US" sz="1200" kern="1200" smtClean="0">
+                <a:solidFill>
+                  <a:schemeClr val="tx1"/>
+                </a:solidFill>
+                <a:effectLst/>
+                <a:latin typeface="+mn-lt"/>
+                <a:ea typeface="+mn-ea"/>
+                <a:cs typeface="+mn-cs"/>
+              </a:rPr>
+              <a:t>Phần Blockchain: sử dụng nền tảng Hyperledger Fabric chạy trên các docker container.</a:t>
+            </a:r>
+          </a:p>
+          <a:p>
             <a:endParaRPr lang="en-US"/>
           </a:p>
         </p:txBody>
@@ -1410,14 +1480,101 @@
           <a:lstStyle/>
           <a:p>
             <a:r>
-              <a:rPr lang="en-US" smtClean="0"/>
-              <a:t>Hệ</a:t>
-            </a:r>
-            <a:r>
-              <a:rPr lang="en-US" baseline="0" smtClean="0"/>
-              <a:t> thống được xây dựng trên máy ảo bằng minifabric, theo các bước chính</a:t>
-            </a:r>
-            <a:endParaRPr lang="en-US"/>
+              <a:rPr lang="en-US" sz="1200" kern="1200" smtClean="0">
+                <a:solidFill>
+                  <a:schemeClr val="tx1"/>
+                </a:solidFill>
+                <a:effectLst/>
+                <a:latin typeface="+mn-lt"/>
+                <a:ea typeface="+mn-ea"/>
+                <a:cs typeface="+mn-cs"/>
+              </a:rPr>
+              <a:t>Để triển khai mạng Fabric, nghiên cứu đề xuất sử dụng công cụ Minifabric</a:t>
+            </a:r>
+          </a:p>
+          <a:p>
+            <a:r>
+              <a:rPr lang="en-US" sz="1200" kern="1200" smtClean="0">
+                <a:solidFill>
+                  <a:schemeClr val="tx1"/>
+                </a:solidFill>
+                <a:effectLst/>
+                <a:latin typeface="+mn-lt"/>
+                <a:ea typeface="+mn-ea"/>
+                <a:cs typeface="+mn-cs"/>
+              </a:rPr>
+              <a:t>Bởi vì Minifabric giúp triển khai nhanh chóng bằng file cấu hình thông số cho mạng: spec.yaml</a:t>
+            </a:r>
+          </a:p>
+          <a:p>
+            <a:r>
+              <a:rPr lang="en-US" sz="1200" kern="1200" smtClean="0">
+                <a:solidFill>
+                  <a:schemeClr val="tx1"/>
+                </a:solidFill>
+                <a:effectLst/>
+                <a:latin typeface="+mn-lt"/>
+                <a:ea typeface="+mn-ea"/>
+                <a:cs typeface="+mn-cs"/>
+              </a:rPr>
+              <a:t>Mạng HF trong mô hình trên gồm có 03 tổ chức (ORG0, ORG1, ORG2), mỗi ORG được cài đặt trên một máy chủ ảo riêng</a:t>
+            </a:r>
+          </a:p>
+          <a:p>
+            <a:r>
+              <a:rPr lang="en-US" sz="1200" kern="1200" smtClean="0">
+                <a:solidFill>
+                  <a:schemeClr val="tx1"/>
+                </a:solidFill>
+                <a:effectLst/>
+                <a:latin typeface="+mn-lt"/>
+                <a:ea typeface="+mn-ea"/>
+                <a:cs typeface="+mn-cs"/>
+              </a:rPr>
+              <a:t>Mỗi ORG bao gồm các thành phần: 1 nút CA và  2 nút Peer sử dụng CSDL goleveldb</a:t>
+            </a:r>
+          </a:p>
+          <a:p>
+            <a:r>
+              <a:rPr lang="en-US" sz="1200" kern="1200" smtClean="0">
+                <a:solidFill>
+                  <a:schemeClr val="tx1"/>
+                </a:solidFill>
+                <a:effectLst/>
+                <a:latin typeface="+mn-lt"/>
+                <a:ea typeface="+mn-ea"/>
+                <a:cs typeface="+mn-cs"/>
+              </a:rPr>
+              <a:t>Ngoài ra trong mạng HF cũng được cài đặt Ordering Service, các nút Orderer dùng cơ chế đồng thuận RAFT.</a:t>
+            </a:r>
+          </a:p>
+          <a:p>
+            <a:r>
+              <a:rPr lang="en-US" sz="1200" kern="1200" smtClean="0">
+                <a:solidFill>
+                  <a:schemeClr val="tx1"/>
+                </a:solidFill>
+                <a:effectLst/>
+                <a:latin typeface="+mn-lt"/>
+                <a:ea typeface="+mn-ea"/>
+                <a:cs typeface="+mn-cs"/>
+              </a:rPr>
+              <a:t>Tất các các tổ chức sẽ cùng tham gia vào kênh educhannel</a:t>
+            </a:r>
+          </a:p>
+          <a:p>
+            <a:r>
+              <a:rPr lang="en-US" sz="1200" kern="1200" smtClean="0">
+                <a:solidFill>
+                  <a:schemeClr val="tx1"/>
+                </a:solidFill>
+                <a:effectLst/>
+                <a:latin typeface="+mn-lt"/>
+                <a:ea typeface="+mn-ea"/>
+                <a:cs typeface="+mn-cs"/>
+              </a:rPr>
+              <a:t>Tuy nhiên hiện tại ứng ụng web chưa kết nối được với mạng này.</a:t>
+            </a:r>
           </a:p>
         </p:txBody>
       </p:sp>
@@ -1501,6 +1658,34 @@
           <a:bodyPr/>
           <a:lstStyle/>
           <a:p>
+            <a:r>
+              <a:rPr lang="en-US" sz="1200" kern="1200" smtClean="0">
+                <a:solidFill>
+                  <a:schemeClr val="tx1"/>
+                </a:solidFill>
+                <a:effectLst/>
+                <a:latin typeface="+mn-lt"/>
+                <a:ea typeface="+mn-ea"/>
+                <a:cs typeface="+mn-cs"/>
+              </a:rPr>
+              <a:t>HF được hỗ trợ qua tiện ích mở rộng IBM Blockchain Platform Extension trên VS Code. Tiện ích mở rộng của IBM giúp tạo, phát triển kiểm tra và gỡ lỗi các hợp đồng thông minh của mạng blockchain từ đó xây dựng các ứng dụng trên mạng blockchain.</a:t>
+            </a:r>
+          </a:p>
+          <a:p>
+            <a:r>
+              <a:rPr lang="en-US" sz="1200" kern="1200" smtClean="0">
+                <a:solidFill>
+                  <a:schemeClr val="tx1"/>
+                </a:solidFill>
+                <a:effectLst/>
+                <a:latin typeface="+mn-lt"/>
+                <a:ea typeface="+mn-ea"/>
+                <a:cs typeface="+mn-cs"/>
+              </a:rPr>
+              <a:t>Phần này em xin được trình bày ở nội dung cuối cùng là: demo ứng dụng</a:t>
+            </a:r>
+          </a:p>
+          <a:p>
             <a:endParaRPr lang="en-US"/>
           </a:p>
         </p:txBody>
@@ -1585,6 +1770,62 @@
           <a:bodyPr/>
           <a:lstStyle/>
           <a:p>
+            <a:r>
+              <a:rPr lang="en-US" sz="1200" kern="1200" smtClean="0">
+                <a:solidFill>
+                  <a:schemeClr val="tx1"/>
+                </a:solidFill>
+                <a:effectLst/>
+                <a:latin typeface="+mn-lt"/>
+                <a:ea typeface="+mn-ea"/>
+                <a:cs typeface="+mn-cs"/>
+              </a:rPr>
+              <a:t>Mạng blockchain hoạt động trên các máy chủ ảo. Hệ thống mới chỉ có các chức năng chính cho người sử dụng như: </a:t>
+            </a:r>
+          </a:p>
+          <a:p>
+            <a:r>
+              <a:rPr lang="en-US" sz="1200" kern="1200" smtClean="0">
+                <a:solidFill>
+                  <a:schemeClr val="tx1"/>
+                </a:solidFill>
+                <a:effectLst/>
+                <a:latin typeface="+mn-lt"/>
+                <a:ea typeface="+mn-ea"/>
+                <a:cs typeface="+mn-cs"/>
+              </a:rPr>
+              <a:t>	1. Trường quản lý và cấp VBCC.</a:t>
+            </a:r>
+          </a:p>
+          <a:p>
+            <a:r>
+              <a:rPr lang="en-US" sz="1200" kern="1200" smtClean="0">
+                <a:solidFill>
+                  <a:schemeClr val="tx1"/>
+                </a:solidFill>
+                <a:effectLst/>
+                <a:latin typeface="+mn-lt"/>
+                <a:ea typeface="+mn-ea"/>
+                <a:cs typeface="+mn-cs"/>
+              </a:rPr>
+              <a:t>	2. Sinh viên nhận VBCC và chia sẻ thông tin VBCC.</a:t>
+            </a:r>
+          </a:p>
+          <a:p>
+            <a:r>
+              <a:rPr lang="en-US" sz="1200" kern="1200" smtClean="0">
+                <a:solidFill>
+                  <a:schemeClr val="tx1"/>
+                </a:solidFill>
+                <a:effectLst/>
+                <a:latin typeface="+mn-lt"/>
+                <a:ea typeface="+mn-ea"/>
+                <a:cs typeface="+mn-cs"/>
+              </a:rPr>
+              <a:t>	3. Đơn vị xác thực VBCC.</a:t>
+            </a:r>
+          </a:p>
+          <a:p>
             <a:endParaRPr lang="en-US"/>
           </a:p>
         </p:txBody>
@@ -1851,6 +2092,48 @@
           <a:bodyPr/>
           <a:lstStyle/>
           <a:p>
+            <a:r>
+              <a:rPr lang="en-US" sz="1200" kern="1200" smtClean="0">
+                <a:solidFill>
+                  <a:schemeClr val="tx1"/>
+                </a:solidFill>
+                <a:effectLst/>
+                <a:latin typeface="+mn-lt"/>
+                <a:ea typeface="+mn-ea"/>
+                <a:cs typeface="+mn-cs"/>
+              </a:rPr>
+              <a:t>Mạng Blockchain</a:t>
+            </a:r>
+          </a:p>
+          <a:p>
+            <a:r>
+              <a:rPr lang="en-US" sz="1200" kern="1200" smtClean="0">
+                <a:solidFill>
+                  <a:schemeClr val="tx1"/>
+                </a:solidFill>
+                <a:effectLst/>
+                <a:latin typeface="+mn-lt"/>
+                <a:ea typeface="+mn-ea"/>
+                <a:cs typeface="+mn-cs"/>
+              </a:rPr>
+              <a:t>Mạng blockchain hoạt động trên các máy chủ ảo, đây là màn hình theo dõi mạng blockchain được triển khai.</a:t>
+            </a:r>
+          </a:p>
+          <a:p>
+            <a:r>
+              <a:rPr lang="en-US" sz="1200" kern="1200" smtClean="0">
+                <a:solidFill>
+                  <a:schemeClr val="tx1"/>
+                </a:solidFill>
+                <a:effectLst/>
+                <a:latin typeface="+mn-lt"/>
+                <a:ea typeface="+mn-ea"/>
+                <a:cs typeface="+mn-cs"/>
+              </a:rPr>
+              <a:t>Có 6 nút và 1 Chaincode, tham gia vào kênh educert.</a:t>
+            </a:r>
+          </a:p>
+          <a:p>
             <a:endParaRPr lang="en-US"/>
           </a:p>
         </p:txBody>
@@ -1935,6 +2218,48 @@
           <a:bodyPr/>
           <a:lstStyle/>
           <a:p>
+            <a:r>
+              <a:rPr lang="en-US" sz="1200" kern="1200" smtClean="0">
+                <a:solidFill>
+                  <a:schemeClr val="tx1"/>
+                </a:solidFill>
+                <a:effectLst/>
+                <a:latin typeface="+mn-lt"/>
+                <a:ea typeface="+mn-ea"/>
+                <a:cs typeface="+mn-cs"/>
+              </a:rPr>
+              <a:t>Ứng dụng web mới hoạt động thông qua tiện ích IBM Blockchain extension</a:t>
+            </a:r>
+          </a:p>
+          <a:p>
+            <a:r>
+              <a:rPr lang="en-US" sz="1200" kern="1200" smtClean="0">
+                <a:solidFill>
+                  <a:schemeClr val="tx1"/>
+                </a:solidFill>
+                <a:effectLst/>
+                <a:latin typeface="+mn-lt"/>
+                <a:ea typeface="+mn-ea"/>
+                <a:cs typeface="+mn-cs"/>
+              </a:rPr>
+              <a:t>Tuy nhiên hiện tại ứng ụng web chưa kết nối được với mạng này.</a:t>
+            </a:r>
+          </a:p>
+          <a:p>
+            <a:r>
+              <a:rPr lang="en-US" sz="1200" kern="1200" smtClean="0">
+                <a:solidFill>
+                  <a:schemeClr val="tx1"/>
+                </a:solidFill>
+                <a:effectLst/>
+                <a:latin typeface="+mn-lt"/>
+                <a:ea typeface="+mn-ea"/>
+                <a:cs typeface="+mn-cs"/>
+              </a:rPr>
+              <a:t>Phần này em xin được trình bày ở nội dung cuối cùng là: demo ứng dụng</a:t>
+            </a:r>
+          </a:p>
+          <a:p>
             <a:endParaRPr lang="en-US"/>
           </a:p>
         </p:txBody>
@@ -2019,6 +2344,153 @@
           <a:bodyPr/>
           <a:lstStyle/>
           <a:p>
+            <a:r>
+              <a:rPr lang="en-US" sz="1200" kern="1200" smtClean="0">
+                <a:solidFill>
+                  <a:schemeClr val="tx1"/>
+                </a:solidFill>
+                <a:effectLst/>
+                <a:latin typeface="+mn-lt"/>
+                <a:ea typeface="+mn-ea"/>
+                <a:cs typeface="+mn-cs"/>
+              </a:rPr>
+              <a:t>Kết</a:t>
+            </a:r>
+            <a:r>
+              <a:rPr lang="en-US" sz="1200" kern="1200" baseline="0" smtClean="0">
+                <a:solidFill>
+                  <a:schemeClr val="tx1"/>
+                </a:solidFill>
+                <a:effectLst/>
+                <a:latin typeface="+mn-lt"/>
+                <a:ea typeface="+mn-ea"/>
+                <a:cs typeface="+mn-cs"/>
+              </a:rPr>
+              <a:t> luận</a:t>
+            </a:r>
+            <a:endParaRPr lang="en-US" sz="1200" kern="1200" smtClean="0">
+              <a:solidFill>
+                <a:schemeClr val="tx1"/>
+              </a:solidFill>
+              <a:effectLst/>
+              <a:latin typeface="+mn-lt"/>
+              <a:ea typeface="+mn-ea"/>
+              <a:cs typeface="+mn-cs"/>
+            </a:endParaRPr>
+          </a:p>
+          <a:p>
+            <a:r>
+              <a:rPr lang="en-US" sz="1200" kern="1200" smtClean="0">
+                <a:solidFill>
+                  <a:schemeClr val="tx1"/>
+                </a:solidFill>
+                <a:effectLst/>
+                <a:latin typeface="+mn-lt"/>
+                <a:ea typeface="+mn-ea"/>
+                <a:cs typeface="+mn-cs"/>
+              </a:rPr>
+              <a:t>Ưu điểm:</a:t>
+            </a:r>
+          </a:p>
+          <a:p>
+            <a:r>
+              <a:rPr lang="en-US" sz="1200" kern="1200" smtClean="0">
+                <a:solidFill>
+                  <a:schemeClr val="tx1"/>
+                </a:solidFill>
+                <a:effectLst/>
+                <a:latin typeface="+mn-lt"/>
+                <a:ea typeface="+mn-ea"/>
+                <a:cs typeface="+mn-cs"/>
+              </a:rPr>
+              <a:t>Tìm hiểu được quy trình, nghiệp vụ quản lý VBCC tại Trung tâm Tin học Trường Đại học An Giang.</a:t>
+            </a:r>
+          </a:p>
+          <a:p>
+            <a:r>
+              <a:rPr lang="en-US" sz="1200" kern="1200" smtClean="0">
+                <a:solidFill>
+                  <a:schemeClr val="tx1"/>
+                </a:solidFill>
+                <a:effectLst/>
+                <a:latin typeface="+mn-lt"/>
+                <a:ea typeface="+mn-ea"/>
+                <a:cs typeface="+mn-cs"/>
+              </a:rPr>
+              <a:t>Triển khai được ứng dụng có chức năng cấp và xác thực VBCC.</a:t>
+            </a:r>
+          </a:p>
+          <a:p>
+            <a:r>
+              <a:rPr lang="en-US" sz="1200" kern="1200" smtClean="0">
+                <a:solidFill>
+                  <a:schemeClr val="tx1"/>
+                </a:solidFill>
+                <a:effectLst/>
+                <a:latin typeface="+mn-lt"/>
+                <a:ea typeface="+mn-ea"/>
+                <a:cs typeface="+mn-cs"/>
+              </a:rPr>
+              <a:t>Hạn chế:</a:t>
+            </a:r>
+          </a:p>
+          <a:p>
+            <a:r>
+              <a:rPr lang="en-US" sz="1200" kern="1200" smtClean="0">
+                <a:solidFill>
+                  <a:schemeClr val="tx1"/>
+                </a:solidFill>
+                <a:effectLst/>
+                <a:latin typeface="+mn-lt"/>
+                <a:ea typeface="+mn-ea"/>
+                <a:cs typeface="+mn-cs"/>
+              </a:rPr>
+              <a:t>Mô hình triển khai phụ thuộc vào CA của Hyperledger Fabric và chứng thư số tự cấp.</a:t>
+            </a:r>
+          </a:p>
+          <a:p>
+            <a:r>
+              <a:rPr lang="en-US" sz="1200" kern="1200" smtClean="0">
+                <a:solidFill>
+                  <a:schemeClr val="tx1"/>
+                </a:solidFill>
+                <a:effectLst/>
+                <a:latin typeface="+mn-lt"/>
+                <a:ea typeface="+mn-ea"/>
+                <a:cs typeface="+mn-cs"/>
+              </a:rPr>
+              <a:t>Ứng dụng web còn nhiều hạn chế, chỉ có tính năng đơn giản. </a:t>
+            </a:r>
+          </a:p>
+          <a:p>
+            <a:r>
+              <a:rPr lang="en-US" sz="1200" kern="1200" smtClean="0">
+                <a:solidFill>
+                  <a:schemeClr val="tx1"/>
+                </a:solidFill>
+                <a:effectLst/>
+                <a:latin typeface="+mn-lt"/>
+                <a:ea typeface="+mn-ea"/>
+                <a:cs typeface="+mn-cs"/>
+              </a:rPr>
+              <a:t>Hướng phát triển:</a:t>
+            </a:r>
+          </a:p>
+          <a:p>
+            <a:r>
+              <a:rPr lang="en-US" sz="1200" kern="1200" smtClean="0">
+                <a:solidFill>
+                  <a:schemeClr val="tx1"/>
+                </a:solidFill>
+                <a:effectLst/>
+                <a:latin typeface="+mn-lt"/>
+                <a:ea typeface="+mn-ea"/>
+                <a:cs typeface="+mn-cs"/>
+              </a:rPr>
+              <a:t>Đề tài tiếp tục tìm cách khắc phục các hạn chế được nêu ra; tìm hiểu thêm các ứng dụng của mạng blockchain Hyperledger Fabric; cải tiến ứng dụng web thuận tiện cho người sử dụng.</a:t>
+            </a:r>
+          </a:p>
+          <a:p>
             <a:endParaRPr lang="en-US"/>
           </a:p>
         </p:txBody>
@@ -2050,6 +2522,131 @@
     <p:extLst>
       <p:ext uri="{BB962C8B-B14F-4D97-AF65-F5344CB8AC3E}">
         <p14:creationId xmlns:p14="http://schemas.microsoft.com/office/powerpoint/2010/main" val="1595376712"/>
+      </p:ext>
+    </p:extLst>
+  </p:cSld>
+  <p:clrMapOvr>
+    <a:masterClrMapping/>
+  </p:clrMapOvr>
+</p:notes>
+</file>
+
+<file path=ppt/notesSlides/notesSlide23.xml><?xml version="1.0" encoding="utf-8"?>
+<p:notes xmlns:a="http://schemas.openxmlformats.org/drawingml/2006/main" xmlns:r="http://schemas.openxmlformats.org/officeDocument/2006/relationships" xmlns:p="http://schemas.openxmlformats.org/presentationml/2006/main">
+  <p:cSld>
+    <p:spTree>
+      <p:nvGrpSpPr>
+        <p:cNvPr id="1" name=""/>
+        <p:cNvGrpSpPr/>
+        <p:nvPr/>
+      </p:nvGrpSpPr>
+      <p:grpSpPr>
+        <a:xfrm>
+          <a:off x="0" y="0"/>
+          <a:ext cx="0" cy="0"/>
+          <a:chOff x="0" y="0"/>
+          <a:chExt cx="0" cy="0"/>
+        </a:xfrm>
+      </p:grpSpPr>
+      <p:sp>
+        <p:nvSpPr>
+          <p:cNvPr id="2" name="Slide Image Placeholder 1"/>
+          <p:cNvSpPr>
+            <a:spLocks noGrp="1" noRot="1" noChangeAspect="1"/>
+          </p:cNvSpPr>
+          <p:nvPr>
+            <p:ph type="sldImg"/>
+          </p:nvPr>
+        </p:nvSpPr>
+        <p:spPr/>
+      </p:sp>
+      <p:sp>
+        <p:nvSpPr>
+          <p:cNvPr id="3" name="Notes Placeholder 2"/>
+          <p:cNvSpPr>
+            <a:spLocks noGrp="1"/>
+          </p:cNvSpPr>
+          <p:nvPr>
+            <p:ph type="body" idx="1"/>
+          </p:nvPr>
+        </p:nvSpPr>
+        <p:spPr/>
+        <p:txBody>
+          <a:bodyPr/>
+          <a:lstStyle/>
+          <a:p>
+            <a:r>
+              <a:rPr lang="en-US" smtClean="0"/>
+              <a:t>Em xin kết</a:t>
+            </a:r>
+            <a:r>
+              <a:rPr lang="en-US" baseline="0" smtClean="0"/>
+              <a:t> thúc nội dung báo cáo</a:t>
+            </a:r>
+          </a:p>
+          <a:p>
+            <a:pPr marL="0" marR="0" indent="0" algn="l" defTabSz="914400" rtl="0" eaLnBrk="1" fontAlgn="auto" latinLnBrk="0" hangingPunct="1">
+              <a:lnSpc>
+                <a:spcPct val="100000"/>
+              </a:lnSpc>
+              <a:spcBef>
+                <a:spcPts val="0"/>
+              </a:spcBef>
+              <a:spcAft>
+                <a:spcPts val="0"/>
+              </a:spcAft>
+              <a:buClrTx/>
+              <a:buSzTx/>
+              <a:buFontTx/>
+              <a:buNone/>
+              <a:tabLst/>
+              <a:defRPr/>
+            </a:pPr>
+            <a:r>
+              <a:rPr lang="en-US" sz="1200" kern="1200" smtClean="0">
+                <a:solidFill>
+                  <a:schemeClr val="tx1"/>
+                </a:solidFill>
+                <a:effectLst/>
+                <a:latin typeface="+mn-lt"/>
+                <a:ea typeface="+mn-ea"/>
+                <a:cs typeface="+mn-cs"/>
+              </a:rPr>
+              <a:t>Em xin chân thành cám ơn Thầy, Cô đã lắng nghe</a:t>
+            </a:r>
+          </a:p>
+          <a:p>
+            <a:endParaRPr lang="en-US"/>
+          </a:p>
+        </p:txBody>
+      </p:sp>
+      <p:sp>
+        <p:nvSpPr>
+          <p:cNvPr id="4" name="Slide Number Placeholder 3"/>
+          <p:cNvSpPr>
+            <a:spLocks noGrp="1"/>
+          </p:cNvSpPr>
+          <p:nvPr>
+            <p:ph type="sldNum" sz="quarter" idx="10"/>
+          </p:nvPr>
+        </p:nvSpPr>
+        <p:spPr/>
+        <p:txBody>
+          <a:bodyPr/>
+          <a:lstStyle/>
+          <a:p>
+            <a:fld id="{BE54CF48-6C8B-4082-8EED-B8A86AE41344}" type="slidenum">
+              <a:rPr lang="en-US" smtClean="0"/>
+              <a:t>23</a:t>
+            </a:fld>
+            <a:endParaRPr lang="en-US"/>
+          </a:p>
+        </p:txBody>
+      </p:sp>
+    </p:spTree>
+    <p:extLst>
+      <p:ext uri="{BB962C8B-B14F-4D97-AF65-F5344CB8AC3E}">
+        <p14:creationId xmlns:p14="http://schemas.microsoft.com/office/powerpoint/2010/main" val="1730633921"/>
       </p:ext>
     </p:extLst>
   </p:cSld>
@@ -11150,37 +11747,7 @@
                 <a:latin typeface="Calibri" panose="020F0502020204030204" pitchFamily="34" charset="0"/>
                 <a:cs typeface="Calibri" panose="020F0502020204030204" pitchFamily="34" charset="0"/>
               </a:rPr>
-              <a:t>. Hệ thống quản</a:t>
-            </a:r>
-            <a:r>
-              <a:rPr lang="en-US" sz="2400">
-                <a:solidFill>
-                  <a:schemeClr val="tx1"/>
-                </a:solidFill>
-                <a:latin typeface="Calibri" panose="020F0502020204030204" pitchFamily="34" charset="0"/>
-                <a:cs typeface="Calibri" panose="020F0502020204030204" pitchFamily="34" charset="0"/>
-              </a:rPr>
-              <a:t> </a:t>
-            </a:r>
-            <a:r>
-              <a:rPr lang="vi-VN" sz="2400">
-                <a:solidFill>
-                  <a:schemeClr val="tx1"/>
-                </a:solidFill>
-                <a:latin typeface="Calibri" panose="020F0502020204030204" pitchFamily="34" charset="0"/>
-                <a:cs typeface="Calibri" panose="020F0502020204030204" pitchFamily="34" charset="0"/>
-              </a:rPr>
-              <a:t>lý </a:t>
-            </a:r>
-            <a:r>
-              <a:rPr lang="vi-VN" sz="2400" smtClean="0">
-                <a:solidFill>
-                  <a:schemeClr val="tx1"/>
-                </a:solidFill>
-                <a:latin typeface="Calibri" panose="020F0502020204030204" pitchFamily="34" charset="0"/>
-                <a:cs typeface="Calibri" panose="020F0502020204030204" pitchFamily="34" charset="0"/>
-              </a:rPr>
-              <a:t>VBCC</a:t>
+              <a:t>. Hệ thống </a:t>
             </a:r>
             <a:r>
               <a:rPr lang="en-US" sz="2400" smtClean="0">
@@ -11190,7 +11757,7 @@
                 <a:latin typeface="Calibri" panose="020F0502020204030204" pitchFamily="34" charset="0"/>
                 <a:cs typeface="Calibri" panose="020F0502020204030204" pitchFamily="34" charset="0"/>
               </a:rPr>
-              <a:t> chỉ</a:t>
+              <a:t>chỉ</a:t>
             </a:r>
             <a:r>
               <a:rPr lang="vi-VN" sz="2400" smtClean="0">
@@ -12485,15 +13052,7 @@
             </a:r>
             <a:r>
               <a:rPr lang="en-US" sz="8000" smtClean="0"/>
-              <a:t>ứng dụng</a:t>
-            </a:r>
-            <a:r>
-              <a:rPr lang="en-US" sz="8000" smtClean="0"/>
-              <a:t> </a:t>
-            </a:r>
-            <a:r>
-              <a:rPr lang="en-US" sz="8000" smtClean="0"/>
-              <a:t>có chức năng </a:t>
+              <a:t>ứng dụng có chức năng </a:t>
             </a:r>
             <a:r>
               <a:rPr lang="en-US" sz="8000"/>
@@ -12774,7 +13333,7 @@
     <p:bg>
       <p:bgPr>
         <a:blipFill dpi="0" rotWithShape="0">
-          <a:blip r:embed="rId2"/>
+          <a:blip r:embed="rId3"/>
           <a:srcRect/>
           <a:stretch>
             <a:fillRect/>

--- a/luan_van.pptx
+++ b/luan_van.pptx
@@ -943,12 +943,10 @@
                 <a:ea typeface="+mn-ea"/>
                 <a:cs typeface="+mn-cs"/>
               </a:rPr>
-              <a:t>Phần Ứng dụng web: Nodejs, Expressjs, Bootstrap để giao tiếp giữa người dùng và CSDL, Blockchain.</a:t>
-            </a:r>
-          </a:p>
-          <a:p>
-            <a:r>
-              <a:rPr lang="en-US" sz="1200" kern="1200" smtClean="0">
+              <a:t>Phần Ứng dụng web: sử</a:t>
+            </a:r>
+            <a:r>
+              <a:rPr lang="en-US" sz="1200" kern="1200" baseline="0" smtClean="0">
                 <a:solidFill>
                   <a:schemeClr val="tx1"/>
                 </a:solidFill>
@@ -957,7 +955,57 @@
                 <a:ea typeface="+mn-ea"/>
                 <a:cs typeface="+mn-cs"/>
               </a:rPr>
-              <a:t>Phần CSDL: MongoDB lưu thông tin người dùng hệ thống, dữ liệu VBCC.</a:t>
+              <a:t> dụng </a:t>
+            </a:r>
+            <a:r>
+              <a:rPr lang="en-US" sz="1200" kern="1200" smtClean="0">
+                <a:solidFill>
+                  <a:schemeClr val="tx1"/>
+                </a:solidFill>
+                <a:effectLst/>
+                <a:latin typeface="+mn-lt"/>
+                <a:ea typeface="+mn-ea"/>
+                <a:cs typeface="+mn-cs"/>
+              </a:rPr>
+              <a:t>Nodejs, Expressjs, Bootstrap để giao tiếp giữa người dùng và CSDL, mạng Blockchain.</a:t>
+            </a:r>
+          </a:p>
+          <a:p>
+            <a:r>
+              <a:rPr lang="en-US" sz="1200" kern="1200" smtClean="0">
+                <a:solidFill>
+                  <a:schemeClr val="tx1"/>
+                </a:solidFill>
+                <a:effectLst/>
+                <a:latin typeface="+mn-lt"/>
+                <a:ea typeface="+mn-ea"/>
+                <a:cs typeface="+mn-cs"/>
+              </a:rPr>
+              <a:t>Phần CSDL: sử</a:t>
+            </a:r>
+            <a:r>
+              <a:rPr lang="en-US" sz="1200" kern="1200" baseline="0" smtClean="0">
+                <a:solidFill>
+                  <a:schemeClr val="tx1"/>
+                </a:solidFill>
+                <a:effectLst/>
+                <a:latin typeface="+mn-lt"/>
+                <a:ea typeface="+mn-ea"/>
+                <a:cs typeface="+mn-cs"/>
+              </a:rPr>
+              <a:t> dụng </a:t>
+            </a:r>
+            <a:r>
+              <a:rPr lang="en-US" sz="1200" kern="1200" smtClean="0">
+                <a:solidFill>
+                  <a:schemeClr val="tx1"/>
+                </a:solidFill>
+                <a:effectLst/>
+                <a:latin typeface="+mn-lt"/>
+                <a:ea typeface="+mn-ea"/>
+                <a:cs typeface="+mn-cs"/>
+              </a:rPr>
+              <a:t>MongoDB lưu thông tin người dùng hệ thống, dữ liệu VBCC.</a:t>
             </a:r>
           </a:p>
           <a:p>
@@ -1059,6 +1107,85 @@
           <a:bodyPr/>
           <a:lstStyle/>
           <a:p>
+            <a:pPr marL="0" indent="0">
+              <a:buFontTx/>
+              <a:buNone/>
+            </a:pPr>
+            <a:r>
+              <a:rPr lang="en-US" smtClean="0"/>
+              <a:t>Các</a:t>
+            </a:r>
+            <a:r>
+              <a:rPr lang="en-US" baseline="0" smtClean="0"/>
+              <a:t> chức năng được nghiên cứu gồm: </a:t>
+            </a:r>
+          </a:p>
+          <a:p>
+            <a:pPr marL="0" indent="0">
+              <a:buFontTx/>
+              <a:buNone/>
+            </a:pPr>
+            <a:r>
+              <a:rPr lang="en-US" sz="1200" smtClean="0"/>
+              <a:t>- Đăng ký tài khoản người</a:t>
+            </a:r>
+            <a:r>
+              <a:rPr lang="en-US" sz="1200" baseline="0" smtClean="0"/>
+              <a:t> dùng</a:t>
+            </a:r>
+            <a:endParaRPr lang="en-US" sz="1200" smtClean="0"/>
+          </a:p>
+          <a:p>
+            <a:pPr marL="0" indent="0">
+              <a:buFontTx/>
+              <a:buNone/>
+            </a:pPr>
+            <a:r>
+              <a:rPr lang="en-US" sz="1200" smtClean="0"/>
+              <a:t>- Đăng nhập tài khoản</a:t>
+            </a:r>
+          </a:p>
+          <a:p>
+            <a:pPr marL="0" indent="0">
+              <a:buFontTx/>
+              <a:buNone/>
+            </a:pPr>
+            <a:r>
+              <a:rPr lang="en-US" sz="1200" smtClean="0"/>
+              <a:t>- Cấp VBCC</a:t>
+            </a:r>
+          </a:p>
+          <a:p>
+            <a:pPr marL="0" indent="0">
+              <a:buFontTx/>
+              <a:buNone/>
+            </a:pPr>
+            <a:r>
+              <a:rPr lang="en-US" sz="1200" smtClean="0"/>
+              <a:t>- Xem VBCC</a:t>
+            </a:r>
+          </a:p>
+          <a:p>
+            <a:pPr marL="0" indent="0">
+              <a:buFontTx/>
+              <a:buNone/>
+            </a:pPr>
+            <a:r>
+              <a:rPr lang="en-US" sz="1200" smtClean="0"/>
+              <a:t>- Chia sẻ thông tin VBCC</a:t>
+            </a:r>
+          </a:p>
+          <a:p>
+            <a:pPr marL="0" indent="0">
+              <a:buFontTx/>
+              <a:buNone/>
+            </a:pPr>
+            <a:r>
+              <a:rPr lang="en-US" sz="1200" smtClean="0"/>
+              <a:t>- Xác thực VBCC</a:t>
+            </a:r>
+          </a:p>
+          <a:p>
             <a:endParaRPr lang="en-US"/>
           </a:p>
         </p:txBody>
@@ -1489,7 +1616,7 @@
                 <a:ea typeface="+mn-ea"/>
                 <a:cs typeface="+mn-cs"/>
               </a:rPr>
-              <a:t>Để triển khai mạng Fabric, nghiên cứu đề xuất sử dụng công cụ Minifabric</a:t>
+              <a:t>Để triển khai mạng blockchain Hyperledger Fabric, nghiên cứu đề xuất sử dụng công cụ Minifabric</a:t>
             </a:r>
           </a:p>
           <a:p>
@@ -1517,12 +1644,10 @@
                 <a:ea typeface="+mn-ea"/>
                 <a:cs typeface="+mn-cs"/>
               </a:rPr>
-              <a:t>Mạng HF trong mô hình trên gồm có 03 tổ chức (ORG0, ORG1, ORG2), mỗi ORG được cài đặt trên một máy chủ ảo riêng</a:t>
-            </a:r>
-          </a:p>
-          <a:p>
-            <a:r>
-              <a:rPr lang="en-US" sz="1200" kern="1200" smtClean="0">
+              <a:t>Mạng blockchain trong mô hình trên gồm có 03 tổ chức (ORG0, ORG1, ORG2), mỗi tổ</a:t>
+            </a:r>
+            <a:r>
+              <a:rPr lang="en-US" sz="1200" kern="1200" baseline="0" smtClean="0">
                 <a:solidFill>
                   <a:schemeClr val="tx1"/>
                 </a:solidFill>
@@ -1531,10 +1656,8 @@
                 <a:ea typeface="+mn-ea"/>
                 <a:cs typeface="+mn-cs"/>
               </a:rPr>
-              <a:t>Mỗi ORG bao gồm các thành phần: 1 nút CA và  2 nút Peer sử dụng CSDL goleveldb</a:t>
-            </a:r>
-          </a:p>
-          <a:p>
+              <a:t> chức</a:t>
+            </a:r>
             <a:r>
               <a:rPr lang="en-US" sz="1200" kern="1200" smtClean="0">
                 <a:solidFill>
@@ -1545,7 +1668,59 @@
                 <a:ea typeface="+mn-ea"/>
                 <a:cs typeface="+mn-cs"/>
               </a:rPr>
-              <a:t>Ngoài ra trong mạng HF cũng được cài đặt Ordering Service, các nút Orderer dùng cơ chế đồng thuận RAFT.</a:t>
+              <a:t> được cài đặt trên một máy ảo</a:t>
+            </a:r>
+          </a:p>
+          <a:p>
+            <a:r>
+              <a:rPr lang="en-US" sz="1200" kern="1200" smtClean="0">
+                <a:solidFill>
+                  <a:schemeClr val="tx1"/>
+                </a:solidFill>
+                <a:effectLst/>
+                <a:latin typeface="+mn-lt"/>
+                <a:ea typeface="+mn-ea"/>
+                <a:cs typeface="+mn-cs"/>
+              </a:rPr>
+              <a:t>Mỗi tổ</a:t>
+            </a:r>
+            <a:r>
+              <a:rPr lang="en-US" sz="1200" kern="1200" baseline="0" smtClean="0">
+                <a:solidFill>
+                  <a:schemeClr val="tx1"/>
+                </a:solidFill>
+                <a:effectLst/>
+                <a:latin typeface="+mn-lt"/>
+                <a:ea typeface="+mn-ea"/>
+                <a:cs typeface="+mn-cs"/>
+              </a:rPr>
+              <a:t> chức</a:t>
+            </a:r>
+            <a:r>
+              <a:rPr lang="en-US" sz="1200" kern="1200" smtClean="0">
+                <a:solidFill>
+                  <a:schemeClr val="tx1"/>
+                </a:solidFill>
+                <a:effectLst/>
+                <a:latin typeface="+mn-lt"/>
+                <a:ea typeface="+mn-ea"/>
+                <a:cs typeface="+mn-cs"/>
+              </a:rPr>
+              <a:t> bao gồm các thành phần: 1 nút CA và  2 nút Peer sử dụng CSDL goleveldb</a:t>
+            </a:r>
+          </a:p>
+          <a:p>
+            <a:r>
+              <a:rPr lang="en-US" sz="1200" kern="1200" smtClean="0">
+                <a:solidFill>
+                  <a:schemeClr val="tx1"/>
+                </a:solidFill>
+                <a:effectLst/>
+                <a:latin typeface="+mn-lt"/>
+                <a:ea typeface="+mn-ea"/>
+                <a:cs typeface="+mn-cs"/>
+              </a:rPr>
+              <a:t>Ngoài ra trong mạng cũng được cài đặt Ordering Service, các nút Orderer dùng cơ chế đồng thuận RAFT.</a:t>
             </a:r>
           </a:p>
           <a:p>
@@ -1659,7 +1834,7 @@
           <a:lstStyle/>
           <a:p>
             <a:r>
-              <a:rPr lang="en-US" sz="1200" kern="1200" smtClean="0">
+              <a:rPr lang="en-US" sz="1200" kern="1200" baseline="0" smtClean="0">
                 <a:solidFill>
                   <a:schemeClr val="tx1"/>
                 </a:solidFill>
@@ -1668,10 +1843,8 @@
                 <a:ea typeface="+mn-ea"/>
                 <a:cs typeface="+mn-cs"/>
               </a:rPr>
-              <a:t>HF được hỗ trợ qua tiện ích mở rộng IBM Blockchain Platform Extension trên VS Code. Tiện ích mở rộng của IBM giúp tạo, phát triển kiểm tra và gỡ lỗi các hợp đồng thông minh của mạng blockchain từ đó xây dựng các ứng dụng trên mạng blockchain.</a:t>
-            </a:r>
-          </a:p>
-          <a:p>
+              <a:t>Môi trường thử nghiệm ứng dụng web và mạng Hyperledger Fabric </a:t>
+            </a:r>
             <a:r>
               <a:rPr lang="en-US" sz="1200" kern="1200" smtClean="0">
                 <a:solidFill>
@@ -1682,7 +1855,176 @@
                 <a:ea typeface="+mn-ea"/>
                 <a:cs typeface="+mn-cs"/>
               </a:rPr>
-              <a:t>Phần này em xin được trình bày ở nội dung cuối cùng là: demo ứng dụng</a:t>
+              <a:t>trên VS Code. Tiện ích mở rộng IBM Blockchain trên</a:t>
+            </a:r>
+            <a:r>
+              <a:rPr lang="en-US" sz="1200" kern="1200" baseline="0" smtClean="0">
+                <a:solidFill>
+                  <a:schemeClr val="tx1"/>
+                </a:solidFill>
+                <a:effectLst/>
+                <a:latin typeface="+mn-lt"/>
+                <a:ea typeface="+mn-ea"/>
+                <a:cs typeface="+mn-cs"/>
+              </a:rPr>
+              <a:t> VS Code</a:t>
+            </a:r>
+            <a:r>
+              <a:rPr lang="en-US" sz="1200" kern="1200" smtClean="0">
+                <a:solidFill>
+                  <a:schemeClr val="tx1"/>
+                </a:solidFill>
+                <a:effectLst/>
+                <a:latin typeface="+mn-lt"/>
+                <a:ea typeface="+mn-ea"/>
+                <a:cs typeface="+mn-cs"/>
+              </a:rPr>
+              <a:t> giúp tạo, và gỡ lỗi các hợp đồng thông minh của mạng blockchain từ đó xây dựng các ứng dụng kết</a:t>
+            </a:r>
+            <a:r>
+              <a:rPr lang="en-US" sz="1200" kern="1200" baseline="0" smtClean="0">
+                <a:solidFill>
+                  <a:schemeClr val="tx1"/>
+                </a:solidFill>
+                <a:effectLst/>
+                <a:latin typeface="+mn-lt"/>
+                <a:ea typeface="+mn-ea"/>
+                <a:cs typeface="+mn-cs"/>
+              </a:rPr>
+              <a:t> nối với</a:t>
+            </a:r>
+            <a:r>
+              <a:rPr lang="en-US" sz="1200" kern="1200" smtClean="0">
+                <a:solidFill>
+                  <a:schemeClr val="tx1"/>
+                </a:solidFill>
+                <a:effectLst/>
+                <a:latin typeface="+mn-lt"/>
+                <a:ea typeface="+mn-ea"/>
+                <a:cs typeface="+mn-cs"/>
+              </a:rPr>
+              <a:t> mạng blockchain.</a:t>
+            </a:r>
+          </a:p>
+          <a:p>
+            <a:r>
+              <a:rPr lang="en-US" sz="1200" kern="1200" smtClean="0">
+                <a:solidFill>
+                  <a:schemeClr val="tx1"/>
+                </a:solidFill>
+                <a:effectLst/>
+                <a:latin typeface="+mn-lt"/>
+                <a:ea typeface="+mn-ea"/>
+                <a:cs typeface="+mn-cs"/>
+              </a:rPr>
+              <a:t>Ngoài</a:t>
+            </a:r>
+            <a:r>
+              <a:rPr lang="en-US" sz="1200" kern="1200" baseline="0" smtClean="0">
+                <a:solidFill>
+                  <a:schemeClr val="tx1"/>
+                </a:solidFill>
+                <a:effectLst/>
+                <a:latin typeface="+mn-lt"/>
+                <a:ea typeface="+mn-ea"/>
+                <a:cs typeface="+mn-cs"/>
+              </a:rPr>
+              <a:t> </a:t>
+            </a:r>
+            <a:r>
+              <a:rPr lang="en-US" sz="1200" kern="1200" smtClean="0">
+                <a:solidFill>
+                  <a:schemeClr val="tx1"/>
+                </a:solidFill>
+                <a:effectLst/>
+                <a:latin typeface="+mn-lt"/>
+                <a:ea typeface="+mn-ea"/>
+                <a:cs typeface="+mn-cs"/>
+              </a:rPr>
+              <a:t>tương</a:t>
+            </a:r>
+            <a:r>
+              <a:rPr lang="en-US" sz="1200" kern="1200" baseline="0" smtClean="0">
+                <a:solidFill>
+                  <a:schemeClr val="tx1"/>
+                </a:solidFill>
+                <a:effectLst/>
+                <a:latin typeface="+mn-lt"/>
+                <a:ea typeface="+mn-ea"/>
+                <a:cs typeface="+mn-cs"/>
+              </a:rPr>
+              <a:t> tác với hợp đồng thông minh, tiện ích này còn khởi tạo một mạng blockchain trên các IBM docker container</a:t>
+            </a:r>
+            <a:endParaRPr lang="en-US" sz="1200" kern="1200" smtClean="0">
+              <a:solidFill>
+                <a:schemeClr val="tx1"/>
+              </a:solidFill>
+              <a:effectLst/>
+              <a:latin typeface="+mn-lt"/>
+              <a:ea typeface="+mn-ea"/>
+              <a:cs typeface="+mn-cs"/>
+            </a:endParaRPr>
+          </a:p>
+          <a:p>
+            <a:r>
+              <a:rPr lang="en-US" sz="1200" kern="1200" smtClean="0">
+                <a:solidFill>
+                  <a:schemeClr val="tx1"/>
+                </a:solidFill>
+                <a:effectLst/>
+                <a:latin typeface="+mn-lt"/>
+                <a:ea typeface="+mn-ea"/>
+                <a:cs typeface="+mn-cs"/>
+              </a:rPr>
+              <a:t>Môi</a:t>
+            </a:r>
+            <a:r>
+              <a:rPr lang="en-US" sz="1200" kern="1200" baseline="0" smtClean="0">
+                <a:solidFill>
+                  <a:schemeClr val="tx1"/>
+                </a:solidFill>
+                <a:effectLst/>
+                <a:latin typeface="+mn-lt"/>
+                <a:ea typeface="+mn-ea"/>
+                <a:cs typeface="+mn-cs"/>
+              </a:rPr>
+              <a:t> trường thử nghiệm</a:t>
+            </a:r>
+            <a:r>
+              <a:rPr lang="en-US" sz="1200" kern="1200" smtClean="0">
+                <a:solidFill>
+                  <a:schemeClr val="tx1"/>
+                </a:solidFill>
+                <a:effectLst/>
+                <a:latin typeface="+mn-lt"/>
+                <a:ea typeface="+mn-ea"/>
+                <a:cs typeface="+mn-cs"/>
+              </a:rPr>
+              <a:t> này sẽ</a:t>
+            </a:r>
+            <a:r>
+              <a:rPr lang="en-US" sz="1200" kern="1200" baseline="0" smtClean="0">
+                <a:solidFill>
+                  <a:schemeClr val="tx1"/>
+                </a:solidFill>
+                <a:effectLst/>
+                <a:latin typeface="+mn-lt"/>
+                <a:ea typeface="+mn-ea"/>
+                <a:cs typeface="+mn-cs"/>
+              </a:rPr>
+              <a:t> được</a:t>
+            </a:r>
+            <a:r>
+              <a:rPr lang="en-US" sz="1200" kern="1200" smtClean="0">
+                <a:solidFill>
+                  <a:schemeClr val="tx1"/>
+                </a:solidFill>
+                <a:effectLst/>
+                <a:latin typeface="+mn-lt"/>
+                <a:ea typeface="+mn-ea"/>
+                <a:cs typeface="+mn-cs"/>
+              </a:rPr>
+              <a:t> trình bày ở nội dung cuối cùng là: demo ứng dụng</a:t>
             </a:r>
           </a:p>
           <a:p>
@@ -1780,7 +2122,79 @@
                 <a:ea typeface="+mn-ea"/>
                 <a:cs typeface="+mn-cs"/>
               </a:rPr>
-              <a:t>Mạng blockchain hoạt động trên các máy chủ ảo. Hệ thống mới chỉ có các chức năng chính cho người sử dụng như: </a:t>
+              <a:t>Mạng blockchain hoạt động được</a:t>
+            </a:r>
+            <a:r>
+              <a:rPr lang="en-US" sz="1200" kern="1200" baseline="0" smtClean="0">
+                <a:solidFill>
+                  <a:schemeClr val="tx1"/>
+                </a:solidFill>
+                <a:effectLst/>
+                <a:latin typeface="+mn-lt"/>
+                <a:ea typeface="+mn-ea"/>
+                <a:cs typeface="+mn-cs"/>
+              </a:rPr>
+              <a:t> </a:t>
+            </a:r>
+            <a:r>
+              <a:rPr lang="en-US" sz="1200" kern="1200" smtClean="0">
+                <a:solidFill>
+                  <a:schemeClr val="tx1"/>
+                </a:solidFill>
+                <a:effectLst/>
+                <a:latin typeface="+mn-lt"/>
+                <a:ea typeface="+mn-ea"/>
+                <a:cs typeface="+mn-cs"/>
+              </a:rPr>
+              <a:t>trên các máy chủ ảo. Tuy nhiên,</a:t>
+            </a:r>
+            <a:r>
+              <a:rPr lang="en-US" sz="1200" kern="1200" baseline="0" smtClean="0">
+                <a:solidFill>
+                  <a:schemeClr val="tx1"/>
+                </a:solidFill>
+                <a:effectLst/>
+                <a:latin typeface="+mn-lt"/>
+                <a:ea typeface="+mn-ea"/>
+                <a:cs typeface="+mn-cs"/>
+              </a:rPr>
+              <a:t> </a:t>
+            </a:r>
+            <a:r>
+              <a:rPr lang="en-US" sz="1200" kern="1200" smtClean="0">
+                <a:solidFill>
+                  <a:schemeClr val="tx1"/>
+                </a:solidFill>
+                <a:effectLst/>
+                <a:latin typeface="+mn-lt"/>
+                <a:ea typeface="+mn-ea"/>
+                <a:cs typeface="+mn-cs"/>
+              </a:rPr>
+              <a:t>hệ</a:t>
+            </a:r>
+            <a:r>
+              <a:rPr lang="en-US" sz="1200" kern="1200" baseline="0" smtClean="0">
+                <a:solidFill>
+                  <a:schemeClr val="tx1"/>
+                </a:solidFill>
+                <a:effectLst/>
+                <a:latin typeface="+mn-lt"/>
+                <a:ea typeface="+mn-ea"/>
+                <a:cs typeface="+mn-cs"/>
+              </a:rPr>
+              <a:t> thống</a:t>
+            </a:r>
+            <a:r>
+              <a:rPr lang="en-US" sz="1200" kern="1200" smtClean="0">
+                <a:solidFill>
+                  <a:schemeClr val="tx1"/>
+                </a:solidFill>
+                <a:effectLst/>
+                <a:latin typeface="+mn-lt"/>
+                <a:ea typeface="+mn-ea"/>
+                <a:cs typeface="+mn-cs"/>
+              </a:rPr>
+              <a:t> mới chỉ có các chức năng chính cho người sử dụng như: </a:t>
             </a:r>
           </a:p>
           <a:p>
@@ -2219,7 +2633,7 @@
           <a:lstStyle/>
           <a:p>
             <a:r>
-              <a:rPr lang="en-US" sz="1200" kern="1200" smtClean="0">
+              <a:rPr lang="en-US" sz="1200" kern="1200" baseline="0" smtClean="0">
                 <a:solidFill>
                   <a:schemeClr val="tx1"/>
                 </a:solidFill>
@@ -2228,12 +2642,21 @@
                 <a:ea typeface="+mn-ea"/>
                 <a:cs typeface="+mn-cs"/>
               </a:rPr>
-              <a:t>Ứng dụng web mới hoạt động thông qua tiện ích IBM Blockchain extension</a:t>
-            </a:r>
-          </a:p>
-          <a:p>
-            <a:r>
-              <a:rPr lang="en-US" sz="1200" kern="1200" smtClean="0">
+              <a:t>Đây là Màn hình ứng dụng web.</a:t>
+            </a:r>
+            <a:endParaRPr lang="en-US" sz="1200" kern="1200" smtClean="0">
+              <a:solidFill>
+                <a:schemeClr val="tx1"/>
+              </a:solidFill>
+              <a:effectLst/>
+              <a:latin typeface="+mn-lt"/>
+              <a:ea typeface="+mn-ea"/>
+              <a:cs typeface="+mn-cs"/>
+            </a:endParaRPr>
+          </a:p>
+          <a:p>
+            <a:r>
+              <a:rPr lang="en-US" sz="1200" kern="1200" baseline="0" smtClean="0">
                 <a:solidFill>
                   <a:schemeClr val="tx1"/>
                 </a:solidFill>
@@ -2242,10 +2665,8 @@
                 <a:ea typeface="+mn-ea"/>
                 <a:cs typeface="+mn-cs"/>
               </a:rPr>
-              <a:t>Tuy nhiên hiện tại ứng ụng web chưa kết nối được với mạng này.</a:t>
-            </a:r>
-          </a:p>
-          <a:p>
+              <a:t>Đầu tiên, ứ</a:t>
+            </a:r>
             <a:r>
               <a:rPr lang="en-US" sz="1200" kern="1200" smtClean="0">
                 <a:solidFill>
@@ -2256,7 +2677,248 @@
                 <a:ea typeface="+mn-ea"/>
                 <a:cs typeface="+mn-cs"/>
               </a:rPr>
-              <a:t>Phần này em xin được trình bày ở nội dung cuối cùng là: demo ứng dụng</a:t>
+              <a:t>ng </a:t>
+            </a:r>
+            <a:r>
+              <a:rPr lang="en-US" sz="1200" kern="1200" smtClean="0">
+                <a:solidFill>
+                  <a:schemeClr val="tx1"/>
+                </a:solidFill>
+                <a:effectLst/>
+                <a:latin typeface="+mn-lt"/>
+                <a:ea typeface="+mn-ea"/>
+                <a:cs typeface="+mn-cs"/>
+              </a:rPr>
+              <a:t>dụng </a:t>
+            </a:r>
+            <a:r>
+              <a:rPr lang="en-US" sz="1200" kern="1200" smtClean="0">
+                <a:solidFill>
+                  <a:schemeClr val="tx1"/>
+                </a:solidFill>
+                <a:effectLst/>
+                <a:latin typeface="+mn-lt"/>
+                <a:ea typeface="+mn-ea"/>
+                <a:cs typeface="+mn-cs"/>
+              </a:rPr>
+              <a:t>web </a:t>
+            </a:r>
+            <a:r>
+              <a:rPr lang="en-US" sz="1200" kern="1200" smtClean="0">
+                <a:solidFill>
+                  <a:schemeClr val="tx1"/>
+                </a:solidFill>
+                <a:effectLst/>
+                <a:latin typeface="+mn-lt"/>
+                <a:ea typeface="+mn-ea"/>
+                <a:cs typeface="+mn-cs"/>
+              </a:rPr>
+              <a:t>hoạt động trên</a:t>
+            </a:r>
+            <a:r>
+              <a:rPr lang="en-US" sz="1200" kern="1200" baseline="0" smtClean="0">
+                <a:solidFill>
+                  <a:schemeClr val="tx1"/>
+                </a:solidFill>
+                <a:effectLst/>
+                <a:latin typeface="+mn-lt"/>
+                <a:ea typeface="+mn-ea"/>
+                <a:cs typeface="+mn-cs"/>
+              </a:rPr>
+              <a:t> máy tính cá nhân và kết nối mạng blockchain</a:t>
+            </a:r>
+            <a:r>
+              <a:rPr lang="en-US" sz="1200" kern="1200" smtClean="0">
+                <a:solidFill>
+                  <a:schemeClr val="tx1"/>
+                </a:solidFill>
+                <a:effectLst/>
+                <a:latin typeface="+mn-lt"/>
+                <a:ea typeface="+mn-ea"/>
+                <a:cs typeface="+mn-cs"/>
+              </a:rPr>
+              <a:t> thông qua tiện ích IBM Blockchain</a:t>
+            </a:r>
+            <a:r>
+              <a:rPr lang="en-US" sz="1200" kern="1200" baseline="0" smtClean="0">
+                <a:solidFill>
+                  <a:schemeClr val="tx1"/>
+                </a:solidFill>
+                <a:effectLst/>
+                <a:latin typeface="+mn-lt"/>
+                <a:ea typeface="+mn-ea"/>
+                <a:cs typeface="+mn-cs"/>
+              </a:rPr>
+              <a:t> trên Visual Code.</a:t>
+            </a:r>
+            <a:endParaRPr lang="en-US" sz="1200" kern="1200" smtClean="0">
+              <a:solidFill>
+                <a:schemeClr val="tx1"/>
+              </a:solidFill>
+              <a:effectLst/>
+              <a:latin typeface="+mn-lt"/>
+              <a:ea typeface="+mn-ea"/>
+              <a:cs typeface="+mn-cs"/>
+            </a:endParaRPr>
+          </a:p>
+          <a:p>
+            <a:r>
+              <a:rPr lang="en-US" sz="1200" kern="1200" baseline="0" smtClean="0">
+                <a:solidFill>
+                  <a:schemeClr val="tx1"/>
+                </a:solidFill>
+                <a:effectLst/>
+                <a:latin typeface="+mn-lt"/>
+                <a:ea typeface="+mn-ea"/>
+                <a:cs typeface="+mn-cs"/>
+              </a:rPr>
+              <a:t>Sau đó triển khai mạng </a:t>
+            </a:r>
+            <a:r>
+              <a:rPr lang="en-US" sz="1200" kern="1200" baseline="0" smtClean="0">
+                <a:solidFill>
+                  <a:schemeClr val="tx1"/>
+                </a:solidFill>
+                <a:effectLst/>
+                <a:latin typeface="+mn-lt"/>
+                <a:ea typeface="+mn-ea"/>
+                <a:cs typeface="+mn-cs"/>
+              </a:rPr>
+              <a:t>Hyperledger </a:t>
+            </a:r>
+            <a:r>
+              <a:rPr lang="en-US" sz="1200" kern="1200" baseline="0" smtClean="0">
+                <a:solidFill>
+                  <a:schemeClr val="tx1"/>
+                </a:solidFill>
+                <a:effectLst/>
+                <a:latin typeface="+mn-lt"/>
+                <a:ea typeface="+mn-ea"/>
+                <a:cs typeface="+mn-cs"/>
+              </a:rPr>
+              <a:t>Fabric và </a:t>
+            </a:r>
+            <a:r>
+              <a:rPr lang="en-US" sz="1200" kern="1200" smtClean="0">
+                <a:solidFill>
+                  <a:schemeClr val="tx1"/>
+                </a:solidFill>
+                <a:effectLst/>
+                <a:latin typeface="+mn-lt"/>
+                <a:ea typeface="+mn-ea"/>
+                <a:cs typeface="+mn-cs"/>
+              </a:rPr>
+              <a:t>ứng dụng web </a:t>
+            </a:r>
+            <a:r>
+              <a:rPr lang="en-US" sz="1200" kern="1200" smtClean="0">
+                <a:solidFill>
+                  <a:schemeClr val="tx1"/>
+                </a:solidFill>
+                <a:effectLst/>
+                <a:latin typeface="+mn-lt"/>
+                <a:ea typeface="+mn-ea"/>
+                <a:cs typeface="+mn-cs"/>
+              </a:rPr>
+              <a:t>trên</a:t>
+            </a:r>
+            <a:r>
+              <a:rPr lang="en-US" sz="1200" kern="1200" baseline="0" smtClean="0">
+                <a:solidFill>
+                  <a:schemeClr val="tx1"/>
+                </a:solidFill>
+                <a:effectLst/>
+                <a:latin typeface="+mn-lt"/>
+                <a:ea typeface="+mn-ea"/>
+                <a:cs typeface="+mn-cs"/>
+              </a:rPr>
+              <a:t> các máy chủ ảo</a:t>
+            </a:r>
+            <a:r>
+              <a:rPr lang="en-US" sz="1200" kern="1200" smtClean="0">
+                <a:solidFill>
+                  <a:schemeClr val="tx1"/>
+                </a:solidFill>
+                <a:effectLst/>
+                <a:latin typeface="+mn-lt"/>
+                <a:ea typeface="+mn-ea"/>
+                <a:cs typeface="+mn-cs"/>
+              </a:rPr>
+              <a:t>,</a:t>
+            </a:r>
+          </a:p>
+          <a:p>
+            <a:r>
+              <a:rPr lang="en-US" sz="1200" kern="1200" smtClean="0">
+                <a:solidFill>
+                  <a:schemeClr val="tx1"/>
+                </a:solidFill>
+                <a:effectLst/>
+                <a:latin typeface="+mn-lt"/>
+                <a:ea typeface="+mn-ea"/>
+                <a:cs typeface="+mn-cs"/>
+              </a:rPr>
+              <a:t>Ưng</a:t>
+            </a:r>
+            <a:r>
+              <a:rPr lang="en-US" sz="1200" kern="1200" baseline="0" smtClean="0">
+                <a:solidFill>
+                  <a:schemeClr val="tx1"/>
+                </a:solidFill>
+                <a:effectLst/>
+                <a:latin typeface="+mn-lt"/>
+                <a:ea typeface="+mn-ea"/>
+                <a:cs typeface="+mn-cs"/>
+              </a:rPr>
+              <a:t> </a:t>
+            </a:r>
+            <a:r>
+              <a:rPr lang="en-US" sz="1200" kern="1200" baseline="0" smtClean="0">
+                <a:solidFill>
+                  <a:schemeClr val="tx1"/>
+                </a:solidFill>
+                <a:effectLst/>
+                <a:latin typeface="+mn-lt"/>
+                <a:ea typeface="+mn-ea"/>
+                <a:cs typeface="+mn-cs"/>
+              </a:rPr>
+              <a:t>dụng web</a:t>
+            </a:r>
+            <a:r>
+              <a:rPr lang="en-US" sz="1200" kern="1200" smtClean="0">
+                <a:solidFill>
+                  <a:schemeClr val="tx1"/>
+                </a:solidFill>
+                <a:effectLst/>
+                <a:latin typeface="+mn-lt"/>
+                <a:ea typeface="+mn-ea"/>
+                <a:cs typeface="+mn-cs"/>
+              </a:rPr>
+              <a:t> sẽ</a:t>
+            </a:r>
+            <a:r>
+              <a:rPr lang="en-US" sz="1200" kern="1200" baseline="0" smtClean="0">
+                <a:solidFill>
+                  <a:schemeClr val="tx1"/>
+                </a:solidFill>
+                <a:effectLst/>
+                <a:latin typeface="+mn-lt"/>
+                <a:ea typeface="+mn-ea"/>
+                <a:cs typeface="+mn-cs"/>
+              </a:rPr>
+              <a:t> </a:t>
+            </a:r>
+            <a:r>
+              <a:rPr lang="en-US" sz="1200" kern="1200" smtClean="0">
+                <a:solidFill>
+                  <a:schemeClr val="tx1"/>
+                </a:solidFill>
+                <a:effectLst/>
+                <a:latin typeface="+mn-lt"/>
+                <a:ea typeface="+mn-ea"/>
+                <a:cs typeface="+mn-cs"/>
+              </a:rPr>
+              <a:t>được trình bày ở nội dung cuối cùng là: demo ứng dụng</a:t>
             </a:r>
           </a:p>
           <a:p>
@@ -2389,12 +3051,10 @@
                 <a:ea typeface="+mn-ea"/>
                 <a:cs typeface="+mn-cs"/>
               </a:rPr>
-              <a:t>Ưu điểm:</a:t>
-            </a:r>
-          </a:p>
-          <a:p>
-            <a:r>
-              <a:rPr lang="en-US" sz="1200" kern="1200" smtClean="0">
+              <a:t>Về</a:t>
+            </a:r>
+            <a:r>
+              <a:rPr lang="en-US" sz="1200" kern="1200" baseline="0" smtClean="0">
                 <a:solidFill>
                   <a:schemeClr val="tx1"/>
                 </a:solidFill>
@@ -2403,10 +3063,8 @@
                 <a:ea typeface="+mn-ea"/>
                 <a:cs typeface="+mn-cs"/>
               </a:rPr>
-              <a:t>Tìm hiểu được quy trình, nghiệp vụ quản lý VBCC tại Trung tâm Tin học Trường Đại học An Giang.</a:t>
-            </a:r>
-          </a:p>
-          <a:p>
+              <a:t> ư</a:t>
+            </a:r>
             <a:r>
               <a:rPr lang="en-US" sz="1200" kern="1200" smtClean="0">
                 <a:solidFill>
@@ -2417,7 +3075,7 @@
                 <a:ea typeface="+mn-ea"/>
                 <a:cs typeface="+mn-cs"/>
               </a:rPr>
-              <a:t>Triển khai được ứng dụng có chức năng cấp và xác thực VBCC.</a:t>
+              <a:t>u điểm:</a:t>
             </a:r>
           </a:p>
           <a:p>
@@ -2431,12 +3089,10 @@
                 <a:ea typeface="+mn-ea"/>
                 <a:cs typeface="+mn-cs"/>
               </a:rPr>
-              <a:t>Hạn chế:</a:t>
-            </a:r>
-          </a:p>
-          <a:p>
-            <a:r>
-              <a:rPr lang="en-US" sz="1200" kern="1200" smtClean="0">
+              <a:t>Đề</a:t>
+            </a:r>
+            <a:r>
+              <a:rPr lang="en-US" sz="1200" kern="1200" baseline="0" smtClean="0">
                 <a:solidFill>
                   <a:schemeClr val="tx1"/>
                 </a:solidFill>
@@ -2445,10 +3101,8 @@
                 <a:ea typeface="+mn-ea"/>
                 <a:cs typeface="+mn-cs"/>
               </a:rPr>
-              <a:t>Mô hình triển khai phụ thuộc vào CA của Hyperledger Fabric và chứng thư số tự cấp.</a:t>
-            </a:r>
-          </a:p>
-          <a:p>
+              <a:t> tài t</a:t>
+            </a:r>
             <a:r>
               <a:rPr lang="en-US" sz="1200" kern="1200" smtClean="0">
                 <a:solidFill>
@@ -2459,7 +3113,7 @@
                 <a:ea typeface="+mn-ea"/>
                 <a:cs typeface="+mn-cs"/>
               </a:rPr>
-              <a:t>Ứng dụng web còn nhiều hạn chế, chỉ có tính năng đơn giản. </a:t>
+              <a:t>ìm hiểu được quy trình, nghiệp vụ quản lý VBCC tại Trung tâm Tin học Trường Đại học An Giang.</a:t>
             </a:r>
           </a:p>
           <a:p>
@@ -2473,12 +3127,10 @@
                 <a:ea typeface="+mn-ea"/>
                 <a:cs typeface="+mn-cs"/>
               </a:rPr>
-              <a:t>Hướng phát triển:</a:t>
-            </a:r>
-          </a:p>
-          <a:p>
-            <a:r>
-              <a:rPr lang="en-US" sz="1200" kern="1200" smtClean="0">
+              <a:t>Và</a:t>
+            </a:r>
+            <a:r>
+              <a:rPr lang="en-US" sz="1200" kern="1200" baseline="0" smtClean="0">
                 <a:solidFill>
                   <a:schemeClr val="tx1"/>
                 </a:solidFill>
@@ -2487,7 +3139,155 @@
                 <a:ea typeface="+mn-ea"/>
                 <a:cs typeface="+mn-cs"/>
               </a:rPr>
-              <a:t>Đề tài tiếp tục tìm cách khắc phục các hạn chế được nêu ra; tìm hiểu thêm các ứng dụng của mạng blockchain Hyperledger Fabric; cải tiến ứng dụng web thuận tiện cho người sử dụng.</a:t>
+              <a:t> t</a:t>
+            </a:r>
+            <a:r>
+              <a:rPr lang="en-US" sz="1200" kern="1200" smtClean="0">
+                <a:solidFill>
+                  <a:schemeClr val="tx1"/>
+                </a:solidFill>
+                <a:effectLst/>
+                <a:latin typeface="+mn-lt"/>
+                <a:ea typeface="+mn-ea"/>
+                <a:cs typeface="+mn-cs"/>
+              </a:rPr>
+              <a:t>riển khai được ứng dụng có chức năng cấp và xác thực VBCC.</a:t>
+            </a:r>
+          </a:p>
+          <a:p>
+            <a:r>
+              <a:rPr lang="en-US" sz="1200" kern="1200" smtClean="0">
+                <a:solidFill>
+                  <a:schemeClr val="tx1"/>
+                </a:solidFill>
+                <a:effectLst/>
+                <a:latin typeface="+mn-lt"/>
+                <a:ea typeface="+mn-ea"/>
+                <a:cs typeface="+mn-cs"/>
+              </a:rPr>
+              <a:t>Tuy nhiên,</a:t>
+            </a:r>
+            <a:r>
+              <a:rPr lang="en-US" sz="1200" kern="1200" baseline="0" smtClean="0">
+                <a:solidFill>
+                  <a:schemeClr val="tx1"/>
+                </a:solidFill>
+                <a:effectLst/>
+                <a:latin typeface="+mn-lt"/>
+                <a:ea typeface="+mn-ea"/>
+                <a:cs typeface="+mn-cs"/>
+              </a:rPr>
+              <a:t> đề tài còn những </a:t>
+            </a:r>
+            <a:r>
+              <a:rPr lang="en-US" sz="1200" kern="1200" smtClean="0">
+                <a:solidFill>
+                  <a:schemeClr val="tx1"/>
+                </a:solidFill>
+                <a:effectLst/>
+                <a:latin typeface="+mn-lt"/>
+                <a:ea typeface="+mn-ea"/>
+                <a:cs typeface="+mn-cs"/>
+              </a:rPr>
+              <a:t>hạn chế</a:t>
+            </a:r>
+            <a:r>
+              <a:rPr lang="en-US" sz="1200" kern="1200" baseline="0" smtClean="0">
+                <a:solidFill>
+                  <a:schemeClr val="tx1"/>
+                </a:solidFill>
+                <a:effectLst/>
+                <a:latin typeface="+mn-lt"/>
+                <a:ea typeface="+mn-ea"/>
+                <a:cs typeface="+mn-cs"/>
+              </a:rPr>
+              <a:t> như:</a:t>
+            </a:r>
+            <a:endParaRPr lang="en-US" sz="1200" kern="1200" smtClean="0">
+              <a:solidFill>
+                <a:schemeClr val="tx1"/>
+              </a:solidFill>
+              <a:effectLst/>
+              <a:latin typeface="+mn-lt"/>
+              <a:ea typeface="+mn-ea"/>
+              <a:cs typeface="+mn-cs"/>
+            </a:endParaRPr>
+          </a:p>
+          <a:p>
+            <a:r>
+              <a:rPr lang="en-US" sz="1200" kern="1200" smtClean="0">
+                <a:solidFill>
+                  <a:schemeClr val="tx1"/>
+                </a:solidFill>
+                <a:effectLst/>
+                <a:latin typeface="+mn-lt"/>
+                <a:ea typeface="+mn-ea"/>
+                <a:cs typeface="+mn-cs"/>
+              </a:rPr>
+              <a:t>Mô hình triển khai phụ thuộc vào CA của Hyperledger Fabric và chứng thư số tự cấp. Nếu CA bị lỗi thì mọi hoạt động dịch vụ sẽ bị ngừng. Nếu bị tấn công thì sẽ ảnh hưởng đến toàn bộ hệ thống.</a:t>
+            </a:r>
+          </a:p>
+          <a:p>
+            <a:r>
+              <a:rPr lang="en-US" sz="1200" kern="1200" smtClean="0">
+                <a:solidFill>
+                  <a:schemeClr val="tx1"/>
+                </a:solidFill>
+                <a:effectLst/>
+                <a:latin typeface="+mn-lt"/>
+                <a:ea typeface="+mn-ea"/>
+                <a:cs typeface="+mn-cs"/>
+              </a:rPr>
+              <a:t>Ứng dụng web còn nhiều hạn chế, chỉ có tính năng đơn giản. </a:t>
+            </a:r>
+          </a:p>
+          <a:p>
+            <a:r>
+              <a:rPr lang="en-US" sz="1200" kern="1200" smtClean="0">
+                <a:solidFill>
+                  <a:schemeClr val="tx1"/>
+                </a:solidFill>
+                <a:effectLst/>
+                <a:latin typeface="+mn-lt"/>
+                <a:ea typeface="+mn-ea"/>
+                <a:cs typeface="+mn-cs"/>
+              </a:rPr>
+              <a:t>Do đó,</a:t>
+            </a:r>
+            <a:r>
+              <a:rPr lang="en-US" sz="1200" kern="1200" baseline="0" smtClean="0">
+                <a:solidFill>
+                  <a:schemeClr val="tx1"/>
+                </a:solidFill>
+                <a:effectLst/>
+                <a:latin typeface="+mn-lt"/>
+                <a:ea typeface="+mn-ea"/>
+                <a:cs typeface="+mn-cs"/>
+              </a:rPr>
+              <a:t> </a:t>
+            </a:r>
+            <a:endParaRPr lang="en-US" sz="1200" kern="1200" smtClean="0">
+              <a:solidFill>
+                <a:schemeClr val="tx1"/>
+              </a:solidFill>
+              <a:effectLst/>
+              <a:latin typeface="+mn-lt"/>
+              <a:ea typeface="+mn-ea"/>
+              <a:cs typeface="+mn-cs"/>
+            </a:endParaRPr>
+          </a:p>
+          <a:p>
+            <a:r>
+              <a:rPr lang="en-US" sz="1200" kern="1200" smtClean="0">
+                <a:solidFill>
+                  <a:schemeClr val="tx1"/>
+                </a:solidFill>
+                <a:effectLst/>
+                <a:latin typeface="+mn-lt"/>
+                <a:ea typeface="+mn-ea"/>
+                <a:cs typeface="+mn-cs"/>
+              </a:rPr>
+              <a:t>Đề tài sẽ tiếp tục tìm cách khắc phục các hạn chế được nêu ra; tìm hiểu thêm các ứng dụng của mạng blockchain Hyperledger Fabric; cải tiến ứng dụng web thuận tiện cho người sử dụng.</a:t>
             </a:r>
           </a:p>
           <a:p>
@@ -2875,7 +3675,7 @@
                 <a:ea typeface="+mn-ea"/>
                 <a:cs typeface="+mn-cs"/>
               </a:rPr>
-              <a:t>	Trong lĩnh vực giáo dục, nhiều nước trên thế giới và Việt Nam, công nghệ blockchain được ứng dụng làm cơ sở dữ liệu bảo mật trong việc lưu trữ thông tin bằng cấp của sinh viên và thông tin quá trình đào tạo nhằm đảm bảo tính an toàn, tin cậy và bền vững theo thời gian.</a:t>
+              <a:t>Trong lĩnh vực giáo dục, nhiều nước trên thế giới và Việt Nam, công nghệ blockchain được ứng dụng làm cơ sở dữ liệu bảo mật trong việc lưu trữ thông tin bằng cấp của sinh viên và thông tin quá trình đào tạo nhằm đảm bảo tính an toàn, tin cậy và bền vững theo thời gian.</a:t>
             </a:r>
           </a:p>
         </p:txBody>
@@ -2984,7 +3784,45 @@
                 <a:ea typeface="+mn-ea"/>
                 <a:cs typeface="+mn-cs"/>
               </a:rPr>
-              <a:t>	1. Xây dựng ứng dụng web tương tác với người dùn và mạng blockchain: tiện ích IBM blockchain để làm môi trường thử nghiệm.	2. Triển khai mạng blockchain riêng tư (Hyperledger Fabric) để lưu trữ thông tin VBCC, nhằm số hóa quy trình cấp và xác minh thông tin VBCC.</a:t>
+              <a:t>Phần</a:t>
+            </a:r>
+            <a:r>
+              <a:rPr lang="en-US" sz="1200" kern="1200" baseline="0" smtClean="0">
+                <a:solidFill>
+                  <a:schemeClr val="tx1"/>
+                </a:solidFill>
+                <a:effectLst/>
+                <a:latin typeface="+mn-lt"/>
+                <a:ea typeface="+mn-ea"/>
+                <a:cs typeface="+mn-cs"/>
+              </a:rPr>
+              <a:t> </a:t>
+            </a:r>
+            <a:r>
+              <a:rPr lang="en-US" sz="1200" kern="1200" smtClean="0">
+                <a:solidFill>
+                  <a:schemeClr val="tx1"/>
+                </a:solidFill>
+                <a:effectLst/>
+                <a:latin typeface="+mn-lt"/>
+                <a:ea typeface="+mn-ea"/>
+                <a:cs typeface="+mn-cs"/>
+              </a:rPr>
+              <a:t>1. Xây dựng ứng dụng web tương tác với người dùng và mạng blockchain: tiện ích IBM blockchain để làm môi trường thử nghiệm.</a:t>
+            </a:r>
+          </a:p>
+          <a:p>
+            <a:r>
+              <a:rPr lang="en-US" sz="1200" kern="1200" smtClean="0">
+                <a:solidFill>
+                  <a:schemeClr val="tx1"/>
+                </a:solidFill>
+                <a:effectLst/>
+                <a:latin typeface="+mn-lt"/>
+                <a:ea typeface="+mn-ea"/>
+                <a:cs typeface="+mn-cs"/>
+              </a:rPr>
+              <a:t>Phần 2. Triển khai mạng blockchain riêng tư (Hyperledger Fabric) để lưu trữ thông tin VBCC, nhằm số hóa quy trình cấp và xác minh thông tin VBCC.</a:t>
             </a:r>
           </a:p>
           <a:p>
@@ -3138,12 +3976,10 @@
                 <a:ea typeface="+mn-ea"/>
                 <a:cs typeface="+mn-cs"/>
               </a:rPr>
-              <a:t>2. Khảo sát một số công nghệ blockchain phổ biến: Bitcoin, Hyperledger Fabric và những đặc tính lưu trữ dữ liệu phi tập trung, minh bạch, an toàn thông tin nhờ vào ứng dụng của mật mã khóa công khai, hàm băm dữ liệu.</a:t>
-            </a:r>
-          </a:p>
-          <a:p>
-            <a:r>
-              <a:rPr lang="en-US" sz="1200" kern="1200" smtClean="0">
+              <a:t>2. Khảo sát một số công nghệ blockchain phổ biến: Bitcoin, Hyperledger Fabric và những đặc tính lưu trữ dữ liệu phân</a:t>
+            </a:r>
+            <a:r>
+              <a:rPr lang="en-US" sz="1200" kern="1200" baseline="0" smtClean="0">
                 <a:solidFill>
                   <a:schemeClr val="tx1"/>
                 </a:solidFill>
@@ -3152,11 +3988,86 @@
                 <a:ea typeface="+mn-ea"/>
                 <a:cs typeface="+mn-cs"/>
               </a:rPr>
-              <a:t>3. Blockchain được xây dựng trên lý thuyết mật mã học để tạo và kiểm soát các liên kết dữ liệu trong hệ thống. Trong đó, mạng Blockchain riêng tư có khả năng xác thực và định danh người dùng, nên được chọn để triển khai trong quản lý VBCC.</a:t>
-            </a:r>
-          </a:p>
-          <a:p>
-            <a:endParaRPr lang="en-US"/>
+              <a:t> tán</a:t>
+            </a:r>
+            <a:r>
+              <a:rPr lang="en-US" sz="1200" kern="1200" smtClean="0">
+                <a:solidFill>
+                  <a:schemeClr val="tx1"/>
+                </a:solidFill>
+                <a:effectLst/>
+                <a:latin typeface="+mn-lt"/>
+                <a:ea typeface="+mn-ea"/>
+                <a:cs typeface="+mn-cs"/>
+              </a:rPr>
+              <a:t>, minh bạch, an toàn nhờ vào ứng dụng của mật mã khóa công khai, hàm băm dữ liệu.</a:t>
+            </a:r>
+          </a:p>
+          <a:p>
+            <a:r>
+              <a:rPr lang="en-US" sz="1200" kern="1200" smtClean="0">
+                <a:solidFill>
+                  <a:schemeClr val="tx1"/>
+                </a:solidFill>
+                <a:effectLst/>
+                <a:latin typeface="+mn-lt"/>
+                <a:ea typeface="+mn-ea"/>
+                <a:cs typeface="+mn-cs"/>
+              </a:rPr>
+              <a:t>3. Trong những công</a:t>
+            </a:r>
+            <a:r>
+              <a:rPr lang="en-US" sz="1200" kern="1200" baseline="0" smtClean="0">
+                <a:solidFill>
+                  <a:schemeClr val="tx1"/>
+                </a:solidFill>
+                <a:effectLst/>
+                <a:latin typeface="+mn-lt"/>
+                <a:ea typeface="+mn-ea"/>
+                <a:cs typeface="+mn-cs"/>
+              </a:rPr>
+              <a:t> nghệ</a:t>
+            </a:r>
+            <a:r>
+              <a:rPr lang="en-US" sz="1200" kern="1200" smtClean="0">
+                <a:solidFill>
+                  <a:schemeClr val="tx1"/>
+                </a:solidFill>
+                <a:effectLst/>
+                <a:latin typeface="+mn-lt"/>
+                <a:ea typeface="+mn-ea"/>
+                <a:cs typeface="+mn-cs"/>
+              </a:rPr>
+              <a:t> Blockchain được khảo</a:t>
+            </a:r>
+            <a:r>
+              <a:rPr lang="en-US" sz="1200" kern="1200" baseline="0" smtClean="0">
+                <a:solidFill>
+                  <a:schemeClr val="tx1"/>
+                </a:solidFill>
+                <a:effectLst/>
+                <a:latin typeface="+mn-lt"/>
+                <a:ea typeface="+mn-ea"/>
+                <a:cs typeface="+mn-cs"/>
+              </a:rPr>
+              <a:t> sát</a:t>
+            </a:r>
+            <a:r>
+              <a:rPr lang="en-US" sz="1200" kern="1200" smtClean="0">
+                <a:solidFill>
+                  <a:schemeClr val="tx1"/>
+                </a:solidFill>
+                <a:effectLst/>
+                <a:latin typeface="+mn-lt"/>
+                <a:ea typeface="+mn-ea"/>
+                <a:cs typeface="+mn-cs"/>
+              </a:rPr>
+              <a:t>, </a:t>
+            </a:r>
+            <a:r>
+              <a:rPr lang="en-US" sz="1200" smtClean="0"/>
+              <a:t>Blockchain riêng tư phù hợp để triển khai trong quản lý VBCC vì có thể kiểm soát phép truy cập cho người dùng.</a:t>
+            </a:r>
           </a:p>
         </p:txBody>
       </p:sp>
@@ -3250,12 +4161,10 @@
                 <a:ea typeface="+mn-ea"/>
                 <a:cs typeface="+mn-cs"/>
               </a:rPr>
-              <a:t>Cơ sở thực tiễn</a:t>
-            </a:r>
-          </a:p>
-          <a:p>
-            <a:r>
-              <a:rPr lang="en-US" sz="1200" kern="1200" smtClean="0">
+              <a:t>Về</a:t>
+            </a:r>
+            <a:r>
+              <a:rPr lang="en-US" sz="1200" kern="1200" baseline="0" smtClean="0">
                 <a:solidFill>
                   <a:schemeClr val="tx1"/>
                 </a:solidFill>
@@ -3264,7 +4173,57 @@
                 <a:ea typeface="+mn-ea"/>
                 <a:cs typeface="+mn-cs"/>
               </a:rPr>
-              <a:t>Nhiều nghiên cứu và ứng dụng công nghệ blockchain như hệ thống dữ liệu văn bằng thuộc Bộ giáo dục và Đào tạo, Cổng thông tin xác thực VBCC của các trường Đại học, …</a:t>
+              <a:t> </a:t>
+            </a:r>
+            <a:r>
+              <a:rPr lang="en-US" sz="1200" kern="1200" smtClean="0">
+                <a:solidFill>
+                  <a:schemeClr val="tx1"/>
+                </a:solidFill>
+                <a:effectLst/>
+                <a:latin typeface="+mn-lt"/>
+                <a:ea typeface="+mn-ea"/>
+                <a:cs typeface="+mn-cs"/>
+              </a:rPr>
+              <a:t>Cơ sở thực tiễn</a:t>
+            </a:r>
+          </a:p>
+          <a:p>
+            <a:r>
+              <a:rPr lang="en-US" sz="1200" kern="1200" smtClean="0">
+                <a:solidFill>
+                  <a:schemeClr val="tx1"/>
+                </a:solidFill>
+                <a:effectLst/>
+                <a:latin typeface="+mn-lt"/>
+                <a:ea typeface="+mn-ea"/>
+                <a:cs typeface="+mn-cs"/>
+              </a:rPr>
+              <a:t>Hiện</a:t>
+            </a:r>
+            <a:r>
+              <a:rPr lang="en-US" sz="1200" kern="1200" baseline="0" smtClean="0">
+                <a:solidFill>
+                  <a:schemeClr val="tx1"/>
+                </a:solidFill>
+                <a:effectLst/>
+                <a:latin typeface="+mn-lt"/>
+                <a:ea typeface="+mn-ea"/>
+                <a:cs typeface="+mn-cs"/>
+              </a:rPr>
+              <a:t> nay có </a:t>
+            </a:r>
+            <a:r>
+              <a:rPr lang="en-US" sz="1200" kern="1200" smtClean="0">
+                <a:solidFill>
+                  <a:schemeClr val="tx1"/>
+                </a:solidFill>
+                <a:effectLst/>
+                <a:latin typeface="+mn-lt"/>
+                <a:ea typeface="+mn-ea"/>
+                <a:cs typeface="+mn-cs"/>
+              </a:rPr>
+              <a:t>nhiều nghiên cứu và ứng dụng công nghệ blockchain như hệ thống dữ liệu văn bằng thuộc Bộ giáo dục và Đào tạo, Cổng thông tin xác thực VBCC của các trường Đại học, …</a:t>
             </a:r>
           </a:p>
           <a:p>
@@ -3418,7 +4377,7 @@
                 <a:ea typeface="+mn-ea"/>
                 <a:cs typeface="+mn-cs"/>
               </a:rPr>
-              <a:t>Chẳng hạn như VBCC phát cho sinh viên dễ sai sót, do VBCC phải được in thông tin, ký tên, đóng dấu của Trường cấo. Thông tin VBCC gồm có: số hiệu, số vào sổ gốc, họ tên, ngày sinh, giới tính, nơi sinh, điểm, ngày cấp, nên dễ sai sót và ảnh hưởng đến chất lượng hiệu quả công việc.</a:t>
+              <a:t>Chẳng hạn như VBCC phát cho sinh viên phải được in thông tin, ký tên, đóng dấu của Trường cấo. Thông tin VBCC gồm có: số hiệu, số vào sổ gốc, họ tên sinh viên, ngày sinh, giới tính, nơi sinh, điểm, ngày cấp, nên dễ sai sót và ảnh hưởng đến chất lượng hiệu quả công việc.</a:t>
             </a:r>
           </a:p>
           <a:p>
@@ -3449,7 +4408,31 @@
                 <a:ea typeface="+mn-ea"/>
                 <a:cs typeface="+mn-cs"/>
               </a:rPr>
-              <a:t>Nhu cầu,</a:t>
+              <a:t>Với</a:t>
+            </a:r>
+            <a:r>
+              <a:rPr lang="en-US" sz="1200" kern="1200" baseline="0" smtClean="0">
+                <a:solidFill>
+                  <a:schemeClr val="tx1"/>
+                </a:solidFill>
+                <a:effectLst/>
+                <a:latin typeface="+mn-lt"/>
+                <a:ea typeface="+mn-ea"/>
+                <a:cs typeface="+mn-cs"/>
+              </a:rPr>
+              <a:t> vấn đề trên đã đặt ra n</a:t>
+            </a:r>
+            <a:r>
+              <a:rPr lang="en-US" sz="1200" kern="1200" smtClean="0">
+                <a:solidFill>
+                  <a:schemeClr val="tx1"/>
+                </a:solidFill>
+                <a:effectLst/>
+                <a:latin typeface="+mn-lt"/>
+                <a:ea typeface="+mn-ea"/>
+                <a:cs typeface="+mn-cs"/>
+              </a:rPr>
+              <a:t>hu cầu</a:t>
             </a:r>
             <a:r>
               <a:rPr lang="en-US" sz="1200" kern="1200" baseline="0" smtClean="0">
@@ -3672,7 +4655,31 @@
                 <a:ea typeface="+mn-ea"/>
                 <a:cs typeface="+mn-cs"/>
               </a:rPr>
-              <a:t>Đơn vị xác minh nhận thông tin VBCC được chia sẻ từ sinh viên, nếu thông tin bị sửa đổi thì xác thực sẽ không hợp lệ nhờ cơ chế băm dữ liệu trong Blockchain.</a:t>
+              <a:t>Đơn vị xác minh nhận thông tin VBCC được chia sẻ từ sinh viên, nếu thông tin bị sửa đổi thì kết</a:t>
+            </a:r>
+            <a:r>
+              <a:rPr lang="en-US" sz="1200" kern="1200" baseline="0" smtClean="0">
+                <a:solidFill>
+                  <a:schemeClr val="tx1"/>
+                </a:solidFill>
+                <a:effectLst/>
+                <a:latin typeface="+mn-lt"/>
+                <a:ea typeface="+mn-ea"/>
+                <a:cs typeface="+mn-cs"/>
+              </a:rPr>
+              <a:t> quả </a:t>
+            </a:r>
+            <a:r>
+              <a:rPr lang="en-US" sz="1200" kern="1200" smtClean="0">
+                <a:solidFill>
+                  <a:schemeClr val="tx1"/>
+                </a:solidFill>
+                <a:effectLst/>
+                <a:latin typeface="+mn-lt"/>
+                <a:ea typeface="+mn-ea"/>
+                <a:cs typeface="+mn-cs"/>
+              </a:rPr>
+              <a:t>xác thực sẽ không hợp lệ nhờ cơ chế băm dữ liệu trong Blockchain.</a:t>
             </a:r>
           </a:p>
           <a:p>
@@ -7656,6 +8663,13 @@
   <p:clrMapOvr>
     <a:masterClrMapping/>
   </p:clrMapOvr>
+  <p:timing>
+    <p:tnLst>
+      <p:par>
+        <p:cTn id="1" dur="indefinite" restart="never" nodeType="tmRoot"/>
+      </p:par>
+    </p:tnLst>
+  </p:timing>
 </p:sld>
 </file>
 
@@ -7852,6 +8866,13 @@
   <p:clrMapOvr>
     <a:masterClrMapping/>
   </p:clrMapOvr>
+  <p:timing>
+    <p:tnLst>
+      <p:par>
+        <p:cTn id="1" dur="indefinite" restart="never" nodeType="tmRoot"/>
+      </p:par>
+    </p:tnLst>
+  </p:timing>
 </p:sld>
 </file>
 
@@ -8004,6 +9025,13 @@
   <p:clrMapOvr>
     <a:masterClrMapping/>
   </p:clrMapOvr>
+  <p:timing>
+    <p:tnLst>
+      <p:par>
+        <p:cTn id="1" dur="indefinite" restart="never" nodeType="tmRoot"/>
+      </p:par>
+    </p:tnLst>
+  </p:timing>
 </p:sld>
 </file>
 
@@ -8109,8 +9137,13 @@
             </a:pPr>
             <a:r>
               <a:rPr lang="en-US" b="1"/>
-              <a:t>3.4 Tìm hiểu các chức năng của hệ thống</a:t>
-            </a:r>
+              <a:t>3.4 Tìm hiểu các chức năng của </a:t>
+            </a:r>
+            <a:r>
+              <a:rPr lang="en-US" b="1" smtClean="0"/>
+              <a:t>ứng dụng web</a:t>
+            </a:r>
+            <a:endParaRPr lang="en-US" b="1"/>
           </a:p>
           <a:p>
             <a:pPr marL="457200" indent="-457200">
@@ -8119,8 +9152,13 @@
             </a:pPr>
             <a:r>
               <a:rPr lang="en-US" sz="2800"/>
-              <a:t>Đăng ký tài khoản</a:t>
-            </a:r>
+              <a:t>Đăng ký tài </a:t>
+            </a:r>
+            <a:r>
+              <a:rPr lang="en-US" sz="2800" smtClean="0"/>
+              <a:t>khoản người dùng</a:t>
+            </a:r>
+            <a:endParaRPr lang="en-US" sz="2800"/>
           </a:p>
           <a:p>
             <a:pPr marL="457200" indent="-457200">
@@ -8213,6 +9251,13 @@
   <p:clrMapOvr>
     <a:masterClrMapping/>
   </p:clrMapOvr>
+  <p:timing>
+    <p:tnLst>
+      <p:par>
+        <p:cTn id="1" dur="indefinite" restart="never" nodeType="tmRoot"/>
+      </p:par>
+    </p:tnLst>
+  </p:timing>
 </p:sld>
 </file>
 
@@ -8924,6 +9969,13 @@
   <p:clrMapOvr>
     <a:masterClrMapping/>
   </p:clrMapOvr>
+  <p:timing>
+    <p:tnLst>
+      <p:par>
+        <p:cTn id="1" dur="indefinite" restart="never" nodeType="tmRoot"/>
+      </p:par>
+    </p:tnLst>
+  </p:timing>
 </p:sld>
 </file>
 
@@ -9674,6 +10726,13 @@
   <p:clrMapOvr>
     <a:masterClrMapping/>
   </p:clrMapOvr>
+  <p:timing>
+    <p:tnLst>
+      <p:par>
+        <p:cTn id="1" dur="indefinite" restart="never" nodeType="tmRoot"/>
+      </p:par>
+    </p:tnLst>
+  </p:timing>
 </p:sld>
 </file>
 
@@ -10353,6 +11412,13 @@
   <p:clrMapOvr>
     <a:masterClrMapping/>
   </p:clrMapOvr>
+  <p:timing>
+    <p:tnLst>
+      <p:par>
+        <p:cTn id="1" dur="indefinite" restart="never" nodeType="tmRoot"/>
+      </p:par>
+    </p:tnLst>
+  </p:timing>
 </p:sld>
 </file>
 
@@ -10973,6 +12039,13 @@
   <p:clrMapOvr>
     <a:masterClrMapping/>
   </p:clrMapOvr>
+  <p:timing>
+    <p:tnLst>
+      <p:par>
+        <p:cTn id="1" dur="indefinite" restart="never" nodeType="tmRoot"/>
+      </p:par>
+    </p:tnLst>
+  </p:timing>
 </p:sld>
 </file>
 
@@ -11096,8 +12169,21 @@
                   <a:schemeClr val="tx1"/>
                 </a:solidFill>
               </a:rPr>
-              <a:t>Xây dựng mạng blockchain</a:t>
-            </a:r>
+              <a:t>Xây dựng mạng </a:t>
+            </a:r>
+            <a:r>
+              <a:rPr lang="en-US" sz="2600" b="1" smtClean="0">
+                <a:solidFill>
+                  <a:schemeClr val="tx1"/>
+                </a:solidFill>
+              </a:rPr>
+              <a:t>blockchain HyperFabric</a:t>
+            </a:r>
+            <a:endParaRPr lang="en-US" sz="2600" b="1">
+              <a:solidFill>
+                <a:schemeClr val="tx1"/>
+              </a:solidFill>
+            </a:endParaRPr>
           </a:p>
           <a:p>
             <a:pPr marL="0" marR="89535" lvl="3" indent="0" algn="just">
@@ -11271,6 +12357,13 @@
   <p:clrMapOvr>
     <a:masterClrMapping/>
   </p:clrMapOvr>
+  <p:timing>
+    <p:tnLst>
+      <p:par>
+        <p:cTn id="1" dur="indefinite" restart="never" nodeType="tmRoot"/>
+      </p:par>
+    </p:tnLst>
+  </p:timing>
 </p:sld>
 </file>
 
@@ -11555,6 +12648,13 @@
   <p:clrMapOvr>
     <a:masterClrMapping/>
   </p:clrMapOvr>
+  <p:timing>
+    <p:tnLst>
+      <p:par>
+        <p:cTn id="1" dur="indefinite" restart="never" nodeType="tmRoot"/>
+      </p:par>
+    </p:tnLst>
+  </p:timing>
 </p:sld>
 </file>
 
@@ -12047,6 +13147,13 @@
   <p:clrMapOvr>
     <a:masterClrMapping/>
   </p:clrMapOvr>
+  <p:timing>
+    <p:tnLst>
+      <p:par>
+        <p:cTn id="1" dur="indefinite" restart="never" nodeType="tmRoot"/>
+      </p:par>
+    </p:tnLst>
+  </p:timing>
 </p:sld>
 </file>
 
@@ -12415,6 +13522,13 @@
   <p:clrMapOvr>
     <a:masterClrMapping/>
   </p:clrMapOvr>
+  <p:timing>
+    <p:tnLst>
+      <p:par>
+        <p:cTn id="1" dur="indefinite" restart="never" nodeType="tmRoot"/>
+      </p:par>
+    </p:tnLst>
+  </p:timing>
 </p:sld>
 </file>
 
@@ -12690,6 +13804,13 @@
   <p:clrMapOvr>
     <a:masterClrMapping/>
   </p:clrMapOvr>
+  <p:timing>
+    <p:tnLst>
+      <p:par>
+        <p:cTn id="1" dur="indefinite" restart="never" nodeType="tmRoot"/>
+      </p:par>
+    </p:tnLst>
+  </p:timing>
 </p:sld>
 </file>
 
@@ -12917,6 +14038,13 @@
   <p:clrMapOvr>
     <a:masterClrMapping/>
   </p:clrMapOvr>
+  <p:timing>
+    <p:tnLst>
+      <p:par>
+        <p:cTn id="1" dur="indefinite" restart="never" nodeType="tmRoot"/>
+      </p:par>
+    </p:tnLst>
+  </p:timing>
 </p:sld>
 </file>
 
@@ -13324,6 +14452,13 @@
   <p:clrMapOvr>
     <a:masterClrMapping/>
   </p:clrMapOvr>
+  <p:timing>
+    <p:tnLst>
+      <p:par>
+        <p:cTn id="1" dur="indefinite" restart="never" nodeType="tmRoot"/>
+      </p:par>
+    </p:tnLst>
+  </p:timing>
 </p:sld>
 </file>
 
@@ -13777,6 +14912,13 @@
   <p:clrMapOvr>
     <a:masterClrMapping/>
   </p:clrMapOvr>
+  <p:timing>
+    <p:tnLst>
+      <p:par>
+        <p:cTn id="1" dur="indefinite" restart="never" nodeType="tmRoot"/>
+      </p:par>
+    </p:tnLst>
+  </p:timing>
 </p:sld>
 </file>
 
@@ -14307,77 +15449,6 @@
             </a:pPr>
             <a:r>
               <a:rPr lang="en-US" sz="2400" smtClean="0"/>
-              <a:t>	- Nhu </a:t>
-            </a:r>
-            <a:r>
-              <a:rPr lang="en-US" sz="2400" err="1"/>
-              <a:t>cầu</a:t>
-            </a:r>
-            <a:r>
-              <a:rPr lang="en-US" sz="2400"/>
-              <a:t> </a:t>
-            </a:r>
-            <a:r>
-              <a:rPr lang="en-US" sz="2400" err="1"/>
-              <a:t>bồi</a:t>
-            </a:r>
-            <a:r>
-              <a:rPr lang="en-US" sz="2400"/>
-              <a:t> </a:t>
-            </a:r>
-            <a:r>
-              <a:rPr lang="en-US" sz="2400" err="1"/>
-              <a:t>dưỡng</a:t>
-            </a:r>
-            <a:r>
-              <a:rPr lang="en-US" sz="2400"/>
-              <a:t>, </a:t>
-            </a:r>
-            <a:r>
-              <a:rPr lang="en-US" sz="2400" err="1"/>
-              <a:t>nâng</a:t>
-            </a:r>
-            <a:r>
-              <a:rPr lang="en-US" sz="2400"/>
-              <a:t> cao </a:t>
-            </a:r>
-            <a:r>
-              <a:rPr lang="en-US" sz="2400" err="1"/>
-              <a:t>kiến</a:t>
-            </a:r>
-            <a:r>
-              <a:rPr lang="en-US" sz="2400"/>
-              <a:t> </a:t>
-            </a:r>
-            <a:r>
-              <a:rPr lang="en-US" sz="2400" err="1"/>
-              <a:t>thức</a:t>
-            </a:r>
-            <a:r>
-              <a:rPr lang="en-US" sz="2400"/>
-              <a:t> </a:t>
-            </a:r>
-            <a:r>
-              <a:rPr lang="en-US" sz="2400" err="1"/>
-              <a:t>trình</a:t>
-            </a:r>
-            <a:r>
-              <a:rPr lang="en-US" sz="2400"/>
-              <a:t> </a:t>
-            </a:r>
-            <a:r>
-              <a:rPr lang="en-US" sz="2400" smtClean="0"/>
-              <a:t>độ.</a:t>
-            </a:r>
-          </a:p>
-          <a:p>
-            <a:pPr algn="just">
-              <a:lnSpc>
-                <a:spcPct val="120000"/>
-              </a:lnSpc>
-            </a:pPr>
-            <a:r>
-              <a:rPr lang="en-US" sz="2400" smtClean="0"/>
               <a:t>	- Nhà </a:t>
             </a:r>
             <a:r>
@@ -14503,6 +15574,13 @@
   <p:clrMapOvr>
     <a:overrideClrMapping bg1="lt1" tx1="dk1" bg2="lt2" tx2="dk2" accent1="accent1" accent2="accent2" accent3="accent3" accent4="accent4" accent5="accent5" accent6="accent6" hlink="hlink" folHlink="folHlink"/>
   </p:clrMapOvr>
+  <p:timing>
+    <p:tnLst>
+      <p:par>
+        <p:cTn id="1" dur="indefinite" restart="never" nodeType="tmRoot"/>
+      </p:par>
+    </p:tnLst>
+  </p:timing>
 </p:sld>
 </file>
 
@@ -15729,6 +16807,13 @@
   <p:clrMapOvr>
     <a:overrideClrMapping bg1="lt1" tx1="dk1" bg2="lt2" tx2="dk2" accent1="accent1" accent2="accent2" accent3="accent3" accent4="accent4" accent5="accent5" accent6="accent6" hlink="hlink" folHlink="folHlink"/>
   </p:clrMapOvr>
+  <p:timing>
+    <p:tnLst>
+      <p:par>
+        <p:cTn id="1" dur="indefinite" restart="never" nodeType="tmRoot"/>
+      </p:par>
+    </p:tnLst>
+  </p:timing>
 </p:sld>
 </file>
 
@@ -15897,11 +16982,11 @@
             </a:r>
             <a:r>
               <a:rPr lang="en-US" sz="2400" smtClean="0"/>
-              <a:t>dùng và mạng blockchain: IBM </a:t>
+              <a:t>dùng và mạng blockchain: tiện ích IBM Blockchain để </a:t>
             </a:r>
             <a:r>
               <a:rPr lang="en-US" sz="2400"/>
-              <a:t>blockchain extension để thử nghiệm.</a:t>
+              <a:t>thử nghiệm.</a:t>
             </a:r>
           </a:p>
           <a:p>
@@ -15979,6 +17064,13 @@
   <p:clrMapOvr>
     <a:overrideClrMapping bg1="lt1" tx1="dk1" bg2="lt2" tx2="dk2" accent1="accent1" accent2="accent2" accent3="accent3" accent4="accent4" accent5="accent5" accent6="accent6" hlink="hlink" folHlink="folHlink"/>
   </p:clrMapOvr>
+  <p:timing>
+    <p:tnLst>
+      <p:par>
+        <p:cTn id="1" dur="indefinite" restart="never" nodeType="tmRoot"/>
+      </p:par>
+    </p:tnLst>
+  </p:timing>
 </p:sld>
 </file>
 
@@ -16064,10 +17156,15 @@
             <p:ph idx="1"/>
           </p:nvPr>
         </p:nvSpPr>
-        <p:spPr/>
+        <p:spPr>
+          <a:xfrm>
+            <a:off x="533400" y="1633538"/>
+            <a:ext cx="8229600" cy="4691062"/>
+          </a:xfrm>
+        </p:spPr>
         <p:txBody>
           <a:bodyPr>
-            <a:normAutofit lnSpcReduction="10000"/>
+            <a:normAutofit/>
           </a:bodyPr>
           <a:lstStyle/>
           <a:p>
@@ -16185,11 +17282,26 @@
               <a:spcAft>
                 <a:spcPts val="300"/>
               </a:spcAft>
-              <a:buNone/>
             </a:pPr>
             <a:r>
               <a:rPr lang="en-US" sz="2400"/>
-              <a:t>2. Khảo sát một số công nghệ blockchain phổ biến: Bitcoin, Hyperledger Fabric và những đặc tính minh bạch, an toàn thông tin nhờ vào ứng dụng của mật mã khóa công khai, hàm băm dữ liệu.</a:t>
+              <a:t>2. Khảo sát một số công nghệ blockchain phổ biến: Bitcoin, Hyperledger Fabric và </a:t>
+            </a:r>
+            <a:r>
+              <a:rPr lang="en-US" sz="2400" smtClean="0"/>
+              <a:t>đặc tính lưu dữ liệu minh </a:t>
+            </a:r>
+            <a:r>
+              <a:rPr lang="en-US" sz="2400"/>
+              <a:t>bạch, an </a:t>
+            </a:r>
+            <a:r>
+              <a:rPr lang="en-US" sz="2400" smtClean="0"/>
+              <a:t>toàn nhờ </a:t>
+            </a:r>
+            <a:r>
+              <a:rPr lang="en-US" sz="2400"/>
+              <a:t>vào ứng dụng của mật mã khóa công khai, hàm băm dữ liệu.</a:t>
             </a:r>
           </a:p>
           <a:p>
@@ -16203,26 +17315,32 @@
               <a:spcAft>
                 <a:spcPts val="300"/>
               </a:spcAft>
-              <a:buNone/>
             </a:pPr>
             <a:r>
               <a:rPr lang="en-US" sz="2400"/>
-              <a:t>3. Blockchain riêng tư có khả năng xác thực và định danh người dùng, nên </a:t>
+              <a:t>3. Blockchain riêng </a:t>
             </a:r>
             <a:r>
               <a:rPr lang="en-US" sz="2400" smtClean="0"/>
-              <a:t>được chọn </a:t>
+              <a:t>tư phù hợp để </a:t>
             </a:r>
             <a:r>
               <a:rPr lang="en-US" sz="2400"/>
-              <a:t>để triển khai trong quản lý VBCC.</a:t>
-            </a:r>
-          </a:p>
-          <a:p>
-            <a:pPr marL="0" indent="0">
-              <a:buNone/>
-            </a:pPr>
-            <a:endParaRPr lang="en-US" sz="2000"/>
+              <a:t>triển khai trong quản lý </a:t>
+            </a:r>
+            <a:r>
+              <a:rPr lang="en-US" sz="2400" smtClean="0"/>
+              <a:t>VBCC vì có thể kiểm </a:t>
+            </a:r>
+            <a:r>
+              <a:rPr lang="en-US" sz="2400"/>
+              <a:t>soát phép truy cập cho người </a:t>
+            </a:r>
+            <a:r>
+              <a:rPr lang="en-US" sz="2400" smtClean="0"/>
+              <a:t>dùng.</a:t>
+            </a:r>
+            <a:endParaRPr lang="en-US" sz="2400"/>
           </a:p>
         </p:txBody>
       </p:sp>
@@ -16265,6 +17383,13 @@
   <p:clrMapOvr>
     <a:masterClrMapping/>
   </p:clrMapOvr>
+  <p:timing>
+    <p:tnLst>
+      <p:par>
+        <p:cTn id="1" dur="indefinite" restart="never" nodeType="tmRoot"/>
+      </p:par>
+    </p:tnLst>
+  </p:timing>
 </p:sld>
 </file>
 
@@ -16601,6 +17726,13 @@
   <p:clrMapOvr>
     <a:masterClrMapping/>
   </p:clrMapOvr>
+  <p:timing>
+    <p:tnLst>
+      <p:par>
+        <p:cTn id="1" dur="indefinite" restart="never" nodeType="tmRoot"/>
+      </p:par>
+    </p:tnLst>
+  </p:timing>
 </p:sld>
 </file>
 
@@ -16854,6 +17986,13 @@
   <p:clrMapOvr>
     <a:masterClrMapping/>
   </p:clrMapOvr>
+  <p:timing>
+    <p:tnLst>
+      <p:par>
+        <p:cTn id="1" dur="indefinite" restart="never" nodeType="tmRoot"/>
+      </p:par>
+    </p:tnLst>
+  </p:timing>
 </p:sld>
 </file>
 
@@ -17140,6 +18279,13 @@
   <p:clrMapOvr>
     <a:masterClrMapping/>
   </p:clrMapOvr>
+  <p:timing>
+    <p:tnLst>
+      <p:par>
+        <p:cTn id="1" dur="indefinite" restart="never" nodeType="tmRoot"/>
+      </p:par>
+    </p:tnLst>
+  </p:timing>
 </p:sld>
 </file>
 
